--- a/Air Pollution in Ethiopia - Short Form.pptx
+++ b/Air Pollution in Ethiopia - Short Form.pptx
@@ -10808,7 +10808,7 @@
               <a:buAutoNum type="arabicPeriod"/>
             </a:pPr>
             <a:r>
-              <a:rPr lang="en-US" sz="1200" u="sng" dirty="0">
+              <a:rPr lang="en-US" sz="1200" dirty="0">
                 <a:solidFill>
                   <a:schemeClr val="bg1"/>
                 </a:solidFill>
@@ -10829,7 +10829,7 @@
               <a:buAutoNum type="arabicPeriod"/>
             </a:pPr>
             <a:r>
-              <a:rPr lang="en-US" sz="1200" u="sng" dirty="0">
+              <a:rPr lang="en-US" sz="1200" dirty="0">
                 <a:solidFill>
                   <a:schemeClr val="bg1"/>
                 </a:solidFill>
@@ -11104,7 +11104,7 @@
               <a:buChar char="§"/>
             </a:pPr>
             <a:r>
-              <a:rPr lang="en-US" sz="1200" u="sng" dirty="0">
+              <a:rPr lang="en-US" sz="1200" dirty="0">
                 <a:solidFill>
                   <a:schemeClr val="bg1"/>
                 </a:solidFill>
@@ -11226,7 +11226,7 @@
               <a:buChar char="§"/>
             </a:pPr>
             <a:r>
-              <a:rPr lang="en-US" sz="1200" u="sng" dirty="0">
+              <a:rPr lang="en-US" sz="1200" dirty="0">
                 <a:solidFill>
                   <a:schemeClr val="bg1"/>
                 </a:solidFill>
@@ -11247,7 +11247,7 @@
               <a:buChar char="§"/>
             </a:pPr>
             <a:r>
-              <a:rPr lang="en-US" sz="1200" u="sng" dirty="0">
+              <a:rPr lang="en-US" sz="1200" dirty="0">
                 <a:solidFill>
                   <a:schemeClr val="bg1"/>
                 </a:solidFill>
@@ -11256,7 +11256,7 @@
               <a:t>Short-term investments in innovative, risk-mitigating technologies like improved biomass cookstoves which have been demonstrated to half household PM2.5 levels</a:t>
             </a:r>
             <a:r>
-              <a:rPr lang="en-US" sz="1200" u="sng" baseline="-25000" dirty="0">
+              <a:rPr lang="en-US" sz="1200" baseline="-25000" dirty="0">
                 <a:solidFill>
                   <a:schemeClr val="bg1"/>
                 </a:solidFill>
@@ -11264,7 +11264,7 @@
               </a:rPr>
               <a:t>5</a:t>
             </a:r>
-            <a:endParaRPr lang="en-US" sz="1200" u="sng" dirty="0">
+            <a:endParaRPr lang="en-US" sz="1200" dirty="0">
               <a:solidFill>
                 <a:schemeClr val="bg1"/>
               </a:solidFill>

--- a/Air Pollution in Ethiopia - Short Form.pptx
+++ b/Air Pollution in Ethiopia - Short Form.pptx
@@ -248,7 +248,7 @@
           <a:p>
             <a:fld id="{CB1F832C-9752-8648-A215-628FA800E962}" type="datetimeFigureOut">
               <a:rPr lang="en-US" smtClean="0"/>
-              <a:t>1/8/25</a:t>
+              <a:t>1/10/25</a:t>
             </a:fld>
             <a:endParaRPr lang="en-US"/>
           </a:p>
@@ -845,7 +845,7 @@
             <a:fld id="{5586B75A-687E-405C-8A0B-8D00578BA2C3}" type="datetimeFigureOut">
               <a:rPr lang="en-US" smtClean="0"/>
               <a:pPr/>
-              <a:t>1/8/25</a:t>
+              <a:t>1/10/25</a:t>
             </a:fld>
             <a:endParaRPr lang="en-US" dirty="0"/>
           </a:p>
@@ -1109,7 +1109,7 @@
             <a:fld id="{5586B75A-687E-405C-8A0B-8D00578BA2C3}" type="datetimeFigureOut">
               <a:rPr lang="en-US" smtClean="0"/>
               <a:pPr/>
-              <a:t>1/8/25</a:t>
+              <a:t>1/10/25</a:t>
             </a:fld>
             <a:endParaRPr lang="en-US" dirty="0"/>
           </a:p>
@@ -1346,7 +1346,7 @@
             <a:fld id="{5586B75A-687E-405C-8A0B-8D00578BA2C3}" type="datetimeFigureOut">
               <a:rPr lang="en-US" smtClean="0"/>
               <a:pPr/>
-              <a:t>1/8/25</a:t>
+              <a:t>1/10/25</a:t>
             </a:fld>
             <a:endParaRPr lang="en-US" dirty="0"/>
           </a:p>
@@ -1588,7 +1588,7 @@
             <a:fld id="{5586B75A-687E-405C-8A0B-8D00578BA2C3}" type="datetimeFigureOut">
               <a:rPr lang="en-US" smtClean="0"/>
               <a:pPr/>
-              <a:t>1/8/25</a:t>
+              <a:t>1/10/25</a:t>
             </a:fld>
             <a:endParaRPr lang="en-US" dirty="0"/>
           </a:p>
@@ -1897,7 +1897,7 @@
             <a:fld id="{5586B75A-687E-405C-8A0B-8D00578BA2C3}" type="datetimeFigureOut">
               <a:rPr lang="en-US" smtClean="0"/>
               <a:pPr/>
-              <a:t>1/8/25</a:t>
+              <a:t>1/10/25</a:t>
             </a:fld>
             <a:endParaRPr lang="en-US" dirty="0"/>
           </a:p>
@@ -2201,7 +2201,7 @@
             <a:fld id="{5586B75A-687E-405C-8A0B-8D00578BA2C3}" type="datetimeFigureOut">
               <a:rPr lang="en-US" smtClean="0"/>
               <a:pPr/>
-              <a:t>1/8/25</a:t>
+              <a:t>1/10/25</a:t>
             </a:fld>
             <a:endParaRPr lang="en-US" dirty="0"/>
           </a:p>
@@ -2625,7 +2625,7 @@
             <a:fld id="{5586B75A-687E-405C-8A0B-8D00578BA2C3}" type="datetimeFigureOut">
               <a:rPr lang="en-US" smtClean="0"/>
               <a:pPr/>
-              <a:t>1/8/25</a:t>
+              <a:t>1/10/25</a:t>
             </a:fld>
             <a:endParaRPr lang="en-US" dirty="0"/>
           </a:p>
@@ -2722,7 +2722,7 @@
             <a:fld id="{5586B75A-687E-405C-8A0B-8D00578BA2C3}" type="datetimeFigureOut">
               <a:rPr lang="en-US" smtClean="0"/>
               <a:pPr/>
-              <a:t>1/8/25</a:t>
+              <a:t>1/10/25</a:t>
             </a:fld>
             <a:endParaRPr lang="en-US" dirty="0"/>
           </a:p>
@@ -2886,7 +2886,7 @@
             <a:fld id="{5586B75A-687E-405C-8A0B-8D00578BA2C3}" type="datetimeFigureOut">
               <a:rPr lang="en-US" smtClean="0"/>
               <a:pPr/>
-              <a:t>1/8/25</a:t>
+              <a:t>1/10/25</a:t>
             </a:fld>
             <a:endParaRPr lang="en-US" dirty="0"/>
           </a:p>
@@ -3266,7 +3266,7 @@
             <a:fld id="{5586B75A-687E-405C-8A0B-8D00578BA2C3}" type="datetimeFigureOut">
               <a:rPr lang="en-US" smtClean="0"/>
               <a:pPr/>
-              <a:t>1/8/25</a:t>
+              <a:t>1/10/25</a:t>
             </a:fld>
             <a:endParaRPr lang="en-US" dirty="0"/>
           </a:p>
@@ -3557,7 +3557,7 @@
             <a:fld id="{5586B75A-687E-405C-8A0B-8D00578BA2C3}" type="datetimeFigureOut">
               <a:rPr lang="en-US" smtClean="0"/>
               <a:pPr/>
-              <a:t>1/8/25</a:t>
+              <a:t>1/10/25</a:t>
             </a:fld>
             <a:endParaRPr lang="en-US" dirty="0"/>
           </a:p>
@@ -3770,7 +3770,7 @@
             <a:fld id="{5586B75A-687E-405C-8A0B-8D00578BA2C3}" type="datetimeFigureOut">
               <a:rPr lang="en-US" smtClean="0"/>
               <a:pPr/>
-              <a:t>1/8/25</a:t>
+              <a:t>1/10/25</a:t>
             </a:fld>
             <a:endParaRPr lang="en-US" dirty="0"/>
           </a:p>
@@ -8633,7 +8633,7 @@
                 </a:solidFill>
                 <a:latin typeface="Aptos" panose="020B0004020202020204" pitchFamily="34" charset="0"/>
               </a:rPr>
-              <a:t>Large strides in expanding healthcare and clean fuel access in urban areas explains much of the significant improvements in outcomes </a:t>
+              <a:t>Large strides in expanding healthcare and clean fuel access in urban areas explain much of the significant improvements in outcomes </a:t>
             </a:r>
           </a:p>
           <a:p>

--- a/Air Pollution in Ethiopia - Short Form.pptx
+++ b/Air Pollution in Ethiopia - Short Form.pptx
@@ -5,7 +5,7 @@
     <p:sldMasterId id="2147483912" r:id="rId1"/>
   </p:sldMasterIdLst>
   <p:notesMasterIdLst>
-    <p:notesMasterId r:id="rId11"/>
+    <p:notesMasterId r:id="rId13"/>
   </p:notesMasterIdLst>
   <p:sldIdLst>
     <p:sldId id="256" r:id="rId2"/>
@@ -16,7 +16,9 @@
     <p:sldId id="261" r:id="rId7"/>
     <p:sldId id="262" r:id="rId8"/>
     <p:sldId id="263" r:id="rId9"/>
-    <p:sldId id="264" r:id="rId10"/>
+    <p:sldId id="265" r:id="rId10"/>
+    <p:sldId id="264" r:id="rId11"/>
+    <p:sldId id="266" r:id="rId12"/>
   </p:sldIdLst>
   <p:sldSz cx="12192000" cy="6858000"/>
   <p:notesSz cx="6858000" cy="9144000"/>
@@ -128,7 +130,9 @@
             <p14:sldId id="261"/>
             <p14:sldId id="262"/>
             <p14:sldId id="263"/>
+            <p14:sldId id="265"/>
             <p14:sldId id="264"/>
+            <p14:sldId id="266"/>
           </p14:sldIdLst>
         </p14:section>
       </p14:sectionLst>
@@ -140,7 +144,7 @@
             <a:srgbClr val="A4A3A4"/>
           </p15:clr>
         </p15:guide>
-        <p15:guide id="2" pos="264" userDrawn="1">
+        <p15:guide id="2" pos="288" userDrawn="1">
           <p15:clr>
             <a:srgbClr val="A4A3A4"/>
           </p15:clr>
@@ -248,7 +252,7 @@
           <a:p>
             <a:fld id="{CB1F832C-9752-8648-A215-628FA800E962}" type="datetimeFigureOut">
               <a:rPr lang="en-US" smtClean="0"/>
-              <a:t>1/10/25</a:t>
+              <a:t>3/5/25</a:t>
             </a:fld>
             <a:endParaRPr lang="en-US"/>
           </a:p>
@@ -845,7 +849,7 @@
             <a:fld id="{5586B75A-687E-405C-8A0B-8D00578BA2C3}" type="datetimeFigureOut">
               <a:rPr lang="en-US" smtClean="0"/>
               <a:pPr/>
-              <a:t>1/10/25</a:t>
+              <a:t>3/5/25</a:t>
             </a:fld>
             <a:endParaRPr lang="en-US" dirty="0"/>
           </a:p>
@@ -1109,7 +1113,7 @@
             <a:fld id="{5586B75A-687E-405C-8A0B-8D00578BA2C3}" type="datetimeFigureOut">
               <a:rPr lang="en-US" smtClean="0"/>
               <a:pPr/>
-              <a:t>1/10/25</a:t>
+              <a:t>3/5/25</a:t>
             </a:fld>
             <a:endParaRPr lang="en-US" dirty="0"/>
           </a:p>
@@ -1346,7 +1350,7 @@
             <a:fld id="{5586B75A-687E-405C-8A0B-8D00578BA2C3}" type="datetimeFigureOut">
               <a:rPr lang="en-US" smtClean="0"/>
               <a:pPr/>
-              <a:t>1/10/25</a:t>
+              <a:t>3/5/25</a:t>
             </a:fld>
             <a:endParaRPr lang="en-US" dirty="0"/>
           </a:p>
@@ -1588,7 +1592,7 @@
             <a:fld id="{5586B75A-687E-405C-8A0B-8D00578BA2C3}" type="datetimeFigureOut">
               <a:rPr lang="en-US" smtClean="0"/>
               <a:pPr/>
-              <a:t>1/10/25</a:t>
+              <a:t>3/5/25</a:t>
             </a:fld>
             <a:endParaRPr lang="en-US" dirty="0"/>
           </a:p>
@@ -1897,7 +1901,7 @@
             <a:fld id="{5586B75A-687E-405C-8A0B-8D00578BA2C3}" type="datetimeFigureOut">
               <a:rPr lang="en-US" smtClean="0"/>
               <a:pPr/>
-              <a:t>1/10/25</a:t>
+              <a:t>3/5/25</a:t>
             </a:fld>
             <a:endParaRPr lang="en-US" dirty="0"/>
           </a:p>
@@ -2201,7 +2205,7 @@
             <a:fld id="{5586B75A-687E-405C-8A0B-8D00578BA2C3}" type="datetimeFigureOut">
               <a:rPr lang="en-US" smtClean="0"/>
               <a:pPr/>
-              <a:t>1/10/25</a:t>
+              <a:t>3/5/25</a:t>
             </a:fld>
             <a:endParaRPr lang="en-US" dirty="0"/>
           </a:p>
@@ -2625,7 +2629,7 @@
             <a:fld id="{5586B75A-687E-405C-8A0B-8D00578BA2C3}" type="datetimeFigureOut">
               <a:rPr lang="en-US" smtClean="0"/>
               <a:pPr/>
-              <a:t>1/10/25</a:t>
+              <a:t>3/5/25</a:t>
             </a:fld>
             <a:endParaRPr lang="en-US" dirty="0"/>
           </a:p>
@@ -2722,7 +2726,7 @@
             <a:fld id="{5586B75A-687E-405C-8A0B-8D00578BA2C3}" type="datetimeFigureOut">
               <a:rPr lang="en-US" smtClean="0"/>
               <a:pPr/>
-              <a:t>1/10/25</a:t>
+              <a:t>3/5/25</a:t>
             </a:fld>
             <a:endParaRPr lang="en-US" dirty="0"/>
           </a:p>
@@ -2886,7 +2890,7 @@
             <a:fld id="{5586B75A-687E-405C-8A0B-8D00578BA2C3}" type="datetimeFigureOut">
               <a:rPr lang="en-US" smtClean="0"/>
               <a:pPr/>
-              <a:t>1/10/25</a:t>
+              <a:t>3/5/25</a:t>
             </a:fld>
             <a:endParaRPr lang="en-US" dirty="0"/>
           </a:p>
@@ -3266,7 +3270,7 @@
             <a:fld id="{5586B75A-687E-405C-8A0B-8D00578BA2C3}" type="datetimeFigureOut">
               <a:rPr lang="en-US" smtClean="0"/>
               <a:pPr/>
-              <a:t>1/10/25</a:t>
+              <a:t>3/5/25</a:t>
             </a:fld>
             <a:endParaRPr lang="en-US" dirty="0"/>
           </a:p>
@@ -3557,7 +3561,7 @@
             <a:fld id="{5586B75A-687E-405C-8A0B-8D00578BA2C3}" type="datetimeFigureOut">
               <a:rPr lang="en-US" smtClean="0"/>
               <a:pPr/>
-              <a:t>1/10/25</a:t>
+              <a:t>3/5/25</a:t>
             </a:fld>
             <a:endParaRPr lang="en-US" dirty="0"/>
           </a:p>
@@ -3770,7 +3774,7 @@
             <a:fld id="{5586B75A-687E-405C-8A0B-8D00578BA2C3}" type="datetimeFigureOut">
               <a:rPr lang="en-US" smtClean="0"/>
               <a:pPr/>
-              <a:t>1/10/25</a:t>
+              <a:t>3/5/25</a:t>
             </a:fld>
             <a:endParaRPr lang="en-US" dirty="0"/>
           </a:p>
@@ -4442,4321 +4446,7 @@
 </p:sld>
 </file>
 
-<file path=ppt/slides/slide2.xml><?xml version="1.0" encoding="utf-8"?>
-<p:sld xmlns:a="http://schemas.openxmlformats.org/drawingml/2006/main" xmlns:r="http://schemas.openxmlformats.org/officeDocument/2006/relationships" xmlns:p="http://schemas.openxmlformats.org/presentationml/2006/main">
-  <p:cSld>
-    <p:bg>
-      <p:bgPr>
-        <a:solidFill>
-          <a:schemeClr val="bg1"/>
-        </a:solidFill>
-        <a:effectLst/>
-      </p:bgPr>
-    </p:bg>
-    <p:spTree>
-      <p:nvGrpSpPr>
-        <p:cNvPr id="1" name=""/>
-        <p:cNvGrpSpPr/>
-        <p:nvPr/>
-      </p:nvGrpSpPr>
-      <p:grpSpPr>
-        <a:xfrm>
-          <a:off x="0" y="0"/>
-          <a:ext cx="0" cy="0"/>
-          <a:chOff x="0" y="0"/>
-          <a:chExt cx="0" cy="0"/>
-        </a:xfrm>
-      </p:grpSpPr>
-      <p:sp>
-        <p:nvSpPr>
-          <p:cNvPr id="57" name="Rectangle 56">
-            <a:extLst>
-              <a:ext uri="{FF2B5EF4-FFF2-40B4-BE49-F238E27FC236}">
-                <a16:creationId xmlns:a16="http://schemas.microsoft.com/office/drawing/2014/main" id="{A078A52F-85EA-4C0B-962B-D9D9DD4DD78C}"/>
-              </a:ext>
-              <a:ext uri="{C183D7F6-B498-43B3-948B-1728B52AA6E4}">
-                <adec:decorative xmlns:adec="http://schemas.microsoft.com/office/drawing/2017/decorative" val="1"/>
-              </a:ext>
-            </a:extLst>
-          </p:cNvPr>
-          <p:cNvSpPr>
-            <a:spLocks noGrp="1" noRot="1" noChangeAspect="1" noMove="1" noResize="1" noEditPoints="1" noAdjustHandles="1" noChangeArrowheads="1" noChangeShapeType="1" noTextEdit="1"/>
-          </p:cNvSpPr>
-          <p:nvPr>
-            <p:extLst>
-              <p:ext uri="{386F3935-93C4-4BCD-93E2-E3B085C9AB24}">
-                <p16:designElem xmlns:p16="http://schemas.microsoft.com/office/powerpoint/2015/main" val="1"/>
-              </p:ext>
-            </p:extLst>
-          </p:nvPr>
-        </p:nvSpPr>
-        <p:spPr>
-          <a:xfrm>
-            <a:off x="446534" y="457200"/>
-            <a:ext cx="3703320" cy="94997"/>
-          </a:xfrm>
-          <a:prstGeom prst="rect">
-            <a:avLst/>
-          </a:prstGeom>
-          <a:solidFill>
-            <a:schemeClr val="accent1"/>
-          </a:solidFill>
-          <a:ln>
-            <a:noFill/>
-          </a:ln>
-          <a:effectLst/>
-        </p:spPr>
-        <p:style>
-          <a:lnRef idx="1">
-            <a:schemeClr val="accent1"/>
-          </a:lnRef>
-          <a:fillRef idx="3">
-            <a:schemeClr val="accent1"/>
-          </a:fillRef>
-          <a:effectRef idx="2">
-            <a:schemeClr val="accent1"/>
-          </a:effectRef>
-          <a:fontRef idx="minor">
-            <a:schemeClr val="lt1"/>
-          </a:fontRef>
-        </p:style>
-        <p:txBody>
-          <a:bodyPr/>
-          <a:lstStyle/>
-          <a:p>
-            <a:endParaRPr lang="en-US"/>
-          </a:p>
-        </p:txBody>
-      </p:sp>
-      <p:sp>
-        <p:nvSpPr>
-          <p:cNvPr id="58" name="Rectangle 57">
-            <a:extLst>
-              <a:ext uri="{FF2B5EF4-FFF2-40B4-BE49-F238E27FC236}">
-                <a16:creationId xmlns:a16="http://schemas.microsoft.com/office/drawing/2014/main" id="{919797D5-5700-4683-B30A-5B4D56CB8270}"/>
-              </a:ext>
-              <a:ext uri="{C183D7F6-B498-43B3-948B-1728B52AA6E4}">
-                <adec:decorative xmlns:adec="http://schemas.microsoft.com/office/drawing/2017/decorative" val="1"/>
-              </a:ext>
-            </a:extLst>
-          </p:cNvPr>
-          <p:cNvSpPr>
-            <a:spLocks noGrp="1" noRot="1" noChangeAspect="1" noMove="1" noResize="1" noEditPoints="1" noAdjustHandles="1" noChangeArrowheads="1" noChangeShapeType="1" noTextEdit="1"/>
-          </p:cNvSpPr>
-          <p:nvPr>
-            <p:extLst>
-              <p:ext uri="{386F3935-93C4-4BCD-93E2-E3B085C9AB24}">
-                <p16:designElem xmlns:p16="http://schemas.microsoft.com/office/powerpoint/2015/main" val="1"/>
-              </p:ext>
-            </p:extLst>
-          </p:nvPr>
-        </p:nvSpPr>
-        <p:spPr>
-          <a:xfrm>
-            <a:off x="8042147" y="453643"/>
-            <a:ext cx="3703320" cy="98554"/>
-          </a:xfrm>
-          <a:prstGeom prst="rect">
-            <a:avLst/>
-          </a:prstGeom>
-          <a:solidFill>
-            <a:schemeClr val="accent4"/>
-          </a:solidFill>
-          <a:ln>
-            <a:noFill/>
-          </a:ln>
-          <a:effectLst/>
-        </p:spPr>
-        <p:style>
-          <a:lnRef idx="1">
-            <a:schemeClr val="accent1"/>
-          </a:lnRef>
-          <a:fillRef idx="3">
-            <a:schemeClr val="accent1"/>
-          </a:fillRef>
-          <a:effectRef idx="2">
-            <a:schemeClr val="accent1"/>
-          </a:effectRef>
-          <a:fontRef idx="minor">
-            <a:schemeClr val="lt1"/>
-          </a:fontRef>
-        </p:style>
-        <p:txBody>
-          <a:bodyPr/>
-          <a:lstStyle/>
-          <a:p>
-            <a:endParaRPr lang="en-US"/>
-          </a:p>
-        </p:txBody>
-      </p:sp>
-      <p:sp>
-        <p:nvSpPr>
-          <p:cNvPr id="59" name="Rectangle 58">
-            <a:extLst>
-              <a:ext uri="{FF2B5EF4-FFF2-40B4-BE49-F238E27FC236}">
-                <a16:creationId xmlns:a16="http://schemas.microsoft.com/office/drawing/2014/main" id="{4856A7B9-9801-42EC-A4C9-7E22A56EF53D}"/>
-              </a:ext>
-              <a:ext uri="{C183D7F6-B498-43B3-948B-1728B52AA6E4}">
-                <adec:decorative xmlns:adec="http://schemas.microsoft.com/office/drawing/2017/decorative" val="1"/>
-              </a:ext>
-            </a:extLst>
-          </p:cNvPr>
-          <p:cNvSpPr>
-            <a:spLocks noGrp="1" noRot="1" noChangeAspect="1" noMove="1" noResize="1" noEditPoints="1" noAdjustHandles="1" noChangeArrowheads="1" noChangeShapeType="1" noTextEdit="1"/>
-          </p:cNvSpPr>
-          <p:nvPr>
-            <p:extLst>
-              <p:ext uri="{386F3935-93C4-4BCD-93E2-E3B085C9AB24}">
-                <p16:designElem xmlns:p16="http://schemas.microsoft.com/office/powerpoint/2015/main" val="1"/>
-              </p:ext>
-            </p:extLst>
-          </p:nvPr>
-        </p:nvSpPr>
-        <p:spPr>
-          <a:xfrm>
-            <a:off x="4241830" y="457200"/>
-            <a:ext cx="3703320" cy="91440"/>
-          </a:xfrm>
-          <a:prstGeom prst="rect">
-            <a:avLst/>
-          </a:prstGeom>
-          <a:solidFill>
-            <a:schemeClr val="accent2"/>
-          </a:solidFill>
-          <a:ln>
-            <a:noFill/>
-          </a:ln>
-          <a:effectLst/>
-        </p:spPr>
-        <p:style>
-          <a:lnRef idx="1">
-            <a:schemeClr val="accent1"/>
-          </a:lnRef>
-          <a:fillRef idx="3">
-            <a:schemeClr val="accent1"/>
-          </a:fillRef>
-          <a:effectRef idx="2">
-            <a:schemeClr val="accent1"/>
-          </a:effectRef>
-          <a:fontRef idx="minor">
-            <a:schemeClr val="lt1"/>
-          </a:fontRef>
-        </p:style>
-        <p:txBody>
-          <a:bodyPr/>
-          <a:lstStyle/>
-          <a:p>
-            <a:endParaRPr lang="en-US"/>
-          </a:p>
-        </p:txBody>
-      </p:sp>
-      <p:sp>
-        <p:nvSpPr>
-          <p:cNvPr id="60" name="Rectangle 59">
-            <a:extLst>
-              <a:ext uri="{FF2B5EF4-FFF2-40B4-BE49-F238E27FC236}">
-                <a16:creationId xmlns:a16="http://schemas.microsoft.com/office/drawing/2014/main" id="{A8D10092-A860-4EFB-963F-A14DA3648858}"/>
-              </a:ext>
-              <a:ext uri="{C183D7F6-B498-43B3-948B-1728B52AA6E4}">
-                <adec:decorative xmlns:adec="http://schemas.microsoft.com/office/drawing/2017/decorative" val="1"/>
-              </a:ext>
-            </a:extLst>
-          </p:cNvPr>
-          <p:cNvSpPr>
-            <a:spLocks noGrp="1" noRot="1" noChangeAspect="1" noMove="1" noResize="1" noEditPoints="1" noAdjustHandles="1" noChangeArrowheads="1" noChangeShapeType="1" noTextEdit="1"/>
-          </p:cNvSpPr>
-          <p:nvPr>
-            <p:extLst>
-              <p:ext uri="{386F3935-93C4-4BCD-93E2-E3B085C9AB24}">
-                <p16:designElem xmlns:p16="http://schemas.microsoft.com/office/powerpoint/2015/main" val="1"/>
-              </p:ext>
-            </p:extLst>
-          </p:nvPr>
-        </p:nvSpPr>
-        <p:spPr>
-          <a:xfrm>
-            <a:off x="440286" y="614407"/>
-            <a:ext cx="11309338" cy="1189298"/>
-          </a:xfrm>
-          <a:prstGeom prst="rect">
-            <a:avLst/>
-          </a:prstGeom>
-          <a:solidFill>
-            <a:schemeClr val="accent1"/>
-          </a:solidFill>
-          <a:ln>
-            <a:noFill/>
-          </a:ln>
-          <a:effectLst/>
-        </p:spPr>
-        <p:style>
-          <a:lnRef idx="1">
-            <a:schemeClr val="accent1"/>
-          </a:lnRef>
-          <a:fillRef idx="3">
-            <a:schemeClr val="accent1"/>
-          </a:fillRef>
-          <a:effectRef idx="2">
-            <a:schemeClr val="accent1"/>
-          </a:effectRef>
-          <a:fontRef idx="minor">
-            <a:schemeClr val="lt1"/>
-          </a:fontRef>
-        </p:style>
-        <p:txBody>
-          <a:bodyPr/>
-          <a:lstStyle/>
-          <a:p>
-            <a:endParaRPr lang="en-US"/>
-          </a:p>
-        </p:txBody>
-      </p:sp>
-      <p:sp useBgFill="1">
-        <p:nvSpPr>
-          <p:cNvPr id="61" name="Rectangle 60">
-            <a:extLst>
-              <a:ext uri="{FF2B5EF4-FFF2-40B4-BE49-F238E27FC236}">
-                <a16:creationId xmlns:a16="http://schemas.microsoft.com/office/drawing/2014/main" id="{EE15E636-2C9E-42CB-B482-436AA81BF93B}"/>
-              </a:ext>
-              <a:ext uri="{C183D7F6-B498-43B3-948B-1728B52AA6E4}">
-                <adec:decorative xmlns:adec="http://schemas.microsoft.com/office/drawing/2017/decorative" val="1"/>
-              </a:ext>
-            </a:extLst>
-          </p:cNvPr>
-          <p:cNvSpPr>
-            <a:spLocks noGrp="1" noRot="1" noChangeAspect="1" noMove="1" noResize="1" noEditPoints="1" noAdjustHandles="1" noChangeArrowheads="1" noChangeShapeType="1" noTextEdit="1"/>
-          </p:cNvSpPr>
-          <p:nvPr>
-            <p:extLst>
-              <p:ext uri="{386F3935-93C4-4BCD-93E2-E3B085C9AB24}">
-                <p16:designElem xmlns:p16="http://schemas.microsoft.com/office/powerpoint/2015/main" val="1"/>
-              </p:ext>
-            </p:extLst>
-          </p:nvPr>
-        </p:nvSpPr>
-        <p:spPr>
-          <a:xfrm>
-            <a:off x="0" y="0"/>
-            <a:ext cx="12192000" cy="6858000"/>
-          </a:xfrm>
-          <a:prstGeom prst="rect">
-            <a:avLst/>
-          </a:prstGeom>
-          <a:ln>
-            <a:noFill/>
-          </a:ln>
-        </p:spPr>
-        <p:style>
-          <a:lnRef idx="2">
-            <a:schemeClr val="accent1">
-              <a:shade val="50000"/>
-            </a:schemeClr>
-          </a:lnRef>
-          <a:fillRef idx="1">
-            <a:schemeClr val="accent1"/>
-          </a:fillRef>
-          <a:effectRef idx="0">
-            <a:schemeClr val="accent1"/>
-          </a:effectRef>
-          <a:fontRef idx="minor">
-            <a:schemeClr val="lt1"/>
-          </a:fontRef>
-        </p:style>
-        <p:txBody>
-          <a:bodyPr rtlCol="0" anchor="ctr"/>
-          <a:lstStyle/>
-          <a:p>
-            <a:pPr algn="ctr"/>
-            <a:endParaRPr lang="en-US"/>
-          </a:p>
-        </p:txBody>
-      </p:sp>
-      <p:pic>
-        <p:nvPicPr>
-          <p:cNvPr id="62" name="Picture 61" descr="Smoke from factory">
-            <a:extLst>
-              <a:ext uri="{FF2B5EF4-FFF2-40B4-BE49-F238E27FC236}">
-                <a16:creationId xmlns:a16="http://schemas.microsoft.com/office/drawing/2014/main" id="{913AB244-8CD6-FBF8-50D3-6B95A1C03462}"/>
-              </a:ext>
-            </a:extLst>
-          </p:cNvPr>
-          <p:cNvPicPr>
-            <a:picLocks noChangeAspect="1"/>
-          </p:cNvPicPr>
-          <p:nvPr/>
-        </p:nvPicPr>
-        <p:blipFill>
-          <a:blip r:embed="rId2"/>
-          <a:srcRect t="3632" b="12098"/>
-          <a:stretch/>
-        </p:blipFill>
-        <p:spPr>
-          <a:xfrm>
-            <a:off x="20" y="10"/>
-            <a:ext cx="12191980" cy="6857990"/>
-          </a:xfrm>
-          <a:prstGeom prst="rect">
-            <a:avLst/>
-          </a:prstGeom>
-        </p:spPr>
-      </p:pic>
-      <p:grpSp>
-        <p:nvGrpSpPr>
-          <p:cNvPr id="63" name="Group 62">
-            <a:extLst>
-              <a:ext uri="{FF2B5EF4-FFF2-40B4-BE49-F238E27FC236}">
-                <a16:creationId xmlns:a16="http://schemas.microsoft.com/office/drawing/2014/main" id="{01D4AEDF-0CF9-4271-ABB7-3D3489BB42D0}"/>
-              </a:ext>
-              <a:ext uri="{C183D7F6-B498-43B3-948B-1728B52AA6E4}">
-                <adec:decorative xmlns:adec="http://schemas.microsoft.com/office/drawing/2017/decorative" val="1"/>
-              </a:ext>
-            </a:extLst>
-          </p:cNvPr>
-          <p:cNvGrpSpPr>
-            <a:grpSpLocks noGrp="1" noUngrp="1" noRot="1" noChangeAspect="1" noMove="1" noResize="1"/>
-          </p:cNvGrpSpPr>
-          <p:nvPr>
-            <p:extLst>
-              <p:ext uri="{386F3935-93C4-4BCD-93E2-E3B085C9AB24}">
-                <p16:designElem xmlns:p16="http://schemas.microsoft.com/office/powerpoint/2015/main" val="1"/>
-              </p:ext>
-            </p:extLst>
-          </p:nvPr>
-        </p:nvGrpSpPr>
-        <p:grpSpPr>
-          <a:xfrm>
-            <a:off x="438068" y="457200"/>
-            <a:ext cx="3703320" cy="5935132"/>
-            <a:chOff x="438068" y="457200"/>
-            <a:chExt cx="3703320" cy="5935132"/>
-          </a:xfrm>
-        </p:grpSpPr>
-        <p:sp>
-          <p:nvSpPr>
-            <p:cNvPr id="21" name="Rectangle 20">
-              <a:extLst>
-                <a:ext uri="{FF2B5EF4-FFF2-40B4-BE49-F238E27FC236}">
-                  <a16:creationId xmlns:a16="http://schemas.microsoft.com/office/drawing/2014/main" id="{55CA534D-375A-405E-B686-06B63E6630BD}"/>
-                </a:ext>
-                <a:ext uri="{C183D7F6-B498-43B3-948B-1728B52AA6E4}">
-                  <adec:decorative xmlns:adec="http://schemas.microsoft.com/office/drawing/2017/decorative" val="1"/>
-                </a:ext>
-              </a:extLst>
-            </p:cNvPr>
-            <p:cNvSpPr/>
-            <p:nvPr>
-              <p:extLst>
-                <p:ext uri="{386F3935-93C4-4BCD-93E2-E3B085C9AB24}">
-                  <p16:designElem xmlns:p16="http://schemas.microsoft.com/office/powerpoint/2015/main" val="1"/>
-                </p:ext>
-              </p:extLst>
-            </p:nvPr>
-          </p:nvSpPr>
-          <p:spPr>
-            <a:xfrm>
-              <a:off x="438068" y="618067"/>
-              <a:ext cx="3702134" cy="5774265"/>
-            </a:xfrm>
-            <a:prstGeom prst="rect">
-              <a:avLst/>
-            </a:prstGeom>
-            <a:solidFill>
-              <a:schemeClr val="accent1">
-                <a:alpha val="97000"/>
-              </a:schemeClr>
-            </a:solidFill>
-            <a:ln w="6350" cmpd="sng">
-              <a:noFill/>
-            </a:ln>
-            <a:effectLst/>
-          </p:spPr>
-          <p:style>
-            <a:lnRef idx="1">
-              <a:schemeClr val="accent1"/>
-            </a:lnRef>
-            <a:fillRef idx="3">
-              <a:schemeClr val="accent1"/>
-            </a:fillRef>
-            <a:effectRef idx="2">
-              <a:schemeClr val="accent1"/>
-            </a:effectRef>
-            <a:fontRef idx="minor">
-              <a:schemeClr val="lt1"/>
-            </a:fontRef>
-          </p:style>
-          <p:txBody>
-            <a:bodyPr/>
-            <a:lstStyle/>
-            <a:p>
-              <a:endParaRPr lang="en-US"/>
-            </a:p>
-          </p:txBody>
-        </p:sp>
-        <p:sp>
-          <p:nvSpPr>
-            <p:cNvPr id="64" name="Rectangle 63">
-              <a:extLst>
-                <a:ext uri="{FF2B5EF4-FFF2-40B4-BE49-F238E27FC236}">
-                  <a16:creationId xmlns:a16="http://schemas.microsoft.com/office/drawing/2014/main" id="{AA2342F7-EF54-4210-9029-E977C9D576CC}"/>
-                </a:ext>
-                <a:ext uri="{C183D7F6-B498-43B3-948B-1728B52AA6E4}">
-                  <adec:decorative xmlns:adec="http://schemas.microsoft.com/office/drawing/2017/decorative" val="1"/>
-                </a:ext>
-              </a:extLst>
-            </p:cNvPr>
-            <p:cNvSpPr/>
-            <p:nvPr>
-              <p:extLst>
-                <p:ext uri="{386F3935-93C4-4BCD-93E2-E3B085C9AB24}">
-                  <p16:designElem xmlns:p16="http://schemas.microsoft.com/office/powerpoint/2015/main" val="1"/>
-                </p:ext>
-              </p:extLst>
-            </p:nvPr>
-          </p:nvSpPr>
-          <p:spPr>
-            <a:xfrm>
-              <a:off x="438068" y="457200"/>
-              <a:ext cx="3703320" cy="94997"/>
-            </a:xfrm>
-            <a:prstGeom prst="rect">
-              <a:avLst/>
-            </a:prstGeom>
-            <a:solidFill>
-              <a:schemeClr val="accent1"/>
-            </a:solidFill>
-            <a:ln>
-              <a:noFill/>
-            </a:ln>
-            <a:effectLst/>
-          </p:spPr>
-          <p:style>
-            <a:lnRef idx="1">
-              <a:schemeClr val="accent1"/>
-            </a:lnRef>
-            <a:fillRef idx="3">
-              <a:schemeClr val="accent1"/>
-            </a:fillRef>
-            <a:effectRef idx="2">
-              <a:schemeClr val="accent1"/>
-            </a:effectRef>
-            <a:fontRef idx="minor">
-              <a:schemeClr val="lt1"/>
-            </a:fontRef>
-          </p:style>
-          <p:txBody>
-            <a:bodyPr/>
-            <a:lstStyle/>
-            <a:p>
-              <a:endParaRPr lang="en-US"/>
-            </a:p>
-          </p:txBody>
-        </p:sp>
-      </p:grpSp>
-      <p:sp>
-        <p:nvSpPr>
-          <p:cNvPr id="2" name="Title 1">
-            <a:extLst>
-              <a:ext uri="{FF2B5EF4-FFF2-40B4-BE49-F238E27FC236}">
-                <a16:creationId xmlns:a16="http://schemas.microsoft.com/office/drawing/2014/main" id="{166E1318-B463-78E9-7DF3-7542B6A9F33B}"/>
-              </a:ext>
-            </a:extLst>
-          </p:cNvPr>
-          <p:cNvSpPr>
-            <a:spLocks noGrp="1"/>
-          </p:cNvSpPr>
-          <p:nvPr>
-            <p:ph type="title"/>
-          </p:nvPr>
-        </p:nvSpPr>
-        <p:spPr>
-          <a:xfrm>
-            <a:off x="584200" y="1006956"/>
-            <a:ext cx="3412067" cy="1372177"/>
-          </a:xfrm>
-        </p:spPr>
-        <p:txBody>
-          <a:bodyPr vert="horz" lIns="91440" tIns="45720" rIns="91440" bIns="45720" rtlCol="0" anchor="ctr">
-            <a:normAutofit/>
-          </a:bodyPr>
-          <a:lstStyle/>
-          <a:p>
-            <a:r>
-              <a:rPr lang="en-US" dirty="0"/>
-              <a:t>Introduction</a:t>
-            </a:r>
-          </a:p>
-        </p:txBody>
-      </p:sp>
-      <p:sp>
-        <p:nvSpPr>
-          <p:cNvPr id="65" name="Content Placeholder 2">
-            <a:extLst>
-              <a:ext uri="{FF2B5EF4-FFF2-40B4-BE49-F238E27FC236}">
-                <a16:creationId xmlns:a16="http://schemas.microsoft.com/office/drawing/2014/main" id="{4FF25FAB-F460-075F-9293-31389034F182}"/>
-              </a:ext>
-            </a:extLst>
-          </p:cNvPr>
-          <p:cNvSpPr>
-            <a:spLocks noGrp="1"/>
-          </p:cNvSpPr>
-          <p:nvPr>
-            <p:ph sz="half" idx="1"/>
-          </p:nvPr>
-        </p:nvSpPr>
-        <p:spPr>
-          <a:xfrm>
-            <a:off x="581193" y="2438399"/>
-            <a:ext cx="3415074" cy="3564467"/>
-          </a:xfrm>
-        </p:spPr>
-        <p:txBody>
-          <a:bodyPr vert="horz" lIns="91440" tIns="45720" rIns="91440" bIns="45720" rtlCol="0" anchor="ctr">
-            <a:normAutofit/>
-          </a:bodyPr>
-          <a:lstStyle/>
-          <a:p>
-            <a:pPr>
-              <a:lnSpc>
-                <a:spcPct val="90000"/>
-              </a:lnSpc>
-            </a:pPr>
-            <a:r>
-              <a:rPr lang="en-US" sz="1200" dirty="0">
-                <a:solidFill>
-                  <a:schemeClr val="bg1"/>
-                </a:solidFill>
-                <a:latin typeface="Aptos" panose="020B0004020202020204" pitchFamily="34" charset="0"/>
-              </a:rPr>
-              <a:t>Air pollution is a major global health issue, especially in low and middle income countries, accounting for </a:t>
-            </a:r>
-            <a:r>
-              <a:rPr lang="en-US" sz="1200" b="1" dirty="0">
-                <a:solidFill>
-                  <a:schemeClr val="bg1"/>
-                </a:solidFill>
-                <a:latin typeface="Aptos" panose="020B0004020202020204" pitchFamily="34" charset="0"/>
-              </a:rPr>
-              <a:t>6.7 million deaths </a:t>
-            </a:r>
-            <a:r>
-              <a:rPr lang="en-US" sz="1200" dirty="0">
-                <a:solidFill>
-                  <a:schemeClr val="bg1"/>
-                </a:solidFill>
-                <a:latin typeface="Aptos" panose="020B0004020202020204" pitchFamily="34" charset="0"/>
-              </a:rPr>
-              <a:t>worldwide</a:t>
-            </a:r>
-            <a:r>
-              <a:rPr lang="en-US" sz="1200" b="1" dirty="0">
-                <a:solidFill>
-                  <a:schemeClr val="bg1"/>
-                </a:solidFill>
-                <a:latin typeface="Aptos" panose="020B0004020202020204" pitchFamily="34" charset="0"/>
-              </a:rPr>
-              <a:t> </a:t>
-            </a:r>
-            <a:r>
-              <a:rPr lang="en-US" sz="1200" dirty="0">
-                <a:solidFill>
-                  <a:schemeClr val="bg1"/>
-                </a:solidFill>
-                <a:latin typeface="Aptos" panose="020B0004020202020204" pitchFamily="34" charset="0"/>
-              </a:rPr>
-              <a:t>in 2019 alone</a:t>
-            </a:r>
-            <a:r>
-              <a:rPr lang="en-US" sz="1200" baseline="-25000" dirty="0">
-                <a:solidFill>
-                  <a:schemeClr val="bg1"/>
-                </a:solidFill>
-                <a:latin typeface="Aptos" panose="020B0004020202020204" pitchFamily="34" charset="0"/>
-              </a:rPr>
-              <a:t>1.</a:t>
-            </a:r>
-            <a:endParaRPr lang="en-US" sz="1200" dirty="0">
-              <a:solidFill>
-                <a:schemeClr val="bg1"/>
-              </a:solidFill>
-              <a:latin typeface="Aptos" panose="020B0004020202020204" pitchFamily="34" charset="0"/>
-            </a:endParaRPr>
-          </a:p>
-          <a:p>
-            <a:pPr>
-              <a:lnSpc>
-                <a:spcPct val="90000"/>
-              </a:lnSpc>
-            </a:pPr>
-            <a:r>
-              <a:rPr lang="en-US" sz="1200" dirty="0">
-                <a:solidFill>
-                  <a:schemeClr val="bg1"/>
-                </a:solidFill>
-                <a:latin typeface="Aptos" panose="020B0004020202020204" pitchFamily="34" charset="0"/>
-              </a:rPr>
-              <a:t>Sources of air pollution both in and outside of households are varied and tricky to tackle, often requiring data-informed policies implemented at all levels of government.</a:t>
-            </a:r>
-          </a:p>
-          <a:p>
-            <a:pPr>
-              <a:lnSpc>
-                <a:spcPct val="90000"/>
-              </a:lnSpc>
-            </a:pPr>
-            <a:r>
-              <a:rPr lang="en-US" sz="1200" dirty="0">
-                <a:solidFill>
-                  <a:schemeClr val="bg1"/>
-                </a:solidFill>
-                <a:latin typeface="Aptos" panose="020B0004020202020204" pitchFamily="34" charset="0"/>
-              </a:rPr>
-              <a:t>This project aims to analyze the air pollution exposure and associated burden of disease in Ethiopia to potentially offer such data-driven policy and investment directions for the developing nation.</a:t>
-            </a:r>
-          </a:p>
-          <a:p>
-            <a:pPr>
-              <a:lnSpc>
-                <a:spcPct val="90000"/>
-              </a:lnSpc>
-            </a:pPr>
-            <a:r>
-              <a:rPr lang="en-US" sz="1200" dirty="0">
-                <a:solidFill>
-                  <a:schemeClr val="bg1"/>
-                </a:solidFill>
-                <a:latin typeface="Aptos" panose="020B0004020202020204" pitchFamily="34" charset="0"/>
-              </a:rPr>
-              <a:t>The data used was obtained from various publicly available datasets, mostly those published by international bodies and organizations.</a:t>
-            </a:r>
-          </a:p>
-        </p:txBody>
-      </p:sp>
-      <p:sp>
-        <p:nvSpPr>
-          <p:cNvPr id="4" name="TextBox 3">
-            <a:extLst>
-              <a:ext uri="{FF2B5EF4-FFF2-40B4-BE49-F238E27FC236}">
-                <a16:creationId xmlns:a16="http://schemas.microsoft.com/office/drawing/2014/main" id="{1509F85C-1EB1-6FD6-1673-50C36070B847}"/>
-              </a:ext>
-            </a:extLst>
-          </p:cNvPr>
-          <p:cNvSpPr txBox="1"/>
-          <p:nvPr/>
-        </p:nvSpPr>
-        <p:spPr>
-          <a:xfrm>
-            <a:off x="316685" y="6664783"/>
-            <a:ext cx="11500466" cy="215444"/>
-          </a:xfrm>
-          <a:prstGeom prst="rect">
-            <a:avLst/>
-          </a:prstGeom>
-          <a:noFill/>
-        </p:spPr>
-        <p:txBody>
-          <a:bodyPr wrap="square" rtlCol="0">
-            <a:spAutoFit/>
-          </a:bodyPr>
-          <a:lstStyle/>
-          <a:p>
-            <a:pPr>
-              <a:spcAft>
-                <a:spcPts val="600"/>
-              </a:spcAft>
-            </a:pPr>
-            <a:r>
-              <a:rPr lang="en-US" sz="800" dirty="0">
-                <a:latin typeface="Aptos" panose="020B0004020202020204" pitchFamily="34" charset="0"/>
-              </a:rPr>
-              <a:t>Source:  1) World Health Organization.</a:t>
-            </a:r>
-            <a:endParaRPr lang="en-US" sz="800" dirty="0">
-              <a:latin typeface="Helvetica" pitchFamily="2" charset="0"/>
-            </a:endParaRPr>
-          </a:p>
-        </p:txBody>
-      </p:sp>
-    </p:spTree>
-    <p:extLst>
-      <p:ext uri="{BB962C8B-B14F-4D97-AF65-F5344CB8AC3E}">
-        <p14:creationId xmlns:p14="http://schemas.microsoft.com/office/powerpoint/2010/main" val="925903466"/>
-      </p:ext>
-    </p:extLst>
-  </p:cSld>
-  <p:clrMapOvr>
-    <a:masterClrMapping/>
-  </p:clrMapOvr>
-</p:sld>
-</file>
-
-<file path=ppt/slides/slide3.xml><?xml version="1.0" encoding="utf-8"?>
-<p:sld xmlns:a="http://schemas.openxmlformats.org/drawingml/2006/main" xmlns:r="http://schemas.openxmlformats.org/officeDocument/2006/relationships" xmlns:p="http://schemas.openxmlformats.org/presentationml/2006/main">
-  <p:cSld>
-    <p:spTree>
-      <p:nvGrpSpPr>
-        <p:cNvPr id="1" name=""/>
-        <p:cNvGrpSpPr/>
-        <p:nvPr/>
-      </p:nvGrpSpPr>
-      <p:grpSpPr>
-        <a:xfrm>
-          <a:off x="0" y="0"/>
-          <a:ext cx="0" cy="0"/>
-          <a:chOff x="0" y="0"/>
-          <a:chExt cx="0" cy="0"/>
-        </a:xfrm>
-      </p:grpSpPr>
-      <p:sp>
-        <p:nvSpPr>
-          <p:cNvPr id="17" name="Title 16">
-            <a:extLst>
-              <a:ext uri="{FF2B5EF4-FFF2-40B4-BE49-F238E27FC236}">
-                <a16:creationId xmlns:a16="http://schemas.microsoft.com/office/drawing/2014/main" id="{E462C368-3E60-DAFE-80AD-6EDC2335711B}"/>
-              </a:ext>
-            </a:extLst>
-          </p:cNvPr>
-          <p:cNvSpPr>
-            <a:spLocks noGrp="1"/>
-          </p:cNvSpPr>
-          <p:nvPr>
-            <p:ph type="title"/>
-          </p:nvPr>
-        </p:nvSpPr>
-        <p:spPr/>
-        <p:txBody>
-          <a:bodyPr/>
-          <a:lstStyle/>
-          <a:p>
-            <a:r>
-              <a:rPr lang="en-US" dirty="0"/>
-              <a:t>Ethiopia’s demographic</a:t>
-            </a:r>
-          </a:p>
-        </p:txBody>
-      </p:sp>
-      <p:pic>
-        <p:nvPicPr>
-          <p:cNvPr id="20" name="Content Placeholder 19" descr="A graph of a graph of a person&#10;&#10;Description automatically generated with medium confidence">
-            <a:extLst>
-              <a:ext uri="{FF2B5EF4-FFF2-40B4-BE49-F238E27FC236}">
-                <a16:creationId xmlns:a16="http://schemas.microsoft.com/office/drawing/2014/main" id="{3E860A97-8389-77FA-77BD-040EFFB56561}"/>
-              </a:ext>
-            </a:extLst>
-          </p:cNvPr>
-          <p:cNvPicPr>
-            <a:picLocks noGrp="1" noChangeAspect="1"/>
-          </p:cNvPicPr>
-          <p:nvPr>
-            <p:ph idx="1"/>
-          </p:nvPr>
-        </p:nvPicPr>
-        <p:blipFill>
-          <a:blip r:embed="rId2"/>
-          <a:stretch>
-            <a:fillRect/>
-          </a:stretch>
-        </p:blipFill>
-        <p:spPr>
-          <a:xfrm>
-            <a:off x="373083" y="3429000"/>
-            <a:ext cx="7195390" cy="3429000"/>
-          </a:xfrm>
-        </p:spPr>
-      </p:pic>
-      <p:sp>
-        <p:nvSpPr>
-          <p:cNvPr id="5" name="Content Placeholder 2">
-            <a:extLst>
-              <a:ext uri="{FF2B5EF4-FFF2-40B4-BE49-F238E27FC236}">
-                <a16:creationId xmlns:a16="http://schemas.microsoft.com/office/drawing/2014/main" id="{96FC80DE-0051-403A-B05D-D31A0AD2D1CB}"/>
-              </a:ext>
-            </a:extLst>
-          </p:cNvPr>
-          <p:cNvSpPr txBox="1">
-            <a:spLocks/>
-          </p:cNvSpPr>
-          <p:nvPr/>
-        </p:nvSpPr>
-        <p:spPr>
-          <a:xfrm>
-            <a:off x="7659728" y="1989367"/>
-            <a:ext cx="4134706" cy="4562702"/>
-          </a:xfrm>
-          <a:prstGeom prst="rect">
-            <a:avLst/>
-          </a:prstGeom>
-        </p:spPr>
-        <p:txBody>
-          <a:bodyPr vert="horz" lIns="91440" tIns="45720" rIns="91440" bIns="45720" rtlCol="0" anchor="t">
-            <a:normAutofit/>
-          </a:bodyPr>
-          <a:lstStyle>
-            <a:lvl1pPr marL="306000" indent="-306000" algn="l" defTabSz="457200" rtl="0" eaLnBrk="1" latinLnBrk="0" hangingPunct="1">
-              <a:spcBef>
-                <a:spcPct val="20000"/>
-              </a:spcBef>
-              <a:spcAft>
-                <a:spcPts val="600"/>
-              </a:spcAft>
-              <a:buClr>
-                <a:schemeClr val="accent2"/>
-              </a:buClr>
-              <a:buSzPct val="92000"/>
-              <a:buFont typeface="Wingdings 2" panose="05020102010507070707" pitchFamily="18" charset="2"/>
-              <a:buChar char=""/>
-              <a:defRPr sz="1800" kern="1200">
-                <a:solidFill>
-                  <a:schemeClr val="tx2"/>
-                </a:solidFill>
-                <a:latin typeface="+mn-lt"/>
-                <a:ea typeface="+mn-ea"/>
-                <a:cs typeface="+mn-cs"/>
-              </a:defRPr>
-            </a:lvl1pPr>
-            <a:lvl2pPr marL="630000" indent="-306000" algn="l" defTabSz="457200" rtl="0" eaLnBrk="1" latinLnBrk="0" hangingPunct="1">
-              <a:spcBef>
-                <a:spcPct val="20000"/>
-              </a:spcBef>
-              <a:spcAft>
-                <a:spcPts val="600"/>
-              </a:spcAft>
-              <a:buClr>
-                <a:schemeClr val="accent2"/>
-              </a:buClr>
-              <a:buSzPct val="92000"/>
-              <a:buFont typeface="Wingdings 2" panose="05020102010507070707" pitchFamily="18" charset="2"/>
-              <a:buChar char=""/>
-              <a:defRPr sz="1600" kern="1200">
-                <a:solidFill>
-                  <a:schemeClr val="tx2"/>
-                </a:solidFill>
-                <a:latin typeface="+mn-lt"/>
-                <a:ea typeface="+mn-ea"/>
-                <a:cs typeface="+mn-cs"/>
-              </a:defRPr>
-            </a:lvl2pPr>
-            <a:lvl3pPr marL="900000" indent="-270000" algn="l" defTabSz="457200" rtl="0" eaLnBrk="1" latinLnBrk="0" hangingPunct="1">
-              <a:spcBef>
-                <a:spcPct val="20000"/>
-              </a:spcBef>
-              <a:spcAft>
-                <a:spcPts val="600"/>
-              </a:spcAft>
-              <a:buClr>
-                <a:schemeClr val="accent2"/>
-              </a:buClr>
-              <a:buSzPct val="92000"/>
-              <a:buFont typeface="Wingdings 2" panose="05020102010507070707" pitchFamily="18" charset="2"/>
-              <a:buChar char=""/>
-              <a:defRPr sz="1400" kern="1200">
-                <a:solidFill>
-                  <a:schemeClr val="tx2"/>
-                </a:solidFill>
-                <a:latin typeface="+mn-lt"/>
-                <a:ea typeface="+mn-ea"/>
-                <a:cs typeface="+mn-cs"/>
-              </a:defRPr>
-            </a:lvl3pPr>
-            <a:lvl4pPr marL="1242000" indent="-234000" algn="l" defTabSz="457200" rtl="0" eaLnBrk="1" latinLnBrk="0" hangingPunct="1">
-              <a:spcBef>
-                <a:spcPct val="20000"/>
-              </a:spcBef>
-              <a:spcAft>
-                <a:spcPts val="600"/>
-              </a:spcAft>
-              <a:buClr>
-                <a:schemeClr val="accent2"/>
-              </a:buClr>
-              <a:buSzPct val="92000"/>
-              <a:buFont typeface="Wingdings 2" panose="05020102010507070707" pitchFamily="18" charset="2"/>
-              <a:buChar char=""/>
-              <a:defRPr sz="1200" kern="1200">
-                <a:solidFill>
-                  <a:schemeClr val="tx2"/>
-                </a:solidFill>
-                <a:latin typeface="+mn-lt"/>
-                <a:ea typeface="+mn-ea"/>
-                <a:cs typeface="+mn-cs"/>
-              </a:defRPr>
-            </a:lvl4pPr>
-            <a:lvl5pPr marL="1602000" indent="-234000" algn="l" defTabSz="457200" rtl="0" eaLnBrk="1" latinLnBrk="0" hangingPunct="1">
-              <a:spcBef>
-                <a:spcPct val="20000"/>
-              </a:spcBef>
-              <a:spcAft>
-                <a:spcPts val="600"/>
-              </a:spcAft>
-              <a:buClr>
-                <a:schemeClr val="accent2"/>
-              </a:buClr>
-              <a:buSzPct val="92000"/>
-              <a:buFont typeface="Wingdings 2" panose="05020102010507070707" pitchFamily="18" charset="2"/>
-              <a:buChar char=""/>
-              <a:defRPr sz="1200" kern="1200">
-                <a:solidFill>
-                  <a:schemeClr val="tx2"/>
-                </a:solidFill>
-                <a:latin typeface="+mn-lt"/>
-                <a:ea typeface="+mn-ea"/>
-                <a:cs typeface="+mn-cs"/>
-              </a:defRPr>
-            </a:lvl5pPr>
-            <a:lvl6pPr marL="1900000" indent="-228600" algn="l" defTabSz="457200" rtl="0" eaLnBrk="1" latinLnBrk="0" hangingPunct="1">
-              <a:spcBef>
-                <a:spcPct val="20000"/>
-              </a:spcBef>
-              <a:spcAft>
-                <a:spcPts val="600"/>
-              </a:spcAft>
-              <a:buClr>
-                <a:schemeClr val="accent2"/>
-              </a:buClr>
-              <a:buSzPct val="92000"/>
-              <a:buFont typeface="Wingdings 2" panose="05020102010507070707" pitchFamily="18" charset="2"/>
-              <a:buChar char=""/>
-              <a:defRPr sz="1200" kern="1200">
-                <a:solidFill>
-                  <a:schemeClr val="tx2"/>
-                </a:solidFill>
-                <a:latin typeface="+mn-lt"/>
-                <a:ea typeface="+mn-ea"/>
-                <a:cs typeface="+mn-cs"/>
-              </a:defRPr>
-            </a:lvl6pPr>
-            <a:lvl7pPr marL="2200000" indent="-228600" algn="l" defTabSz="457200" rtl="0" eaLnBrk="1" latinLnBrk="0" hangingPunct="1">
-              <a:spcBef>
-                <a:spcPct val="20000"/>
-              </a:spcBef>
-              <a:spcAft>
-                <a:spcPts val="600"/>
-              </a:spcAft>
-              <a:buClr>
-                <a:schemeClr val="accent2"/>
-              </a:buClr>
-              <a:buSzPct val="92000"/>
-              <a:buFont typeface="Wingdings 2" panose="05020102010507070707" pitchFamily="18" charset="2"/>
-              <a:buChar char=""/>
-              <a:defRPr sz="1200" kern="1200">
-                <a:solidFill>
-                  <a:schemeClr val="tx2"/>
-                </a:solidFill>
-                <a:latin typeface="+mn-lt"/>
-                <a:ea typeface="+mn-ea"/>
-                <a:cs typeface="+mn-cs"/>
-              </a:defRPr>
-            </a:lvl7pPr>
-            <a:lvl8pPr marL="2500000" indent="-228600" algn="l" defTabSz="457200" rtl="0" eaLnBrk="1" latinLnBrk="0" hangingPunct="1">
-              <a:spcBef>
-                <a:spcPct val="20000"/>
-              </a:spcBef>
-              <a:spcAft>
-                <a:spcPts val="600"/>
-              </a:spcAft>
-              <a:buClr>
-                <a:schemeClr val="accent2"/>
-              </a:buClr>
-              <a:buSzPct val="92000"/>
-              <a:buFont typeface="Wingdings 2" panose="05020102010507070707" pitchFamily="18" charset="2"/>
-              <a:buChar char=""/>
-              <a:defRPr sz="1200" kern="1200">
-                <a:solidFill>
-                  <a:schemeClr val="tx2"/>
-                </a:solidFill>
-                <a:latin typeface="+mn-lt"/>
-                <a:ea typeface="+mn-ea"/>
-                <a:cs typeface="+mn-cs"/>
-              </a:defRPr>
-            </a:lvl8pPr>
-            <a:lvl9pPr marL="2800000" indent="-228600" algn="l" defTabSz="457200" rtl="0" eaLnBrk="1" latinLnBrk="0" hangingPunct="1">
-              <a:spcBef>
-                <a:spcPct val="20000"/>
-              </a:spcBef>
-              <a:spcAft>
-                <a:spcPts val="600"/>
-              </a:spcAft>
-              <a:buClr>
-                <a:schemeClr val="accent2"/>
-              </a:buClr>
-              <a:buSzPct val="92000"/>
-              <a:buFont typeface="Wingdings 2" panose="05020102010507070707" pitchFamily="18" charset="2"/>
-              <a:buChar char=""/>
-              <a:defRPr sz="1200" kern="1200">
-                <a:solidFill>
-                  <a:schemeClr val="tx2"/>
-                </a:solidFill>
-                <a:latin typeface="+mn-lt"/>
-                <a:ea typeface="+mn-ea"/>
-                <a:cs typeface="+mn-cs"/>
-              </a:defRPr>
-            </a:lvl9pPr>
-          </a:lstStyle>
-          <a:p>
-            <a:pPr>
-              <a:buClr>
-                <a:srgbClr val="1A3160"/>
-              </a:buClr>
-            </a:pPr>
-            <a:r>
-              <a:rPr lang="en-US" sz="1400" dirty="0">
-                <a:solidFill>
-                  <a:srgbClr val="1A3160"/>
-                </a:solidFill>
-                <a:latin typeface="Aptos" panose="020B0004020202020204" pitchFamily="34" charset="0"/>
-              </a:rPr>
-              <a:t>Population nearly quadrupled in four decades, reaching </a:t>
-            </a:r>
-            <a:r>
-              <a:rPr lang="en-US" sz="1400" b="1" dirty="0">
-                <a:solidFill>
-                  <a:srgbClr val="1A3160"/>
-                </a:solidFill>
-                <a:latin typeface="Aptos" panose="020B0004020202020204" pitchFamily="34" charset="0"/>
-              </a:rPr>
-              <a:t>126.5 million </a:t>
-            </a:r>
-            <a:r>
-              <a:rPr lang="en-US" sz="1400" dirty="0">
-                <a:solidFill>
-                  <a:srgbClr val="1A3160"/>
-                </a:solidFill>
-                <a:latin typeface="Aptos" panose="020B0004020202020204" pitchFamily="34" charset="0"/>
-              </a:rPr>
-              <a:t>in 2023</a:t>
-            </a:r>
-          </a:p>
-          <a:p>
-            <a:pPr lvl="1">
-              <a:buClr>
-                <a:srgbClr val="1A3160"/>
-              </a:buClr>
-            </a:pPr>
-            <a:r>
-              <a:rPr lang="en-US" sz="1400" dirty="0">
-                <a:solidFill>
-                  <a:srgbClr val="1A3160"/>
-                </a:solidFill>
-                <a:latin typeface="Aptos" panose="020B0004020202020204" pitchFamily="34" charset="0"/>
-              </a:rPr>
-              <a:t>Far outpacing global growth but slowing</a:t>
-            </a:r>
-          </a:p>
-          <a:p>
-            <a:pPr lvl="1">
-              <a:buClr>
-                <a:srgbClr val="1A3160"/>
-              </a:buClr>
-            </a:pPr>
-            <a:r>
-              <a:rPr lang="en-US" sz="1400" dirty="0">
-                <a:solidFill>
-                  <a:srgbClr val="1A3160"/>
-                </a:solidFill>
-                <a:latin typeface="Aptos" panose="020B0004020202020204" pitchFamily="34" charset="0"/>
-              </a:rPr>
-              <a:t>Explosive growth driven by high fertility rate and lowering mortality rate</a:t>
-            </a:r>
-          </a:p>
-          <a:p>
-            <a:pPr>
-              <a:buClr>
-                <a:srgbClr val="1A3160"/>
-              </a:buClr>
-            </a:pPr>
-            <a:r>
-              <a:rPr lang="en-US" sz="1400" dirty="0">
-                <a:solidFill>
-                  <a:srgbClr val="1A3160"/>
-                </a:solidFill>
-                <a:latin typeface="Aptos" panose="020B0004020202020204" pitchFamily="34" charset="0"/>
-              </a:rPr>
-              <a:t>Nation is slowly urbanizing but still in early stages of development</a:t>
-            </a:r>
-          </a:p>
-          <a:p>
-            <a:pPr lvl="1">
-              <a:buSzPct val="40000"/>
-            </a:pPr>
-            <a:r>
-              <a:rPr lang="en-US" sz="3800" b="1" dirty="0">
-                <a:solidFill>
-                  <a:srgbClr val="4490B8"/>
-                </a:solidFill>
-                <a:latin typeface="Aptos" panose="020B0004020202020204" pitchFamily="34" charset="0"/>
-              </a:rPr>
-              <a:t>31 </a:t>
-            </a:r>
-            <a:r>
-              <a:rPr lang="en-US" sz="1800" b="1" dirty="0">
-                <a:solidFill>
-                  <a:srgbClr val="4490B8"/>
-                </a:solidFill>
-                <a:latin typeface="Aptos" panose="020B0004020202020204" pitchFamily="34" charset="0"/>
-              </a:rPr>
-              <a:t>million people living in urban areas</a:t>
-            </a:r>
-          </a:p>
-          <a:p>
-            <a:pPr lvl="1">
-              <a:buSzPct val="40000"/>
-            </a:pPr>
-            <a:r>
-              <a:rPr lang="en-US" sz="4000" b="1" dirty="0">
-                <a:solidFill>
-                  <a:srgbClr val="4490B8"/>
-                </a:solidFill>
-                <a:latin typeface="Aptos" panose="020B0004020202020204" pitchFamily="34" charset="0"/>
-              </a:rPr>
-              <a:t>20 </a:t>
-            </a:r>
-            <a:r>
-              <a:rPr lang="en-US" sz="2000" b="1" dirty="0">
-                <a:solidFill>
-                  <a:srgbClr val="4490B8"/>
-                </a:solidFill>
-                <a:latin typeface="Aptos" panose="020B0004020202020204" pitchFamily="34" charset="0"/>
-              </a:rPr>
-              <a:t>million of whom are in slum-like conditions</a:t>
-            </a:r>
-          </a:p>
-          <a:p>
-            <a:pPr marL="0" indent="0">
-              <a:buNone/>
-            </a:pPr>
-            <a:endParaRPr lang="en-US" sz="2000" b="1" dirty="0">
-              <a:solidFill>
-                <a:srgbClr val="4490B8"/>
-              </a:solidFill>
-              <a:latin typeface="Helvetica" pitchFamily="2" charset="0"/>
-            </a:endParaRPr>
-          </a:p>
-          <a:p>
-            <a:endParaRPr lang="en-US" sz="1200" dirty="0">
-              <a:latin typeface="Helvetica" pitchFamily="2" charset="0"/>
-            </a:endParaRPr>
-          </a:p>
-        </p:txBody>
-      </p:sp>
-      <p:pic>
-        <p:nvPicPr>
-          <p:cNvPr id="10" name="Picture 9">
-            <a:extLst>
-              <a:ext uri="{FF2B5EF4-FFF2-40B4-BE49-F238E27FC236}">
-                <a16:creationId xmlns:a16="http://schemas.microsoft.com/office/drawing/2014/main" id="{B3CA77A5-B1FD-C894-C1B6-BEA172716B41}"/>
-              </a:ext>
-            </a:extLst>
-          </p:cNvPr>
-          <p:cNvPicPr>
-            <a:picLocks noChangeAspect="1"/>
-          </p:cNvPicPr>
-          <p:nvPr/>
-        </p:nvPicPr>
-        <p:blipFill>
-          <a:blip r:embed="rId3"/>
-          <a:stretch>
-            <a:fillRect/>
-          </a:stretch>
-        </p:blipFill>
-        <p:spPr>
-          <a:xfrm>
-            <a:off x="430102" y="1982618"/>
-            <a:ext cx="6984489" cy="1377344"/>
-          </a:xfrm>
-          <a:prstGeom prst="rect">
-            <a:avLst/>
-          </a:prstGeom>
-        </p:spPr>
-      </p:pic>
-    </p:spTree>
-    <p:extLst>
-      <p:ext uri="{BB962C8B-B14F-4D97-AF65-F5344CB8AC3E}">
-        <p14:creationId xmlns:p14="http://schemas.microsoft.com/office/powerpoint/2010/main" val="4190855195"/>
-      </p:ext>
-    </p:extLst>
-  </p:cSld>
-  <p:clrMapOvr>
-    <a:masterClrMapping/>
-  </p:clrMapOvr>
-</p:sld>
-</file>
-
-<file path=ppt/slides/slide4.xml><?xml version="1.0" encoding="utf-8"?>
-<p:sld xmlns:a="http://schemas.openxmlformats.org/drawingml/2006/main" xmlns:r="http://schemas.openxmlformats.org/officeDocument/2006/relationships" xmlns:p="http://schemas.openxmlformats.org/presentationml/2006/main">
-  <p:cSld>
-    <p:spTree>
-      <p:nvGrpSpPr>
-        <p:cNvPr id="1" name=""/>
-        <p:cNvGrpSpPr/>
-        <p:nvPr/>
-      </p:nvGrpSpPr>
-      <p:grpSpPr>
-        <a:xfrm>
-          <a:off x="0" y="0"/>
-          <a:ext cx="0" cy="0"/>
-          <a:chOff x="0" y="0"/>
-          <a:chExt cx="0" cy="0"/>
-        </a:xfrm>
-      </p:grpSpPr>
-      <p:sp>
-        <p:nvSpPr>
-          <p:cNvPr id="2" name="Title 1">
-            <a:extLst>
-              <a:ext uri="{FF2B5EF4-FFF2-40B4-BE49-F238E27FC236}">
-                <a16:creationId xmlns:a16="http://schemas.microsoft.com/office/drawing/2014/main" id="{9FE6F2C8-0F8C-D413-6F9C-EBF847413F9E}"/>
-              </a:ext>
-            </a:extLst>
-          </p:cNvPr>
-          <p:cNvSpPr>
-            <a:spLocks noGrp="1"/>
-          </p:cNvSpPr>
-          <p:nvPr>
-            <p:ph type="title"/>
-          </p:nvPr>
-        </p:nvSpPr>
-        <p:spPr/>
-        <p:txBody>
-          <a:bodyPr/>
-          <a:lstStyle/>
-          <a:p>
-            <a:r>
-              <a:rPr lang="en-US" dirty="0"/>
-              <a:t>Population settlements</a:t>
-            </a:r>
-          </a:p>
-        </p:txBody>
-      </p:sp>
-      <p:pic>
-        <p:nvPicPr>
-          <p:cNvPr id="5" name="Content Placeholder 4" descr="A map of the region&#10;&#10;Description automatically generated with medium confidence">
-            <a:extLst>
-              <a:ext uri="{FF2B5EF4-FFF2-40B4-BE49-F238E27FC236}">
-                <a16:creationId xmlns:a16="http://schemas.microsoft.com/office/drawing/2014/main" id="{BC8CBE07-AC81-C466-2A68-FB08D6F842A9}"/>
-              </a:ext>
-            </a:extLst>
-          </p:cNvPr>
-          <p:cNvPicPr>
-            <a:picLocks noGrp="1" noChangeAspect="1"/>
-          </p:cNvPicPr>
-          <p:nvPr>
-            <p:ph idx="1"/>
-          </p:nvPr>
-        </p:nvPicPr>
-        <p:blipFill>
-          <a:blip r:embed="rId2"/>
-          <a:stretch>
-            <a:fillRect/>
-          </a:stretch>
-        </p:blipFill>
-        <p:spPr>
-          <a:xfrm>
-            <a:off x="285771" y="1914160"/>
-            <a:ext cx="6689310" cy="3358250"/>
-          </a:xfrm>
-        </p:spPr>
-      </p:pic>
-      <p:pic>
-        <p:nvPicPr>
-          <p:cNvPr id="7" name="Picture 6" descr="A map of a city&#10;&#10;Description automatically generated">
-            <a:extLst>
-              <a:ext uri="{FF2B5EF4-FFF2-40B4-BE49-F238E27FC236}">
-                <a16:creationId xmlns:a16="http://schemas.microsoft.com/office/drawing/2014/main" id="{686083AA-4FB4-5F21-ABCF-1747662F281E}"/>
-              </a:ext>
-            </a:extLst>
-          </p:cNvPr>
-          <p:cNvPicPr>
-            <a:picLocks noChangeAspect="1"/>
-          </p:cNvPicPr>
-          <p:nvPr/>
-        </p:nvPicPr>
-        <p:blipFill>
-          <a:blip r:embed="rId3"/>
-          <a:stretch>
-            <a:fillRect/>
-          </a:stretch>
-        </p:blipFill>
-        <p:spPr>
-          <a:xfrm>
-            <a:off x="7676234" y="1914160"/>
-            <a:ext cx="3958813" cy="3360952"/>
-          </a:xfrm>
-          <a:prstGeom prst="rect">
-            <a:avLst/>
-          </a:prstGeom>
-        </p:spPr>
-      </p:pic>
-      <p:sp>
-        <p:nvSpPr>
-          <p:cNvPr id="9" name="Content Placeholder 2">
-            <a:extLst>
-              <a:ext uri="{FF2B5EF4-FFF2-40B4-BE49-F238E27FC236}">
-                <a16:creationId xmlns:a16="http://schemas.microsoft.com/office/drawing/2014/main" id="{4552B9EB-F6CE-14B9-8887-AFA6EC39A09A}"/>
-              </a:ext>
-            </a:extLst>
-          </p:cNvPr>
-          <p:cNvSpPr txBox="1">
-            <a:spLocks/>
-          </p:cNvSpPr>
-          <p:nvPr/>
-        </p:nvSpPr>
-        <p:spPr>
-          <a:xfrm>
-            <a:off x="327716" y="5406245"/>
-            <a:ext cx="6689310" cy="1252333"/>
-          </a:xfrm>
-          <a:prstGeom prst="rect">
-            <a:avLst/>
-          </a:prstGeom>
-        </p:spPr>
-        <p:txBody>
-          <a:bodyPr vert="horz" lIns="91440" tIns="45720" rIns="91440" bIns="45720" rtlCol="0" anchor="t">
-            <a:noAutofit/>
-          </a:bodyPr>
-          <a:lstStyle>
-            <a:lvl1pPr marL="306000" indent="-306000" algn="l" defTabSz="457200" rtl="0" eaLnBrk="1" latinLnBrk="0" hangingPunct="1">
-              <a:spcBef>
-                <a:spcPct val="20000"/>
-              </a:spcBef>
-              <a:spcAft>
-                <a:spcPts val="600"/>
-              </a:spcAft>
-              <a:buClr>
-                <a:schemeClr val="accent2"/>
-              </a:buClr>
-              <a:buSzPct val="92000"/>
-              <a:buFont typeface="Wingdings 2" panose="05020102010507070707" pitchFamily="18" charset="2"/>
-              <a:buChar char=""/>
-              <a:defRPr sz="1800" kern="1200">
-                <a:solidFill>
-                  <a:schemeClr val="tx2"/>
-                </a:solidFill>
-                <a:latin typeface="+mn-lt"/>
-                <a:ea typeface="+mn-ea"/>
-                <a:cs typeface="+mn-cs"/>
-              </a:defRPr>
-            </a:lvl1pPr>
-            <a:lvl2pPr marL="630000" indent="-306000" algn="l" defTabSz="457200" rtl="0" eaLnBrk="1" latinLnBrk="0" hangingPunct="1">
-              <a:spcBef>
-                <a:spcPct val="20000"/>
-              </a:spcBef>
-              <a:spcAft>
-                <a:spcPts val="600"/>
-              </a:spcAft>
-              <a:buClr>
-                <a:schemeClr val="accent2"/>
-              </a:buClr>
-              <a:buSzPct val="92000"/>
-              <a:buFont typeface="Wingdings 2" panose="05020102010507070707" pitchFamily="18" charset="2"/>
-              <a:buChar char=""/>
-              <a:defRPr sz="1600" kern="1200">
-                <a:solidFill>
-                  <a:schemeClr val="tx2"/>
-                </a:solidFill>
-                <a:latin typeface="+mn-lt"/>
-                <a:ea typeface="+mn-ea"/>
-                <a:cs typeface="+mn-cs"/>
-              </a:defRPr>
-            </a:lvl2pPr>
-            <a:lvl3pPr marL="900000" indent="-270000" algn="l" defTabSz="457200" rtl="0" eaLnBrk="1" latinLnBrk="0" hangingPunct="1">
-              <a:spcBef>
-                <a:spcPct val="20000"/>
-              </a:spcBef>
-              <a:spcAft>
-                <a:spcPts val="600"/>
-              </a:spcAft>
-              <a:buClr>
-                <a:schemeClr val="accent2"/>
-              </a:buClr>
-              <a:buSzPct val="92000"/>
-              <a:buFont typeface="Wingdings 2" panose="05020102010507070707" pitchFamily="18" charset="2"/>
-              <a:buChar char=""/>
-              <a:defRPr sz="1400" kern="1200">
-                <a:solidFill>
-                  <a:schemeClr val="tx2"/>
-                </a:solidFill>
-                <a:latin typeface="+mn-lt"/>
-                <a:ea typeface="+mn-ea"/>
-                <a:cs typeface="+mn-cs"/>
-              </a:defRPr>
-            </a:lvl3pPr>
-            <a:lvl4pPr marL="1242000" indent="-234000" algn="l" defTabSz="457200" rtl="0" eaLnBrk="1" latinLnBrk="0" hangingPunct="1">
-              <a:spcBef>
-                <a:spcPct val="20000"/>
-              </a:spcBef>
-              <a:spcAft>
-                <a:spcPts val="600"/>
-              </a:spcAft>
-              <a:buClr>
-                <a:schemeClr val="accent2"/>
-              </a:buClr>
-              <a:buSzPct val="92000"/>
-              <a:buFont typeface="Wingdings 2" panose="05020102010507070707" pitchFamily="18" charset="2"/>
-              <a:buChar char=""/>
-              <a:defRPr sz="1200" kern="1200">
-                <a:solidFill>
-                  <a:schemeClr val="tx2"/>
-                </a:solidFill>
-                <a:latin typeface="+mn-lt"/>
-                <a:ea typeface="+mn-ea"/>
-                <a:cs typeface="+mn-cs"/>
-              </a:defRPr>
-            </a:lvl4pPr>
-            <a:lvl5pPr marL="1602000" indent="-234000" algn="l" defTabSz="457200" rtl="0" eaLnBrk="1" latinLnBrk="0" hangingPunct="1">
-              <a:spcBef>
-                <a:spcPct val="20000"/>
-              </a:spcBef>
-              <a:spcAft>
-                <a:spcPts val="600"/>
-              </a:spcAft>
-              <a:buClr>
-                <a:schemeClr val="accent2"/>
-              </a:buClr>
-              <a:buSzPct val="92000"/>
-              <a:buFont typeface="Wingdings 2" panose="05020102010507070707" pitchFamily="18" charset="2"/>
-              <a:buChar char=""/>
-              <a:defRPr sz="1200" kern="1200">
-                <a:solidFill>
-                  <a:schemeClr val="tx2"/>
-                </a:solidFill>
-                <a:latin typeface="+mn-lt"/>
-                <a:ea typeface="+mn-ea"/>
-                <a:cs typeface="+mn-cs"/>
-              </a:defRPr>
-            </a:lvl5pPr>
-            <a:lvl6pPr marL="1900000" indent="-228600" algn="l" defTabSz="457200" rtl="0" eaLnBrk="1" latinLnBrk="0" hangingPunct="1">
-              <a:spcBef>
-                <a:spcPct val="20000"/>
-              </a:spcBef>
-              <a:spcAft>
-                <a:spcPts val="600"/>
-              </a:spcAft>
-              <a:buClr>
-                <a:schemeClr val="accent2"/>
-              </a:buClr>
-              <a:buSzPct val="92000"/>
-              <a:buFont typeface="Wingdings 2" panose="05020102010507070707" pitchFamily="18" charset="2"/>
-              <a:buChar char=""/>
-              <a:defRPr sz="1200" kern="1200">
-                <a:solidFill>
-                  <a:schemeClr val="tx2"/>
-                </a:solidFill>
-                <a:latin typeface="+mn-lt"/>
-                <a:ea typeface="+mn-ea"/>
-                <a:cs typeface="+mn-cs"/>
-              </a:defRPr>
-            </a:lvl6pPr>
-            <a:lvl7pPr marL="2200000" indent="-228600" algn="l" defTabSz="457200" rtl="0" eaLnBrk="1" latinLnBrk="0" hangingPunct="1">
-              <a:spcBef>
-                <a:spcPct val="20000"/>
-              </a:spcBef>
-              <a:spcAft>
-                <a:spcPts val="600"/>
-              </a:spcAft>
-              <a:buClr>
-                <a:schemeClr val="accent2"/>
-              </a:buClr>
-              <a:buSzPct val="92000"/>
-              <a:buFont typeface="Wingdings 2" panose="05020102010507070707" pitchFamily="18" charset="2"/>
-              <a:buChar char=""/>
-              <a:defRPr sz="1200" kern="1200">
-                <a:solidFill>
-                  <a:schemeClr val="tx2"/>
-                </a:solidFill>
-                <a:latin typeface="+mn-lt"/>
-                <a:ea typeface="+mn-ea"/>
-                <a:cs typeface="+mn-cs"/>
-              </a:defRPr>
-            </a:lvl7pPr>
-            <a:lvl8pPr marL="2500000" indent="-228600" algn="l" defTabSz="457200" rtl="0" eaLnBrk="1" latinLnBrk="0" hangingPunct="1">
-              <a:spcBef>
-                <a:spcPct val="20000"/>
-              </a:spcBef>
-              <a:spcAft>
-                <a:spcPts val="600"/>
-              </a:spcAft>
-              <a:buClr>
-                <a:schemeClr val="accent2"/>
-              </a:buClr>
-              <a:buSzPct val="92000"/>
-              <a:buFont typeface="Wingdings 2" panose="05020102010507070707" pitchFamily="18" charset="2"/>
-              <a:buChar char=""/>
-              <a:defRPr sz="1200" kern="1200">
-                <a:solidFill>
-                  <a:schemeClr val="tx2"/>
-                </a:solidFill>
-                <a:latin typeface="+mn-lt"/>
-                <a:ea typeface="+mn-ea"/>
-                <a:cs typeface="+mn-cs"/>
-              </a:defRPr>
-            </a:lvl8pPr>
-            <a:lvl9pPr marL="2800000" indent="-228600" algn="l" defTabSz="457200" rtl="0" eaLnBrk="1" latinLnBrk="0" hangingPunct="1">
-              <a:spcBef>
-                <a:spcPct val="20000"/>
-              </a:spcBef>
-              <a:spcAft>
-                <a:spcPts val="600"/>
-              </a:spcAft>
-              <a:buClr>
-                <a:schemeClr val="accent2"/>
-              </a:buClr>
-              <a:buSzPct val="92000"/>
-              <a:buFont typeface="Wingdings 2" panose="05020102010507070707" pitchFamily="18" charset="2"/>
-              <a:buChar char=""/>
-              <a:defRPr sz="1200" kern="1200">
-                <a:solidFill>
-                  <a:schemeClr val="tx2"/>
-                </a:solidFill>
-                <a:latin typeface="+mn-lt"/>
-                <a:ea typeface="+mn-ea"/>
-                <a:cs typeface="+mn-cs"/>
-              </a:defRPr>
-            </a:lvl9pPr>
-          </a:lstStyle>
-          <a:p>
-            <a:pPr>
-              <a:buClr>
-                <a:srgbClr val="1A3160"/>
-              </a:buClr>
-            </a:pPr>
-            <a:r>
-              <a:rPr lang="en-US" sz="1200" dirty="0">
-                <a:solidFill>
-                  <a:srgbClr val="1A3160"/>
-                </a:solidFill>
-                <a:latin typeface="Aptos" panose="020B0004020202020204" pitchFamily="34" charset="0"/>
-              </a:rPr>
-              <a:t>Most of the population can be found in the northwest and central areas, where historically the most arable land has been located</a:t>
-            </a:r>
-            <a:r>
-              <a:rPr lang="en-US" sz="1200" baseline="-25000" dirty="0">
-                <a:solidFill>
-                  <a:srgbClr val="1A3160"/>
-                </a:solidFill>
-                <a:latin typeface="Aptos" panose="020B0004020202020204" pitchFamily="34" charset="0"/>
-              </a:rPr>
-              <a:t>1</a:t>
-            </a:r>
-            <a:endParaRPr lang="en-US" sz="1200" dirty="0">
-              <a:solidFill>
-                <a:srgbClr val="1A3160"/>
-              </a:solidFill>
-              <a:latin typeface="Aptos" panose="020B0004020202020204" pitchFamily="34" charset="0"/>
-            </a:endParaRPr>
-          </a:p>
-          <a:p>
-            <a:pPr>
-              <a:buClr>
-                <a:srgbClr val="1A3160"/>
-              </a:buClr>
-            </a:pPr>
-            <a:r>
-              <a:rPr lang="en-US" sz="1200" dirty="0">
-                <a:solidFill>
-                  <a:srgbClr val="1A3160"/>
-                </a:solidFill>
-                <a:latin typeface="Aptos" panose="020B0004020202020204" pitchFamily="34" charset="0"/>
-              </a:rPr>
-              <a:t>Densest zones are major cities, with some locations in the capital, Addis Ababa, exceeding 30 thousand ppl per km</a:t>
-            </a:r>
-            <a:r>
-              <a:rPr lang="en-US" sz="1200" baseline="30000" dirty="0">
-                <a:solidFill>
-                  <a:srgbClr val="1A3160"/>
-                </a:solidFill>
-                <a:latin typeface="Aptos" panose="020B0004020202020204" pitchFamily="34" charset="0"/>
-              </a:rPr>
-              <a:t>2</a:t>
-            </a:r>
-            <a:endParaRPr lang="en-US" sz="1200" dirty="0">
-              <a:solidFill>
-                <a:srgbClr val="1A3160"/>
-              </a:solidFill>
-              <a:latin typeface="Aptos" panose="020B0004020202020204" pitchFamily="34" charset="0"/>
-            </a:endParaRPr>
-          </a:p>
-          <a:p>
-            <a:pPr>
-              <a:buClr>
-                <a:srgbClr val="1A3160"/>
-              </a:buClr>
-            </a:pPr>
-            <a:r>
-              <a:rPr lang="en-US" sz="1200" dirty="0">
-                <a:solidFill>
-                  <a:srgbClr val="1A3160"/>
-                </a:solidFill>
-                <a:latin typeface="Aptos" panose="020B0004020202020204" pitchFamily="34" charset="0"/>
-              </a:rPr>
-              <a:t>The peripheral regions are sparsely populated due to non-arable land and/or harsh conditions</a:t>
-            </a:r>
-            <a:r>
-              <a:rPr lang="en-US" sz="1200" baseline="-25000" dirty="0">
-                <a:solidFill>
-                  <a:srgbClr val="1A3160"/>
-                </a:solidFill>
-                <a:latin typeface="Aptos" panose="020B0004020202020204" pitchFamily="34" charset="0"/>
-              </a:rPr>
-              <a:t>2</a:t>
-            </a:r>
-            <a:endParaRPr lang="en-US" sz="1200" dirty="0">
-              <a:solidFill>
-                <a:srgbClr val="1A3160"/>
-              </a:solidFill>
-              <a:latin typeface="Aptos" panose="020B0004020202020204" pitchFamily="34" charset="0"/>
-            </a:endParaRPr>
-          </a:p>
-          <a:p>
-            <a:pPr>
-              <a:buClr>
-                <a:srgbClr val="1A3160"/>
-              </a:buClr>
-            </a:pPr>
-            <a:endParaRPr lang="en-US" sz="1400" dirty="0">
-              <a:solidFill>
-                <a:srgbClr val="1A3160"/>
-              </a:solidFill>
-              <a:latin typeface="Aptos" panose="020B0004020202020204" pitchFamily="34" charset="0"/>
-            </a:endParaRPr>
-          </a:p>
-          <a:p>
-            <a:pPr marL="0" indent="0">
-              <a:buNone/>
-            </a:pPr>
-            <a:endParaRPr lang="en-US" sz="1400" b="1" dirty="0">
-              <a:solidFill>
-                <a:srgbClr val="4490B8"/>
-              </a:solidFill>
-              <a:latin typeface="Helvetica" pitchFamily="2" charset="0"/>
-            </a:endParaRPr>
-          </a:p>
-          <a:p>
-            <a:endParaRPr lang="en-US" sz="1400" dirty="0">
-              <a:latin typeface="Helvetica" pitchFamily="2" charset="0"/>
-            </a:endParaRPr>
-          </a:p>
-        </p:txBody>
-      </p:sp>
-      <p:sp>
-        <p:nvSpPr>
-          <p:cNvPr id="11" name="Content Placeholder 2">
-            <a:extLst>
-              <a:ext uri="{FF2B5EF4-FFF2-40B4-BE49-F238E27FC236}">
-                <a16:creationId xmlns:a16="http://schemas.microsoft.com/office/drawing/2014/main" id="{D57E7E19-E6B7-DC4A-012B-2B7DAD80D342}"/>
-              </a:ext>
-            </a:extLst>
-          </p:cNvPr>
-          <p:cNvSpPr txBox="1">
-            <a:spLocks/>
-          </p:cNvSpPr>
-          <p:nvPr/>
-        </p:nvSpPr>
-        <p:spPr>
-          <a:xfrm>
-            <a:off x="7726567" y="5406245"/>
-            <a:ext cx="3958813" cy="1013800"/>
-          </a:xfrm>
-          <a:prstGeom prst="rect">
-            <a:avLst/>
-          </a:prstGeom>
-        </p:spPr>
-        <p:txBody>
-          <a:bodyPr vert="horz" lIns="91440" tIns="45720" rIns="91440" bIns="45720" rtlCol="0" anchor="t">
-            <a:noAutofit/>
-          </a:bodyPr>
-          <a:lstStyle>
-            <a:lvl1pPr marL="306000" indent="-306000" algn="l" defTabSz="457200" rtl="0" eaLnBrk="1" latinLnBrk="0" hangingPunct="1">
-              <a:spcBef>
-                <a:spcPct val="20000"/>
-              </a:spcBef>
-              <a:spcAft>
-                <a:spcPts val="600"/>
-              </a:spcAft>
-              <a:buClr>
-                <a:schemeClr val="accent2"/>
-              </a:buClr>
-              <a:buSzPct val="92000"/>
-              <a:buFont typeface="Wingdings 2" panose="05020102010507070707" pitchFamily="18" charset="2"/>
-              <a:buChar char=""/>
-              <a:defRPr sz="1800" kern="1200">
-                <a:solidFill>
-                  <a:schemeClr val="tx2"/>
-                </a:solidFill>
-                <a:latin typeface="+mn-lt"/>
-                <a:ea typeface="+mn-ea"/>
-                <a:cs typeface="+mn-cs"/>
-              </a:defRPr>
-            </a:lvl1pPr>
-            <a:lvl2pPr marL="630000" indent="-306000" algn="l" defTabSz="457200" rtl="0" eaLnBrk="1" latinLnBrk="0" hangingPunct="1">
-              <a:spcBef>
-                <a:spcPct val="20000"/>
-              </a:spcBef>
-              <a:spcAft>
-                <a:spcPts val="600"/>
-              </a:spcAft>
-              <a:buClr>
-                <a:schemeClr val="accent2"/>
-              </a:buClr>
-              <a:buSzPct val="92000"/>
-              <a:buFont typeface="Wingdings 2" panose="05020102010507070707" pitchFamily="18" charset="2"/>
-              <a:buChar char=""/>
-              <a:defRPr sz="1600" kern="1200">
-                <a:solidFill>
-                  <a:schemeClr val="tx2"/>
-                </a:solidFill>
-                <a:latin typeface="+mn-lt"/>
-                <a:ea typeface="+mn-ea"/>
-                <a:cs typeface="+mn-cs"/>
-              </a:defRPr>
-            </a:lvl2pPr>
-            <a:lvl3pPr marL="900000" indent="-270000" algn="l" defTabSz="457200" rtl="0" eaLnBrk="1" latinLnBrk="0" hangingPunct="1">
-              <a:spcBef>
-                <a:spcPct val="20000"/>
-              </a:spcBef>
-              <a:spcAft>
-                <a:spcPts val="600"/>
-              </a:spcAft>
-              <a:buClr>
-                <a:schemeClr val="accent2"/>
-              </a:buClr>
-              <a:buSzPct val="92000"/>
-              <a:buFont typeface="Wingdings 2" panose="05020102010507070707" pitchFamily="18" charset="2"/>
-              <a:buChar char=""/>
-              <a:defRPr sz="1400" kern="1200">
-                <a:solidFill>
-                  <a:schemeClr val="tx2"/>
-                </a:solidFill>
-                <a:latin typeface="+mn-lt"/>
-                <a:ea typeface="+mn-ea"/>
-                <a:cs typeface="+mn-cs"/>
-              </a:defRPr>
-            </a:lvl3pPr>
-            <a:lvl4pPr marL="1242000" indent="-234000" algn="l" defTabSz="457200" rtl="0" eaLnBrk="1" latinLnBrk="0" hangingPunct="1">
-              <a:spcBef>
-                <a:spcPct val="20000"/>
-              </a:spcBef>
-              <a:spcAft>
-                <a:spcPts val="600"/>
-              </a:spcAft>
-              <a:buClr>
-                <a:schemeClr val="accent2"/>
-              </a:buClr>
-              <a:buSzPct val="92000"/>
-              <a:buFont typeface="Wingdings 2" panose="05020102010507070707" pitchFamily="18" charset="2"/>
-              <a:buChar char=""/>
-              <a:defRPr sz="1200" kern="1200">
-                <a:solidFill>
-                  <a:schemeClr val="tx2"/>
-                </a:solidFill>
-                <a:latin typeface="+mn-lt"/>
-                <a:ea typeface="+mn-ea"/>
-                <a:cs typeface="+mn-cs"/>
-              </a:defRPr>
-            </a:lvl4pPr>
-            <a:lvl5pPr marL="1602000" indent="-234000" algn="l" defTabSz="457200" rtl="0" eaLnBrk="1" latinLnBrk="0" hangingPunct="1">
-              <a:spcBef>
-                <a:spcPct val="20000"/>
-              </a:spcBef>
-              <a:spcAft>
-                <a:spcPts val="600"/>
-              </a:spcAft>
-              <a:buClr>
-                <a:schemeClr val="accent2"/>
-              </a:buClr>
-              <a:buSzPct val="92000"/>
-              <a:buFont typeface="Wingdings 2" panose="05020102010507070707" pitchFamily="18" charset="2"/>
-              <a:buChar char=""/>
-              <a:defRPr sz="1200" kern="1200">
-                <a:solidFill>
-                  <a:schemeClr val="tx2"/>
-                </a:solidFill>
-                <a:latin typeface="+mn-lt"/>
-                <a:ea typeface="+mn-ea"/>
-                <a:cs typeface="+mn-cs"/>
-              </a:defRPr>
-            </a:lvl5pPr>
-            <a:lvl6pPr marL="1900000" indent="-228600" algn="l" defTabSz="457200" rtl="0" eaLnBrk="1" latinLnBrk="0" hangingPunct="1">
-              <a:spcBef>
-                <a:spcPct val="20000"/>
-              </a:spcBef>
-              <a:spcAft>
-                <a:spcPts val="600"/>
-              </a:spcAft>
-              <a:buClr>
-                <a:schemeClr val="accent2"/>
-              </a:buClr>
-              <a:buSzPct val="92000"/>
-              <a:buFont typeface="Wingdings 2" panose="05020102010507070707" pitchFamily="18" charset="2"/>
-              <a:buChar char=""/>
-              <a:defRPr sz="1200" kern="1200">
-                <a:solidFill>
-                  <a:schemeClr val="tx2"/>
-                </a:solidFill>
-                <a:latin typeface="+mn-lt"/>
-                <a:ea typeface="+mn-ea"/>
-                <a:cs typeface="+mn-cs"/>
-              </a:defRPr>
-            </a:lvl6pPr>
-            <a:lvl7pPr marL="2200000" indent="-228600" algn="l" defTabSz="457200" rtl="0" eaLnBrk="1" latinLnBrk="0" hangingPunct="1">
-              <a:spcBef>
-                <a:spcPct val="20000"/>
-              </a:spcBef>
-              <a:spcAft>
-                <a:spcPts val="600"/>
-              </a:spcAft>
-              <a:buClr>
-                <a:schemeClr val="accent2"/>
-              </a:buClr>
-              <a:buSzPct val="92000"/>
-              <a:buFont typeface="Wingdings 2" panose="05020102010507070707" pitchFamily="18" charset="2"/>
-              <a:buChar char=""/>
-              <a:defRPr sz="1200" kern="1200">
-                <a:solidFill>
-                  <a:schemeClr val="tx2"/>
-                </a:solidFill>
-                <a:latin typeface="+mn-lt"/>
-                <a:ea typeface="+mn-ea"/>
-                <a:cs typeface="+mn-cs"/>
-              </a:defRPr>
-            </a:lvl7pPr>
-            <a:lvl8pPr marL="2500000" indent="-228600" algn="l" defTabSz="457200" rtl="0" eaLnBrk="1" latinLnBrk="0" hangingPunct="1">
-              <a:spcBef>
-                <a:spcPct val="20000"/>
-              </a:spcBef>
-              <a:spcAft>
-                <a:spcPts val="600"/>
-              </a:spcAft>
-              <a:buClr>
-                <a:schemeClr val="accent2"/>
-              </a:buClr>
-              <a:buSzPct val="92000"/>
-              <a:buFont typeface="Wingdings 2" panose="05020102010507070707" pitchFamily="18" charset="2"/>
-              <a:buChar char=""/>
-              <a:defRPr sz="1200" kern="1200">
-                <a:solidFill>
-                  <a:schemeClr val="tx2"/>
-                </a:solidFill>
-                <a:latin typeface="+mn-lt"/>
-                <a:ea typeface="+mn-ea"/>
-                <a:cs typeface="+mn-cs"/>
-              </a:defRPr>
-            </a:lvl8pPr>
-            <a:lvl9pPr marL="2800000" indent="-228600" algn="l" defTabSz="457200" rtl="0" eaLnBrk="1" latinLnBrk="0" hangingPunct="1">
-              <a:spcBef>
-                <a:spcPct val="20000"/>
-              </a:spcBef>
-              <a:spcAft>
-                <a:spcPts val="600"/>
-              </a:spcAft>
-              <a:buClr>
-                <a:schemeClr val="accent2"/>
-              </a:buClr>
-              <a:buSzPct val="92000"/>
-              <a:buFont typeface="Wingdings 2" panose="05020102010507070707" pitchFamily="18" charset="2"/>
-              <a:buChar char=""/>
-              <a:defRPr sz="1200" kern="1200">
-                <a:solidFill>
-                  <a:schemeClr val="tx2"/>
-                </a:solidFill>
-                <a:latin typeface="+mn-lt"/>
-                <a:ea typeface="+mn-ea"/>
-                <a:cs typeface="+mn-cs"/>
-              </a:defRPr>
-            </a:lvl9pPr>
-          </a:lstStyle>
-          <a:p>
-            <a:pPr>
-              <a:buClr>
-                <a:srgbClr val="1A3160"/>
-              </a:buClr>
-            </a:pPr>
-            <a:r>
-              <a:rPr lang="en-US" sz="1200" dirty="0">
-                <a:solidFill>
-                  <a:srgbClr val="1A3160"/>
-                </a:solidFill>
-                <a:latin typeface="Aptos" panose="020B0004020202020204" pitchFamily="34" charset="0"/>
-              </a:rPr>
-              <a:t>People have generally settled in already established areas in the last two decades or so</a:t>
-            </a:r>
-          </a:p>
-          <a:p>
-            <a:pPr>
-              <a:buClr>
-                <a:srgbClr val="1A3160"/>
-              </a:buClr>
-            </a:pPr>
-            <a:r>
-              <a:rPr lang="en-US" sz="1200" dirty="0">
-                <a:solidFill>
-                  <a:srgbClr val="1A3160"/>
-                </a:solidFill>
-                <a:latin typeface="Aptos" panose="020B0004020202020204" pitchFamily="34" charset="0"/>
-              </a:rPr>
-              <a:t>Many of the major cities experienced density growth, highlighting the on-going urbanization trend</a:t>
-            </a:r>
-          </a:p>
-          <a:p>
-            <a:pPr marL="0" indent="0">
-              <a:buNone/>
-            </a:pPr>
-            <a:endParaRPr lang="en-US" sz="1200" b="1" dirty="0">
-              <a:solidFill>
-                <a:srgbClr val="4490B8"/>
-              </a:solidFill>
-              <a:latin typeface="Helvetica" pitchFamily="2" charset="0"/>
-            </a:endParaRPr>
-          </a:p>
-          <a:p>
-            <a:endParaRPr lang="en-US" sz="1200" dirty="0">
-              <a:latin typeface="Helvetica" pitchFamily="2" charset="0"/>
-            </a:endParaRPr>
-          </a:p>
-        </p:txBody>
-      </p:sp>
-      <p:sp>
-        <p:nvSpPr>
-          <p:cNvPr id="15" name="TextBox 14">
-            <a:extLst>
-              <a:ext uri="{FF2B5EF4-FFF2-40B4-BE49-F238E27FC236}">
-                <a16:creationId xmlns:a16="http://schemas.microsoft.com/office/drawing/2014/main" id="{D5755999-0F66-B1A5-F414-0F2EECA9F21A}"/>
-              </a:ext>
-            </a:extLst>
-          </p:cNvPr>
-          <p:cNvSpPr txBox="1"/>
-          <p:nvPr/>
-        </p:nvSpPr>
-        <p:spPr>
-          <a:xfrm>
-            <a:off x="316685" y="6664783"/>
-            <a:ext cx="11500466" cy="215444"/>
-          </a:xfrm>
-          <a:prstGeom prst="rect">
-            <a:avLst/>
-          </a:prstGeom>
-          <a:noFill/>
-        </p:spPr>
-        <p:txBody>
-          <a:bodyPr wrap="square" rtlCol="0">
-            <a:spAutoFit/>
-          </a:bodyPr>
-          <a:lstStyle/>
-          <a:p>
-            <a:pPr>
-              <a:spcAft>
-                <a:spcPts val="600"/>
-              </a:spcAft>
-            </a:pPr>
-            <a:r>
-              <a:rPr lang="en-US" sz="800" dirty="0">
-                <a:latin typeface="Aptos" panose="020B0004020202020204" pitchFamily="34" charset="0"/>
-              </a:rPr>
-              <a:t>Source:  1 &amp; 2) Britannica.</a:t>
-            </a:r>
-            <a:endParaRPr lang="en-US" sz="800" dirty="0">
-              <a:latin typeface="Helvetica" pitchFamily="2" charset="0"/>
-            </a:endParaRPr>
-          </a:p>
-        </p:txBody>
-      </p:sp>
-    </p:spTree>
-    <p:extLst>
-      <p:ext uri="{BB962C8B-B14F-4D97-AF65-F5344CB8AC3E}">
-        <p14:creationId xmlns:p14="http://schemas.microsoft.com/office/powerpoint/2010/main" val="3089423157"/>
-      </p:ext>
-    </p:extLst>
-  </p:cSld>
-  <p:clrMapOvr>
-    <a:masterClrMapping/>
-  </p:clrMapOvr>
-</p:sld>
-</file>
-
-<file path=ppt/slides/slide5.xml><?xml version="1.0" encoding="utf-8"?>
-<p:sld xmlns:a="http://schemas.openxmlformats.org/drawingml/2006/main" xmlns:r="http://schemas.openxmlformats.org/officeDocument/2006/relationships" xmlns:p="http://schemas.openxmlformats.org/presentationml/2006/main">
-  <p:cSld>
-    <p:spTree>
-      <p:nvGrpSpPr>
-        <p:cNvPr id="1" name=""/>
-        <p:cNvGrpSpPr/>
-        <p:nvPr/>
-      </p:nvGrpSpPr>
-      <p:grpSpPr>
-        <a:xfrm>
-          <a:off x="0" y="0"/>
-          <a:ext cx="0" cy="0"/>
-          <a:chOff x="0" y="0"/>
-          <a:chExt cx="0" cy="0"/>
-        </a:xfrm>
-      </p:grpSpPr>
-      <p:sp>
-        <p:nvSpPr>
-          <p:cNvPr id="2" name="Title 1">
-            <a:extLst>
-              <a:ext uri="{FF2B5EF4-FFF2-40B4-BE49-F238E27FC236}">
-                <a16:creationId xmlns:a16="http://schemas.microsoft.com/office/drawing/2014/main" id="{F08DE48D-941F-9C2D-0F3D-53C374222069}"/>
-              </a:ext>
-            </a:extLst>
-          </p:cNvPr>
-          <p:cNvSpPr>
-            <a:spLocks noGrp="1"/>
-          </p:cNvSpPr>
-          <p:nvPr>
-            <p:ph type="title"/>
-          </p:nvPr>
-        </p:nvSpPr>
-        <p:spPr/>
-        <p:txBody>
-          <a:bodyPr/>
-          <a:lstStyle/>
-          <a:p>
-            <a:r>
-              <a:rPr lang="en-US"/>
-              <a:t>Ambient Air Pollution exposure</a:t>
-            </a:r>
-            <a:endParaRPr lang="en-US" dirty="0"/>
-          </a:p>
-        </p:txBody>
-      </p:sp>
-      <p:pic>
-        <p:nvPicPr>
-          <p:cNvPr id="5" name="Content Placeholder 4" descr="A close-up of a graph&#10;&#10;Description automatically generated">
-            <a:extLst>
-              <a:ext uri="{FF2B5EF4-FFF2-40B4-BE49-F238E27FC236}">
-                <a16:creationId xmlns:a16="http://schemas.microsoft.com/office/drawing/2014/main" id="{4DED9212-49AC-6261-2D10-DF5C84898B4F}"/>
-              </a:ext>
-            </a:extLst>
-          </p:cNvPr>
-          <p:cNvPicPr>
-            <a:picLocks noGrp="1"/>
-          </p:cNvPicPr>
-          <p:nvPr>
-            <p:ph idx="1"/>
-          </p:nvPr>
-        </p:nvPicPr>
-        <p:blipFill>
-          <a:blip r:embed="rId3"/>
-          <a:srcRect l="8265" t="2899" r="7446"/>
-          <a:stretch/>
-        </p:blipFill>
-        <p:spPr>
-          <a:xfrm>
-            <a:off x="224314" y="1918674"/>
-            <a:ext cx="6785114" cy="3675888"/>
-          </a:xfrm>
-        </p:spPr>
-      </p:pic>
-      <p:pic>
-        <p:nvPicPr>
-          <p:cNvPr id="7" name="Picture 6" descr="A map of a city&#10;&#10;Description automatically generated">
-            <a:extLst>
-              <a:ext uri="{FF2B5EF4-FFF2-40B4-BE49-F238E27FC236}">
-                <a16:creationId xmlns:a16="http://schemas.microsoft.com/office/drawing/2014/main" id="{D6B8BC72-756E-41A4-C1C8-DFB549ACB542}"/>
-              </a:ext>
-            </a:extLst>
-          </p:cNvPr>
-          <p:cNvPicPr>
-            <a:picLocks noChangeAspect="1"/>
-          </p:cNvPicPr>
-          <p:nvPr/>
-        </p:nvPicPr>
-        <p:blipFill>
-          <a:blip r:embed="rId4"/>
-          <a:srcRect l="6777" t="11321" r="5135" b="5311"/>
-          <a:stretch/>
-        </p:blipFill>
-        <p:spPr>
-          <a:xfrm>
-            <a:off x="7484166" y="1875818"/>
-            <a:ext cx="4293704" cy="3786386"/>
-          </a:xfrm>
-          <a:prstGeom prst="rect">
-            <a:avLst/>
-          </a:prstGeom>
-        </p:spPr>
-      </p:pic>
-      <p:sp>
-        <p:nvSpPr>
-          <p:cNvPr id="9" name="Content Placeholder 2">
-            <a:extLst>
-              <a:ext uri="{FF2B5EF4-FFF2-40B4-BE49-F238E27FC236}">
-                <a16:creationId xmlns:a16="http://schemas.microsoft.com/office/drawing/2014/main" id="{AD914DDF-300C-35E7-B640-225F08719CAB}"/>
-              </a:ext>
-            </a:extLst>
-          </p:cNvPr>
-          <p:cNvSpPr txBox="1">
-            <a:spLocks/>
-          </p:cNvSpPr>
-          <p:nvPr/>
-        </p:nvSpPr>
-        <p:spPr>
-          <a:xfrm>
-            <a:off x="327716" y="5645426"/>
-            <a:ext cx="6450771" cy="1093303"/>
-          </a:xfrm>
-          <a:prstGeom prst="rect">
-            <a:avLst/>
-          </a:prstGeom>
-        </p:spPr>
-        <p:txBody>
-          <a:bodyPr vert="horz" lIns="91440" tIns="45720" rIns="91440" bIns="45720" rtlCol="0" anchor="t">
-            <a:noAutofit/>
-          </a:bodyPr>
-          <a:lstStyle>
-            <a:lvl1pPr marL="306000" indent="-306000" algn="l" defTabSz="457200" rtl="0" eaLnBrk="1" latinLnBrk="0" hangingPunct="1">
-              <a:spcBef>
-                <a:spcPct val="20000"/>
-              </a:spcBef>
-              <a:spcAft>
-                <a:spcPts val="600"/>
-              </a:spcAft>
-              <a:buClr>
-                <a:schemeClr val="accent2"/>
-              </a:buClr>
-              <a:buSzPct val="92000"/>
-              <a:buFont typeface="Wingdings 2" panose="05020102010507070707" pitchFamily="18" charset="2"/>
-              <a:buChar char=""/>
-              <a:defRPr sz="1800" kern="1200">
-                <a:solidFill>
-                  <a:schemeClr val="tx2"/>
-                </a:solidFill>
-                <a:latin typeface="+mn-lt"/>
-                <a:ea typeface="+mn-ea"/>
-                <a:cs typeface="+mn-cs"/>
-              </a:defRPr>
-            </a:lvl1pPr>
-            <a:lvl2pPr marL="630000" indent="-306000" algn="l" defTabSz="457200" rtl="0" eaLnBrk="1" latinLnBrk="0" hangingPunct="1">
-              <a:spcBef>
-                <a:spcPct val="20000"/>
-              </a:spcBef>
-              <a:spcAft>
-                <a:spcPts val="600"/>
-              </a:spcAft>
-              <a:buClr>
-                <a:schemeClr val="accent2"/>
-              </a:buClr>
-              <a:buSzPct val="92000"/>
-              <a:buFont typeface="Wingdings 2" panose="05020102010507070707" pitchFamily="18" charset="2"/>
-              <a:buChar char=""/>
-              <a:defRPr sz="1600" kern="1200">
-                <a:solidFill>
-                  <a:schemeClr val="tx2"/>
-                </a:solidFill>
-                <a:latin typeface="+mn-lt"/>
-                <a:ea typeface="+mn-ea"/>
-                <a:cs typeface="+mn-cs"/>
-              </a:defRPr>
-            </a:lvl2pPr>
-            <a:lvl3pPr marL="900000" indent="-270000" algn="l" defTabSz="457200" rtl="0" eaLnBrk="1" latinLnBrk="0" hangingPunct="1">
-              <a:spcBef>
-                <a:spcPct val="20000"/>
-              </a:spcBef>
-              <a:spcAft>
-                <a:spcPts val="600"/>
-              </a:spcAft>
-              <a:buClr>
-                <a:schemeClr val="accent2"/>
-              </a:buClr>
-              <a:buSzPct val="92000"/>
-              <a:buFont typeface="Wingdings 2" panose="05020102010507070707" pitchFamily="18" charset="2"/>
-              <a:buChar char=""/>
-              <a:defRPr sz="1400" kern="1200">
-                <a:solidFill>
-                  <a:schemeClr val="tx2"/>
-                </a:solidFill>
-                <a:latin typeface="+mn-lt"/>
-                <a:ea typeface="+mn-ea"/>
-                <a:cs typeface="+mn-cs"/>
-              </a:defRPr>
-            </a:lvl3pPr>
-            <a:lvl4pPr marL="1242000" indent="-234000" algn="l" defTabSz="457200" rtl="0" eaLnBrk="1" latinLnBrk="0" hangingPunct="1">
-              <a:spcBef>
-                <a:spcPct val="20000"/>
-              </a:spcBef>
-              <a:spcAft>
-                <a:spcPts val="600"/>
-              </a:spcAft>
-              <a:buClr>
-                <a:schemeClr val="accent2"/>
-              </a:buClr>
-              <a:buSzPct val="92000"/>
-              <a:buFont typeface="Wingdings 2" panose="05020102010507070707" pitchFamily="18" charset="2"/>
-              <a:buChar char=""/>
-              <a:defRPr sz="1200" kern="1200">
-                <a:solidFill>
-                  <a:schemeClr val="tx2"/>
-                </a:solidFill>
-                <a:latin typeface="+mn-lt"/>
-                <a:ea typeface="+mn-ea"/>
-                <a:cs typeface="+mn-cs"/>
-              </a:defRPr>
-            </a:lvl4pPr>
-            <a:lvl5pPr marL="1602000" indent="-234000" algn="l" defTabSz="457200" rtl="0" eaLnBrk="1" latinLnBrk="0" hangingPunct="1">
-              <a:spcBef>
-                <a:spcPct val="20000"/>
-              </a:spcBef>
-              <a:spcAft>
-                <a:spcPts val="600"/>
-              </a:spcAft>
-              <a:buClr>
-                <a:schemeClr val="accent2"/>
-              </a:buClr>
-              <a:buSzPct val="92000"/>
-              <a:buFont typeface="Wingdings 2" panose="05020102010507070707" pitchFamily="18" charset="2"/>
-              <a:buChar char=""/>
-              <a:defRPr sz="1200" kern="1200">
-                <a:solidFill>
-                  <a:schemeClr val="tx2"/>
-                </a:solidFill>
-                <a:latin typeface="+mn-lt"/>
-                <a:ea typeface="+mn-ea"/>
-                <a:cs typeface="+mn-cs"/>
-              </a:defRPr>
-            </a:lvl5pPr>
-            <a:lvl6pPr marL="1900000" indent="-228600" algn="l" defTabSz="457200" rtl="0" eaLnBrk="1" latinLnBrk="0" hangingPunct="1">
-              <a:spcBef>
-                <a:spcPct val="20000"/>
-              </a:spcBef>
-              <a:spcAft>
-                <a:spcPts val="600"/>
-              </a:spcAft>
-              <a:buClr>
-                <a:schemeClr val="accent2"/>
-              </a:buClr>
-              <a:buSzPct val="92000"/>
-              <a:buFont typeface="Wingdings 2" panose="05020102010507070707" pitchFamily="18" charset="2"/>
-              <a:buChar char=""/>
-              <a:defRPr sz="1200" kern="1200">
-                <a:solidFill>
-                  <a:schemeClr val="tx2"/>
-                </a:solidFill>
-                <a:latin typeface="+mn-lt"/>
-                <a:ea typeface="+mn-ea"/>
-                <a:cs typeface="+mn-cs"/>
-              </a:defRPr>
-            </a:lvl6pPr>
-            <a:lvl7pPr marL="2200000" indent="-228600" algn="l" defTabSz="457200" rtl="0" eaLnBrk="1" latinLnBrk="0" hangingPunct="1">
-              <a:spcBef>
-                <a:spcPct val="20000"/>
-              </a:spcBef>
-              <a:spcAft>
-                <a:spcPts val="600"/>
-              </a:spcAft>
-              <a:buClr>
-                <a:schemeClr val="accent2"/>
-              </a:buClr>
-              <a:buSzPct val="92000"/>
-              <a:buFont typeface="Wingdings 2" panose="05020102010507070707" pitchFamily="18" charset="2"/>
-              <a:buChar char=""/>
-              <a:defRPr sz="1200" kern="1200">
-                <a:solidFill>
-                  <a:schemeClr val="tx2"/>
-                </a:solidFill>
-                <a:latin typeface="+mn-lt"/>
-                <a:ea typeface="+mn-ea"/>
-                <a:cs typeface="+mn-cs"/>
-              </a:defRPr>
-            </a:lvl7pPr>
-            <a:lvl8pPr marL="2500000" indent="-228600" algn="l" defTabSz="457200" rtl="0" eaLnBrk="1" latinLnBrk="0" hangingPunct="1">
-              <a:spcBef>
-                <a:spcPct val="20000"/>
-              </a:spcBef>
-              <a:spcAft>
-                <a:spcPts val="600"/>
-              </a:spcAft>
-              <a:buClr>
-                <a:schemeClr val="accent2"/>
-              </a:buClr>
-              <a:buSzPct val="92000"/>
-              <a:buFont typeface="Wingdings 2" panose="05020102010507070707" pitchFamily="18" charset="2"/>
-              <a:buChar char=""/>
-              <a:defRPr sz="1200" kern="1200">
-                <a:solidFill>
-                  <a:schemeClr val="tx2"/>
-                </a:solidFill>
-                <a:latin typeface="+mn-lt"/>
-                <a:ea typeface="+mn-ea"/>
-                <a:cs typeface="+mn-cs"/>
-              </a:defRPr>
-            </a:lvl8pPr>
-            <a:lvl9pPr marL="2800000" indent="-228600" algn="l" defTabSz="457200" rtl="0" eaLnBrk="1" latinLnBrk="0" hangingPunct="1">
-              <a:spcBef>
-                <a:spcPct val="20000"/>
-              </a:spcBef>
-              <a:spcAft>
-                <a:spcPts val="600"/>
-              </a:spcAft>
-              <a:buClr>
-                <a:schemeClr val="accent2"/>
-              </a:buClr>
-              <a:buSzPct val="92000"/>
-              <a:buFont typeface="Wingdings 2" panose="05020102010507070707" pitchFamily="18" charset="2"/>
-              <a:buChar char=""/>
-              <a:defRPr sz="1200" kern="1200">
-                <a:solidFill>
-                  <a:schemeClr val="tx2"/>
-                </a:solidFill>
-                <a:latin typeface="+mn-lt"/>
-                <a:ea typeface="+mn-ea"/>
-                <a:cs typeface="+mn-cs"/>
-              </a:defRPr>
-            </a:lvl9pPr>
-          </a:lstStyle>
-          <a:p>
-            <a:pPr>
-              <a:buClr>
-                <a:srgbClr val="1A3160"/>
-              </a:buClr>
-            </a:pPr>
-            <a:r>
-              <a:rPr lang="en-US" sz="1100" dirty="0">
-                <a:solidFill>
-                  <a:srgbClr val="1A3160"/>
-                </a:solidFill>
-                <a:latin typeface="Aptos" panose="020B0004020202020204" pitchFamily="34" charset="0"/>
-              </a:rPr>
-              <a:t>Wide-spread exposure to unsafe levels of ambient PM2.5 (fine particulate matter), 3 – 8x times WHO long-term exposure guideline</a:t>
-            </a:r>
-          </a:p>
-          <a:p>
-            <a:pPr>
-              <a:buClr>
-                <a:srgbClr val="1A3160"/>
-              </a:buClr>
-            </a:pPr>
-            <a:r>
-              <a:rPr lang="en-US" sz="1100" dirty="0">
-                <a:solidFill>
-                  <a:srgbClr val="1A3160"/>
-                </a:solidFill>
-                <a:latin typeface="Aptos" panose="020B0004020202020204" pitchFamily="34" charset="0"/>
-              </a:rPr>
-              <a:t>Cities on average seem to have the worst exposure relative to towns and rural areas</a:t>
-            </a:r>
-          </a:p>
-          <a:p>
-            <a:pPr>
-              <a:buClr>
-                <a:srgbClr val="1A3160"/>
-              </a:buClr>
-            </a:pPr>
-            <a:r>
-              <a:rPr lang="en-US" sz="1100" dirty="0">
-                <a:solidFill>
-                  <a:srgbClr val="1A3160"/>
-                </a:solidFill>
-                <a:latin typeface="Aptos" panose="020B0004020202020204" pitchFamily="34" charset="0"/>
-              </a:rPr>
-              <a:t>Concentration levels remained steady over the scope of data</a:t>
-            </a:r>
-          </a:p>
-          <a:p>
-            <a:pPr>
-              <a:buClr>
-                <a:srgbClr val="1A3160"/>
-              </a:buClr>
-            </a:pPr>
-            <a:endParaRPr lang="en-US" sz="1100" dirty="0">
-              <a:solidFill>
-                <a:srgbClr val="1A3160"/>
-              </a:solidFill>
-              <a:latin typeface="Aptos" panose="020B0004020202020204" pitchFamily="34" charset="0"/>
-            </a:endParaRPr>
-          </a:p>
-          <a:p>
-            <a:pPr marL="0" indent="0">
-              <a:buNone/>
-            </a:pPr>
-            <a:endParaRPr lang="en-US" sz="1100" b="1" dirty="0">
-              <a:solidFill>
-                <a:srgbClr val="4490B8"/>
-              </a:solidFill>
-              <a:latin typeface="Helvetica" pitchFamily="2" charset="0"/>
-            </a:endParaRPr>
-          </a:p>
-          <a:p>
-            <a:endParaRPr lang="en-US" sz="1100" dirty="0">
-              <a:latin typeface="Helvetica" pitchFamily="2" charset="0"/>
-            </a:endParaRPr>
-          </a:p>
-        </p:txBody>
-      </p:sp>
-      <p:sp>
-        <p:nvSpPr>
-          <p:cNvPr id="10" name="Content Placeholder 2">
-            <a:extLst>
-              <a:ext uri="{FF2B5EF4-FFF2-40B4-BE49-F238E27FC236}">
-                <a16:creationId xmlns:a16="http://schemas.microsoft.com/office/drawing/2014/main" id="{CE03EEF9-F7C3-52FB-8769-9C451E63D370}"/>
-              </a:ext>
-            </a:extLst>
-          </p:cNvPr>
-          <p:cNvSpPr txBox="1">
-            <a:spLocks/>
-          </p:cNvSpPr>
-          <p:nvPr/>
-        </p:nvSpPr>
-        <p:spPr>
-          <a:xfrm>
-            <a:off x="7706564" y="5645426"/>
-            <a:ext cx="4373218" cy="1093303"/>
-          </a:xfrm>
-          <a:prstGeom prst="rect">
-            <a:avLst/>
-          </a:prstGeom>
-        </p:spPr>
-        <p:txBody>
-          <a:bodyPr vert="horz" lIns="91440" tIns="45720" rIns="91440" bIns="45720" rtlCol="0" anchor="t">
-            <a:noAutofit/>
-          </a:bodyPr>
-          <a:lstStyle>
-            <a:lvl1pPr marL="306000" indent="-306000" algn="l" defTabSz="457200" rtl="0" eaLnBrk="1" latinLnBrk="0" hangingPunct="1">
-              <a:spcBef>
-                <a:spcPct val="20000"/>
-              </a:spcBef>
-              <a:spcAft>
-                <a:spcPts val="600"/>
-              </a:spcAft>
-              <a:buClr>
-                <a:schemeClr val="accent2"/>
-              </a:buClr>
-              <a:buSzPct val="92000"/>
-              <a:buFont typeface="Wingdings 2" panose="05020102010507070707" pitchFamily="18" charset="2"/>
-              <a:buChar char=""/>
-              <a:defRPr sz="1800" kern="1200">
-                <a:solidFill>
-                  <a:schemeClr val="tx2"/>
-                </a:solidFill>
-                <a:latin typeface="+mn-lt"/>
-                <a:ea typeface="+mn-ea"/>
-                <a:cs typeface="+mn-cs"/>
-              </a:defRPr>
-            </a:lvl1pPr>
-            <a:lvl2pPr marL="630000" indent="-306000" algn="l" defTabSz="457200" rtl="0" eaLnBrk="1" latinLnBrk="0" hangingPunct="1">
-              <a:spcBef>
-                <a:spcPct val="20000"/>
-              </a:spcBef>
-              <a:spcAft>
-                <a:spcPts val="600"/>
-              </a:spcAft>
-              <a:buClr>
-                <a:schemeClr val="accent2"/>
-              </a:buClr>
-              <a:buSzPct val="92000"/>
-              <a:buFont typeface="Wingdings 2" panose="05020102010507070707" pitchFamily="18" charset="2"/>
-              <a:buChar char=""/>
-              <a:defRPr sz="1600" kern="1200">
-                <a:solidFill>
-                  <a:schemeClr val="tx2"/>
-                </a:solidFill>
-                <a:latin typeface="+mn-lt"/>
-                <a:ea typeface="+mn-ea"/>
-                <a:cs typeface="+mn-cs"/>
-              </a:defRPr>
-            </a:lvl2pPr>
-            <a:lvl3pPr marL="900000" indent="-270000" algn="l" defTabSz="457200" rtl="0" eaLnBrk="1" latinLnBrk="0" hangingPunct="1">
-              <a:spcBef>
-                <a:spcPct val="20000"/>
-              </a:spcBef>
-              <a:spcAft>
-                <a:spcPts val="600"/>
-              </a:spcAft>
-              <a:buClr>
-                <a:schemeClr val="accent2"/>
-              </a:buClr>
-              <a:buSzPct val="92000"/>
-              <a:buFont typeface="Wingdings 2" panose="05020102010507070707" pitchFamily="18" charset="2"/>
-              <a:buChar char=""/>
-              <a:defRPr sz="1400" kern="1200">
-                <a:solidFill>
-                  <a:schemeClr val="tx2"/>
-                </a:solidFill>
-                <a:latin typeface="+mn-lt"/>
-                <a:ea typeface="+mn-ea"/>
-                <a:cs typeface="+mn-cs"/>
-              </a:defRPr>
-            </a:lvl3pPr>
-            <a:lvl4pPr marL="1242000" indent="-234000" algn="l" defTabSz="457200" rtl="0" eaLnBrk="1" latinLnBrk="0" hangingPunct="1">
-              <a:spcBef>
-                <a:spcPct val="20000"/>
-              </a:spcBef>
-              <a:spcAft>
-                <a:spcPts val="600"/>
-              </a:spcAft>
-              <a:buClr>
-                <a:schemeClr val="accent2"/>
-              </a:buClr>
-              <a:buSzPct val="92000"/>
-              <a:buFont typeface="Wingdings 2" panose="05020102010507070707" pitchFamily="18" charset="2"/>
-              <a:buChar char=""/>
-              <a:defRPr sz="1200" kern="1200">
-                <a:solidFill>
-                  <a:schemeClr val="tx2"/>
-                </a:solidFill>
-                <a:latin typeface="+mn-lt"/>
-                <a:ea typeface="+mn-ea"/>
-                <a:cs typeface="+mn-cs"/>
-              </a:defRPr>
-            </a:lvl4pPr>
-            <a:lvl5pPr marL="1602000" indent="-234000" algn="l" defTabSz="457200" rtl="0" eaLnBrk="1" latinLnBrk="0" hangingPunct="1">
-              <a:spcBef>
-                <a:spcPct val="20000"/>
-              </a:spcBef>
-              <a:spcAft>
-                <a:spcPts val="600"/>
-              </a:spcAft>
-              <a:buClr>
-                <a:schemeClr val="accent2"/>
-              </a:buClr>
-              <a:buSzPct val="92000"/>
-              <a:buFont typeface="Wingdings 2" panose="05020102010507070707" pitchFamily="18" charset="2"/>
-              <a:buChar char=""/>
-              <a:defRPr sz="1200" kern="1200">
-                <a:solidFill>
-                  <a:schemeClr val="tx2"/>
-                </a:solidFill>
-                <a:latin typeface="+mn-lt"/>
-                <a:ea typeface="+mn-ea"/>
-                <a:cs typeface="+mn-cs"/>
-              </a:defRPr>
-            </a:lvl5pPr>
-            <a:lvl6pPr marL="1900000" indent="-228600" algn="l" defTabSz="457200" rtl="0" eaLnBrk="1" latinLnBrk="0" hangingPunct="1">
-              <a:spcBef>
-                <a:spcPct val="20000"/>
-              </a:spcBef>
-              <a:spcAft>
-                <a:spcPts val="600"/>
-              </a:spcAft>
-              <a:buClr>
-                <a:schemeClr val="accent2"/>
-              </a:buClr>
-              <a:buSzPct val="92000"/>
-              <a:buFont typeface="Wingdings 2" panose="05020102010507070707" pitchFamily="18" charset="2"/>
-              <a:buChar char=""/>
-              <a:defRPr sz="1200" kern="1200">
-                <a:solidFill>
-                  <a:schemeClr val="tx2"/>
-                </a:solidFill>
-                <a:latin typeface="+mn-lt"/>
-                <a:ea typeface="+mn-ea"/>
-                <a:cs typeface="+mn-cs"/>
-              </a:defRPr>
-            </a:lvl6pPr>
-            <a:lvl7pPr marL="2200000" indent="-228600" algn="l" defTabSz="457200" rtl="0" eaLnBrk="1" latinLnBrk="0" hangingPunct="1">
-              <a:spcBef>
-                <a:spcPct val="20000"/>
-              </a:spcBef>
-              <a:spcAft>
-                <a:spcPts val="600"/>
-              </a:spcAft>
-              <a:buClr>
-                <a:schemeClr val="accent2"/>
-              </a:buClr>
-              <a:buSzPct val="92000"/>
-              <a:buFont typeface="Wingdings 2" panose="05020102010507070707" pitchFamily="18" charset="2"/>
-              <a:buChar char=""/>
-              <a:defRPr sz="1200" kern="1200">
-                <a:solidFill>
-                  <a:schemeClr val="tx2"/>
-                </a:solidFill>
-                <a:latin typeface="+mn-lt"/>
-                <a:ea typeface="+mn-ea"/>
-                <a:cs typeface="+mn-cs"/>
-              </a:defRPr>
-            </a:lvl7pPr>
-            <a:lvl8pPr marL="2500000" indent="-228600" algn="l" defTabSz="457200" rtl="0" eaLnBrk="1" latinLnBrk="0" hangingPunct="1">
-              <a:spcBef>
-                <a:spcPct val="20000"/>
-              </a:spcBef>
-              <a:spcAft>
-                <a:spcPts val="600"/>
-              </a:spcAft>
-              <a:buClr>
-                <a:schemeClr val="accent2"/>
-              </a:buClr>
-              <a:buSzPct val="92000"/>
-              <a:buFont typeface="Wingdings 2" panose="05020102010507070707" pitchFamily="18" charset="2"/>
-              <a:buChar char=""/>
-              <a:defRPr sz="1200" kern="1200">
-                <a:solidFill>
-                  <a:schemeClr val="tx2"/>
-                </a:solidFill>
-                <a:latin typeface="+mn-lt"/>
-                <a:ea typeface="+mn-ea"/>
-                <a:cs typeface="+mn-cs"/>
-              </a:defRPr>
-            </a:lvl8pPr>
-            <a:lvl9pPr marL="2800000" indent="-228600" algn="l" defTabSz="457200" rtl="0" eaLnBrk="1" latinLnBrk="0" hangingPunct="1">
-              <a:spcBef>
-                <a:spcPct val="20000"/>
-              </a:spcBef>
-              <a:spcAft>
-                <a:spcPts val="600"/>
-              </a:spcAft>
-              <a:buClr>
-                <a:schemeClr val="accent2"/>
-              </a:buClr>
-              <a:buSzPct val="92000"/>
-              <a:buFont typeface="Wingdings 2" panose="05020102010507070707" pitchFamily="18" charset="2"/>
-              <a:buChar char=""/>
-              <a:defRPr sz="1200" kern="1200">
-                <a:solidFill>
-                  <a:schemeClr val="tx2"/>
-                </a:solidFill>
-                <a:latin typeface="+mn-lt"/>
-                <a:ea typeface="+mn-ea"/>
-                <a:cs typeface="+mn-cs"/>
-              </a:defRPr>
-            </a:lvl9pPr>
-          </a:lstStyle>
-          <a:p>
-            <a:pPr>
-              <a:buClr>
-                <a:srgbClr val="1A3160"/>
-              </a:buClr>
-            </a:pPr>
-            <a:r>
-              <a:rPr lang="en-US" sz="1100" dirty="0">
-                <a:solidFill>
-                  <a:srgbClr val="1A3160"/>
-                </a:solidFill>
-                <a:latin typeface="Aptos" panose="020B0004020202020204" pitchFamily="34" charset="0"/>
-              </a:rPr>
-              <a:t>The worst ambient air quality is in the northeast region of Afar  due to its common volcanic activity and desert storms</a:t>
-            </a:r>
-            <a:r>
-              <a:rPr lang="en-US" sz="1100" baseline="-25000" dirty="0">
-                <a:solidFill>
-                  <a:srgbClr val="1A3160"/>
-                </a:solidFill>
-                <a:latin typeface="Aptos" panose="020B0004020202020204" pitchFamily="34" charset="0"/>
-              </a:rPr>
-              <a:t>1</a:t>
-            </a:r>
-            <a:endParaRPr lang="en-US" sz="1100" dirty="0">
-              <a:solidFill>
-                <a:srgbClr val="1A3160"/>
-              </a:solidFill>
-              <a:latin typeface="Aptos" panose="020B0004020202020204" pitchFamily="34" charset="0"/>
-            </a:endParaRPr>
-          </a:p>
-          <a:p>
-            <a:pPr>
-              <a:buClr>
-                <a:srgbClr val="1A3160"/>
-              </a:buClr>
-            </a:pPr>
-            <a:r>
-              <a:rPr lang="en-US" sz="1100" dirty="0">
-                <a:solidFill>
-                  <a:srgbClr val="1A3160"/>
-                </a:solidFill>
-                <a:latin typeface="Aptos" panose="020B0004020202020204" pitchFamily="34" charset="0"/>
-              </a:rPr>
-              <a:t>Air pollution levels map closely with population settlement</a:t>
-            </a:r>
-          </a:p>
-          <a:p>
-            <a:pPr>
-              <a:buClr>
-                <a:srgbClr val="1A3160"/>
-              </a:buClr>
-            </a:pPr>
-            <a:r>
-              <a:rPr lang="en-US" sz="1100" dirty="0">
-                <a:solidFill>
-                  <a:srgbClr val="1A3160"/>
-                </a:solidFill>
-                <a:latin typeface="Aptos" panose="020B0004020202020204" pitchFamily="34" charset="0"/>
-              </a:rPr>
-              <a:t>Localized spikes in concentration at center of some cities (e.g., Addis Ababa, </a:t>
-            </a:r>
-            <a:r>
-              <a:rPr lang="en-US" sz="1100" dirty="0" err="1">
-                <a:solidFill>
-                  <a:srgbClr val="1A3160"/>
-                </a:solidFill>
-                <a:latin typeface="Aptos" panose="020B0004020202020204" pitchFamily="34" charset="0"/>
-              </a:rPr>
-              <a:t>Nazrēt</a:t>
-            </a:r>
-            <a:r>
-              <a:rPr lang="en-US" sz="1100" dirty="0">
-                <a:solidFill>
-                  <a:srgbClr val="1A3160"/>
-                </a:solidFill>
-                <a:latin typeface="Aptos" panose="020B0004020202020204" pitchFamily="34" charset="0"/>
-              </a:rPr>
-              <a:t>, Bahir Dar, Gonder)</a:t>
-            </a:r>
-          </a:p>
-          <a:p>
-            <a:pPr>
-              <a:buClr>
-                <a:srgbClr val="1A3160"/>
-              </a:buClr>
-            </a:pPr>
-            <a:endParaRPr lang="en-US" sz="1100" dirty="0">
-              <a:solidFill>
-                <a:srgbClr val="1A3160"/>
-              </a:solidFill>
-              <a:latin typeface="Aptos" panose="020B0004020202020204" pitchFamily="34" charset="0"/>
-            </a:endParaRPr>
-          </a:p>
-          <a:p>
-            <a:pPr marL="0" indent="0">
-              <a:buNone/>
-            </a:pPr>
-            <a:endParaRPr lang="en-US" sz="1100" b="1" dirty="0">
-              <a:solidFill>
-                <a:srgbClr val="4490B8"/>
-              </a:solidFill>
-              <a:latin typeface="Helvetica" pitchFamily="2" charset="0"/>
-            </a:endParaRPr>
-          </a:p>
-          <a:p>
-            <a:endParaRPr lang="en-US" sz="1100" dirty="0">
-              <a:latin typeface="Helvetica" pitchFamily="2" charset="0"/>
-            </a:endParaRPr>
-          </a:p>
-        </p:txBody>
-      </p:sp>
-      <p:sp>
-        <p:nvSpPr>
-          <p:cNvPr id="15" name="TextBox 14">
-            <a:extLst>
-              <a:ext uri="{FF2B5EF4-FFF2-40B4-BE49-F238E27FC236}">
-                <a16:creationId xmlns:a16="http://schemas.microsoft.com/office/drawing/2014/main" id="{1433C4B4-15CB-E422-D6B2-C4F7288AB8F1}"/>
-              </a:ext>
-            </a:extLst>
-          </p:cNvPr>
-          <p:cNvSpPr txBox="1"/>
-          <p:nvPr/>
-        </p:nvSpPr>
-        <p:spPr>
-          <a:xfrm>
-            <a:off x="316685" y="6664783"/>
-            <a:ext cx="11500466" cy="215444"/>
-          </a:xfrm>
-          <a:prstGeom prst="rect">
-            <a:avLst/>
-          </a:prstGeom>
-          <a:noFill/>
-        </p:spPr>
-        <p:txBody>
-          <a:bodyPr wrap="square" rtlCol="0">
-            <a:spAutoFit/>
-          </a:bodyPr>
-          <a:lstStyle/>
-          <a:p>
-            <a:pPr>
-              <a:spcAft>
-                <a:spcPts val="600"/>
-              </a:spcAft>
-            </a:pPr>
-            <a:r>
-              <a:rPr lang="en-US" sz="800" dirty="0">
-                <a:latin typeface="Aptos" panose="020B0004020202020204" pitchFamily="34" charset="0"/>
-              </a:rPr>
-              <a:t>Source:  1) Britannica.</a:t>
-            </a:r>
-            <a:endParaRPr lang="en-US" sz="800" dirty="0">
-              <a:latin typeface="Helvetica" pitchFamily="2" charset="0"/>
-            </a:endParaRPr>
-          </a:p>
-        </p:txBody>
-      </p:sp>
-    </p:spTree>
-    <p:extLst>
-      <p:ext uri="{BB962C8B-B14F-4D97-AF65-F5344CB8AC3E}">
-        <p14:creationId xmlns:p14="http://schemas.microsoft.com/office/powerpoint/2010/main" val="18379393"/>
-      </p:ext>
-    </p:extLst>
-  </p:cSld>
-  <p:clrMapOvr>
-    <a:masterClrMapping/>
-  </p:clrMapOvr>
-</p:sld>
-</file>
-
-<file path=ppt/slides/slide6.xml><?xml version="1.0" encoding="utf-8"?>
-<p:sld xmlns:a="http://schemas.openxmlformats.org/drawingml/2006/main" xmlns:r="http://schemas.openxmlformats.org/officeDocument/2006/relationships" xmlns:p="http://schemas.openxmlformats.org/presentationml/2006/main">
-  <p:cSld>
-    <p:spTree>
-      <p:nvGrpSpPr>
-        <p:cNvPr id="1" name=""/>
-        <p:cNvGrpSpPr/>
-        <p:nvPr/>
-      </p:nvGrpSpPr>
-      <p:grpSpPr>
-        <a:xfrm>
-          <a:off x="0" y="0"/>
-          <a:ext cx="0" cy="0"/>
-          <a:chOff x="0" y="0"/>
-          <a:chExt cx="0" cy="0"/>
-        </a:xfrm>
-      </p:grpSpPr>
-      <p:sp>
-        <p:nvSpPr>
-          <p:cNvPr id="2" name="Title 1">
-            <a:extLst>
-              <a:ext uri="{FF2B5EF4-FFF2-40B4-BE49-F238E27FC236}">
-                <a16:creationId xmlns:a16="http://schemas.microsoft.com/office/drawing/2014/main" id="{E3AD2E8F-5C76-E363-3DF2-D7DF7A78092E}"/>
-              </a:ext>
-            </a:extLst>
-          </p:cNvPr>
-          <p:cNvSpPr>
-            <a:spLocks noGrp="1"/>
-          </p:cNvSpPr>
-          <p:nvPr>
-            <p:ph type="title"/>
-          </p:nvPr>
-        </p:nvSpPr>
-        <p:spPr/>
-        <p:txBody>
-          <a:bodyPr/>
-          <a:lstStyle/>
-          <a:p>
-            <a:r>
-              <a:rPr lang="en-US" dirty="0"/>
-              <a:t>ADDIS ABABA OUTDOOR Air Quality</a:t>
-            </a:r>
-          </a:p>
-        </p:txBody>
-      </p:sp>
-      <p:pic>
-        <p:nvPicPr>
-          <p:cNvPr id="6" name="Content Placeholder 5">
-            <a:extLst>
-              <a:ext uri="{FF2B5EF4-FFF2-40B4-BE49-F238E27FC236}">
-                <a16:creationId xmlns:a16="http://schemas.microsoft.com/office/drawing/2014/main" id="{55B42CA7-591F-617B-D345-752BA2D233C1}"/>
-              </a:ext>
-            </a:extLst>
-          </p:cNvPr>
-          <p:cNvPicPr>
-            <a:picLocks noGrp="1" noChangeAspect="1"/>
-          </p:cNvPicPr>
-          <p:nvPr>
-            <p:ph sz="half" idx="1"/>
-          </p:nvPr>
-        </p:nvPicPr>
-        <p:blipFill>
-          <a:blip r:embed="rId2"/>
-          <a:stretch>
-            <a:fillRect/>
-          </a:stretch>
-        </p:blipFill>
-        <p:spPr>
-          <a:xfrm>
-            <a:off x="346133" y="1925817"/>
-            <a:ext cx="7480795" cy="4474983"/>
-          </a:xfrm>
-        </p:spPr>
-      </p:pic>
-      <p:sp>
-        <p:nvSpPr>
-          <p:cNvPr id="4" name="Content Placeholder 3">
-            <a:extLst>
-              <a:ext uri="{FF2B5EF4-FFF2-40B4-BE49-F238E27FC236}">
-                <a16:creationId xmlns:a16="http://schemas.microsoft.com/office/drawing/2014/main" id="{2832B388-1053-F00A-F0E9-4A81C402E78C}"/>
-              </a:ext>
-            </a:extLst>
-          </p:cNvPr>
-          <p:cNvSpPr>
-            <a:spLocks noGrp="1"/>
-          </p:cNvSpPr>
-          <p:nvPr>
-            <p:ph sz="half" idx="2"/>
-          </p:nvPr>
-        </p:nvSpPr>
-        <p:spPr>
-          <a:xfrm>
-            <a:off x="7952763" y="2269948"/>
-            <a:ext cx="3658045" cy="4130852"/>
-          </a:xfrm>
-        </p:spPr>
-        <p:txBody>
-          <a:bodyPr anchor="ctr">
-            <a:normAutofit/>
-          </a:bodyPr>
-          <a:lstStyle/>
-          <a:p>
-            <a:pPr>
-              <a:buClr>
-                <a:srgbClr val="1A3160"/>
-              </a:buClr>
-            </a:pPr>
-            <a:r>
-              <a:rPr lang="en-US" sz="1200" dirty="0">
-                <a:solidFill>
-                  <a:srgbClr val="1A3160"/>
-                </a:solidFill>
-                <a:latin typeface="Aptos" panose="020B0004020202020204" pitchFamily="34" charset="0"/>
-              </a:rPr>
-              <a:t>PM2.5 levels are highest between 8 – 10 AM and 7 – 9 PM with averages exceeding 30 </a:t>
-            </a:r>
-            <a:r>
-              <a:rPr lang="en-US" sz="1200" b="0" i="0" dirty="0">
-                <a:solidFill>
-                  <a:srgbClr val="1A3160"/>
-                </a:solidFill>
-                <a:effectLst/>
-                <a:latin typeface="Aptos" panose="020B0004020202020204" pitchFamily="34" charset="0"/>
-              </a:rPr>
-              <a:t>µg/m³</a:t>
-            </a:r>
-            <a:endParaRPr lang="en-US" sz="1200" dirty="0">
-              <a:solidFill>
-                <a:srgbClr val="1A3160"/>
-              </a:solidFill>
-              <a:latin typeface="Aptos" panose="020B0004020202020204" pitchFamily="34" charset="0"/>
-            </a:endParaRPr>
-          </a:p>
-          <a:p>
-            <a:pPr lvl="1">
-              <a:buClr>
-                <a:srgbClr val="1A3160"/>
-              </a:buClr>
-            </a:pPr>
-            <a:r>
-              <a:rPr lang="en-US" sz="1200" dirty="0">
-                <a:solidFill>
-                  <a:srgbClr val="1A3160"/>
-                </a:solidFill>
-                <a:latin typeface="Aptos" panose="020B0004020202020204" pitchFamily="34" charset="0"/>
-              </a:rPr>
-              <a:t>These are common commute times, highlighting vehicle emissions impact</a:t>
-            </a:r>
-          </a:p>
-          <a:p>
-            <a:pPr>
-              <a:buClr>
-                <a:srgbClr val="1A3160"/>
-              </a:buClr>
-            </a:pPr>
-            <a:r>
-              <a:rPr lang="en-US" sz="1200" dirty="0">
-                <a:solidFill>
-                  <a:srgbClr val="1A3160"/>
-                </a:solidFill>
-                <a:latin typeface="Aptos" panose="020B0004020202020204" pitchFamily="34" charset="0"/>
-              </a:rPr>
-              <a:t>Average concentration over the course of a day consistently exceeds the WHO 24-hour guideline of 15 µg/m³, affecting Addis Ababa’s 5.7 million residents</a:t>
-            </a:r>
-            <a:r>
-              <a:rPr lang="en-US" sz="1200" baseline="-25000" dirty="0">
-                <a:solidFill>
-                  <a:srgbClr val="1A3160"/>
-                </a:solidFill>
-                <a:latin typeface="Aptos" panose="020B0004020202020204" pitchFamily="34" charset="0"/>
-              </a:rPr>
-              <a:t>1</a:t>
-            </a:r>
-            <a:endParaRPr lang="en-US" sz="1200" dirty="0">
-              <a:solidFill>
-                <a:srgbClr val="1A3160"/>
-              </a:solidFill>
-              <a:latin typeface="Aptos" panose="020B0004020202020204" pitchFamily="34" charset="0"/>
-            </a:endParaRPr>
-          </a:p>
-          <a:p>
-            <a:pPr>
-              <a:buClr>
-                <a:srgbClr val="1A3160"/>
-              </a:buClr>
-            </a:pPr>
-            <a:r>
-              <a:rPr lang="en-US" sz="1200" dirty="0">
-                <a:solidFill>
-                  <a:srgbClr val="1A3160"/>
-                </a:solidFill>
-                <a:latin typeface="Aptos" panose="020B0004020202020204" pitchFamily="34" charset="0"/>
-              </a:rPr>
-              <a:t>Like regional trends, concentration levels in the city have remained mostly flat over the 8 years, albeit at unsafe levels</a:t>
-            </a:r>
-          </a:p>
-          <a:p>
-            <a:pPr marL="0" indent="0">
-              <a:buClr>
-                <a:srgbClr val="1A3160"/>
-              </a:buClr>
-              <a:buNone/>
-            </a:pPr>
-            <a:endParaRPr lang="en-US" sz="1200" dirty="0">
-              <a:solidFill>
-                <a:srgbClr val="1A3160"/>
-              </a:solidFill>
-              <a:latin typeface="Aptos" panose="020B0004020202020204" pitchFamily="34" charset="0"/>
-            </a:endParaRPr>
-          </a:p>
-        </p:txBody>
-      </p:sp>
-      <p:sp>
-        <p:nvSpPr>
-          <p:cNvPr id="7" name="TextBox 6">
-            <a:extLst>
-              <a:ext uri="{FF2B5EF4-FFF2-40B4-BE49-F238E27FC236}">
-                <a16:creationId xmlns:a16="http://schemas.microsoft.com/office/drawing/2014/main" id="{B0401424-AA28-18A3-442B-9263D2D64EA7}"/>
-              </a:ext>
-            </a:extLst>
-          </p:cNvPr>
-          <p:cNvSpPr txBox="1"/>
-          <p:nvPr/>
-        </p:nvSpPr>
-        <p:spPr>
-          <a:xfrm>
-            <a:off x="316685" y="6664783"/>
-            <a:ext cx="11500466" cy="215444"/>
-          </a:xfrm>
-          <a:prstGeom prst="rect">
-            <a:avLst/>
-          </a:prstGeom>
-          <a:noFill/>
-        </p:spPr>
-        <p:txBody>
-          <a:bodyPr wrap="square" rtlCol="0">
-            <a:spAutoFit/>
-          </a:bodyPr>
-          <a:lstStyle/>
-          <a:p>
-            <a:pPr>
-              <a:spcAft>
-                <a:spcPts val="600"/>
-              </a:spcAft>
-            </a:pPr>
-            <a:r>
-              <a:rPr lang="en-US" sz="800" dirty="0">
-                <a:latin typeface="Aptos" panose="020B0004020202020204" pitchFamily="34" charset="0"/>
-              </a:rPr>
-              <a:t>Source:  1) World Population Review.</a:t>
-            </a:r>
-            <a:endParaRPr lang="en-US" sz="800" dirty="0">
-              <a:latin typeface="Helvetica" pitchFamily="2" charset="0"/>
-            </a:endParaRPr>
-          </a:p>
-        </p:txBody>
-      </p:sp>
-    </p:spTree>
-    <p:extLst>
-      <p:ext uri="{BB962C8B-B14F-4D97-AF65-F5344CB8AC3E}">
-        <p14:creationId xmlns:p14="http://schemas.microsoft.com/office/powerpoint/2010/main" val="278696421"/>
-      </p:ext>
-    </p:extLst>
-  </p:cSld>
-  <p:clrMapOvr>
-    <a:masterClrMapping/>
-  </p:clrMapOvr>
-</p:sld>
-</file>
-
-<file path=ppt/slides/slide7.xml><?xml version="1.0" encoding="utf-8"?>
-<p:sld xmlns:a="http://schemas.openxmlformats.org/drawingml/2006/main" xmlns:r="http://schemas.openxmlformats.org/officeDocument/2006/relationships" xmlns:p="http://schemas.openxmlformats.org/presentationml/2006/main">
-  <p:cSld>
-    <p:spTree>
-      <p:nvGrpSpPr>
-        <p:cNvPr id="1" name=""/>
-        <p:cNvGrpSpPr/>
-        <p:nvPr/>
-      </p:nvGrpSpPr>
-      <p:grpSpPr>
-        <a:xfrm>
-          <a:off x="0" y="0"/>
-          <a:ext cx="0" cy="0"/>
-          <a:chOff x="0" y="0"/>
-          <a:chExt cx="0" cy="0"/>
-        </a:xfrm>
-      </p:grpSpPr>
-      <p:sp>
-        <p:nvSpPr>
-          <p:cNvPr id="2" name="Title 1">
-            <a:extLst>
-              <a:ext uri="{FF2B5EF4-FFF2-40B4-BE49-F238E27FC236}">
-                <a16:creationId xmlns:a16="http://schemas.microsoft.com/office/drawing/2014/main" id="{0C137315-1795-4A8C-B016-969468114ABA}"/>
-              </a:ext>
-            </a:extLst>
-          </p:cNvPr>
-          <p:cNvSpPr>
-            <a:spLocks noGrp="1"/>
-          </p:cNvSpPr>
-          <p:nvPr>
-            <p:ph type="title"/>
-          </p:nvPr>
-        </p:nvSpPr>
-        <p:spPr/>
-        <p:txBody>
-          <a:bodyPr/>
-          <a:lstStyle/>
-          <a:p>
-            <a:r>
-              <a:rPr lang="en-US" dirty="0"/>
-              <a:t>Household Air Pollution Exposure </a:t>
-            </a:r>
-          </a:p>
-        </p:txBody>
-      </p:sp>
-      <p:pic>
-        <p:nvPicPr>
-          <p:cNvPr id="6" name="Content Placeholder 5" descr="A graph of different colored lines&#10;&#10;Description automatically generated">
-            <a:extLst>
-              <a:ext uri="{FF2B5EF4-FFF2-40B4-BE49-F238E27FC236}">
-                <a16:creationId xmlns:a16="http://schemas.microsoft.com/office/drawing/2014/main" id="{FF436C38-2272-2B78-5DB1-3EE78D769F6D}"/>
-              </a:ext>
-            </a:extLst>
-          </p:cNvPr>
-          <p:cNvPicPr>
-            <a:picLocks noGrp="1" noChangeAspect="1"/>
-          </p:cNvPicPr>
-          <p:nvPr>
-            <p:ph sz="half" idx="1"/>
-          </p:nvPr>
-        </p:nvPicPr>
-        <p:blipFill>
-          <a:blip r:embed="rId2"/>
-          <a:stretch>
-            <a:fillRect/>
-          </a:stretch>
-        </p:blipFill>
-        <p:spPr>
-          <a:xfrm>
-            <a:off x="326821" y="1930867"/>
-            <a:ext cx="7483679" cy="4268598"/>
-          </a:xfrm>
-        </p:spPr>
-      </p:pic>
-      <p:sp>
-        <p:nvSpPr>
-          <p:cNvPr id="7" name="Content Placeholder 3">
-            <a:extLst>
-              <a:ext uri="{FF2B5EF4-FFF2-40B4-BE49-F238E27FC236}">
-                <a16:creationId xmlns:a16="http://schemas.microsoft.com/office/drawing/2014/main" id="{BF5C008D-750B-78EF-E3B7-B3A083C6B6A0}"/>
-              </a:ext>
-            </a:extLst>
-          </p:cNvPr>
-          <p:cNvSpPr>
-            <a:spLocks noGrp="1"/>
-          </p:cNvSpPr>
-          <p:nvPr>
-            <p:ph sz="half" idx="2"/>
-          </p:nvPr>
-        </p:nvSpPr>
-        <p:spPr>
-          <a:xfrm>
-            <a:off x="7952763" y="2269948"/>
-            <a:ext cx="3658045" cy="4130852"/>
-          </a:xfrm>
-        </p:spPr>
-        <p:txBody>
-          <a:bodyPr anchor="t">
-            <a:normAutofit/>
-          </a:bodyPr>
-          <a:lstStyle/>
-          <a:p>
-            <a:pPr>
-              <a:buClr>
-                <a:srgbClr val="1A3160"/>
-              </a:buClr>
-            </a:pPr>
-            <a:r>
-              <a:rPr lang="en-US" sz="1200" dirty="0">
-                <a:solidFill>
-                  <a:srgbClr val="1A3160"/>
-                </a:solidFill>
-                <a:latin typeface="Aptos" panose="020B0004020202020204" pitchFamily="34" charset="0"/>
-              </a:rPr>
-              <a:t>Overwhelming majority of the total population still relies on polluting fuels for cooking</a:t>
-            </a:r>
-          </a:p>
-          <a:p>
-            <a:pPr lvl="1">
-              <a:buClr>
-                <a:srgbClr val="4490B8"/>
-              </a:buClr>
-              <a:buSzPct val="95000"/>
-            </a:pPr>
-            <a:r>
-              <a:rPr lang="en-US" sz="1200" dirty="0">
-                <a:solidFill>
-                  <a:srgbClr val="4490B8"/>
-                </a:solidFill>
-                <a:latin typeface="Aptos" panose="020B0004020202020204" pitchFamily="34" charset="0"/>
-              </a:rPr>
-              <a:t>Only</a:t>
-            </a:r>
-            <a:r>
-              <a:rPr lang="en-US" dirty="0">
-                <a:solidFill>
-                  <a:srgbClr val="4490B8"/>
-                </a:solidFill>
-                <a:latin typeface="Aptos" panose="020B0004020202020204" pitchFamily="34" charset="0"/>
-              </a:rPr>
-              <a:t> </a:t>
-            </a:r>
-            <a:r>
-              <a:rPr lang="en-US" b="1" dirty="0">
-                <a:solidFill>
-                  <a:srgbClr val="4490B8"/>
-                </a:solidFill>
-                <a:latin typeface="Aptos" panose="020B0004020202020204" pitchFamily="34" charset="0"/>
-              </a:rPr>
-              <a:t>8.5 </a:t>
-            </a:r>
-            <a:r>
-              <a:rPr lang="en-US" sz="1200" b="1" dirty="0">
-                <a:solidFill>
-                  <a:srgbClr val="4490B8"/>
-                </a:solidFill>
-                <a:latin typeface="Aptos" panose="020B0004020202020204" pitchFamily="34" charset="0"/>
-              </a:rPr>
-              <a:t>%</a:t>
-            </a:r>
-            <a:r>
-              <a:rPr lang="en-US" b="1" dirty="0">
-                <a:solidFill>
-                  <a:srgbClr val="4490B8"/>
-                </a:solidFill>
-                <a:latin typeface="Aptos" panose="020B0004020202020204" pitchFamily="34" charset="0"/>
-              </a:rPr>
-              <a:t> </a:t>
-            </a:r>
-            <a:r>
-              <a:rPr lang="en-US" sz="1200" dirty="0">
-                <a:solidFill>
-                  <a:srgbClr val="4490B8"/>
-                </a:solidFill>
-                <a:latin typeface="Aptos" panose="020B0004020202020204" pitchFamily="34" charset="0"/>
-              </a:rPr>
-              <a:t>of population has access to clean cooking fuels and tech. as of 2022</a:t>
-            </a:r>
-          </a:p>
-          <a:p>
-            <a:pPr lvl="1">
-              <a:buClr>
-                <a:srgbClr val="4490B8"/>
-              </a:buClr>
-              <a:buSzPct val="70000"/>
-            </a:pPr>
-            <a:r>
-              <a:rPr lang="en-US" sz="1600" b="1" dirty="0">
-                <a:solidFill>
-                  <a:srgbClr val="4490B8"/>
-                </a:solidFill>
-                <a:latin typeface="Aptos" panose="020B0004020202020204" pitchFamily="34" charset="0"/>
-              </a:rPr>
-              <a:t>13.5 </a:t>
-            </a:r>
-            <a:r>
-              <a:rPr lang="en-US" sz="1200" b="1" dirty="0">
-                <a:solidFill>
-                  <a:srgbClr val="4490B8"/>
-                </a:solidFill>
-                <a:latin typeface="Aptos" panose="020B0004020202020204" pitchFamily="34" charset="0"/>
-              </a:rPr>
-              <a:t>pp. </a:t>
-            </a:r>
-            <a:r>
-              <a:rPr lang="en-US" sz="1200" dirty="0">
-                <a:solidFill>
-                  <a:srgbClr val="4490B8"/>
-                </a:solidFill>
-                <a:latin typeface="Aptos" panose="020B0004020202020204" pitchFamily="34" charset="0"/>
-              </a:rPr>
-              <a:t>decline in biomass use in three decades</a:t>
-            </a:r>
-          </a:p>
-          <a:p>
-            <a:pPr>
-              <a:buClr>
-                <a:srgbClr val="1A3160"/>
-              </a:buClr>
-            </a:pPr>
-            <a:r>
-              <a:rPr lang="en-US" sz="1200" dirty="0">
-                <a:solidFill>
-                  <a:srgbClr val="1A3160"/>
-                </a:solidFill>
-                <a:latin typeface="Aptos" panose="020B0004020202020204" pitchFamily="34" charset="0"/>
-              </a:rPr>
-              <a:t>The growing access to safer alternatives is slow and limited to urban areas</a:t>
-            </a:r>
-          </a:p>
-          <a:p>
-            <a:pPr lvl="1">
-              <a:buClr>
-                <a:srgbClr val="4490B8"/>
-              </a:buClr>
-              <a:buSzPct val="70000"/>
-            </a:pPr>
-            <a:r>
-              <a:rPr lang="en-US" b="1" dirty="0">
-                <a:solidFill>
-                  <a:srgbClr val="4490B8"/>
-                </a:solidFill>
-                <a:latin typeface="Aptos" panose="020B0004020202020204" pitchFamily="34" charset="0"/>
-              </a:rPr>
-              <a:t>27.6 </a:t>
-            </a:r>
-            <a:r>
-              <a:rPr lang="en-US" sz="1200" b="1" dirty="0">
-                <a:solidFill>
-                  <a:srgbClr val="4490B8"/>
-                </a:solidFill>
-                <a:latin typeface="Aptos" panose="020B0004020202020204" pitchFamily="34" charset="0"/>
-              </a:rPr>
-              <a:t>pp.</a:t>
-            </a:r>
-            <a:r>
-              <a:rPr lang="en-US" sz="1200" dirty="0">
-                <a:solidFill>
-                  <a:srgbClr val="4490B8"/>
-                </a:solidFill>
-                <a:latin typeface="Aptos" panose="020B0004020202020204" pitchFamily="34" charset="0"/>
-              </a:rPr>
-              <a:t> net gain in urban clean cooking fuel access over 30-year period </a:t>
-            </a:r>
-          </a:p>
-          <a:p>
-            <a:pPr lvl="1">
-              <a:buClr>
-                <a:srgbClr val="4490B8"/>
-              </a:buClr>
-              <a:buSzPct val="70000"/>
-            </a:pPr>
-            <a:r>
-              <a:rPr lang="en-US" b="1" dirty="0">
-                <a:solidFill>
-                  <a:srgbClr val="4490B8"/>
-                </a:solidFill>
-                <a:latin typeface="Aptos" panose="020B0004020202020204" pitchFamily="34" charset="0"/>
-              </a:rPr>
-              <a:t>21.4</a:t>
-            </a:r>
-            <a:r>
-              <a:rPr lang="en-US" sz="1000" b="1" dirty="0">
-                <a:solidFill>
-                  <a:srgbClr val="4490B8"/>
-                </a:solidFill>
-                <a:latin typeface="Aptos" panose="020B0004020202020204" pitchFamily="34" charset="0"/>
-              </a:rPr>
-              <a:t> </a:t>
-            </a:r>
-            <a:r>
-              <a:rPr lang="en-US" sz="1200" b="1" dirty="0">
-                <a:solidFill>
-                  <a:srgbClr val="4490B8"/>
-                </a:solidFill>
-                <a:latin typeface="Aptos" panose="020B0004020202020204" pitchFamily="34" charset="0"/>
-              </a:rPr>
-              <a:t>million</a:t>
-            </a:r>
-            <a:r>
-              <a:rPr lang="en-US" sz="1200" dirty="0">
-                <a:solidFill>
-                  <a:srgbClr val="4490B8"/>
-                </a:solidFill>
-                <a:latin typeface="Aptos" panose="020B0004020202020204" pitchFamily="34" charset="0"/>
-              </a:rPr>
-              <a:t> people in urban areas still relying on unclean fuels</a:t>
-            </a:r>
-          </a:p>
-          <a:p>
-            <a:pPr lvl="1">
-              <a:buClr>
-                <a:srgbClr val="4490B8"/>
-              </a:buClr>
-              <a:buSzPct val="95000"/>
-            </a:pPr>
-            <a:r>
-              <a:rPr lang="en-US" sz="1200" dirty="0">
-                <a:solidFill>
-                  <a:srgbClr val="4490B8"/>
-                </a:solidFill>
-                <a:latin typeface="Aptos" panose="020B0004020202020204" pitchFamily="34" charset="0"/>
-              </a:rPr>
-              <a:t>Over </a:t>
-            </a:r>
-            <a:r>
-              <a:rPr lang="en-US" b="1" dirty="0">
-                <a:solidFill>
-                  <a:srgbClr val="4490B8"/>
-                </a:solidFill>
-                <a:latin typeface="Aptos" panose="020B0004020202020204" pitchFamily="34" charset="0"/>
-              </a:rPr>
-              <a:t>95 </a:t>
-            </a:r>
-            <a:r>
-              <a:rPr lang="en-US" sz="1200" b="1" dirty="0">
-                <a:solidFill>
-                  <a:srgbClr val="4490B8"/>
-                </a:solidFill>
-                <a:latin typeface="Aptos" panose="020B0004020202020204" pitchFamily="34" charset="0"/>
-              </a:rPr>
-              <a:t>% </a:t>
-            </a:r>
-            <a:r>
-              <a:rPr lang="en-US" sz="1200" dirty="0">
-                <a:solidFill>
-                  <a:srgbClr val="4490B8"/>
-                </a:solidFill>
-                <a:latin typeface="Aptos" panose="020B0004020202020204" pitchFamily="34" charset="0"/>
-              </a:rPr>
-              <a:t>of rural population primarily cooks with biomass</a:t>
-            </a:r>
-          </a:p>
-          <a:p>
-            <a:pPr marL="0" indent="0">
-              <a:buClr>
-                <a:srgbClr val="1A3160"/>
-              </a:buClr>
-              <a:buNone/>
-            </a:pPr>
-            <a:endParaRPr lang="en-US" sz="1200" dirty="0">
-              <a:solidFill>
-                <a:srgbClr val="1A3160"/>
-              </a:solidFill>
-              <a:latin typeface="Aptos" panose="020B0004020202020204" pitchFamily="34" charset="0"/>
-            </a:endParaRPr>
-          </a:p>
-        </p:txBody>
-      </p:sp>
-    </p:spTree>
-    <p:extLst>
-      <p:ext uri="{BB962C8B-B14F-4D97-AF65-F5344CB8AC3E}">
-        <p14:creationId xmlns:p14="http://schemas.microsoft.com/office/powerpoint/2010/main" val="3890801270"/>
-      </p:ext>
-    </p:extLst>
-  </p:cSld>
-  <p:clrMapOvr>
-    <a:masterClrMapping/>
-  </p:clrMapOvr>
-</p:sld>
-</file>
-
-<file path=ppt/slides/slide8.xml><?xml version="1.0" encoding="utf-8"?>
-<p:sld xmlns:a="http://schemas.openxmlformats.org/drawingml/2006/main" xmlns:r="http://schemas.openxmlformats.org/officeDocument/2006/relationships" xmlns:p="http://schemas.openxmlformats.org/presentationml/2006/main">
-  <p:cSld>
-    <p:spTree>
-      <p:nvGrpSpPr>
-        <p:cNvPr id="1" name=""/>
-        <p:cNvGrpSpPr/>
-        <p:nvPr/>
-      </p:nvGrpSpPr>
-      <p:grpSpPr>
-        <a:xfrm>
-          <a:off x="0" y="0"/>
-          <a:ext cx="0" cy="0"/>
-          <a:chOff x="0" y="0"/>
-          <a:chExt cx="0" cy="0"/>
-        </a:xfrm>
-      </p:grpSpPr>
-      <p:sp>
-        <p:nvSpPr>
-          <p:cNvPr id="2" name="Title 1">
-            <a:extLst>
-              <a:ext uri="{FF2B5EF4-FFF2-40B4-BE49-F238E27FC236}">
-                <a16:creationId xmlns:a16="http://schemas.microsoft.com/office/drawing/2014/main" id="{7A60B971-F2ED-9A5E-3B81-73C2C19FF97A}"/>
-              </a:ext>
-            </a:extLst>
-          </p:cNvPr>
-          <p:cNvSpPr>
-            <a:spLocks noGrp="1"/>
-          </p:cNvSpPr>
-          <p:nvPr>
-            <p:ph type="title"/>
-          </p:nvPr>
-        </p:nvSpPr>
-        <p:spPr/>
-        <p:txBody>
-          <a:bodyPr/>
-          <a:lstStyle/>
-          <a:p>
-            <a:r>
-              <a:rPr lang="en-US" dirty="0"/>
-              <a:t>Air Pollution Associated Burden of Disease </a:t>
-            </a:r>
-          </a:p>
-        </p:txBody>
-      </p:sp>
-      <p:pic>
-        <p:nvPicPr>
-          <p:cNvPr id="6" name="Content Placeholder 5" descr="A graph of air pollution&#10;&#10;Description automatically generated with medium confidence">
-            <a:extLst>
-              <a:ext uri="{FF2B5EF4-FFF2-40B4-BE49-F238E27FC236}">
-                <a16:creationId xmlns:a16="http://schemas.microsoft.com/office/drawing/2014/main" id="{0E274051-71E8-4663-0F85-D1627807A378}"/>
-              </a:ext>
-            </a:extLst>
-          </p:cNvPr>
-          <p:cNvPicPr>
-            <a:picLocks noGrp="1" noChangeAspect="1"/>
-          </p:cNvPicPr>
-          <p:nvPr>
-            <p:ph sz="half" idx="1"/>
-          </p:nvPr>
-        </p:nvPicPr>
-        <p:blipFill>
-          <a:blip r:embed="rId2"/>
-          <a:stretch>
-            <a:fillRect/>
-          </a:stretch>
-        </p:blipFill>
-        <p:spPr>
-          <a:xfrm>
-            <a:off x="368766" y="1936458"/>
-            <a:ext cx="5650061" cy="2895601"/>
-          </a:xfrm>
-        </p:spPr>
-      </p:pic>
-      <p:pic>
-        <p:nvPicPr>
-          <p:cNvPr id="8" name="Content Placeholder 7" descr="A graph of a number of people with different colored lines&#10;&#10;Description automatically generated with medium confidence">
-            <a:extLst>
-              <a:ext uri="{FF2B5EF4-FFF2-40B4-BE49-F238E27FC236}">
-                <a16:creationId xmlns:a16="http://schemas.microsoft.com/office/drawing/2014/main" id="{AE8D690F-D734-F778-5AFD-F086A1FC41FC}"/>
-              </a:ext>
-            </a:extLst>
-          </p:cNvPr>
-          <p:cNvPicPr>
-            <a:picLocks noGrp="1" noChangeAspect="1"/>
-          </p:cNvPicPr>
-          <p:nvPr>
-            <p:ph sz="half" idx="2"/>
-          </p:nvPr>
-        </p:nvPicPr>
-        <p:blipFill>
-          <a:blip r:embed="rId3"/>
-          <a:stretch>
-            <a:fillRect/>
-          </a:stretch>
-        </p:blipFill>
-        <p:spPr>
-          <a:xfrm>
-            <a:off x="6283059" y="1936458"/>
-            <a:ext cx="5451742" cy="2895601"/>
-          </a:xfrm>
-        </p:spPr>
-      </p:pic>
-      <p:sp>
-        <p:nvSpPr>
-          <p:cNvPr id="9" name="Content Placeholder 2">
-            <a:extLst>
-              <a:ext uri="{FF2B5EF4-FFF2-40B4-BE49-F238E27FC236}">
-                <a16:creationId xmlns:a16="http://schemas.microsoft.com/office/drawing/2014/main" id="{686DBFC4-A36E-C8AF-1D89-A03413250426}"/>
-              </a:ext>
-            </a:extLst>
-          </p:cNvPr>
-          <p:cNvSpPr txBox="1">
-            <a:spLocks/>
-          </p:cNvSpPr>
-          <p:nvPr/>
-        </p:nvSpPr>
-        <p:spPr>
-          <a:xfrm>
-            <a:off x="327716" y="4928072"/>
-            <a:ext cx="5650061" cy="1815628"/>
-          </a:xfrm>
-          <a:prstGeom prst="rect">
-            <a:avLst/>
-          </a:prstGeom>
-        </p:spPr>
-        <p:txBody>
-          <a:bodyPr vert="horz" lIns="91440" tIns="45720" rIns="91440" bIns="45720" rtlCol="0" anchor="t">
-            <a:noAutofit/>
-          </a:bodyPr>
-          <a:lstStyle>
-            <a:lvl1pPr marL="306000" indent="-306000" algn="l" defTabSz="457200" rtl="0" eaLnBrk="1" latinLnBrk="0" hangingPunct="1">
-              <a:spcBef>
-                <a:spcPct val="20000"/>
-              </a:spcBef>
-              <a:spcAft>
-                <a:spcPts val="600"/>
-              </a:spcAft>
-              <a:buClr>
-                <a:schemeClr val="accent2"/>
-              </a:buClr>
-              <a:buSzPct val="92000"/>
-              <a:buFont typeface="Wingdings 2" panose="05020102010507070707" pitchFamily="18" charset="2"/>
-              <a:buChar char=""/>
-              <a:defRPr sz="1800" kern="1200">
-                <a:solidFill>
-                  <a:schemeClr val="tx2"/>
-                </a:solidFill>
-                <a:latin typeface="+mn-lt"/>
-                <a:ea typeface="+mn-ea"/>
-                <a:cs typeface="+mn-cs"/>
-              </a:defRPr>
-            </a:lvl1pPr>
-            <a:lvl2pPr marL="630000" indent="-306000" algn="l" defTabSz="457200" rtl="0" eaLnBrk="1" latinLnBrk="0" hangingPunct="1">
-              <a:spcBef>
-                <a:spcPct val="20000"/>
-              </a:spcBef>
-              <a:spcAft>
-                <a:spcPts val="600"/>
-              </a:spcAft>
-              <a:buClr>
-                <a:schemeClr val="accent2"/>
-              </a:buClr>
-              <a:buSzPct val="92000"/>
-              <a:buFont typeface="Wingdings 2" panose="05020102010507070707" pitchFamily="18" charset="2"/>
-              <a:buChar char=""/>
-              <a:defRPr sz="1600" kern="1200">
-                <a:solidFill>
-                  <a:schemeClr val="tx2"/>
-                </a:solidFill>
-                <a:latin typeface="+mn-lt"/>
-                <a:ea typeface="+mn-ea"/>
-                <a:cs typeface="+mn-cs"/>
-              </a:defRPr>
-            </a:lvl2pPr>
-            <a:lvl3pPr marL="900000" indent="-270000" algn="l" defTabSz="457200" rtl="0" eaLnBrk="1" latinLnBrk="0" hangingPunct="1">
-              <a:spcBef>
-                <a:spcPct val="20000"/>
-              </a:spcBef>
-              <a:spcAft>
-                <a:spcPts val="600"/>
-              </a:spcAft>
-              <a:buClr>
-                <a:schemeClr val="accent2"/>
-              </a:buClr>
-              <a:buSzPct val="92000"/>
-              <a:buFont typeface="Wingdings 2" panose="05020102010507070707" pitchFamily="18" charset="2"/>
-              <a:buChar char=""/>
-              <a:defRPr sz="1400" kern="1200">
-                <a:solidFill>
-                  <a:schemeClr val="tx2"/>
-                </a:solidFill>
-                <a:latin typeface="+mn-lt"/>
-                <a:ea typeface="+mn-ea"/>
-                <a:cs typeface="+mn-cs"/>
-              </a:defRPr>
-            </a:lvl3pPr>
-            <a:lvl4pPr marL="1242000" indent="-234000" algn="l" defTabSz="457200" rtl="0" eaLnBrk="1" latinLnBrk="0" hangingPunct="1">
-              <a:spcBef>
-                <a:spcPct val="20000"/>
-              </a:spcBef>
-              <a:spcAft>
-                <a:spcPts val="600"/>
-              </a:spcAft>
-              <a:buClr>
-                <a:schemeClr val="accent2"/>
-              </a:buClr>
-              <a:buSzPct val="92000"/>
-              <a:buFont typeface="Wingdings 2" panose="05020102010507070707" pitchFamily="18" charset="2"/>
-              <a:buChar char=""/>
-              <a:defRPr sz="1200" kern="1200">
-                <a:solidFill>
-                  <a:schemeClr val="tx2"/>
-                </a:solidFill>
-                <a:latin typeface="+mn-lt"/>
-                <a:ea typeface="+mn-ea"/>
-                <a:cs typeface="+mn-cs"/>
-              </a:defRPr>
-            </a:lvl4pPr>
-            <a:lvl5pPr marL="1602000" indent="-234000" algn="l" defTabSz="457200" rtl="0" eaLnBrk="1" latinLnBrk="0" hangingPunct="1">
-              <a:spcBef>
-                <a:spcPct val="20000"/>
-              </a:spcBef>
-              <a:spcAft>
-                <a:spcPts val="600"/>
-              </a:spcAft>
-              <a:buClr>
-                <a:schemeClr val="accent2"/>
-              </a:buClr>
-              <a:buSzPct val="92000"/>
-              <a:buFont typeface="Wingdings 2" panose="05020102010507070707" pitchFamily="18" charset="2"/>
-              <a:buChar char=""/>
-              <a:defRPr sz="1200" kern="1200">
-                <a:solidFill>
-                  <a:schemeClr val="tx2"/>
-                </a:solidFill>
-                <a:latin typeface="+mn-lt"/>
-                <a:ea typeface="+mn-ea"/>
-                <a:cs typeface="+mn-cs"/>
-              </a:defRPr>
-            </a:lvl5pPr>
-            <a:lvl6pPr marL="1900000" indent="-228600" algn="l" defTabSz="457200" rtl="0" eaLnBrk="1" latinLnBrk="0" hangingPunct="1">
-              <a:spcBef>
-                <a:spcPct val="20000"/>
-              </a:spcBef>
-              <a:spcAft>
-                <a:spcPts val="600"/>
-              </a:spcAft>
-              <a:buClr>
-                <a:schemeClr val="accent2"/>
-              </a:buClr>
-              <a:buSzPct val="92000"/>
-              <a:buFont typeface="Wingdings 2" panose="05020102010507070707" pitchFamily="18" charset="2"/>
-              <a:buChar char=""/>
-              <a:defRPr sz="1200" kern="1200">
-                <a:solidFill>
-                  <a:schemeClr val="tx2"/>
-                </a:solidFill>
-                <a:latin typeface="+mn-lt"/>
-                <a:ea typeface="+mn-ea"/>
-                <a:cs typeface="+mn-cs"/>
-              </a:defRPr>
-            </a:lvl6pPr>
-            <a:lvl7pPr marL="2200000" indent="-228600" algn="l" defTabSz="457200" rtl="0" eaLnBrk="1" latinLnBrk="0" hangingPunct="1">
-              <a:spcBef>
-                <a:spcPct val="20000"/>
-              </a:spcBef>
-              <a:spcAft>
-                <a:spcPts val="600"/>
-              </a:spcAft>
-              <a:buClr>
-                <a:schemeClr val="accent2"/>
-              </a:buClr>
-              <a:buSzPct val="92000"/>
-              <a:buFont typeface="Wingdings 2" panose="05020102010507070707" pitchFamily="18" charset="2"/>
-              <a:buChar char=""/>
-              <a:defRPr sz="1200" kern="1200">
-                <a:solidFill>
-                  <a:schemeClr val="tx2"/>
-                </a:solidFill>
-                <a:latin typeface="+mn-lt"/>
-                <a:ea typeface="+mn-ea"/>
-                <a:cs typeface="+mn-cs"/>
-              </a:defRPr>
-            </a:lvl7pPr>
-            <a:lvl8pPr marL="2500000" indent="-228600" algn="l" defTabSz="457200" rtl="0" eaLnBrk="1" latinLnBrk="0" hangingPunct="1">
-              <a:spcBef>
-                <a:spcPct val="20000"/>
-              </a:spcBef>
-              <a:spcAft>
-                <a:spcPts val="600"/>
-              </a:spcAft>
-              <a:buClr>
-                <a:schemeClr val="accent2"/>
-              </a:buClr>
-              <a:buSzPct val="92000"/>
-              <a:buFont typeface="Wingdings 2" panose="05020102010507070707" pitchFamily="18" charset="2"/>
-              <a:buChar char=""/>
-              <a:defRPr sz="1200" kern="1200">
-                <a:solidFill>
-                  <a:schemeClr val="tx2"/>
-                </a:solidFill>
-                <a:latin typeface="+mn-lt"/>
-                <a:ea typeface="+mn-ea"/>
-                <a:cs typeface="+mn-cs"/>
-              </a:defRPr>
-            </a:lvl8pPr>
-            <a:lvl9pPr marL="2800000" indent="-228600" algn="l" defTabSz="457200" rtl="0" eaLnBrk="1" latinLnBrk="0" hangingPunct="1">
-              <a:spcBef>
-                <a:spcPct val="20000"/>
-              </a:spcBef>
-              <a:spcAft>
-                <a:spcPts val="600"/>
-              </a:spcAft>
-              <a:buClr>
-                <a:schemeClr val="accent2"/>
-              </a:buClr>
-              <a:buSzPct val="92000"/>
-              <a:buFont typeface="Wingdings 2" panose="05020102010507070707" pitchFamily="18" charset="2"/>
-              <a:buChar char=""/>
-              <a:defRPr sz="1200" kern="1200">
-                <a:solidFill>
-                  <a:schemeClr val="tx2"/>
-                </a:solidFill>
-                <a:latin typeface="+mn-lt"/>
-                <a:ea typeface="+mn-ea"/>
-                <a:cs typeface="+mn-cs"/>
-              </a:defRPr>
-            </a:lvl9pPr>
-          </a:lstStyle>
-          <a:p>
-            <a:pPr>
-              <a:buClr>
-                <a:srgbClr val="1A3160"/>
-              </a:buClr>
-            </a:pPr>
-            <a:r>
-              <a:rPr lang="en-US" sz="1200" dirty="0">
-                <a:solidFill>
-                  <a:srgbClr val="1A3160"/>
-                </a:solidFill>
-                <a:latin typeface="Aptos" panose="020B0004020202020204" pitchFamily="34" charset="0"/>
-              </a:rPr>
-              <a:t>Only slight improvement for health outcomes related to ambient air pollution -- potentially explained by the flat trend in outdoor air quality</a:t>
-            </a:r>
-          </a:p>
-          <a:p>
-            <a:pPr>
-              <a:buClr>
-                <a:srgbClr val="1A3160"/>
-              </a:buClr>
-            </a:pPr>
-            <a:r>
-              <a:rPr lang="en-US" sz="1200" dirty="0">
-                <a:solidFill>
-                  <a:srgbClr val="1A3160"/>
-                </a:solidFill>
-                <a:latin typeface="Aptos" panose="020B0004020202020204" pitchFamily="34" charset="0"/>
-              </a:rPr>
-              <a:t>Burden of disease, on average, seems higher for men</a:t>
-            </a:r>
-          </a:p>
-          <a:p>
-            <a:pPr>
-              <a:buClr>
-                <a:srgbClr val="1A3160"/>
-              </a:buClr>
-            </a:pPr>
-            <a:r>
-              <a:rPr lang="en-US" sz="1200" dirty="0">
-                <a:solidFill>
-                  <a:srgbClr val="1A3160"/>
-                </a:solidFill>
-                <a:latin typeface="Aptos" panose="020B0004020202020204" pitchFamily="34" charset="0"/>
-              </a:rPr>
-              <a:t>Ethiopia does slightly better than the world averages with respect to mortality and DALYs rates</a:t>
-            </a:r>
-            <a:r>
-              <a:rPr lang="en-US" sz="1200" baseline="-25000" dirty="0">
-                <a:solidFill>
-                  <a:srgbClr val="1A3160"/>
-                </a:solidFill>
-                <a:latin typeface="Aptos" panose="020B0004020202020204" pitchFamily="34" charset="0"/>
-              </a:rPr>
-              <a:t>1</a:t>
-            </a:r>
-            <a:endParaRPr lang="en-US" sz="1200" dirty="0">
-              <a:solidFill>
-                <a:srgbClr val="1A3160"/>
-              </a:solidFill>
-              <a:latin typeface="Aptos" panose="020B0004020202020204" pitchFamily="34" charset="0"/>
-            </a:endParaRPr>
-          </a:p>
-          <a:p>
-            <a:pPr>
-              <a:buClr>
-                <a:srgbClr val="1A3160"/>
-              </a:buClr>
-            </a:pPr>
-            <a:endParaRPr lang="en-US" sz="1200" dirty="0">
-              <a:solidFill>
-                <a:srgbClr val="1A3160"/>
-              </a:solidFill>
-              <a:latin typeface="Aptos" panose="020B0004020202020204" pitchFamily="34" charset="0"/>
-            </a:endParaRPr>
-          </a:p>
-          <a:p>
-            <a:pPr>
-              <a:buClr>
-                <a:srgbClr val="1A3160"/>
-              </a:buClr>
-            </a:pPr>
-            <a:endParaRPr lang="en-US" sz="1200" dirty="0">
-              <a:solidFill>
-                <a:srgbClr val="1A3160"/>
-              </a:solidFill>
-              <a:latin typeface="Aptos" panose="020B0004020202020204" pitchFamily="34" charset="0"/>
-            </a:endParaRPr>
-          </a:p>
-          <a:p>
-            <a:pPr>
-              <a:buClr>
-                <a:srgbClr val="1A3160"/>
-              </a:buClr>
-            </a:pPr>
-            <a:endParaRPr lang="en-US" sz="1400" dirty="0">
-              <a:solidFill>
-                <a:srgbClr val="1A3160"/>
-              </a:solidFill>
-              <a:latin typeface="Aptos" panose="020B0004020202020204" pitchFamily="34" charset="0"/>
-            </a:endParaRPr>
-          </a:p>
-          <a:p>
-            <a:pPr marL="0" indent="0">
-              <a:buNone/>
-            </a:pPr>
-            <a:endParaRPr lang="en-US" sz="1400" b="1" dirty="0">
-              <a:solidFill>
-                <a:srgbClr val="4490B8"/>
-              </a:solidFill>
-              <a:latin typeface="Helvetica" pitchFamily="2" charset="0"/>
-            </a:endParaRPr>
-          </a:p>
-          <a:p>
-            <a:endParaRPr lang="en-US" sz="1400" dirty="0">
-              <a:latin typeface="Helvetica" pitchFamily="2" charset="0"/>
-            </a:endParaRPr>
-          </a:p>
-        </p:txBody>
-      </p:sp>
-      <p:sp>
-        <p:nvSpPr>
-          <p:cNvPr id="10" name="Content Placeholder 2">
-            <a:extLst>
-              <a:ext uri="{FF2B5EF4-FFF2-40B4-BE49-F238E27FC236}">
-                <a16:creationId xmlns:a16="http://schemas.microsoft.com/office/drawing/2014/main" id="{869DCFD6-2BC3-D693-58A7-47A87940848B}"/>
-              </a:ext>
-            </a:extLst>
-          </p:cNvPr>
-          <p:cNvSpPr txBox="1">
-            <a:spLocks/>
-          </p:cNvSpPr>
-          <p:nvPr/>
-        </p:nvSpPr>
-        <p:spPr>
-          <a:xfrm>
-            <a:off x="6241113" y="4928072"/>
-            <a:ext cx="5493687" cy="1252333"/>
-          </a:xfrm>
-          <a:prstGeom prst="rect">
-            <a:avLst/>
-          </a:prstGeom>
-        </p:spPr>
-        <p:txBody>
-          <a:bodyPr vert="horz" lIns="91440" tIns="45720" rIns="91440" bIns="45720" rtlCol="0" anchor="t">
-            <a:noAutofit/>
-          </a:bodyPr>
-          <a:lstStyle>
-            <a:lvl1pPr marL="306000" indent="-306000" algn="l" defTabSz="457200" rtl="0" eaLnBrk="1" latinLnBrk="0" hangingPunct="1">
-              <a:spcBef>
-                <a:spcPct val="20000"/>
-              </a:spcBef>
-              <a:spcAft>
-                <a:spcPts val="600"/>
-              </a:spcAft>
-              <a:buClr>
-                <a:schemeClr val="accent2"/>
-              </a:buClr>
-              <a:buSzPct val="92000"/>
-              <a:buFont typeface="Wingdings 2" panose="05020102010507070707" pitchFamily="18" charset="2"/>
-              <a:buChar char=""/>
-              <a:defRPr sz="1800" kern="1200">
-                <a:solidFill>
-                  <a:schemeClr val="tx2"/>
-                </a:solidFill>
-                <a:latin typeface="+mn-lt"/>
-                <a:ea typeface="+mn-ea"/>
-                <a:cs typeface="+mn-cs"/>
-              </a:defRPr>
-            </a:lvl1pPr>
-            <a:lvl2pPr marL="630000" indent="-306000" algn="l" defTabSz="457200" rtl="0" eaLnBrk="1" latinLnBrk="0" hangingPunct="1">
-              <a:spcBef>
-                <a:spcPct val="20000"/>
-              </a:spcBef>
-              <a:spcAft>
-                <a:spcPts val="600"/>
-              </a:spcAft>
-              <a:buClr>
-                <a:schemeClr val="accent2"/>
-              </a:buClr>
-              <a:buSzPct val="92000"/>
-              <a:buFont typeface="Wingdings 2" panose="05020102010507070707" pitchFamily="18" charset="2"/>
-              <a:buChar char=""/>
-              <a:defRPr sz="1600" kern="1200">
-                <a:solidFill>
-                  <a:schemeClr val="tx2"/>
-                </a:solidFill>
-                <a:latin typeface="+mn-lt"/>
-                <a:ea typeface="+mn-ea"/>
-                <a:cs typeface="+mn-cs"/>
-              </a:defRPr>
-            </a:lvl2pPr>
-            <a:lvl3pPr marL="900000" indent="-270000" algn="l" defTabSz="457200" rtl="0" eaLnBrk="1" latinLnBrk="0" hangingPunct="1">
-              <a:spcBef>
-                <a:spcPct val="20000"/>
-              </a:spcBef>
-              <a:spcAft>
-                <a:spcPts val="600"/>
-              </a:spcAft>
-              <a:buClr>
-                <a:schemeClr val="accent2"/>
-              </a:buClr>
-              <a:buSzPct val="92000"/>
-              <a:buFont typeface="Wingdings 2" panose="05020102010507070707" pitchFamily="18" charset="2"/>
-              <a:buChar char=""/>
-              <a:defRPr sz="1400" kern="1200">
-                <a:solidFill>
-                  <a:schemeClr val="tx2"/>
-                </a:solidFill>
-                <a:latin typeface="+mn-lt"/>
-                <a:ea typeface="+mn-ea"/>
-                <a:cs typeface="+mn-cs"/>
-              </a:defRPr>
-            </a:lvl3pPr>
-            <a:lvl4pPr marL="1242000" indent="-234000" algn="l" defTabSz="457200" rtl="0" eaLnBrk="1" latinLnBrk="0" hangingPunct="1">
-              <a:spcBef>
-                <a:spcPct val="20000"/>
-              </a:spcBef>
-              <a:spcAft>
-                <a:spcPts val="600"/>
-              </a:spcAft>
-              <a:buClr>
-                <a:schemeClr val="accent2"/>
-              </a:buClr>
-              <a:buSzPct val="92000"/>
-              <a:buFont typeface="Wingdings 2" panose="05020102010507070707" pitchFamily="18" charset="2"/>
-              <a:buChar char=""/>
-              <a:defRPr sz="1200" kern="1200">
-                <a:solidFill>
-                  <a:schemeClr val="tx2"/>
-                </a:solidFill>
-                <a:latin typeface="+mn-lt"/>
-                <a:ea typeface="+mn-ea"/>
-                <a:cs typeface="+mn-cs"/>
-              </a:defRPr>
-            </a:lvl4pPr>
-            <a:lvl5pPr marL="1602000" indent="-234000" algn="l" defTabSz="457200" rtl="0" eaLnBrk="1" latinLnBrk="0" hangingPunct="1">
-              <a:spcBef>
-                <a:spcPct val="20000"/>
-              </a:spcBef>
-              <a:spcAft>
-                <a:spcPts val="600"/>
-              </a:spcAft>
-              <a:buClr>
-                <a:schemeClr val="accent2"/>
-              </a:buClr>
-              <a:buSzPct val="92000"/>
-              <a:buFont typeface="Wingdings 2" panose="05020102010507070707" pitchFamily="18" charset="2"/>
-              <a:buChar char=""/>
-              <a:defRPr sz="1200" kern="1200">
-                <a:solidFill>
-                  <a:schemeClr val="tx2"/>
-                </a:solidFill>
-                <a:latin typeface="+mn-lt"/>
-                <a:ea typeface="+mn-ea"/>
-                <a:cs typeface="+mn-cs"/>
-              </a:defRPr>
-            </a:lvl5pPr>
-            <a:lvl6pPr marL="1900000" indent="-228600" algn="l" defTabSz="457200" rtl="0" eaLnBrk="1" latinLnBrk="0" hangingPunct="1">
-              <a:spcBef>
-                <a:spcPct val="20000"/>
-              </a:spcBef>
-              <a:spcAft>
-                <a:spcPts val="600"/>
-              </a:spcAft>
-              <a:buClr>
-                <a:schemeClr val="accent2"/>
-              </a:buClr>
-              <a:buSzPct val="92000"/>
-              <a:buFont typeface="Wingdings 2" panose="05020102010507070707" pitchFamily="18" charset="2"/>
-              <a:buChar char=""/>
-              <a:defRPr sz="1200" kern="1200">
-                <a:solidFill>
-                  <a:schemeClr val="tx2"/>
-                </a:solidFill>
-                <a:latin typeface="+mn-lt"/>
-                <a:ea typeface="+mn-ea"/>
-                <a:cs typeface="+mn-cs"/>
-              </a:defRPr>
-            </a:lvl6pPr>
-            <a:lvl7pPr marL="2200000" indent="-228600" algn="l" defTabSz="457200" rtl="0" eaLnBrk="1" latinLnBrk="0" hangingPunct="1">
-              <a:spcBef>
-                <a:spcPct val="20000"/>
-              </a:spcBef>
-              <a:spcAft>
-                <a:spcPts val="600"/>
-              </a:spcAft>
-              <a:buClr>
-                <a:schemeClr val="accent2"/>
-              </a:buClr>
-              <a:buSzPct val="92000"/>
-              <a:buFont typeface="Wingdings 2" panose="05020102010507070707" pitchFamily="18" charset="2"/>
-              <a:buChar char=""/>
-              <a:defRPr sz="1200" kern="1200">
-                <a:solidFill>
-                  <a:schemeClr val="tx2"/>
-                </a:solidFill>
-                <a:latin typeface="+mn-lt"/>
-                <a:ea typeface="+mn-ea"/>
-                <a:cs typeface="+mn-cs"/>
-              </a:defRPr>
-            </a:lvl7pPr>
-            <a:lvl8pPr marL="2500000" indent="-228600" algn="l" defTabSz="457200" rtl="0" eaLnBrk="1" latinLnBrk="0" hangingPunct="1">
-              <a:spcBef>
-                <a:spcPct val="20000"/>
-              </a:spcBef>
-              <a:spcAft>
-                <a:spcPts val="600"/>
-              </a:spcAft>
-              <a:buClr>
-                <a:schemeClr val="accent2"/>
-              </a:buClr>
-              <a:buSzPct val="92000"/>
-              <a:buFont typeface="Wingdings 2" panose="05020102010507070707" pitchFamily="18" charset="2"/>
-              <a:buChar char=""/>
-              <a:defRPr sz="1200" kern="1200">
-                <a:solidFill>
-                  <a:schemeClr val="tx2"/>
-                </a:solidFill>
-                <a:latin typeface="+mn-lt"/>
-                <a:ea typeface="+mn-ea"/>
-                <a:cs typeface="+mn-cs"/>
-              </a:defRPr>
-            </a:lvl8pPr>
-            <a:lvl9pPr marL="2800000" indent="-228600" algn="l" defTabSz="457200" rtl="0" eaLnBrk="1" latinLnBrk="0" hangingPunct="1">
-              <a:spcBef>
-                <a:spcPct val="20000"/>
-              </a:spcBef>
-              <a:spcAft>
-                <a:spcPts val="600"/>
-              </a:spcAft>
-              <a:buClr>
-                <a:schemeClr val="accent2"/>
-              </a:buClr>
-              <a:buSzPct val="92000"/>
-              <a:buFont typeface="Wingdings 2" panose="05020102010507070707" pitchFamily="18" charset="2"/>
-              <a:buChar char=""/>
-              <a:defRPr sz="1200" kern="1200">
-                <a:solidFill>
-                  <a:schemeClr val="tx2"/>
-                </a:solidFill>
-                <a:latin typeface="+mn-lt"/>
-                <a:ea typeface="+mn-ea"/>
-                <a:cs typeface="+mn-cs"/>
-              </a:defRPr>
-            </a:lvl9pPr>
-          </a:lstStyle>
-          <a:p>
-            <a:pPr>
-              <a:buClr>
-                <a:srgbClr val="1A3160"/>
-              </a:buClr>
-            </a:pPr>
-            <a:r>
-              <a:rPr lang="en-US" sz="1200" dirty="0">
-                <a:solidFill>
-                  <a:srgbClr val="1A3160"/>
-                </a:solidFill>
-                <a:latin typeface="Aptos" panose="020B0004020202020204" pitchFamily="34" charset="0"/>
-              </a:rPr>
-              <a:t>Household air pollution is much more of a public health issue in the country</a:t>
-            </a:r>
-          </a:p>
-          <a:p>
-            <a:pPr>
-              <a:buClr>
-                <a:srgbClr val="1A3160"/>
-              </a:buClr>
-            </a:pPr>
-            <a:r>
-              <a:rPr lang="en-US" sz="1200" dirty="0">
-                <a:solidFill>
-                  <a:srgbClr val="1A3160"/>
-                </a:solidFill>
-                <a:latin typeface="Aptos" panose="020B0004020202020204" pitchFamily="34" charset="0"/>
-              </a:rPr>
-              <a:t>Large strides in expanding healthcare and clean fuel access in urban areas explain much of the significant improvements in outcomes </a:t>
-            </a:r>
-          </a:p>
-          <a:p>
-            <a:pPr>
-              <a:buClr>
-                <a:srgbClr val="1A3160"/>
-              </a:buClr>
-            </a:pPr>
-            <a:r>
-              <a:rPr lang="en-US" sz="1200" dirty="0">
-                <a:solidFill>
-                  <a:srgbClr val="1A3160"/>
-                </a:solidFill>
-                <a:latin typeface="Aptos" panose="020B0004020202020204" pitchFamily="34" charset="0"/>
-              </a:rPr>
-              <a:t>Despite this progress, mortality and DALYs rates were more than double the world averages in 2019</a:t>
-            </a:r>
-            <a:r>
-              <a:rPr lang="en-US" sz="1200" baseline="-25000" dirty="0">
-                <a:solidFill>
-                  <a:srgbClr val="1A3160"/>
-                </a:solidFill>
-                <a:latin typeface="Aptos" panose="020B0004020202020204" pitchFamily="34" charset="0"/>
-              </a:rPr>
-              <a:t>2</a:t>
-            </a:r>
-            <a:endParaRPr lang="en-US" sz="1200" dirty="0">
-              <a:solidFill>
-                <a:srgbClr val="1A3160"/>
-              </a:solidFill>
-              <a:latin typeface="Aptos" panose="020B0004020202020204" pitchFamily="34" charset="0"/>
-            </a:endParaRPr>
-          </a:p>
-          <a:p>
-            <a:pPr>
-              <a:buClr>
-                <a:srgbClr val="1A3160"/>
-              </a:buClr>
-            </a:pPr>
-            <a:endParaRPr lang="en-US" sz="1400" dirty="0">
-              <a:solidFill>
-                <a:srgbClr val="1A3160"/>
-              </a:solidFill>
-              <a:latin typeface="Aptos" panose="020B0004020202020204" pitchFamily="34" charset="0"/>
-            </a:endParaRPr>
-          </a:p>
-          <a:p>
-            <a:pPr marL="0" indent="0">
-              <a:buNone/>
-            </a:pPr>
-            <a:endParaRPr lang="en-US" sz="1400" b="1" dirty="0">
-              <a:solidFill>
-                <a:srgbClr val="4490B8"/>
-              </a:solidFill>
-              <a:latin typeface="Helvetica" pitchFamily="2" charset="0"/>
-            </a:endParaRPr>
-          </a:p>
-          <a:p>
-            <a:endParaRPr lang="en-US" sz="1400" dirty="0">
-              <a:latin typeface="Helvetica" pitchFamily="2" charset="0"/>
-            </a:endParaRPr>
-          </a:p>
-        </p:txBody>
-      </p:sp>
-      <p:sp>
-        <p:nvSpPr>
-          <p:cNvPr id="11" name="TextBox 10">
-            <a:extLst>
-              <a:ext uri="{FF2B5EF4-FFF2-40B4-BE49-F238E27FC236}">
-                <a16:creationId xmlns:a16="http://schemas.microsoft.com/office/drawing/2014/main" id="{3CA3614B-E8FA-7A2F-3674-272F915E8CFF}"/>
-              </a:ext>
-            </a:extLst>
-          </p:cNvPr>
-          <p:cNvSpPr txBox="1"/>
-          <p:nvPr/>
-        </p:nvSpPr>
-        <p:spPr>
-          <a:xfrm>
-            <a:off x="316685" y="6664783"/>
-            <a:ext cx="11500466" cy="215444"/>
-          </a:xfrm>
-          <a:prstGeom prst="rect">
-            <a:avLst/>
-          </a:prstGeom>
-          <a:noFill/>
-        </p:spPr>
-        <p:txBody>
-          <a:bodyPr wrap="square" rtlCol="0">
-            <a:spAutoFit/>
-          </a:bodyPr>
-          <a:lstStyle/>
-          <a:p>
-            <a:pPr>
-              <a:spcAft>
-                <a:spcPts val="600"/>
-              </a:spcAft>
-            </a:pPr>
-            <a:r>
-              <a:rPr lang="en-US" sz="800" dirty="0">
-                <a:latin typeface="Aptos" panose="020B0004020202020204" pitchFamily="34" charset="0"/>
-              </a:rPr>
-              <a:t>Source:  1 &amp; 2) World Health Organization.</a:t>
-            </a:r>
-            <a:endParaRPr lang="en-US" sz="800" dirty="0">
-              <a:latin typeface="Helvetica" pitchFamily="2" charset="0"/>
-            </a:endParaRPr>
-          </a:p>
-        </p:txBody>
-      </p:sp>
-    </p:spTree>
-    <p:extLst>
-      <p:ext uri="{BB962C8B-B14F-4D97-AF65-F5344CB8AC3E}">
-        <p14:creationId xmlns:p14="http://schemas.microsoft.com/office/powerpoint/2010/main" val="1803737845"/>
-      </p:ext>
-    </p:extLst>
-  </p:cSld>
-  <p:clrMapOvr>
-    <a:masterClrMapping/>
-  </p:clrMapOvr>
-</p:sld>
-</file>
-
-<file path=ppt/slides/slide9.xml><?xml version="1.0" encoding="utf-8"?>
+<file path=ppt/slides/slide10.xml><?xml version="1.0" encoding="utf-8"?>
 <p:sld xmlns:a="http://schemas.openxmlformats.org/drawingml/2006/main" xmlns:r="http://schemas.openxmlformats.org/officeDocument/2006/relationships" xmlns:p="http://schemas.openxmlformats.org/presentationml/2006/main">
   <p:cSld>
     <p:spTree>
@@ -11295,6 +6985,5344 @@
     <p:extLst>
       <p:ext uri="{BB962C8B-B14F-4D97-AF65-F5344CB8AC3E}">
         <p14:creationId xmlns:p14="http://schemas.microsoft.com/office/powerpoint/2010/main" val="3329015561"/>
+      </p:ext>
+    </p:extLst>
+  </p:cSld>
+  <p:clrMapOvr>
+    <a:masterClrMapping/>
+  </p:clrMapOvr>
+</p:sld>
+</file>
+
+<file path=ppt/slides/slide11.xml><?xml version="1.0" encoding="utf-8"?>
+<p:sld xmlns:a="http://schemas.openxmlformats.org/drawingml/2006/main" xmlns:r="http://schemas.openxmlformats.org/officeDocument/2006/relationships" xmlns:p="http://schemas.openxmlformats.org/presentationml/2006/main">
+  <p:cSld>
+    <p:spTree>
+      <p:nvGrpSpPr>
+        <p:cNvPr id="1" name=""/>
+        <p:cNvGrpSpPr/>
+        <p:nvPr/>
+      </p:nvGrpSpPr>
+      <p:grpSpPr>
+        <a:xfrm>
+          <a:off x="0" y="0"/>
+          <a:ext cx="0" cy="0"/>
+          <a:chOff x="0" y="0"/>
+          <a:chExt cx="0" cy="0"/>
+        </a:xfrm>
+      </p:grpSpPr>
+      <p:sp>
+        <p:nvSpPr>
+          <p:cNvPr id="2" name="Title 1">
+            <a:extLst>
+              <a:ext uri="{FF2B5EF4-FFF2-40B4-BE49-F238E27FC236}">
+                <a16:creationId xmlns:a16="http://schemas.microsoft.com/office/drawing/2014/main" id="{864B193C-BC29-E8AB-460A-A101119C0A95}"/>
+              </a:ext>
+            </a:extLst>
+          </p:cNvPr>
+          <p:cNvSpPr>
+            <a:spLocks noGrp="1"/>
+          </p:cNvSpPr>
+          <p:nvPr>
+            <p:ph type="title"/>
+          </p:nvPr>
+        </p:nvSpPr>
+        <p:spPr/>
+        <p:txBody>
+          <a:bodyPr/>
+          <a:lstStyle/>
+          <a:p>
+            <a:r>
+              <a:rPr lang="en-US" dirty="0"/>
+              <a:t>Appendix - Regression variables </a:t>
+            </a:r>
+          </a:p>
+        </p:txBody>
+      </p:sp>
+      <p:sp>
+        <p:nvSpPr>
+          <p:cNvPr id="5" name="Content Placeholder 3">
+            <a:extLst>
+              <a:ext uri="{FF2B5EF4-FFF2-40B4-BE49-F238E27FC236}">
+                <a16:creationId xmlns:a16="http://schemas.microsoft.com/office/drawing/2014/main" id="{C920C358-45C6-AB37-3DB4-A6C65A80191F}"/>
+              </a:ext>
+            </a:extLst>
+          </p:cNvPr>
+          <p:cNvSpPr txBox="1">
+            <a:spLocks/>
+          </p:cNvSpPr>
+          <p:nvPr/>
+        </p:nvSpPr>
+        <p:spPr>
+          <a:xfrm>
+            <a:off x="457200" y="2071124"/>
+            <a:ext cx="8802958" cy="3068887"/>
+          </a:xfrm>
+          <a:prstGeom prst="rect">
+            <a:avLst/>
+          </a:prstGeom>
+        </p:spPr>
+        <p:txBody>
+          <a:bodyPr vert="horz" lIns="91440" tIns="45720" rIns="91440" bIns="45720" rtlCol="0" anchor="t" anchorCtr="0">
+            <a:noAutofit/>
+          </a:bodyPr>
+          <a:lstStyle>
+            <a:lvl1pPr marL="306000" indent="-306000" algn="l" defTabSz="457200" rtl="0" eaLnBrk="1" latinLnBrk="0" hangingPunct="1">
+              <a:spcBef>
+                <a:spcPct val="20000"/>
+              </a:spcBef>
+              <a:spcAft>
+                <a:spcPts val="600"/>
+              </a:spcAft>
+              <a:buClr>
+                <a:schemeClr val="accent2"/>
+              </a:buClr>
+              <a:buSzPct val="92000"/>
+              <a:buFont typeface="Wingdings 2" panose="05020102010507070707" pitchFamily="18" charset="2"/>
+              <a:buChar char=""/>
+              <a:defRPr sz="1800" kern="1200">
+                <a:solidFill>
+                  <a:schemeClr val="tx2"/>
+                </a:solidFill>
+                <a:latin typeface="+mn-lt"/>
+                <a:ea typeface="+mn-ea"/>
+                <a:cs typeface="+mn-cs"/>
+              </a:defRPr>
+            </a:lvl1pPr>
+            <a:lvl2pPr marL="630000" indent="-306000" algn="l" defTabSz="457200" rtl="0" eaLnBrk="1" latinLnBrk="0" hangingPunct="1">
+              <a:spcBef>
+                <a:spcPct val="20000"/>
+              </a:spcBef>
+              <a:spcAft>
+                <a:spcPts val="600"/>
+              </a:spcAft>
+              <a:buClr>
+                <a:schemeClr val="accent2"/>
+              </a:buClr>
+              <a:buSzPct val="92000"/>
+              <a:buFont typeface="Wingdings 2" panose="05020102010507070707" pitchFamily="18" charset="2"/>
+              <a:buChar char=""/>
+              <a:defRPr sz="1600" kern="1200">
+                <a:solidFill>
+                  <a:schemeClr val="tx2"/>
+                </a:solidFill>
+                <a:latin typeface="+mn-lt"/>
+                <a:ea typeface="+mn-ea"/>
+                <a:cs typeface="+mn-cs"/>
+              </a:defRPr>
+            </a:lvl2pPr>
+            <a:lvl3pPr marL="900000" indent="-270000" algn="l" defTabSz="457200" rtl="0" eaLnBrk="1" latinLnBrk="0" hangingPunct="1">
+              <a:spcBef>
+                <a:spcPct val="20000"/>
+              </a:spcBef>
+              <a:spcAft>
+                <a:spcPts val="600"/>
+              </a:spcAft>
+              <a:buClr>
+                <a:schemeClr val="accent2"/>
+              </a:buClr>
+              <a:buSzPct val="92000"/>
+              <a:buFont typeface="Wingdings 2" panose="05020102010507070707" pitchFamily="18" charset="2"/>
+              <a:buChar char=""/>
+              <a:defRPr sz="1400" kern="1200">
+                <a:solidFill>
+                  <a:schemeClr val="tx2"/>
+                </a:solidFill>
+                <a:latin typeface="+mn-lt"/>
+                <a:ea typeface="+mn-ea"/>
+                <a:cs typeface="+mn-cs"/>
+              </a:defRPr>
+            </a:lvl3pPr>
+            <a:lvl4pPr marL="1242000" indent="-234000" algn="l" defTabSz="457200" rtl="0" eaLnBrk="1" latinLnBrk="0" hangingPunct="1">
+              <a:spcBef>
+                <a:spcPct val="20000"/>
+              </a:spcBef>
+              <a:spcAft>
+                <a:spcPts val="600"/>
+              </a:spcAft>
+              <a:buClr>
+                <a:schemeClr val="accent2"/>
+              </a:buClr>
+              <a:buSzPct val="92000"/>
+              <a:buFont typeface="Wingdings 2" panose="05020102010507070707" pitchFamily="18" charset="2"/>
+              <a:buChar char=""/>
+              <a:defRPr sz="1200" kern="1200">
+                <a:solidFill>
+                  <a:schemeClr val="tx2"/>
+                </a:solidFill>
+                <a:latin typeface="+mn-lt"/>
+                <a:ea typeface="+mn-ea"/>
+                <a:cs typeface="+mn-cs"/>
+              </a:defRPr>
+            </a:lvl4pPr>
+            <a:lvl5pPr marL="1602000" indent="-234000" algn="l" defTabSz="457200" rtl="0" eaLnBrk="1" latinLnBrk="0" hangingPunct="1">
+              <a:spcBef>
+                <a:spcPct val="20000"/>
+              </a:spcBef>
+              <a:spcAft>
+                <a:spcPts val="600"/>
+              </a:spcAft>
+              <a:buClr>
+                <a:schemeClr val="accent2"/>
+              </a:buClr>
+              <a:buSzPct val="92000"/>
+              <a:buFont typeface="Wingdings 2" panose="05020102010507070707" pitchFamily="18" charset="2"/>
+              <a:buChar char=""/>
+              <a:defRPr sz="1200" kern="1200">
+                <a:solidFill>
+                  <a:schemeClr val="tx2"/>
+                </a:solidFill>
+                <a:latin typeface="+mn-lt"/>
+                <a:ea typeface="+mn-ea"/>
+                <a:cs typeface="+mn-cs"/>
+              </a:defRPr>
+            </a:lvl5pPr>
+            <a:lvl6pPr marL="1900000" indent="-228600" algn="l" defTabSz="457200" rtl="0" eaLnBrk="1" latinLnBrk="0" hangingPunct="1">
+              <a:spcBef>
+                <a:spcPct val="20000"/>
+              </a:spcBef>
+              <a:spcAft>
+                <a:spcPts val="600"/>
+              </a:spcAft>
+              <a:buClr>
+                <a:schemeClr val="accent2"/>
+              </a:buClr>
+              <a:buSzPct val="92000"/>
+              <a:buFont typeface="Wingdings 2" panose="05020102010507070707" pitchFamily="18" charset="2"/>
+              <a:buChar char=""/>
+              <a:defRPr sz="1200" kern="1200">
+                <a:solidFill>
+                  <a:schemeClr val="tx2"/>
+                </a:solidFill>
+                <a:latin typeface="+mn-lt"/>
+                <a:ea typeface="+mn-ea"/>
+                <a:cs typeface="+mn-cs"/>
+              </a:defRPr>
+            </a:lvl6pPr>
+            <a:lvl7pPr marL="2200000" indent="-228600" algn="l" defTabSz="457200" rtl="0" eaLnBrk="1" latinLnBrk="0" hangingPunct="1">
+              <a:spcBef>
+                <a:spcPct val="20000"/>
+              </a:spcBef>
+              <a:spcAft>
+                <a:spcPts val="600"/>
+              </a:spcAft>
+              <a:buClr>
+                <a:schemeClr val="accent2"/>
+              </a:buClr>
+              <a:buSzPct val="92000"/>
+              <a:buFont typeface="Wingdings 2" panose="05020102010507070707" pitchFamily="18" charset="2"/>
+              <a:buChar char=""/>
+              <a:defRPr sz="1200" kern="1200">
+                <a:solidFill>
+                  <a:schemeClr val="tx2"/>
+                </a:solidFill>
+                <a:latin typeface="+mn-lt"/>
+                <a:ea typeface="+mn-ea"/>
+                <a:cs typeface="+mn-cs"/>
+              </a:defRPr>
+            </a:lvl7pPr>
+            <a:lvl8pPr marL="2500000" indent="-228600" algn="l" defTabSz="457200" rtl="0" eaLnBrk="1" latinLnBrk="0" hangingPunct="1">
+              <a:spcBef>
+                <a:spcPct val="20000"/>
+              </a:spcBef>
+              <a:spcAft>
+                <a:spcPts val="600"/>
+              </a:spcAft>
+              <a:buClr>
+                <a:schemeClr val="accent2"/>
+              </a:buClr>
+              <a:buSzPct val="92000"/>
+              <a:buFont typeface="Wingdings 2" panose="05020102010507070707" pitchFamily="18" charset="2"/>
+              <a:buChar char=""/>
+              <a:defRPr sz="1200" kern="1200">
+                <a:solidFill>
+                  <a:schemeClr val="tx2"/>
+                </a:solidFill>
+                <a:latin typeface="+mn-lt"/>
+                <a:ea typeface="+mn-ea"/>
+                <a:cs typeface="+mn-cs"/>
+              </a:defRPr>
+            </a:lvl8pPr>
+            <a:lvl9pPr marL="2800000" indent="-228600" algn="l" defTabSz="457200" rtl="0" eaLnBrk="1" latinLnBrk="0" hangingPunct="1">
+              <a:spcBef>
+                <a:spcPct val="20000"/>
+              </a:spcBef>
+              <a:spcAft>
+                <a:spcPts val="600"/>
+              </a:spcAft>
+              <a:buClr>
+                <a:schemeClr val="accent2"/>
+              </a:buClr>
+              <a:buSzPct val="92000"/>
+              <a:buFont typeface="Wingdings 2" panose="05020102010507070707" pitchFamily="18" charset="2"/>
+              <a:buChar char=""/>
+              <a:defRPr sz="1200" kern="1200">
+                <a:solidFill>
+                  <a:schemeClr val="tx2"/>
+                </a:solidFill>
+                <a:latin typeface="+mn-lt"/>
+                <a:ea typeface="+mn-ea"/>
+                <a:cs typeface="+mn-cs"/>
+              </a:defRPr>
+            </a:lvl9pPr>
+          </a:lstStyle>
+          <a:p>
+            <a:pPr>
+              <a:spcBef>
+                <a:spcPts val="600"/>
+              </a:spcBef>
+              <a:buClr>
+                <a:srgbClr val="1A3160"/>
+              </a:buClr>
+            </a:pPr>
+            <a:r>
+              <a:rPr lang="en-US" sz="1200" dirty="0">
+                <a:solidFill>
+                  <a:srgbClr val="1A3160"/>
+                </a:solidFill>
+                <a:latin typeface="Aptos" panose="020B0004020202020204" pitchFamily="34" charset="0"/>
+              </a:rPr>
+              <a:t>Dependent variable: under-5 mortality rate (under 5 years of age deaths per 1000 live births)</a:t>
+            </a:r>
+          </a:p>
+          <a:p>
+            <a:pPr>
+              <a:spcBef>
+                <a:spcPts val="600"/>
+              </a:spcBef>
+              <a:buClr>
+                <a:srgbClr val="1A3160"/>
+              </a:buClr>
+            </a:pPr>
+            <a:r>
+              <a:rPr lang="en-US" sz="1200" dirty="0">
+                <a:solidFill>
+                  <a:srgbClr val="1A3160"/>
+                </a:solidFill>
+                <a:latin typeface="Aptos" panose="020B0004020202020204" pitchFamily="34" charset="0"/>
+              </a:rPr>
+              <a:t>Predictor 1:  pct of population in urban areas</a:t>
+            </a:r>
+          </a:p>
+          <a:p>
+            <a:pPr>
+              <a:spcBef>
+                <a:spcPts val="600"/>
+              </a:spcBef>
+              <a:buClr>
+                <a:srgbClr val="1A3160"/>
+              </a:buClr>
+            </a:pPr>
+            <a:r>
+              <a:rPr lang="en-US" sz="1200" dirty="0">
+                <a:solidFill>
+                  <a:srgbClr val="1A3160"/>
+                </a:solidFill>
+                <a:latin typeface="Aptos" panose="020B0004020202020204" pitchFamily="34" charset="0"/>
+              </a:rPr>
+              <a:t>Predictor 2 : mean ambient PM2.5 concentration in µg/m³ </a:t>
+            </a:r>
+          </a:p>
+          <a:p>
+            <a:pPr>
+              <a:spcBef>
+                <a:spcPts val="600"/>
+              </a:spcBef>
+              <a:buClr>
+                <a:srgbClr val="1A3160"/>
+              </a:buClr>
+            </a:pPr>
+            <a:r>
+              <a:rPr lang="en-US" sz="1200" dirty="0">
+                <a:solidFill>
+                  <a:srgbClr val="1A3160"/>
+                </a:solidFill>
+                <a:latin typeface="Aptos" panose="020B0004020202020204" pitchFamily="34" charset="0"/>
+              </a:rPr>
+              <a:t>Control 1: log GDP per capita (current US$)</a:t>
+            </a:r>
+          </a:p>
+          <a:p>
+            <a:pPr>
+              <a:spcBef>
+                <a:spcPts val="600"/>
+              </a:spcBef>
+              <a:buClr>
+                <a:srgbClr val="1A3160"/>
+              </a:buClr>
+            </a:pPr>
+            <a:r>
+              <a:rPr lang="en-US" sz="1200" dirty="0">
+                <a:solidFill>
+                  <a:srgbClr val="1A3160"/>
+                </a:solidFill>
+                <a:latin typeface="Aptos" panose="020B0004020202020204" pitchFamily="34" charset="0"/>
+              </a:rPr>
+              <a:t>Control 2: pct of primary-school-aged children enrolled in school</a:t>
+            </a:r>
+          </a:p>
+          <a:p>
+            <a:pPr>
+              <a:spcBef>
+                <a:spcPts val="600"/>
+              </a:spcBef>
+              <a:buClr>
+                <a:srgbClr val="1A3160"/>
+              </a:buClr>
+            </a:pPr>
+            <a:r>
+              <a:rPr lang="en-US" sz="1200" dirty="0">
+                <a:solidFill>
+                  <a:srgbClr val="1A3160"/>
+                </a:solidFill>
+                <a:latin typeface="Aptos" panose="020B0004020202020204" pitchFamily="34" charset="0"/>
+              </a:rPr>
+              <a:t>Control 3: population density per km²</a:t>
+            </a:r>
+          </a:p>
+          <a:p>
+            <a:pPr>
+              <a:spcBef>
+                <a:spcPts val="600"/>
+              </a:spcBef>
+              <a:buClr>
+                <a:srgbClr val="1A3160"/>
+              </a:buClr>
+            </a:pPr>
+            <a:r>
+              <a:rPr lang="en-US" sz="1200" dirty="0">
+                <a:solidFill>
+                  <a:srgbClr val="1A3160"/>
+                </a:solidFill>
+                <a:latin typeface="Aptos" panose="020B0004020202020204" pitchFamily="34" charset="0"/>
+              </a:rPr>
+              <a:t>Control 4: domestic general government health expenditure as pct of GDP</a:t>
+            </a:r>
+          </a:p>
+          <a:p>
+            <a:pPr>
+              <a:spcBef>
+                <a:spcPts val="600"/>
+              </a:spcBef>
+              <a:buClr>
+                <a:srgbClr val="1A3160"/>
+              </a:buClr>
+            </a:pPr>
+            <a:r>
+              <a:rPr lang="en-US" sz="1200" dirty="0">
+                <a:solidFill>
+                  <a:srgbClr val="1A3160"/>
+                </a:solidFill>
+                <a:latin typeface="Aptos" panose="020B0004020202020204" pitchFamily="34" charset="0"/>
+              </a:rPr>
+              <a:t>Control 5: number of doctors per 1000 people</a:t>
+            </a:r>
+          </a:p>
+          <a:p>
+            <a:pPr>
+              <a:spcBef>
+                <a:spcPts val="600"/>
+              </a:spcBef>
+              <a:buClr>
+                <a:srgbClr val="1A3160"/>
+              </a:buClr>
+            </a:pPr>
+            <a:r>
+              <a:rPr lang="en-US" sz="1200" dirty="0">
+                <a:solidFill>
+                  <a:srgbClr val="1A3160"/>
+                </a:solidFill>
+                <a:latin typeface="Aptos" panose="020B0004020202020204" pitchFamily="34" charset="0"/>
+              </a:rPr>
+              <a:t>Predictor 1 x Predictor 2: interaction term between urbanization pct and PM2.5 concentration variables</a:t>
+            </a:r>
+          </a:p>
+        </p:txBody>
+      </p:sp>
+    </p:spTree>
+    <p:extLst>
+      <p:ext uri="{BB962C8B-B14F-4D97-AF65-F5344CB8AC3E}">
+        <p14:creationId xmlns:p14="http://schemas.microsoft.com/office/powerpoint/2010/main" val="2638406572"/>
+      </p:ext>
+    </p:extLst>
+  </p:cSld>
+  <p:clrMapOvr>
+    <a:masterClrMapping/>
+  </p:clrMapOvr>
+</p:sld>
+</file>
+
+<file path=ppt/slides/slide2.xml><?xml version="1.0" encoding="utf-8"?>
+<p:sld xmlns:a="http://schemas.openxmlformats.org/drawingml/2006/main" xmlns:r="http://schemas.openxmlformats.org/officeDocument/2006/relationships" xmlns:p="http://schemas.openxmlformats.org/presentationml/2006/main">
+  <p:cSld>
+    <p:bg>
+      <p:bgPr>
+        <a:solidFill>
+          <a:schemeClr val="bg1"/>
+        </a:solidFill>
+        <a:effectLst/>
+      </p:bgPr>
+    </p:bg>
+    <p:spTree>
+      <p:nvGrpSpPr>
+        <p:cNvPr id="1" name=""/>
+        <p:cNvGrpSpPr/>
+        <p:nvPr/>
+      </p:nvGrpSpPr>
+      <p:grpSpPr>
+        <a:xfrm>
+          <a:off x="0" y="0"/>
+          <a:ext cx="0" cy="0"/>
+          <a:chOff x="0" y="0"/>
+          <a:chExt cx="0" cy="0"/>
+        </a:xfrm>
+      </p:grpSpPr>
+      <p:sp>
+        <p:nvSpPr>
+          <p:cNvPr id="57" name="Rectangle 56">
+            <a:extLst>
+              <a:ext uri="{FF2B5EF4-FFF2-40B4-BE49-F238E27FC236}">
+                <a16:creationId xmlns:a16="http://schemas.microsoft.com/office/drawing/2014/main" id="{A078A52F-85EA-4C0B-962B-D9D9DD4DD78C}"/>
+              </a:ext>
+              <a:ext uri="{C183D7F6-B498-43B3-948B-1728B52AA6E4}">
+                <adec:decorative xmlns:adec="http://schemas.microsoft.com/office/drawing/2017/decorative" val="1"/>
+              </a:ext>
+            </a:extLst>
+          </p:cNvPr>
+          <p:cNvSpPr>
+            <a:spLocks noGrp="1" noRot="1" noChangeAspect="1" noMove="1" noResize="1" noEditPoints="1" noAdjustHandles="1" noChangeArrowheads="1" noChangeShapeType="1" noTextEdit="1"/>
+          </p:cNvSpPr>
+          <p:nvPr>
+            <p:extLst>
+              <p:ext uri="{386F3935-93C4-4BCD-93E2-E3B085C9AB24}">
+                <p16:designElem xmlns:p16="http://schemas.microsoft.com/office/powerpoint/2015/main" val="1"/>
+              </p:ext>
+            </p:extLst>
+          </p:nvPr>
+        </p:nvSpPr>
+        <p:spPr>
+          <a:xfrm>
+            <a:off x="446534" y="457200"/>
+            <a:ext cx="3703320" cy="94997"/>
+          </a:xfrm>
+          <a:prstGeom prst="rect">
+            <a:avLst/>
+          </a:prstGeom>
+          <a:solidFill>
+            <a:schemeClr val="accent1"/>
+          </a:solidFill>
+          <a:ln>
+            <a:noFill/>
+          </a:ln>
+          <a:effectLst/>
+        </p:spPr>
+        <p:style>
+          <a:lnRef idx="1">
+            <a:schemeClr val="accent1"/>
+          </a:lnRef>
+          <a:fillRef idx="3">
+            <a:schemeClr val="accent1"/>
+          </a:fillRef>
+          <a:effectRef idx="2">
+            <a:schemeClr val="accent1"/>
+          </a:effectRef>
+          <a:fontRef idx="minor">
+            <a:schemeClr val="lt1"/>
+          </a:fontRef>
+        </p:style>
+        <p:txBody>
+          <a:bodyPr/>
+          <a:lstStyle/>
+          <a:p>
+            <a:endParaRPr lang="en-US"/>
+          </a:p>
+        </p:txBody>
+      </p:sp>
+      <p:sp>
+        <p:nvSpPr>
+          <p:cNvPr id="58" name="Rectangle 57">
+            <a:extLst>
+              <a:ext uri="{FF2B5EF4-FFF2-40B4-BE49-F238E27FC236}">
+                <a16:creationId xmlns:a16="http://schemas.microsoft.com/office/drawing/2014/main" id="{919797D5-5700-4683-B30A-5B4D56CB8270}"/>
+              </a:ext>
+              <a:ext uri="{C183D7F6-B498-43B3-948B-1728B52AA6E4}">
+                <adec:decorative xmlns:adec="http://schemas.microsoft.com/office/drawing/2017/decorative" val="1"/>
+              </a:ext>
+            </a:extLst>
+          </p:cNvPr>
+          <p:cNvSpPr>
+            <a:spLocks noGrp="1" noRot="1" noChangeAspect="1" noMove="1" noResize="1" noEditPoints="1" noAdjustHandles="1" noChangeArrowheads="1" noChangeShapeType="1" noTextEdit="1"/>
+          </p:cNvSpPr>
+          <p:nvPr>
+            <p:extLst>
+              <p:ext uri="{386F3935-93C4-4BCD-93E2-E3B085C9AB24}">
+                <p16:designElem xmlns:p16="http://schemas.microsoft.com/office/powerpoint/2015/main" val="1"/>
+              </p:ext>
+            </p:extLst>
+          </p:nvPr>
+        </p:nvSpPr>
+        <p:spPr>
+          <a:xfrm>
+            <a:off x="8042147" y="453643"/>
+            <a:ext cx="3703320" cy="98554"/>
+          </a:xfrm>
+          <a:prstGeom prst="rect">
+            <a:avLst/>
+          </a:prstGeom>
+          <a:solidFill>
+            <a:schemeClr val="accent4"/>
+          </a:solidFill>
+          <a:ln>
+            <a:noFill/>
+          </a:ln>
+          <a:effectLst/>
+        </p:spPr>
+        <p:style>
+          <a:lnRef idx="1">
+            <a:schemeClr val="accent1"/>
+          </a:lnRef>
+          <a:fillRef idx="3">
+            <a:schemeClr val="accent1"/>
+          </a:fillRef>
+          <a:effectRef idx="2">
+            <a:schemeClr val="accent1"/>
+          </a:effectRef>
+          <a:fontRef idx="minor">
+            <a:schemeClr val="lt1"/>
+          </a:fontRef>
+        </p:style>
+        <p:txBody>
+          <a:bodyPr/>
+          <a:lstStyle/>
+          <a:p>
+            <a:endParaRPr lang="en-US"/>
+          </a:p>
+        </p:txBody>
+      </p:sp>
+      <p:sp>
+        <p:nvSpPr>
+          <p:cNvPr id="59" name="Rectangle 58">
+            <a:extLst>
+              <a:ext uri="{FF2B5EF4-FFF2-40B4-BE49-F238E27FC236}">
+                <a16:creationId xmlns:a16="http://schemas.microsoft.com/office/drawing/2014/main" id="{4856A7B9-9801-42EC-A4C9-7E22A56EF53D}"/>
+              </a:ext>
+              <a:ext uri="{C183D7F6-B498-43B3-948B-1728B52AA6E4}">
+                <adec:decorative xmlns:adec="http://schemas.microsoft.com/office/drawing/2017/decorative" val="1"/>
+              </a:ext>
+            </a:extLst>
+          </p:cNvPr>
+          <p:cNvSpPr>
+            <a:spLocks noGrp="1" noRot="1" noChangeAspect="1" noMove="1" noResize="1" noEditPoints="1" noAdjustHandles="1" noChangeArrowheads="1" noChangeShapeType="1" noTextEdit="1"/>
+          </p:cNvSpPr>
+          <p:nvPr>
+            <p:extLst>
+              <p:ext uri="{386F3935-93C4-4BCD-93E2-E3B085C9AB24}">
+                <p16:designElem xmlns:p16="http://schemas.microsoft.com/office/powerpoint/2015/main" val="1"/>
+              </p:ext>
+            </p:extLst>
+          </p:nvPr>
+        </p:nvSpPr>
+        <p:spPr>
+          <a:xfrm>
+            <a:off x="4241830" y="457200"/>
+            <a:ext cx="3703320" cy="91440"/>
+          </a:xfrm>
+          <a:prstGeom prst="rect">
+            <a:avLst/>
+          </a:prstGeom>
+          <a:solidFill>
+            <a:schemeClr val="accent2"/>
+          </a:solidFill>
+          <a:ln>
+            <a:noFill/>
+          </a:ln>
+          <a:effectLst/>
+        </p:spPr>
+        <p:style>
+          <a:lnRef idx="1">
+            <a:schemeClr val="accent1"/>
+          </a:lnRef>
+          <a:fillRef idx="3">
+            <a:schemeClr val="accent1"/>
+          </a:fillRef>
+          <a:effectRef idx="2">
+            <a:schemeClr val="accent1"/>
+          </a:effectRef>
+          <a:fontRef idx="minor">
+            <a:schemeClr val="lt1"/>
+          </a:fontRef>
+        </p:style>
+        <p:txBody>
+          <a:bodyPr/>
+          <a:lstStyle/>
+          <a:p>
+            <a:endParaRPr lang="en-US"/>
+          </a:p>
+        </p:txBody>
+      </p:sp>
+      <p:sp>
+        <p:nvSpPr>
+          <p:cNvPr id="60" name="Rectangle 59">
+            <a:extLst>
+              <a:ext uri="{FF2B5EF4-FFF2-40B4-BE49-F238E27FC236}">
+                <a16:creationId xmlns:a16="http://schemas.microsoft.com/office/drawing/2014/main" id="{A8D10092-A860-4EFB-963F-A14DA3648858}"/>
+              </a:ext>
+              <a:ext uri="{C183D7F6-B498-43B3-948B-1728B52AA6E4}">
+                <adec:decorative xmlns:adec="http://schemas.microsoft.com/office/drawing/2017/decorative" val="1"/>
+              </a:ext>
+            </a:extLst>
+          </p:cNvPr>
+          <p:cNvSpPr>
+            <a:spLocks noGrp="1" noRot="1" noChangeAspect="1" noMove="1" noResize="1" noEditPoints="1" noAdjustHandles="1" noChangeArrowheads="1" noChangeShapeType="1" noTextEdit="1"/>
+          </p:cNvSpPr>
+          <p:nvPr>
+            <p:extLst>
+              <p:ext uri="{386F3935-93C4-4BCD-93E2-E3B085C9AB24}">
+                <p16:designElem xmlns:p16="http://schemas.microsoft.com/office/powerpoint/2015/main" val="1"/>
+              </p:ext>
+            </p:extLst>
+          </p:nvPr>
+        </p:nvSpPr>
+        <p:spPr>
+          <a:xfrm>
+            <a:off x="440286" y="614407"/>
+            <a:ext cx="11309338" cy="1189298"/>
+          </a:xfrm>
+          <a:prstGeom prst="rect">
+            <a:avLst/>
+          </a:prstGeom>
+          <a:solidFill>
+            <a:schemeClr val="accent1"/>
+          </a:solidFill>
+          <a:ln>
+            <a:noFill/>
+          </a:ln>
+          <a:effectLst/>
+        </p:spPr>
+        <p:style>
+          <a:lnRef idx="1">
+            <a:schemeClr val="accent1"/>
+          </a:lnRef>
+          <a:fillRef idx="3">
+            <a:schemeClr val="accent1"/>
+          </a:fillRef>
+          <a:effectRef idx="2">
+            <a:schemeClr val="accent1"/>
+          </a:effectRef>
+          <a:fontRef idx="minor">
+            <a:schemeClr val="lt1"/>
+          </a:fontRef>
+        </p:style>
+        <p:txBody>
+          <a:bodyPr/>
+          <a:lstStyle/>
+          <a:p>
+            <a:endParaRPr lang="en-US"/>
+          </a:p>
+        </p:txBody>
+      </p:sp>
+      <p:sp useBgFill="1">
+        <p:nvSpPr>
+          <p:cNvPr id="61" name="Rectangle 60">
+            <a:extLst>
+              <a:ext uri="{FF2B5EF4-FFF2-40B4-BE49-F238E27FC236}">
+                <a16:creationId xmlns:a16="http://schemas.microsoft.com/office/drawing/2014/main" id="{EE15E636-2C9E-42CB-B482-436AA81BF93B}"/>
+              </a:ext>
+              <a:ext uri="{C183D7F6-B498-43B3-948B-1728B52AA6E4}">
+                <adec:decorative xmlns:adec="http://schemas.microsoft.com/office/drawing/2017/decorative" val="1"/>
+              </a:ext>
+            </a:extLst>
+          </p:cNvPr>
+          <p:cNvSpPr>
+            <a:spLocks noGrp="1" noRot="1" noChangeAspect="1" noMove="1" noResize="1" noEditPoints="1" noAdjustHandles="1" noChangeArrowheads="1" noChangeShapeType="1" noTextEdit="1"/>
+          </p:cNvSpPr>
+          <p:nvPr>
+            <p:extLst>
+              <p:ext uri="{386F3935-93C4-4BCD-93E2-E3B085C9AB24}">
+                <p16:designElem xmlns:p16="http://schemas.microsoft.com/office/powerpoint/2015/main" val="1"/>
+              </p:ext>
+            </p:extLst>
+          </p:nvPr>
+        </p:nvSpPr>
+        <p:spPr>
+          <a:xfrm>
+            <a:off x="0" y="0"/>
+            <a:ext cx="12192000" cy="6858000"/>
+          </a:xfrm>
+          <a:prstGeom prst="rect">
+            <a:avLst/>
+          </a:prstGeom>
+          <a:ln>
+            <a:noFill/>
+          </a:ln>
+        </p:spPr>
+        <p:style>
+          <a:lnRef idx="2">
+            <a:schemeClr val="accent1">
+              <a:shade val="50000"/>
+            </a:schemeClr>
+          </a:lnRef>
+          <a:fillRef idx="1">
+            <a:schemeClr val="accent1"/>
+          </a:fillRef>
+          <a:effectRef idx="0">
+            <a:schemeClr val="accent1"/>
+          </a:effectRef>
+          <a:fontRef idx="minor">
+            <a:schemeClr val="lt1"/>
+          </a:fontRef>
+        </p:style>
+        <p:txBody>
+          <a:bodyPr rtlCol="0" anchor="ctr"/>
+          <a:lstStyle/>
+          <a:p>
+            <a:pPr algn="ctr"/>
+            <a:endParaRPr lang="en-US"/>
+          </a:p>
+        </p:txBody>
+      </p:sp>
+      <p:pic>
+        <p:nvPicPr>
+          <p:cNvPr id="62" name="Picture 61" descr="Smoke from factory">
+            <a:extLst>
+              <a:ext uri="{FF2B5EF4-FFF2-40B4-BE49-F238E27FC236}">
+                <a16:creationId xmlns:a16="http://schemas.microsoft.com/office/drawing/2014/main" id="{913AB244-8CD6-FBF8-50D3-6B95A1C03462}"/>
+              </a:ext>
+            </a:extLst>
+          </p:cNvPr>
+          <p:cNvPicPr>
+            <a:picLocks noChangeAspect="1"/>
+          </p:cNvPicPr>
+          <p:nvPr/>
+        </p:nvPicPr>
+        <p:blipFill>
+          <a:blip r:embed="rId2"/>
+          <a:srcRect t="3632" b="12098"/>
+          <a:stretch/>
+        </p:blipFill>
+        <p:spPr>
+          <a:xfrm>
+            <a:off x="20" y="10"/>
+            <a:ext cx="12191980" cy="6857990"/>
+          </a:xfrm>
+          <a:prstGeom prst="rect">
+            <a:avLst/>
+          </a:prstGeom>
+        </p:spPr>
+      </p:pic>
+      <p:grpSp>
+        <p:nvGrpSpPr>
+          <p:cNvPr id="63" name="Group 62">
+            <a:extLst>
+              <a:ext uri="{FF2B5EF4-FFF2-40B4-BE49-F238E27FC236}">
+                <a16:creationId xmlns:a16="http://schemas.microsoft.com/office/drawing/2014/main" id="{01D4AEDF-0CF9-4271-ABB7-3D3489BB42D0}"/>
+              </a:ext>
+              <a:ext uri="{C183D7F6-B498-43B3-948B-1728B52AA6E4}">
+                <adec:decorative xmlns:adec="http://schemas.microsoft.com/office/drawing/2017/decorative" val="1"/>
+              </a:ext>
+            </a:extLst>
+          </p:cNvPr>
+          <p:cNvGrpSpPr>
+            <a:grpSpLocks noGrp="1" noUngrp="1" noRot="1" noChangeAspect="1" noMove="1" noResize="1"/>
+          </p:cNvGrpSpPr>
+          <p:nvPr>
+            <p:extLst>
+              <p:ext uri="{386F3935-93C4-4BCD-93E2-E3B085C9AB24}">
+                <p16:designElem xmlns:p16="http://schemas.microsoft.com/office/powerpoint/2015/main" val="1"/>
+              </p:ext>
+            </p:extLst>
+          </p:nvPr>
+        </p:nvGrpSpPr>
+        <p:grpSpPr>
+          <a:xfrm>
+            <a:off x="438068" y="457200"/>
+            <a:ext cx="3703320" cy="5935132"/>
+            <a:chOff x="438068" y="457200"/>
+            <a:chExt cx="3703320" cy="5935132"/>
+          </a:xfrm>
+        </p:grpSpPr>
+        <p:sp>
+          <p:nvSpPr>
+            <p:cNvPr id="21" name="Rectangle 20">
+              <a:extLst>
+                <a:ext uri="{FF2B5EF4-FFF2-40B4-BE49-F238E27FC236}">
+                  <a16:creationId xmlns:a16="http://schemas.microsoft.com/office/drawing/2014/main" id="{55CA534D-375A-405E-B686-06B63E6630BD}"/>
+                </a:ext>
+                <a:ext uri="{C183D7F6-B498-43B3-948B-1728B52AA6E4}">
+                  <adec:decorative xmlns:adec="http://schemas.microsoft.com/office/drawing/2017/decorative" val="1"/>
+                </a:ext>
+              </a:extLst>
+            </p:cNvPr>
+            <p:cNvSpPr/>
+            <p:nvPr>
+              <p:extLst>
+                <p:ext uri="{386F3935-93C4-4BCD-93E2-E3B085C9AB24}">
+                  <p16:designElem xmlns:p16="http://schemas.microsoft.com/office/powerpoint/2015/main" val="1"/>
+                </p:ext>
+              </p:extLst>
+            </p:nvPr>
+          </p:nvSpPr>
+          <p:spPr>
+            <a:xfrm>
+              <a:off x="438068" y="618067"/>
+              <a:ext cx="3702134" cy="5774265"/>
+            </a:xfrm>
+            <a:prstGeom prst="rect">
+              <a:avLst/>
+            </a:prstGeom>
+            <a:solidFill>
+              <a:schemeClr val="accent1">
+                <a:alpha val="97000"/>
+              </a:schemeClr>
+            </a:solidFill>
+            <a:ln w="6350" cmpd="sng">
+              <a:noFill/>
+            </a:ln>
+            <a:effectLst/>
+          </p:spPr>
+          <p:style>
+            <a:lnRef idx="1">
+              <a:schemeClr val="accent1"/>
+            </a:lnRef>
+            <a:fillRef idx="3">
+              <a:schemeClr val="accent1"/>
+            </a:fillRef>
+            <a:effectRef idx="2">
+              <a:schemeClr val="accent1"/>
+            </a:effectRef>
+            <a:fontRef idx="minor">
+              <a:schemeClr val="lt1"/>
+            </a:fontRef>
+          </p:style>
+          <p:txBody>
+            <a:bodyPr/>
+            <a:lstStyle/>
+            <a:p>
+              <a:endParaRPr lang="en-US"/>
+            </a:p>
+          </p:txBody>
+        </p:sp>
+        <p:sp>
+          <p:nvSpPr>
+            <p:cNvPr id="64" name="Rectangle 63">
+              <a:extLst>
+                <a:ext uri="{FF2B5EF4-FFF2-40B4-BE49-F238E27FC236}">
+                  <a16:creationId xmlns:a16="http://schemas.microsoft.com/office/drawing/2014/main" id="{AA2342F7-EF54-4210-9029-E977C9D576CC}"/>
+                </a:ext>
+                <a:ext uri="{C183D7F6-B498-43B3-948B-1728B52AA6E4}">
+                  <adec:decorative xmlns:adec="http://schemas.microsoft.com/office/drawing/2017/decorative" val="1"/>
+                </a:ext>
+              </a:extLst>
+            </p:cNvPr>
+            <p:cNvSpPr/>
+            <p:nvPr>
+              <p:extLst>
+                <p:ext uri="{386F3935-93C4-4BCD-93E2-E3B085C9AB24}">
+                  <p16:designElem xmlns:p16="http://schemas.microsoft.com/office/powerpoint/2015/main" val="1"/>
+                </p:ext>
+              </p:extLst>
+            </p:nvPr>
+          </p:nvSpPr>
+          <p:spPr>
+            <a:xfrm>
+              <a:off x="438068" y="457200"/>
+              <a:ext cx="3703320" cy="94997"/>
+            </a:xfrm>
+            <a:prstGeom prst="rect">
+              <a:avLst/>
+            </a:prstGeom>
+            <a:solidFill>
+              <a:schemeClr val="accent1"/>
+            </a:solidFill>
+            <a:ln>
+              <a:noFill/>
+            </a:ln>
+            <a:effectLst/>
+          </p:spPr>
+          <p:style>
+            <a:lnRef idx="1">
+              <a:schemeClr val="accent1"/>
+            </a:lnRef>
+            <a:fillRef idx="3">
+              <a:schemeClr val="accent1"/>
+            </a:fillRef>
+            <a:effectRef idx="2">
+              <a:schemeClr val="accent1"/>
+            </a:effectRef>
+            <a:fontRef idx="minor">
+              <a:schemeClr val="lt1"/>
+            </a:fontRef>
+          </p:style>
+          <p:txBody>
+            <a:bodyPr/>
+            <a:lstStyle/>
+            <a:p>
+              <a:endParaRPr lang="en-US"/>
+            </a:p>
+          </p:txBody>
+        </p:sp>
+      </p:grpSp>
+      <p:sp>
+        <p:nvSpPr>
+          <p:cNvPr id="2" name="Title 1">
+            <a:extLst>
+              <a:ext uri="{FF2B5EF4-FFF2-40B4-BE49-F238E27FC236}">
+                <a16:creationId xmlns:a16="http://schemas.microsoft.com/office/drawing/2014/main" id="{166E1318-B463-78E9-7DF3-7542B6A9F33B}"/>
+              </a:ext>
+            </a:extLst>
+          </p:cNvPr>
+          <p:cNvSpPr>
+            <a:spLocks noGrp="1"/>
+          </p:cNvSpPr>
+          <p:nvPr>
+            <p:ph type="title"/>
+          </p:nvPr>
+        </p:nvSpPr>
+        <p:spPr>
+          <a:xfrm>
+            <a:off x="584200" y="1006956"/>
+            <a:ext cx="3412067" cy="1372177"/>
+          </a:xfrm>
+        </p:spPr>
+        <p:txBody>
+          <a:bodyPr vert="horz" lIns="91440" tIns="45720" rIns="91440" bIns="45720" rtlCol="0" anchor="ctr">
+            <a:normAutofit/>
+          </a:bodyPr>
+          <a:lstStyle/>
+          <a:p>
+            <a:r>
+              <a:rPr lang="en-US" dirty="0"/>
+              <a:t>Introduction</a:t>
+            </a:r>
+          </a:p>
+        </p:txBody>
+      </p:sp>
+      <p:sp>
+        <p:nvSpPr>
+          <p:cNvPr id="65" name="Content Placeholder 2">
+            <a:extLst>
+              <a:ext uri="{FF2B5EF4-FFF2-40B4-BE49-F238E27FC236}">
+                <a16:creationId xmlns:a16="http://schemas.microsoft.com/office/drawing/2014/main" id="{4FF25FAB-F460-075F-9293-31389034F182}"/>
+              </a:ext>
+            </a:extLst>
+          </p:cNvPr>
+          <p:cNvSpPr>
+            <a:spLocks noGrp="1"/>
+          </p:cNvSpPr>
+          <p:nvPr>
+            <p:ph sz="half" idx="1"/>
+          </p:nvPr>
+        </p:nvSpPr>
+        <p:spPr>
+          <a:xfrm>
+            <a:off x="581193" y="2438399"/>
+            <a:ext cx="3415074" cy="3564467"/>
+          </a:xfrm>
+        </p:spPr>
+        <p:txBody>
+          <a:bodyPr vert="horz" lIns="91440" tIns="45720" rIns="91440" bIns="45720" rtlCol="0" anchor="ctr">
+            <a:normAutofit/>
+          </a:bodyPr>
+          <a:lstStyle/>
+          <a:p>
+            <a:pPr>
+              <a:lnSpc>
+                <a:spcPct val="90000"/>
+              </a:lnSpc>
+            </a:pPr>
+            <a:r>
+              <a:rPr lang="en-US" sz="1200" dirty="0">
+                <a:solidFill>
+                  <a:schemeClr val="bg1"/>
+                </a:solidFill>
+                <a:latin typeface="Aptos" panose="020B0004020202020204" pitchFamily="34" charset="0"/>
+              </a:rPr>
+              <a:t>Air pollution is a major global health issue, especially in low and middle income countries, accounting for </a:t>
+            </a:r>
+            <a:r>
+              <a:rPr lang="en-US" sz="1200" b="1" dirty="0">
+                <a:solidFill>
+                  <a:schemeClr val="bg1"/>
+                </a:solidFill>
+                <a:latin typeface="Aptos" panose="020B0004020202020204" pitchFamily="34" charset="0"/>
+              </a:rPr>
+              <a:t>6.7 million deaths </a:t>
+            </a:r>
+            <a:r>
+              <a:rPr lang="en-US" sz="1200" dirty="0">
+                <a:solidFill>
+                  <a:schemeClr val="bg1"/>
+                </a:solidFill>
+                <a:latin typeface="Aptos" panose="020B0004020202020204" pitchFamily="34" charset="0"/>
+              </a:rPr>
+              <a:t>worldwide</a:t>
+            </a:r>
+            <a:r>
+              <a:rPr lang="en-US" sz="1200" b="1" dirty="0">
+                <a:solidFill>
+                  <a:schemeClr val="bg1"/>
+                </a:solidFill>
+                <a:latin typeface="Aptos" panose="020B0004020202020204" pitchFamily="34" charset="0"/>
+              </a:rPr>
+              <a:t> </a:t>
+            </a:r>
+            <a:r>
+              <a:rPr lang="en-US" sz="1200" dirty="0">
+                <a:solidFill>
+                  <a:schemeClr val="bg1"/>
+                </a:solidFill>
+                <a:latin typeface="Aptos" panose="020B0004020202020204" pitchFamily="34" charset="0"/>
+              </a:rPr>
+              <a:t>in 2019 alone</a:t>
+            </a:r>
+            <a:r>
+              <a:rPr lang="en-US" sz="1200" baseline="-25000" dirty="0">
+                <a:solidFill>
+                  <a:schemeClr val="bg1"/>
+                </a:solidFill>
+                <a:latin typeface="Aptos" panose="020B0004020202020204" pitchFamily="34" charset="0"/>
+              </a:rPr>
+              <a:t>1.</a:t>
+            </a:r>
+            <a:endParaRPr lang="en-US" sz="1200" dirty="0">
+              <a:solidFill>
+                <a:schemeClr val="bg1"/>
+              </a:solidFill>
+              <a:latin typeface="Aptos" panose="020B0004020202020204" pitchFamily="34" charset="0"/>
+            </a:endParaRPr>
+          </a:p>
+          <a:p>
+            <a:pPr>
+              <a:lnSpc>
+                <a:spcPct val="90000"/>
+              </a:lnSpc>
+            </a:pPr>
+            <a:r>
+              <a:rPr lang="en-US" sz="1200" dirty="0">
+                <a:solidFill>
+                  <a:schemeClr val="bg1"/>
+                </a:solidFill>
+                <a:latin typeface="Aptos" panose="020B0004020202020204" pitchFamily="34" charset="0"/>
+              </a:rPr>
+              <a:t>Sources of air pollution both in and outside of households are varied and tricky to tackle, often requiring data-informed policies implemented at all levels of government.</a:t>
+            </a:r>
+          </a:p>
+          <a:p>
+            <a:pPr>
+              <a:lnSpc>
+                <a:spcPct val="90000"/>
+              </a:lnSpc>
+            </a:pPr>
+            <a:r>
+              <a:rPr lang="en-US" sz="1200" dirty="0">
+                <a:solidFill>
+                  <a:schemeClr val="bg1"/>
+                </a:solidFill>
+                <a:latin typeface="Aptos" panose="020B0004020202020204" pitchFamily="34" charset="0"/>
+              </a:rPr>
+              <a:t>This project aims to analyze the air pollution exposure and associated burden of disease in Ethiopia to potentially offer such data-driven policy and investment directions for the developing nation.</a:t>
+            </a:r>
+          </a:p>
+          <a:p>
+            <a:pPr>
+              <a:lnSpc>
+                <a:spcPct val="90000"/>
+              </a:lnSpc>
+            </a:pPr>
+            <a:r>
+              <a:rPr lang="en-US" sz="1200" dirty="0">
+                <a:solidFill>
+                  <a:schemeClr val="bg1"/>
+                </a:solidFill>
+                <a:latin typeface="Aptos" panose="020B0004020202020204" pitchFamily="34" charset="0"/>
+              </a:rPr>
+              <a:t>The data used was obtained from various publicly available datasets, mostly those published by international bodies and organizations.</a:t>
+            </a:r>
+          </a:p>
+        </p:txBody>
+      </p:sp>
+      <p:sp>
+        <p:nvSpPr>
+          <p:cNvPr id="4" name="TextBox 3">
+            <a:extLst>
+              <a:ext uri="{FF2B5EF4-FFF2-40B4-BE49-F238E27FC236}">
+                <a16:creationId xmlns:a16="http://schemas.microsoft.com/office/drawing/2014/main" id="{1509F85C-1EB1-6FD6-1673-50C36070B847}"/>
+              </a:ext>
+            </a:extLst>
+          </p:cNvPr>
+          <p:cNvSpPr txBox="1"/>
+          <p:nvPr/>
+        </p:nvSpPr>
+        <p:spPr>
+          <a:xfrm>
+            <a:off x="316685" y="6664783"/>
+            <a:ext cx="11500466" cy="215444"/>
+          </a:xfrm>
+          <a:prstGeom prst="rect">
+            <a:avLst/>
+          </a:prstGeom>
+          <a:noFill/>
+        </p:spPr>
+        <p:txBody>
+          <a:bodyPr wrap="square" rtlCol="0">
+            <a:spAutoFit/>
+          </a:bodyPr>
+          <a:lstStyle/>
+          <a:p>
+            <a:pPr>
+              <a:spcAft>
+                <a:spcPts val="600"/>
+              </a:spcAft>
+            </a:pPr>
+            <a:r>
+              <a:rPr lang="en-US" sz="800" dirty="0">
+                <a:latin typeface="Aptos" panose="020B0004020202020204" pitchFamily="34" charset="0"/>
+              </a:rPr>
+              <a:t>Source:  1) World Health Organization.</a:t>
+            </a:r>
+            <a:endParaRPr lang="en-US" sz="800" dirty="0">
+              <a:latin typeface="Helvetica" pitchFamily="2" charset="0"/>
+            </a:endParaRPr>
+          </a:p>
+        </p:txBody>
+      </p:sp>
+    </p:spTree>
+    <p:extLst>
+      <p:ext uri="{BB962C8B-B14F-4D97-AF65-F5344CB8AC3E}">
+        <p14:creationId xmlns:p14="http://schemas.microsoft.com/office/powerpoint/2010/main" val="925903466"/>
+      </p:ext>
+    </p:extLst>
+  </p:cSld>
+  <p:clrMapOvr>
+    <a:masterClrMapping/>
+  </p:clrMapOvr>
+</p:sld>
+</file>
+
+<file path=ppt/slides/slide3.xml><?xml version="1.0" encoding="utf-8"?>
+<p:sld xmlns:a="http://schemas.openxmlformats.org/drawingml/2006/main" xmlns:r="http://schemas.openxmlformats.org/officeDocument/2006/relationships" xmlns:p="http://schemas.openxmlformats.org/presentationml/2006/main">
+  <p:cSld>
+    <p:spTree>
+      <p:nvGrpSpPr>
+        <p:cNvPr id="1" name=""/>
+        <p:cNvGrpSpPr/>
+        <p:nvPr/>
+      </p:nvGrpSpPr>
+      <p:grpSpPr>
+        <a:xfrm>
+          <a:off x="0" y="0"/>
+          <a:ext cx="0" cy="0"/>
+          <a:chOff x="0" y="0"/>
+          <a:chExt cx="0" cy="0"/>
+        </a:xfrm>
+      </p:grpSpPr>
+      <p:sp>
+        <p:nvSpPr>
+          <p:cNvPr id="17" name="Title 16">
+            <a:extLst>
+              <a:ext uri="{FF2B5EF4-FFF2-40B4-BE49-F238E27FC236}">
+                <a16:creationId xmlns:a16="http://schemas.microsoft.com/office/drawing/2014/main" id="{E462C368-3E60-DAFE-80AD-6EDC2335711B}"/>
+              </a:ext>
+            </a:extLst>
+          </p:cNvPr>
+          <p:cNvSpPr>
+            <a:spLocks noGrp="1"/>
+          </p:cNvSpPr>
+          <p:nvPr>
+            <p:ph type="title"/>
+          </p:nvPr>
+        </p:nvSpPr>
+        <p:spPr/>
+        <p:txBody>
+          <a:bodyPr/>
+          <a:lstStyle/>
+          <a:p>
+            <a:r>
+              <a:rPr lang="en-US" dirty="0"/>
+              <a:t>Ethiopia’s demographic</a:t>
+            </a:r>
+          </a:p>
+        </p:txBody>
+      </p:sp>
+      <p:pic>
+        <p:nvPicPr>
+          <p:cNvPr id="20" name="Content Placeholder 19" descr="A graph of a graph of a person&#10;&#10;Description automatically generated with medium confidence">
+            <a:extLst>
+              <a:ext uri="{FF2B5EF4-FFF2-40B4-BE49-F238E27FC236}">
+                <a16:creationId xmlns:a16="http://schemas.microsoft.com/office/drawing/2014/main" id="{3E860A97-8389-77FA-77BD-040EFFB56561}"/>
+              </a:ext>
+            </a:extLst>
+          </p:cNvPr>
+          <p:cNvPicPr>
+            <a:picLocks noGrp="1" noChangeAspect="1"/>
+          </p:cNvPicPr>
+          <p:nvPr>
+            <p:ph idx="1"/>
+          </p:nvPr>
+        </p:nvPicPr>
+        <p:blipFill>
+          <a:blip r:embed="rId2"/>
+          <a:stretch>
+            <a:fillRect/>
+          </a:stretch>
+        </p:blipFill>
+        <p:spPr>
+          <a:xfrm>
+            <a:off x="373083" y="3429000"/>
+            <a:ext cx="7195390" cy="3429000"/>
+          </a:xfrm>
+        </p:spPr>
+      </p:pic>
+      <p:sp>
+        <p:nvSpPr>
+          <p:cNvPr id="5" name="Content Placeholder 2">
+            <a:extLst>
+              <a:ext uri="{FF2B5EF4-FFF2-40B4-BE49-F238E27FC236}">
+                <a16:creationId xmlns:a16="http://schemas.microsoft.com/office/drawing/2014/main" id="{96FC80DE-0051-403A-B05D-D31A0AD2D1CB}"/>
+              </a:ext>
+            </a:extLst>
+          </p:cNvPr>
+          <p:cNvSpPr txBox="1">
+            <a:spLocks/>
+          </p:cNvSpPr>
+          <p:nvPr/>
+        </p:nvSpPr>
+        <p:spPr>
+          <a:xfrm>
+            <a:off x="7659728" y="1989367"/>
+            <a:ext cx="4134706" cy="4562702"/>
+          </a:xfrm>
+          <a:prstGeom prst="rect">
+            <a:avLst/>
+          </a:prstGeom>
+        </p:spPr>
+        <p:txBody>
+          <a:bodyPr vert="horz" lIns="91440" tIns="45720" rIns="91440" bIns="45720" rtlCol="0" anchor="t">
+            <a:normAutofit/>
+          </a:bodyPr>
+          <a:lstStyle>
+            <a:lvl1pPr marL="306000" indent="-306000" algn="l" defTabSz="457200" rtl="0" eaLnBrk="1" latinLnBrk="0" hangingPunct="1">
+              <a:spcBef>
+                <a:spcPct val="20000"/>
+              </a:spcBef>
+              <a:spcAft>
+                <a:spcPts val="600"/>
+              </a:spcAft>
+              <a:buClr>
+                <a:schemeClr val="accent2"/>
+              </a:buClr>
+              <a:buSzPct val="92000"/>
+              <a:buFont typeface="Wingdings 2" panose="05020102010507070707" pitchFamily="18" charset="2"/>
+              <a:buChar char=""/>
+              <a:defRPr sz="1800" kern="1200">
+                <a:solidFill>
+                  <a:schemeClr val="tx2"/>
+                </a:solidFill>
+                <a:latin typeface="+mn-lt"/>
+                <a:ea typeface="+mn-ea"/>
+                <a:cs typeface="+mn-cs"/>
+              </a:defRPr>
+            </a:lvl1pPr>
+            <a:lvl2pPr marL="630000" indent="-306000" algn="l" defTabSz="457200" rtl="0" eaLnBrk="1" latinLnBrk="0" hangingPunct="1">
+              <a:spcBef>
+                <a:spcPct val="20000"/>
+              </a:spcBef>
+              <a:spcAft>
+                <a:spcPts val="600"/>
+              </a:spcAft>
+              <a:buClr>
+                <a:schemeClr val="accent2"/>
+              </a:buClr>
+              <a:buSzPct val="92000"/>
+              <a:buFont typeface="Wingdings 2" panose="05020102010507070707" pitchFamily="18" charset="2"/>
+              <a:buChar char=""/>
+              <a:defRPr sz="1600" kern="1200">
+                <a:solidFill>
+                  <a:schemeClr val="tx2"/>
+                </a:solidFill>
+                <a:latin typeface="+mn-lt"/>
+                <a:ea typeface="+mn-ea"/>
+                <a:cs typeface="+mn-cs"/>
+              </a:defRPr>
+            </a:lvl2pPr>
+            <a:lvl3pPr marL="900000" indent="-270000" algn="l" defTabSz="457200" rtl="0" eaLnBrk="1" latinLnBrk="0" hangingPunct="1">
+              <a:spcBef>
+                <a:spcPct val="20000"/>
+              </a:spcBef>
+              <a:spcAft>
+                <a:spcPts val="600"/>
+              </a:spcAft>
+              <a:buClr>
+                <a:schemeClr val="accent2"/>
+              </a:buClr>
+              <a:buSzPct val="92000"/>
+              <a:buFont typeface="Wingdings 2" panose="05020102010507070707" pitchFamily="18" charset="2"/>
+              <a:buChar char=""/>
+              <a:defRPr sz="1400" kern="1200">
+                <a:solidFill>
+                  <a:schemeClr val="tx2"/>
+                </a:solidFill>
+                <a:latin typeface="+mn-lt"/>
+                <a:ea typeface="+mn-ea"/>
+                <a:cs typeface="+mn-cs"/>
+              </a:defRPr>
+            </a:lvl3pPr>
+            <a:lvl4pPr marL="1242000" indent="-234000" algn="l" defTabSz="457200" rtl="0" eaLnBrk="1" latinLnBrk="0" hangingPunct="1">
+              <a:spcBef>
+                <a:spcPct val="20000"/>
+              </a:spcBef>
+              <a:spcAft>
+                <a:spcPts val="600"/>
+              </a:spcAft>
+              <a:buClr>
+                <a:schemeClr val="accent2"/>
+              </a:buClr>
+              <a:buSzPct val="92000"/>
+              <a:buFont typeface="Wingdings 2" panose="05020102010507070707" pitchFamily="18" charset="2"/>
+              <a:buChar char=""/>
+              <a:defRPr sz="1200" kern="1200">
+                <a:solidFill>
+                  <a:schemeClr val="tx2"/>
+                </a:solidFill>
+                <a:latin typeface="+mn-lt"/>
+                <a:ea typeface="+mn-ea"/>
+                <a:cs typeface="+mn-cs"/>
+              </a:defRPr>
+            </a:lvl4pPr>
+            <a:lvl5pPr marL="1602000" indent="-234000" algn="l" defTabSz="457200" rtl="0" eaLnBrk="1" latinLnBrk="0" hangingPunct="1">
+              <a:spcBef>
+                <a:spcPct val="20000"/>
+              </a:spcBef>
+              <a:spcAft>
+                <a:spcPts val="600"/>
+              </a:spcAft>
+              <a:buClr>
+                <a:schemeClr val="accent2"/>
+              </a:buClr>
+              <a:buSzPct val="92000"/>
+              <a:buFont typeface="Wingdings 2" panose="05020102010507070707" pitchFamily="18" charset="2"/>
+              <a:buChar char=""/>
+              <a:defRPr sz="1200" kern="1200">
+                <a:solidFill>
+                  <a:schemeClr val="tx2"/>
+                </a:solidFill>
+                <a:latin typeface="+mn-lt"/>
+                <a:ea typeface="+mn-ea"/>
+                <a:cs typeface="+mn-cs"/>
+              </a:defRPr>
+            </a:lvl5pPr>
+            <a:lvl6pPr marL="1900000" indent="-228600" algn="l" defTabSz="457200" rtl="0" eaLnBrk="1" latinLnBrk="0" hangingPunct="1">
+              <a:spcBef>
+                <a:spcPct val="20000"/>
+              </a:spcBef>
+              <a:spcAft>
+                <a:spcPts val="600"/>
+              </a:spcAft>
+              <a:buClr>
+                <a:schemeClr val="accent2"/>
+              </a:buClr>
+              <a:buSzPct val="92000"/>
+              <a:buFont typeface="Wingdings 2" panose="05020102010507070707" pitchFamily="18" charset="2"/>
+              <a:buChar char=""/>
+              <a:defRPr sz="1200" kern="1200">
+                <a:solidFill>
+                  <a:schemeClr val="tx2"/>
+                </a:solidFill>
+                <a:latin typeface="+mn-lt"/>
+                <a:ea typeface="+mn-ea"/>
+                <a:cs typeface="+mn-cs"/>
+              </a:defRPr>
+            </a:lvl6pPr>
+            <a:lvl7pPr marL="2200000" indent="-228600" algn="l" defTabSz="457200" rtl="0" eaLnBrk="1" latinLnBrk="0" hangingPunct="1">
+              <a:spcBef>
+                <a:spcPct val="20000"/>
+              </a:spcBef>
+              <a:spcAft>
+                <a:spcPts val="600"/>
+              </a:spcAft>
+              <a:buClr>
+                <a:schemeClr val="accent2"/>
+              </a:buClr>
+              <a:buSzPct val="92000"/>
+              <a:buFont typeface="Wingdings 2" panose="05020102010507070707" pitchFamily="18" charset="2"/>
+              <a:buChar char=""/>
+              <a:defRPr sz="1200" kern="1200">
+                <a:solidFill>
+                  <a:schemeClr val="tx2"/>
+                </a:solidFill>
+                <a:latin typeface="+mn-lt"/>
+                <a:ea typeface="+mn-ea"/>
+                <a:cs typeface="+mn-cs"/>
+              </a:defRPr>
+            </a:lvl7pPr>
+            <a:lvl8pPr marL="2500000" indent="-228600" algn="l" defTabSz="457200" rtl="0" eaLnBrk="1" latinLnBrk="0" hangingPunct="1">
+              <a:spcBef>
+                <a:spcPct val="20000"/>
+              </a:spcBef>
+              <a:spcAft>
+                <a:spcPts val="600"/>
+              </a:spcAft>
+              <a:buClr>
+                <a:schemeClr val="accent2"/>
+              </a:buClr>
+              <a:buSzPct val="92000"/>
+              <a:buFont typeface="Wingdings 2" panose="05020102010507070707" pitchFamily="18" charset="2"/>
+              <a:buChar char=""/>
+              <a:defRPr sz="1200" kern="1200">
+                <a:solidFill>
+                  <a:schemeClr val="tx2"/>
+                </a:solidFill>
+                <a:latin typeface="+mn-lt"/>
+                <a:ea typeface="+mn-ea"/>
+                <a:cs typeface="+mn-cs"/>
+              </a:defRPr>
+            </a:lvl8pPr>
+            <a:lvl9pPr marL="2800000" indent="-228600" algn="l" defTabSz="457200" rtl="0" eaLnBrk="1" latinLnBrk="0" hangingPunct="1">
+              <a:spcBef>
+                <a:spcPct val="20000"/>
+              </a:spcBef>
+              <a:spcAft>
+                <a:spcPts val="600"/>
+              </a:spcAft>
+              <a:buClr>
+                <a:schemeClr val="accent2"/>
+              </a:buClr>
+              <a:buSzPct val="92000"/>
+              <a:buFont typeface="Wingdings 2" panose="05020102010507070707" pitchFamily="18" charset="2"/>
+              <a:buChar char=""/>
+              <a:defRPr sz="1200" kern="1200">
+                <a:solidFill>
+                  <a:schemeClr val="tx2"/>
+                </a:solidFill>
+                <a:latin typeface="+mn-lt"/>
+                <a:ea typeface="+mn-ea"/>
+                <a:cs typeface="+mn-cs"/>
+              </a:defRPr>
+            </a:lvl9pPr>
+          </a:lstStyle>
+          <a:p>
+            <a:pPr>
+              <a:buClr>
+                <a:srgbClr val="1A3160"/>
+              </a:buClr>
+            </a:pPr>
+            <a:r>
+              <a:rPr lang="en-US" sz="1400" dirty="0">
+                <a:solidFill>
+                  <a:srgbClr val="1A3160"/>
+                </a:solidFill>
+                <a:latin typeface="Aptos" panose="020B0004020202020204" pitchFamily="34" charset="0"/>
+              </a:rPr>
+              <a:t>Population nearly quadrupled in four decades, reaching </a:t>
+            </a:r>
+            <a:r>
+              <a:rPr lang="en-US" sz="1400" b="1" dirty="0">
+                <a:solidFill>
+                  <a:srgbClr val="1A3160"/>
+                </a:solidFill>
+                <a:latin typeface="Aptos" panose="020B0004020202020204" pitchFamily="34" charset="0"/>
+              </a:rPr>
+              <a:t>126.5 million </a:t>
+            </a:r>
+            <a:r>
+              <a:rPr lang="en-US" sz="1400" dirty="0">
+                <a:solidFill>
+                  <a:srgbClr val="1A3160"/>
+                </a:solidFill>
+                <a:latin typeface="Aptos" panose="020B0004020202020204" pitchFamily="34" charset="0"/>
+              </a:rPr>
+              <a:t>in 2023</a:t>
+            </a:r>
+          </a:p>
+          <a:p>
+            <a:pPr lvl="1">
+              <a:buClr>
+                <a:srgbClr val="1A3160"/>
+              </a:buClr>
+            </a:pPr>
+            <a:r>
+              <a:rPr lang="en-US" sz="1400" dirty="0">
+                <a:solidFill>
+                  <a:srgbClr val="1A3160"/>
+                </a:solidFill>
+                <a:latin typeface="Aptos" panose="020B0004020202020204" pitchFamily="34" charset="0"/>
+              </a:rPr>
+              <a:t>Far outpacing global growth but slowing</a:t>
+            </a:r>
+          </a:p>
+          <a:p>
+            <a:pPr lvl="1">
+              <a:buClr>
+                <a:srgbClr val="1A3160"/>
+              </a:buClr>
+            </a:pPr>
+            <a:r>
+              <a:rPr lang="en-US" sz="1400" dirty="0">
+                <a:solidFill>
+                  <a:srgbClr val="1A3160"/>
+                </a:solidFill>
+                <a:latin typeface="Aptos" panose="020B0004020202020204" pitchFamily="34" charset="0"/>
+              </a:rPr>
+              <a:t>Explosive growth driven by high fertility rate and lowering mortality rate</a:t>
+            </a:r>
+          </a:p>
+          <a:p>
+            <a:pPr>
+              <a:buClr>
+                <a:srgbClr val="1A3160"/>
+              </a:buClr>
+            </a:pPr>
+            <a:r>
+              <a:rPr lang="en-US" sz="1400" dirty="0">
+                <a:solidFill>
+                  <a:srgbClr val="1A3160"/>
+                </a:solidFill>
+                <a:latin typeface="Aptos" panose="020B0004020202020204" pitchFamily="34" charset="0"/>
+              </a:rPr>
+              <a:t>Nation is slowly urbanizing but still in early stages of development</a:t>
+            </a:r>
+          </a:p>
+          <a:p>
+            <a:pPr lvl="1">
+              <a:buSzPct val="40000"/>
+            </a:pPr>
+            <a:r>
+              <a:rPr lang="en-US" sz="3800" b="1" dirty="0">
+                <a:solidFill>
+                  <a:srgbClr val="4490B8"/>
+                </a:solidFill>
+                <a:latin typeface="Aptos" panose="020B0004020202020204" pitchFamily="34" charset="0"/>
+              </a:rPr>
+              <a:t>31 </a:t>
+            </a:r>
+            <a:r>
+              <a:rPr lang="en-US" sz="1800" b="1" dirty="0">
+                <a:solidFill>
+                  <a:srgbClr val="4490B8"/>
+                </a:solidFill>
+                <a:latin typeface="Aptos" panose="020B0004020202020204" pitchFamily="34" charset="0"/>
+              </a:rPr>
+              <a:t>million people living in urban areas</a:t>
+            </a:r>
+          </a:p>
+          <a:p>
+            <a:pPr lvl="1">
+              <a:buSzPct val="40000"/>
+            </a:pPr>
+            <a:r>
+              <a:rPr lang="en-US" sz="4000" b="1" dirty="0">
+                <a:solidFill>
+                  <a:srgbClr val="4490B8"/>
+                </a:solidFill>
+                <a:latin typeface="Aptos" panose="020B0004020202020204" pitchFamily="34" charset="0"/>
+              </a:rPr>
+              <a:t>20 </a:t>
+            </a:r>
+            <a:r>
+              <a:rPr lang="en-US" sz="2000" b="1" dirty="0">
+                <a:solidFill>
+                  <a:srgbClr val="4490B8"/>
+                </a:solidFill>
+                <a:latin typeface="Aptos" panose="020B0004020202020204" pitchFamily="34" charset="0"/>
+              </a:rPr>
+              <a:t>million of whom are in slum-like conditions</a:t>
+            </a:r>
+          </a:p>
+          <a:p>
+            <a:pPr marL="0" indent="0">
+              <a:buNone/>
+            </a:pPr>
+            <a:endParaRPr lang="en-US" sz="2000" b="1" dirty="0">
+              <a:solidFill>
+                <a:srgbClr val="4490B8"/>
+              </a:solidFill>
+              <a:latin typeface="Helvetica" pitchFamily="2" charset="0"/>
+            </a:endParaRPr>
+          </a:p>
+          <a:p>
+            <a:endParaRPr lang="en-US" sz="1200" dirty="0">
+              <a:latin typeface="Helvetica" pitchFamily="2" charset="0"/>
+            </a:endParaRPr>
+          </a:p>
+        </p:txBody>
+      </p:sp>
+      <p:pic>
+        <p:nvPicPr>
+          <p:cNvPr id="10" name="Picture 9">
+            <a:extLst>
+              <a:ext uri="{FF2B5EF4-FFF2-40B4-BE49-F238E27FC236}">
+                <a16:creationId xmlns:a16="http://schemas.microsoft.com/office/drawing/2014/main" id="{B3CA77A5-B1FD-C894-C1B6-BEA172716B41}"/>
+              </a:ext>
+            </a:extLst>
+          </p:cNvPr>
+          <p:cNvPicPr>
+            <a:picLocks noChangeAspect="1"/>
+          </p:cNvPicPr>
+          <p:nvPr/>
+        </p:nvPicPr>
+        <p:blipFill>
+          <a:blip r:embed="rId3"/>
+          <a:stretch>
+            <a:fillRect/>
+          </a:stretch>
+        </p:blipFill>
+        <p:spPr>
+          <a:xfrm>
+            <a:off x="441253" y="1982618"/>
+            <a:ext cx="6984489" cy="1377344"/>
+          </a:xfrm>
+          <a:prstGeom prst="rect">
+            <a:avLst/>
+          </a:prstGeom>
+        </p:spPr>
+      </p:pic>
+    </p:spTree>
+    <p:extLst>
+      <p:ext uri="{BB962C8B-B14F-4D97-AF65-F5344CB8AC3E}">
+        <p14:creationId xmlns:p14="http://schemas.microsoft.com/office/powerpoint/2010/main" val="4190855195"/>
+      </p:ext>
+    </p:extLst>
+  </p:cSld>
+  <p:clrMapOvr>
+    <a:masterClrMapping/>
+  </p:clrMapOvr>
+</p:sld>
+</file>
+
+<file path=ppt/slides/slide4.xml><?xml version="1.0" encoding="utf-8"?>
+<p:sld xmlns:a="http://schemas.openxmlformats.org/drawingml/2006/main" xmlns:r="http://schemas.openxmlformats.org/officeDocument/2006/relationships" xmlns:p="http://schemas.openxmlformats.org/presentationml/2006/main">
+  <p:cSld>
+    <p:spTree>
+      <p:nvGrpSpPr>
+        <p:cNvPr id="1" name=""/>
+        <p:cNvGrpSpPr/>
+        <p:nvPr/>
+      </p:nvGrpSpPr>
+      <p:grpSpPr>
+        <a:xfrm>
+          <a:off x="0" y="0"/>
+          <a:ext cx="0" cy="0"/>
+          <a:chOff x="0" y="0"/>
+          <a:chExt cx="0" cy="0"/>
+        </a:xfrm>
+      </p:grpSpPr>
+      <p:sp>
+        <p:nvSpPr>
+          <p:cNvPr id="2" name="Title 1">
+            <a:extLst>
+              <a:ext uri="{FF2B5EF4-FFF2-40B4-BE49-F238E27FC236}">
+                <a16:creationId xmlns:a16="http://schemas.microsoft.com/office/drawing/2014/main" id="{9FE6F2C8-0F8C-D413-6F9C-EBF847413F9E}"/>
+              </a:ext>
+            </a:extLst>
+          </p:cNvPr>
+          <p:cNvSpPr>
+            <a:spLocks noGrp="1"/>
+          </p:cNvSpPr>
+          <p:nvPr>
+            <p:ph type="title"/>
+          </p:nvPr>
+        </p:nvSpPr>
+        <p:spPr/>
+        <p:txBody>
+          <a:bodyPr/>
+          <a:lstStyle/>
+          <a:p>
+            <a:r>
+              <a:rPr lang="en-US" dirty="0"/>
+              <a:t>Population settlements</a:t>
+            </a:r>
+          </a:p>
+        </p:txBody>
+      </p:sp>
+      <p:pic>
+        <p:nvPicPr>
+          <p:cNvPr id="5" name="Content Placeholder 4" descr="A map of the region&#10;&#10;Description automatically generated with medium confidence">
+            <a:extLst>
+              <a:ext uri="{FF2B5EF4-FFF2-40B4-BE49-F238E27FC236}">
+                <a16:creationId xmlns:a16="http://schemas.microsoft.com/office/drawing/2014/main" id="{BC8CBE07-AC81-C466-2A68-FB08D6F842A9}"/>
+              </a:ext>
+            </a:extLst>
+          </p:cNvPr>
+          <p:cNvPicPr>
+            <a:picLocks noGrp="1" noChangeAspect="1"/>
+          </p:cNvPicPr>
+          <p:nvPr>
+            <p:ph idx="1"/>
+          </p:nvPr>
+        </p:nvPicPr>
+        <p:blipFill>
+          <a:blip r:embed="rId2"/>
+          <a:stretch>
+            <a:fillRect/>
+          </a:stretch>
+        </p:blipFill>
+        <p:spPr>
+          <a:xfrm>
+            <a:off x="285771" y="1914160"/>
+            <a:ext cx="6689310" cy="3358250"/>
+          </a:xfrm>
+        </p:spPr>
+      </p:pic>
+      <p:pic>
+        <p:nvPicPr>
+          <p:cNvPr id="7" name="Picture 6" descr="A map of a city&#10;&#10;Description automatically generated">
+            <a:extLst>
+              <a:ext uri="{FF2B5EF4-FFF2-40B4-BE49-F238E27FC236}">
+                <a16:creationId xmlns:a16="http://schemas.microsoft.com/office/drawing/2014/main" id="{686083AA-4FB4-5F21-ABCF-1747662F281E}"/>
+              </a:ext>
+            </a:extLst>
+          </p:cNvPr>
+          <p:cNvPicPr>
+            <a:picLocks noChangeAspect="1"/>
+          </p:cNvPicPr>
+          <p:nvPr/>
+        </p:nvPicPr>
+        <p:blipFill>
+          <a:blip r:embed="rId3"/>
+          <a:stretch>
+            <a:fillRect/>
+          </a:stretch>
+        </p:blipFill>
+        <p:spPr>
+          <a:xfrm>
+            <a:off x="7676234" y="1914160"/>
+            <a:ext cx="3958813" cy="3360952"/>
+          </a:xfrm>
+          <a:prstGeom prst="rect">
+            <a:avLst/>
+          </a:prstGeom>
+        </p:spPr>
+      </p:pic>
+      <p:sp>
+        <p:nvSpPr>
+          <p:cNvPr id="9" name="Content Placeholder 2">
+            <a:extLst>
+              <a:ext uri="{FF2B5EF4-FFF2-40B4-BE49-F238E27FC236}">
+                <a16:creationId xmlns:a16="http://schemas.microsoft.com/office/drawing/2014/main" id="{4552B9EB-F6CE-14B9-8887-AFA6EC39A09A}"/>
+              </a:ext>
+            </a:extLst>
+          </p:cNvPr>
+          <p:cNvSpPr txBox="1">
+            <a:spLocks/>
+          </p:cNvSpPr>
+          <p:nvPr/>
+        </p:nvSpPr>
+        <p:spPr>
+          <a:xfrm>
+            <a:off x="327716" y="5406245"/>
+            <a:ext cx="6689310" cy="1252333"/>
+          </a:xfrm>
+          <a:prstGeom prst="rect">
+            <a:avLst/>
+          </a:prstGeom>
+        </p:spPr>
+        <p:txBody>
+          <a:bodyPr vert="horz" lIns="91440" tIns="45720" rIns="91440" bIns="45720" rtlCol="0" anchor="t">
+            <a:noAutofit/>
+          </a:bodyPr>
+          <a:lstStyle>
+            <a:lvl1pPr marL="306000" indent="-306000" algn="l" defTabSz="457200" rtl="0" eaLnBrk="1" latinLnBrk="0" hangingPunct="1">
+              <a:spcBef>
+                <a:spcPct val="20000"/>
+              </a:spcBef>
+              <a:spcAft>
+                <a:spcPts val="600"/>
+              </a:spcAft>
+              <a:buClr>
+                <a:schemeClr val="accent2"/>
+              </a:buClr>
+              <a:buSzPct val="92000"/>
+              <a:buFont typeface="Wingdings 2" panose="05020102010507070707" pitchFamily="18" charset="2"/>
+              <a:buChar char=""/>
+              <a:defRPr sz="1800" kern="1200">
+                <a:solidFill>
+                  <a:schemeClr val="tx2"/>
+                </a:solidFill>
+                <a:latin typeface="+mn-lt"/>
+                <a:ea typeface="+mn-ea"/>
+                <a:cs typeface="+mn-cs"/>
+              </a:defRPr>
+            </a:lvl1pPr>
+            <a:lvl2pPr marL="630000" indent="-306000" algn="l" defTabSz="457200" rtl="0" eaLnBrk="1" latinLnBrk="0" hangingPunct="1">
+              <a:spcBef>
+                <a:spcPct val="20000"/>
+              </a:spcBef>
+              <a:spcAft>
+                <a:spcPts val="600"/>
+              </a:spcAft>
+              <a:buClr>
+                <a:schemeClr val="accent2"/>
+              </a:buClr>
+              <a:buSzPct val="92000"/>
+              <a:buFont typeface="Wingdings 2" panose="05020102010507070707" pitchFamily="18" charset="2"/>
+              <a:buChar char=""/>
+              <a:defRPr sz="1600" kern="1200">
+                <a:solidFill>
+                  <a:schemeClr val="tx2"/>
+                </a:solidFill>
+                <a:latin typeface="+mn-lt"/>
+                <a:ea typeface="+mn-ea"/>
+                <a:cs typeface="+mn-cs"/>
+              </a:defRPr>
+            </a:lvl2pPr>
+            <a:lvl3pPr marL="900000" indent="-270000" algn="l" defTabSz="457200" rtl="0" eaLnBrk="1" latinLnBrk="0" hangingPunct="1">
+              <a:spcBef>
+                <a:spcPct val="20000"/>
+              </a:spcBef>
+              <a:spcAft>
+                <a:spcPts val="600"/>
+              </a:spcAft>
+              <a:buClr>
+                <a:schemeClr val="accent2"/>
+              </a:buClr>
+              <a:buSzPct val="92000"/>
+              <a:buFont typeface="Wingdings 2" panose="05020102010507070707" pitchFamily="18" charset="2"/>
+              <a:buChar char=""/>
+              <a:defRPr sz="1400" kern="1200">
+                <a:solidFill>
+                  <a:schemeClr val="tx2"/>
+                </a:solidFill>
+                <a:latin typeface="+mn-lt"/>
+                <a:ea typeface="+mn-ea"/>
+                <a:cs typeface="+mn-cs"/>
+              </a:defRPr>
+            </a:lvl3pPr>
+            <a:lvl4pPr marL="1242000" indent="-234000" algn="l" defTabSz="457200" rtl="0" eaLnBrk="1" latinLnBrk="0" hangingPunct="1">
+              <a:spcBef>
+                <a:spcPct val="20000"/>
+              </a:spcBef>
+              <a:spcAft>
+                <a:spcPts val="600"/>
+              </a:spcAft>
+              <a:buClr>
+                <a:schemeClr val="accent2"/>
+              </a:buClr>
+              <a:buSzPct val="92000"/>
+              <a:buFont typeface="Wingdings 2" panose="05020102010507070707" pitchFamily="18" charset="2"/>
+              <a:buChar char=""/>
+              <a:defRPr sz="1200" kern="1200">
+                <a:solidFill>
+                  <a:schemeClr val="tx2"/>
+                </a:solidFill>
+                <a:latin typeface="+mn-lt"/>
+                <a:ea typeface="+mn-ea"/>
+                <a:cs typeface="+mn-cs"/>
+              </a:defRPr>
+            </a:lvl4pPr>
+            <a:lvl5pPr marL="1602000" indent="-234000" algn="l" defTabSz="457200" rtl="0" eaLnBrk="1" latinLnBrk="0" hangingPunct="1">
+              <a:spcBef>
+                <a:spcPct val="20000"/>
+              </a:spcBef>
+              <a:spcAft>
+                <a:spcPts val="600"/>
+              </a:spcAft>
+              <a:buClr>
+                <a:schemeClr val="accent2"/>
+              </a:buClr>
+              <a:buSzPct val="92000"/>
+              <a:buFont typeface="Wingdings 2" panose="05020102010507070707" pitchFamily="18" charset="2"/>
+              <a:buChar char=""/>
+              <a:defRPr sz="1200" kern="1200">
+                <a:solidFill>
+                  <a:schemeClr val="tx2"/>
+                </a:solidFill>
+                <a:latin typeface="+mn-lt"/>
+                <a:ea typeface="+mn-ea"/>
+                <a:cs typeface="+mn-cs"/>
+              </a:defRPr>
+            </a:lvl5pPr>
+            <a:lvl6pPr marL="1900000" indent="-228600" algn="l" defTabSz="457200" rtl="0" eaLnBrk="1" latinLnBrk="0" hangingPunct="1">
+              <a:spcBef>
+                <a:spcPct val="20000"/>
+              </a:spcBef>
+              <a:spcAft>
+                <a:spcPts val="600"/>
+              </a:spcAft>
+              <a:buClr>
+                <a:schemeClr val="accent2"/>
+              </a:buClr>
+              <a:buSzPct val="92000"/>
+              <a:buFont typeface="Wingdings 2" panose="05020102010507070707" pitchFamily="18" charset="2"/>
+              <a:buChar char=""/>
+              <a:defRPr sz="1200" kern="1200">
+                <a:solidFill>
+                  <a:schemeClr val="tx2"/>
+                </a:solidFill>
+                <a:latin typeface="+mn-lt"/>
+                <a:ea typeface="+mn-ea"/>
+                <a:cs typeface="+mn-cs"/>
+              </a:defRPr>
+            </a:lvl6pPr>
+            <a:lvl7pPr marL="2200000" indent="-228600" algn="l" defTabSz="457200" rtl="0" eaLnBrk="1" latinLnBrk="0" hangingPunct="1">
+              <a:spcBef>
+                <a:spcPct val="20000"/>
+              </a:spcBef>
+              <a:spcAft>
+                <a:spcPts val="600"/>
+              </a:spcAft>
+              <a:buClr>
+                <a:schemeClr val="accent2"/>
+              </a:buClr>
+              <a:buSzPct val="92000"/>
+              <a:buFont typeface="Wingdings 2" panose="05020102010507070707" pitchFamily="18" charset="2"/>
+              <a:buChar char=""/>
+              <a:defRPr sz="1200" kern="1200">
+                <a:solidFill>
+                  <a:schemeClr val="tx2"/>
+                </a:solidFill>
+                <a:latin typeface="+mn-lt"/>
+                <a:ea typeface="+mn-ea"/>
+                <a:cs typeface="+mn-cs"/>
+              </a:defRPr>
+            </a:lvl7pPr>
+            <a:lvl8pPr marL="2500000" indent="-228600" algn="l" defTabSz="457200" rtl="0" eaLnBrk="1" latinLnBrk="0" hangingPunct="1">
+              <a:spcBef>
+                <a:spcPct val="20000"/>
+              </a:spcBef>
+              <a:spcAft>
+                <a:spcPts val="600"/>
+              </a:spcAft>
+              <a:buClr>
+                <a:schemeClr val="accent2"/>
+              </a:buClr>
+              <a:buSzPct val="92000"/>
+              <a:buFont typeface="Wingdings 2" panose="05020102010507070707" pitchFamily="18" charset="2"/>
+              <a:buChar char=""/>
+              <a:defRPr sz="1200" kern="1200">
+                <a:solidFill>
+                  <a:schemeClr val="tx2"/>
+                </a:solidFill>
+                <a:latin typeface="+mn-lt"/>
+                <a:ea typeface="+mn-ea"/>
+                <a:cs typeface="+mn-cs"/>
+              </a:defRPr>
+            </a:lvl8pPr>
+            <a:lvl9pPr marL="2800000" indent="-228600" algn="l" defTabSz="457200" rtl="0" eaLnBrk="1" latinLnBrk="0" hangingPunct="1">
+              <a:spcBef>
+                <a:spcPct val="20000"/>
+              </a:spcBef>
+              <a:spcAft>
+                <a:spcPts val="600"/>
+              </a:spcAft>
+              <a:buClr>
+                <a:schemeClr val="accent2"/>
+              </a:buClr>
+              <a:buSzPct val="92000"/>
+              <a:buFont typeface="Wingdings 2" panose="05020102010507070707" pitchFamily="18" charset="2"/>
+              <a:buChar char=""/>
+              <a:defRPr sz="1200" kern="1200">
+                <a:solidFill>
+                  <a:schemeClr val="tx2"/>
+                </a:solidFill>
+                <a:latin typeface="+mn-lt"/>
+                <a:ea typeface="+mn-ea"/>
+                <a:cs typeface="+mn-cs"/>
+              </a:defRPr>
+            </a:lvl9pPr>
+          </a:lstStyle>
+          <a:p>
+            <a:pPr>
+              <a:buClr>
+                <a:srgbClr val="1A3160"/>
+              </a:buClr>
+            </a:pPr>
+            <a:r>
+              <a:rPr lang="en-US" sz="1200" dirty="0">
+                <a:solidFill>
+                  <a:srgbClr val="1A3160"/>
+                </a:solidFill>
+                <a:latin typeface="Aptos" panose="020B0004020202020204" pitchFamily="34" charset="0"/>
+              </a:rPr>
+              <a:t>Most of the population can be found in the northwest and central areas, where historically the most arable land has been located</a:t>
+            </a:r>
+            <a:r>
+              <a:rPr lang="en-US" sz="1200" baseline="-25000" dirty="0">
+                <a:solidFill>
+                  <a:srgbClr val="1A3160"/>
+                </a:solidFill>
+                <a:latin typeface="Aptos" panose="020B0004020202020204" pitchFamily="34" charset="0"/>
+              </a:rPr>
+              <a:t>1</a:t>
+            </a:r>
+            <a:endParaRPr lang="en-US" sz="1200" dirty="0">
+              <a:solidFill>
+                <a:srgbClr val="1A3160"/>
+              </a:solidFill>
+              <a:latin typeface="Aptos" panose="020B0004020202020204" pitchFamily="34" charset="0"/>
+            </a:endParaRPr>
+          </a:p>
+          <a:p>
+            <a:pPr>
+              <a:buClr>
+                <a:srgbClr val="1A3160"/>
+              </a:buClr>
+            </a:pPr>
+            <a:r>
+              <a:rPr lang="en-US" sz="1200" dirty="0">
+                <a:solidFill>
+                  <a:srgbClr val="1A3160"/>
+                </a:solidFill>
+                <a:latin typeface="Aptos" panose="020B0004020202020204" pitchFamily="34" charset="0"/>
+              </a:rPr>
+              <a:t>Densest zones are major cities, with some locations in the capital, Addis Ababa, exceeding 30 thousand ppl per km</a:t>
+            </a:r>
+            <a:r>
+              <a:rPr lang="en-US" sz="1200" baseline="30000" dirty="0">
+                <a:solidFill>
+                  <a:srgbClr val="1A3160"/>
+                </a:solidFill>
+                <a:latin typeface="Aptos" panose="020B0004020202020204" pitchFamily="34" charset="0"/>
+              </a:rPr>
+              <a:t>2</a:t>
+            </a:r>
+            <a:endParaRPr lang="en-US" sz="1200" dirty="0">
+              <a:solidFill>
+                <a:srgbClr val="1A3160"/>
+              </a:solidFill>
+              <a:latin typeface="Aptos" panose="020B0004020202020204" pitchFamily="34" charset="0"/>
+            </a:endParaRPr>
+          </a:p>
+          <a:p>
+            <a:pPr>
+              <a:buClr>
+                <a:srgbClr val="1A3160"/>
+              </a:buClr>
+            </a:pPr>
+            <a:r>
+              <a:rPr lang="en-US" sz="1200" dirty="0">
+                <a:solidFill>
+                  <a:srgbClr val="1A3160"/>
+                </a:solidFill>
+                <a:latin typeface="Aptos" panose="020B0004020202020204" pitchFamily="34" charset="0"/>
+              </a:rPr>
+              <a:t>The peripheral regions are sparsely populated due to non-arable land and/or harsh conditions</a:t>
+            </a:r>
+            <a:r>
+              <a:rPr lang="en-US" sz="1200" baseline="-25000" dirty="0">
+                <a:solidFill>
+                  <a:srgbClr val="1A3160"/>
+                </a:solidFill>
+                <a:latin typeface="Aptos" panose="020B0004020202020204" pitchFamily="34" charset="0"/>
+              </a:rPr>
+              <a:t>2</a:t>
+            </a:r>
+            <a:endParaRPr lang="en-US" sz="1200" dirty="0">
+              <a:solidFill>
+                <a:srgbClr val="1A3160"/>
+              </a:solidFill>
+              <a:latin typeface="Aptos" panose="020B0004020202020204" pitchFamily="34" charset="0"/>
+            </a:endParaRPr>
+          </a:p>
+          <a:p>
+            <a:pPr>
+              <a:buClr>
+                <a:srgbClr val="1A3160"/>
+              </a:buClr>
+            </a:pPr>
+            <a:endParaRPr lang="en-US" sz="1400" dirty="0">
+              <a:solidFill>
+                <a:srgbClr val="1A3160"/>
+              </a:solidFill>
+              <a:latin typeface="Aptos" panose="020B0004020202020204" pitchFamily="34" charset="0"/>
+            </a:endParaRPr>
+          </a:p>
+          <a:p>
+            <a:pPr marL="0" indent="0">
+              <a:buNone/>
+            </a:pPr>
+            <a:endParaRPr lang="en-US" sz="1400" b="1" dirty="0">
+              <a:solidFill>
+                <a:srgbClr val="4490B8"/>
+              </a:solidFill>
+              <a:latin typeface="Helvetica" pitchFamily="2" charset="0"/>
+            </a:endParaRPr>
+          </a:p>
+          <a:p>
+            <a:endParaRPr lang="en-US" sz="1400" dirty="0">
+              <a:latin typeface="Helvetica" pitchFamily="2" charset="0"/>
+            </a:endParaRPr>
+          </a:p>
+        </p:txBody>
+      </p:sp>
+      <p:sp>
+        <p:nvSpPr>
+          <p:cNvPr id="11" name="Content Placeholder 2">
+            <a:extLst>
+              <a:ext uri="{FF2B5EF4-FFF2-40B4-BE49-F238E27FC236}">
+                <a16:creationId xmlns:a16="http://schemas.microsoft.com/office/drawing/2014/main" id="{D57E7E19-E6B7-DC4A-012B-2B7DAD80D342}"/>
+              </a:ext>
+            </a:extLst>
+          </p:cNvPr>
+          <p:cNvSpPr txBox="1">
+            <a:spLocks/>
+          </p:cNvSpPr>
+          <p:nvPr/>
+        </p:nvSpPr>
+        <p:spPr>
+          <a:xfrm>
+            <a:off x="7726567" y="5406245"/>
+            <a:ext cx="3958813" cy="1013800"/>
+          </a:xfrm>
+          <a:prstGeom prst="rect">
+            <a:avLst/>
+          </a:prstGeom>
+        </p:spPr>
+        <p:txBody>
+          <a:bodyPr vert="horz" lIns="91440" tIns="45720" rIns="91440" bIns="45720" rtlCol="0" anchor="t">
+            <a:noAutofit/>
+          </a:bodyPr>
+          <a:lstStyle>
+            <a:lvl1pPr marL="306000" indent="-306000" algn="l" defTabSz="457200" rtl="0" eaLnBrk="1" latinLnBrk="0" hangingPunct="1">
+              <a:spcBef>
+                <a:spcPct val="20000"/>
+              </a:spcBef>
+              <a:spcAft>
+                <a:spcPts val="600"/>
+              </a:spcAft>
+              <a:buClr>
+                <a:schemeClr val="accent2"/>
+              </a:buClr>
+              <a:buSzPct val="92000"/>
+              <a:buFont typeface="Wingdings 2" panose="05020102010507070707" pitchFamily="18" charset="2"/>
+              <a:buChar char=""/>
+              <a:defRPr sz="1800" kern="1200">
+                <a:solidFill>
+                  <a:schemeClr val="tx2"/>
+                </a:solidFill>
+                <a:latin typeface="+mn-lt"/>
+                <a:ea typeface="+mn-ea"/>
+                <a:cs typeface="+mn-cs"/>
+              </a:defRPr>
+            </a:lvl1pPr>
+            <a:lvl2pPr marL="630000" indent="-306000" algn="l" defTabSz="457200" rtl="0" eaLnBrk="1" latinLnBrk="0" hangingPunct="1">
+              <a:spcBef>
+                <a:spcPct val="20000"/>
+              </a:spcBef>
+              <a:spcAft>
+                <a:spcPts val="600"/>
+              </a:spcAft>
+              <a:buClr>
+                <a:schemeClr val="accent2"/>
+              </a:buClr>
+              <a:buSzPct val="92000"/>
+              <a:buFont typeface="Wingdings 2" panose="05020102010507070707" pitchFamily="18" charset="2"/>
+              <a:buChar char=""/>
+              <a:defRPr sz="1600" kern="1200">
+                <a:solidFill>
+                  <a:schemeClr val="tx2"/>
+                </a:solidFill>
+                <a:latin typeface="+mn-lt"/>
+                <a:ea typeface="+mn-ea"/>
+                <a:cs typeface="+mn-cs"/>
+              </a:defRPr>
+            </a:lvl2pPr>
+            <a:lvl3pPr marL="900000" indent="-270000" algn="l" defTabSz="457200" rtl="0" eaLnBrk="1" latinLnBrk="0" hangingPunct="1">
+              <a:spcBef>
+                <a:spcPct val="20000"/>
+              </a:spcBef>
+              <a:spcAft>
+                <a:spcPts val="600"/>
+              </a:spcAft>
+              <a:buClr>
+                <a:schemeClr val="accent2"/>
+              </a:buClr>
+              <a:buSzPct val="92000"/>
+              <a:buFont typeface="Wingdings 2" panose="05020102010507070707" pitchFamily="18" charset="2"/>
+              <a:buChar char=""/>
+              <a:defRPr sz="1400" kern="1200">
+                <a:solidFill>
+                  <a:schemeClr val="tx2"/>
+                </a:solidFill>
+                <a:latin typeface="+mn-lt"/>
+                <a:ea typeface="+mn-ea"/>
+                <a:cs typeface="+mn-cs"/>
+              </a:defRPr>
+            </a:lvl3pPr>
+            <a:lvl4pPr marL="1242000" indent="-234000" algn="l" defTabSz="457200" rtl="0" eaLnBrk="1" latinLnBrk="0" hangingPunct="1">
+              <a:spcBef>
+                <a:spcPct val="20000"/>
+              </a:spcBef>
+              <a:spcAft>
+                <a:spcPts val="600"/>
+              </a:spcAft>
+              <a:buClr>
+                <a:schemeClr val="accent2"/>
+              </a:buClr>
+              <a:buSzPct val="92000"/>
+              <a:buFont typeface="Wingdings 2" panose="05020102010507070707" pitchFamily="18" charset="2"/>
+              <a:buChar char=""/>
+              <a:defRPr sz="1200" kern="1200">
+                <a:solidFill>
+                  <a:schemeClr val="tx2"/>
+                </a:solidFill>
+                <a:latin typeface="+mn-lt"/>
+                <a:ea typeface="+mn-ea"/>
+                <a:cs typeface="+mn-cs"/>
+              </a:defRPr>
+            </a:lvl4pPr>
+            <a:lvl5pPr marL="1602000" indent="-234000" algn="l" defTabSz="457200" rtl="0" eaLnBrk="1" latinLnBrk="0" hangingPunct="1">
+              <a:spcBef>
+                <a:spcPct val="20000"/>
+              </a:spcBef>
+              <a:spcAft>
+                <a:spcPts val="600"/>
+              </a:spcAft>
+              <a:buClr>
+                <a:schemeClr val="accent2"/>
+              </a:buClr>
+              <a:buSzPct val="92000"/>
+              <a:buFont typeface="Wingdings 2" panose="05020102010507070707" pitchFamily="18" charset="2"/>
+              <a:buChar char=""/>
+              <a:defRPr sz="1200" kern="1200">
+                <a:solidFill>
+                  <a:schemeClr val="tx2"/>
+                </a:solidFill>
+                <a:latin typeface="+mn-lt"/>
+                <a:ea typeface="+mn-ea"/>
+                <a:cs typeface="+mn-cs"/>
+              </a:defRPr>
+            </a:lvl5pPr>
+            <a:lvl6pPr marL="1900000" indent="-228600" algn="l" defTabSz="457200" rtl="0" eaLnBrk="1" latinLnBrk="0" hangingPunct="1">
+              <a:spcBef>
+                <a:spcPct val="20000"/>
+              </a:spcBef>
+              <a:spcAft>
+                <a:spcPts val="600"/>
+              </a:spcAft>
+              <a:buClr>
+                <a:schemeClr val="accent2"/>
+              </a:buClr>
+              <a:buSzPct val="92000"/>
+              <a:buFont typeface="Wingdings 2" panose="05020102010507070707" pitchFamily="18" charset="2"/>
+              <a:buChar char=""/>
+              <a:defRPr sz="1200" kern="1200">
+                <a:solidFill>
+                  <a:schemeClr val="tx2"/>
+                </a:solidFill>
+                <a:latin typeface="+mn-lt"/>
+                <a:ea typeface="+mn-ea"/>
+                <a:cs typeface="+mn-cs"/>
+              </a:defRPr>
+            </a:lvl6pPr>
+            <a:lvl7pPr marL="2200000" indent="-228600" algn="l" defTabSz="457200" rtl="0" eaLnBrk="1" latinLnBrk="0" hangingPunct="1">
+              <a:spcBef>
+                <a:spcPct val="20000"/>
+              </a:spcBef>
+              <a:spcAft>
+                <a:spcPts val="600"/>
+              </a:spcAft>
+              <a:buClr>
+                <a:schemeClr val="accent2"/>
+              </a:buClr>
+              <a:buSzPct val="92000"/>
+              <a:buFont typeface="Wingdings 2" panose="05020102010507070707" pitchFamily="18" charset="2"/>
+              <a:buChar char=""/>
+              <a:defRPr sz="1200" kern="1200">
+                <a:solidFill>
+                  <a:schemeClr val="tx2"/>
+                </a:solidFill>
+                <a:latin typeface="+mn-lt"/>
+                <a:ea typeface="+mn-ea"/>
+                <a:cs typeface="+mn-cs"/>
+              </a:defRPr>
+            </a:lvl7pPr>
+            <a:lvl8pPr marL="2500000" indent="-228600" algn="l" defTabSz="457200" rtl="0" eaLnBrk="1" latinLnBrk="0" hangingPunct="1">
+              <a:spcBef>
+                <a:spcPct val="20000"/>
+              </a:spcBef>
+              <a:spcAft>
+                <a:spcPts val="600"/>
+              </a:spcAft>
+              <a:buClr>
+                <a:schemeClr val="accent2"/>
+              </a:buClr>
+              <a:buSzPct val="92000"/>
+              <a:buFont typeface="Wingdings 2" panose="05020102010507070707" pitchFamily="18" charset="2"/>
+              <a:buChar char=""/>
+              <a:defRPr sz="1200" kern="1200">
+                <a:solidFill>
+                  <a:schemeClr val="tx2"/>
+                </a:solidFill>
+                <a:latin typeface="+mn-lt"/>
+                <a:ea typeface="+mn-ea"/>
+                <a:cs typeface="+mn-cs"/>
+              </a:defRPr>
+            </a:lvl8pPr>
+            <a:lvl9pPr marL="2800000" indent="-228600" algn="l" defTabSz="457200" rtl="0" eaLnBrk="1" latinLnBrk="0" hangingPunct="1">
+              <a:spcBef>
+                <a:spcPct val="20000"/>
+              </a:spcBef>
+              <a:spcAft>
+                <a:spcPts val="600"/>
+              </a:spcAft>
+              <a:buClr>
+                <a:schemeClr val="accent2"/>
+              </a:buClr>
+              <a:buSzPct val="92000"/>
+              <a:buFont typeface="Wingdings 2" panose="05020102010507070707" pitchFamily="18" charset="2"/>
+              <a:buChar char=""/>
+              <a:defRPr sz="1200" kern="1200">
+                <a:solidFill>
+                  <a:schemeClr val="tx2"/>
+                </a:solidFill>
+                <a:latin typeface="+mn-lt"/>
+                <a:ea typeface="+mn-ea"/>
+                <a:cs typeface="+mn-cs"/>
+              </a:defRPr>
+            </a:lvl9pPr>
+          </a:lstStyle>
+          <a:p>
+            <a:pPr>
+              <a:buClr>
+                <a:srgbClr val="1A3160"/>
+              </a:buClr>
+            </a:pPr>
+            <a:r>
+              <a:rPr lang="en-US" sz="1200" dirty="0">
+                <a:solidFill>
+                  <a:srgbClr val="1A3160"/>
+                </a:solidFill>
+                <a:latin typeface="Aptos" panose="020B0004020202020204" pitchFamily="34" charset="0"/>
+              </a:rPr>
+              <a:t>People have generally settled in already established areas in the last two decades or so</a:t>
+            </a:r>
+          </a:p>
+          <a:p>
+            <a:pPr>
+              <a:buClr>
+                <a:srgbClr val="1A3160"/>
+              </a:buClr>
+            </a:pPr>
+            <a:r>
+              <a:rPr lang="en-US" sz="1200" dirty="0">
+                <a:solidFill>
+                  <a:srgbClr val="1A3160"/>
+                </a:solidFill>
+                <a:latin typeface="Aptos" panose="020B0004020202020204" pitchFamily="34" charset="0"/>
+              </a:rPr>
+              <a:t>Many of the major cities experienced density growth, highlighting the on-going urbanization trend</a:t>
+            </a:r>
+          </a:p>
+          <a:p>
+            <a:pPr marL="0" indent="0">
+              <a:buNone/>
+            </a:pPr>
+            <a:endParaRPr lang="en-US" sz="1200" b="1" dirty="0">
+              <a:solidFill>
+                <a:srgbClr val="4490B8"/>
+              </a:solidFill>
+              <a:latin typeface="Helvetica" pitchFamily="2" charset="0"/>
+            </a:endParaRPr>
+          </a:p>
+          <a:p>
+            <a:endParaRPr lang="en-US" sz="1200" dirty="0">
+              <a:latin typeface="Helvetica" pitchFamily="2" charset="0"/>
+            </a:endParaRPr>
+          </a:p>
+        </p:txBody>
+      </p:sp>
+      <p:sp>
+        <p:nvSpPr>
+          <p:cNvPr id="15" name="TextBox 14">
+            <a:extLst>
+              <a:ext uri="{FF2B5EF4-FFF2-40B4-BE49-F238E27FC236}">
+                <a16:creationId xmlns:a16="http://schemas.microsoft.com/office/drawing/2014/main" id="{D5755999-0F66-B1A5-F414-0F2EECA9F21A}"/>
+              </a:ext>
+            </a:extLst>
+          </p:cNvPr>
+          <p:cNvSpPr txBox="1"/>
+          <p:nvPr/>
+        </p:nvSpPr>
+        <p:spPr>
+          <a:xfrm>
+            <a:off x="316685" y="6664783"/>
+            <a:ext cx="11500466" cy="215444"/>
+          </a:xfrm>
+          <a:prstGeom prst="rect">
+            <a:avLst/>
+          </a:prstGeom>
+          <a:noFill/>
+        </p:spPr>
+        <p:txBody>
+          <a:bodyPr wrap="square" rtlCol="0">
+            <a:spAutoFit/>
+          </a:bodyPr>
+          <a:lstStyle/>
+          <a:p>
+            <a:pPr>
+              <a:spcAft>
+                <a:spcPts val="600"/>
+              </a:spcAft>
+            </a:pPr>
+            <a:r>
+              <a:rPr lang="en-US" sz="800" dirty="0">
+                <a:latin typeface="Aptos" panose="020B0004020202020204" pitchFamily="34" charset="0"/>
+              </a:rPr>
+              <a:t>Source:  1 &amp; 2) Britannica.</a:t>
+            </a:r>
+            <a:endParaRPr lang="en-US" sz="800" dirty="0">
+              <a:latin typeface="Helvetica" pitchFamily="2" charset="0"/>
+            </a:endParaRPr>
+          </a:p>
+        </p:txBody>
+      </p:sp>
+    </p:spTree>
+    <p:extLst>
+      <p:ext uri="{BB962C8B-B14F-4D97-AF65-F5344CB8AC3E}">
+        <p14:creationId xmlns:p14="http://schemas.microsoft.com/office/powerpoint/2010/main" val="3089423157"/>
+      </p:ext>
+    </p:extLst>
+  </p:cSld>
+  <p:clrMapOvr>
+    <a:masterClrMapping/>
+  </p:clrMapOvr>
+</p:sld>
+</file>
+
+<file path=ppt/slides/slide5.xml><?xml version="1.0" encoding="utf-8"?>
+<p:sld xmlns:a="http://schemas.openxmlformats.org/drawingml/2006/main" xmlns:r="http://schemas.openxmlformats.org/officeDocument/2006/relationships" xmlns:p="http://schemas.openxmlformats.org/presentationml/2006/main">
+  <p:cSld>
+    <p:spTree>
+      <p:nvGrpSpPr>
+        <p:cNvPr id="1" name=""/>
+        <p:cNvGrpSpPr/>
+        <p:nvPr/>
+      </p:nvGrpSpPr>
+      <p:grpSpPr>
+        <a:xfrm>
+          <a:off x="0" y="0"/>
+          <a:ext cx="0" cy="0"/>
+          <a:chOff x="0" y="0"/>
+          <a:chExt cx="0" cy="0"/>
+        </a:xfrm>
+      </p:grpSpPr>
+      <p:sp>
+        <p:nvSpPr>
+          <p:cNvPr id="2" name="Title 1">
+            <a:extLst>
+              <a:ext uri="{FF2B5EF4-FFF2-40B4-BE49-F238E27FC236}">
+                <a16:creationId xmlns:a16="http://schemas.microsoft.com/office/drawing/2014/main" id="{F08DE48D-941F-9C2D-0F3D-53C374222069}"/>
+              </a:ext>
+            </a:extLst>
+          </p:cNvPr>
+          <p:cNvSpPr>
+            <a:spLocks noGrp="1"/>
+          </p:cNvSpPr>
+          <p:nvPr>
+            <p:ph type="title"/>
+          </p:nvPr>
+        </p:nvSpPr>
+        <p:spPr/>
+        <p:txBody>
+          <a:bodyPr/>
+          <a:lstStyle/>
+          <a:p>
+            <a:r>
+              <a:rPr lang="en-US"/>
+              <a:t>Ambient Air Pollution exposure</a:t>
+            </a:r>
+            <a:endParaRPr lang="en-US" dirty="0"/>
+          </a:p>
+        </p:txBody>
+      </p:sp>
+      <p:pic>
+        <p:nvPicPr>
+          <p:cNvPr id="5" name="Content Placeholder 4" descr="A close-up of a graph&#10;&#10;Description automatically generated">
+            <a:extLst>
+              <a:ext uri="{FF2B5EF4-FFF2-40B4-BE49-F238E27FC236}">
+                <a16:creationId xmlns:a16="http://schemas.microsoft.com/office/drawing/2014/main" id="{4DED9212-49AC-6261-2D10-DF5C84898B4F}"/>
+              </a:ext>
+            </a:extLst>
+          </p:cNvPr>
+          <p:cNvPicPr>
+            <a:picLocks noGrp="1"/>
+          </p:cNvPicPr>
+          <p:nvPr>
+            <p:ph idx="1"/>
+          </p:nvPr>
+        </p:nvPicPr>
+        <p:blipFill>
+          <a:blip r:embed="rId3"/>
+          <a:srcRect l="8265" t="2899" r="7446"/>
+          <a:stretch/>
+        </p:blipFill>
+        <p:spPr>
+          <a:xfrm>
+            <a:off x="224314" y="1918674"/>
+            <a:ext cx="6785114" cy="3675888"/>
+          </a:xfrm>
+        </p:spPr>
+      </p:pic>
+      <p:pic>
+        <p:nvPicPr>
+          <p:cNvPr id="7" name="Picture 6" descr="A map of a city&#10;&#10;Description automatically generated">
+            <a:extLst>
+              <a:ext uri="{FF2B5EF4-FFF2-40B4-BE49-F238E27FC236}">
+                <a16:creationId xmlns:a16="http://schemas.microsoft.com/office/drawing/2014/main" id="{D6B8BC72-756E-41A4-C1C8-DFB549ACB542}"/>
+              </a:ext>
+            </a:extLst>
+          </p:cNvPr>
+          <p:cNvPicPr>
+            <a:picLocks noChangeAspect="1"/>
+          </p:cNvPicPr>
+          <p:nvPr/>
+        </p:nvPicPr>
+        <p:blipFill>
+          <a:blip r:embed="rId4"/>
+          <a:srcRect l="6777" t="11321" r="5135" b="5311"/>
+          <a:stretch/>
+        </p:blipFill>
+        <p:spPr>
+          <a:xfrm>
+            <a:off x="7484166" y="1875818"/>
+            <a:ext cx="4293704" cy="3786386"/>
+          </a:xfrm>
+          <a:prstGeom prst="rect">
+            <a:avLst/>
+          </a:prstGeom>
+        </p:spPr>
+      </p:pic>
+      <p:sp>
+        <p:nvSpPr>
+          <p:cNvPr id="9" name="Content Placeholder 2">
+            <a:extLst>
+              <a:ext uri="{FF2B5EF4-FFF2-40B4-BE49-F238E27FC236}">
+                <a16:creationId xmlns:a16="http://schemas.microsoft.com/office/drawing/2014/main" id="{AD914DDF-300C-35E7-B640-225F08719CAB}"/>
+              </a:ext>
+            </a:extLst>
+          </p:cNvPr>
+          <p:cNvSpPr txBox="1">
+            <a:spLocks/>
+          </p:cNvSpPr>
+          <p:nvPr/>
+        </p:nvSpPr>
+        <p:spPr>
+          <a:xfrm>
+            <a:off x="327716" y="5645426"/>
+            <a:ext cx="6450771" cy="1093303"/>
+          </a:xfrm>
+          <a:prstGeom prst="rect">
+            <a:avLst/>
+          </a:prstGeom>
+        </p:spPr>
+        <p:txBody>
+          <a:bodyPr vert="horz" lIns="91440" tIns="45720" rIns="91440" bIns="45720" rtlCol="0" anchor="t">
+            <a:noAutofit/>
+          </a:bodyPr>
+          <a:lstStyle>
+            <a:lvl1pPr marL="306000" indent="-306000" algn="l" defTabSz="457200" rtl="0" eaLnBrk="1" latinLnBrk="0" hangingPunct="1">
+              <a:spcBef>
+                <a:spcPct val="20000"/>
+              </a:spcBef>
+              <a:spcAft>
+                <a:spcPts val="600"/>
+              </a:spcAft>
+              <a:buClr>
+                <a:schemeClr val="accent2"/>
+              </a:buClr>
+              <a:buSzPct val="92000"/>
+              <a:buFont typeface="Wingdings 2" panose="05020102010507070707" pitchFamily="18" charset="2"/>
+              <a:buChar char=""/>
+              <a:defRPr sz="1800" kern="1200">
+                <a:solidFill>
+                  <a:schemeClr val="tx2"/>
+                </a:solidFill>
+                <a:latin typeface="+mn-lt"/>
+                <a:ea typeface="+mn-ea"/>
+                <a:cs typeface="+mn-cs"/>
+              </a:defRPr>
+            </a:lvl1pPr>
+            <a:lvl2pPr marL="630000" indent="-306000" algn="l" defTabSz="457200" rtl="0" eaLnBrk="1" latinLnBrk="0" hangingPunct="1">
+              <a:spcBef>
+                <a:spcPct val="20000"/>
+              </a:spcBef>
+              <a:spcAft>
+                <a:spcPts val="600"/>
+              </a:spcAft>
+              <a:buClr>
+                <a:schemeClr val="accent2"/>
+              </a:buClr>
+              <a:buSzPct val="92000"/>
+              <a:buFont typeface="Wingdings 2" panose="05020102010507070707" pitchFamily="18" charset="2"/>
+              <a:buChar char=""/>
+              <a:defRPr sz="1600" kern="1200">
+                <a:solidFill>
+                  <a:schemeClr val="tx2"/>
+                </a:solidFill>
+                <a:latin typeface="+mn-lt"/>
+                <a:ea typeface="+mn-ea"/>
+                <a:cs typeface="+mn-cs"/>
+              </a:defRPr>
+            </a:lvl2pPr>
+            <a:lvl3pPr marL="900000" indent="-270000" algn="l" defTabSz="457200" rtl="0" eaLnBrk="1" latinLnBrk="0" hangingPunct="1">
+              <a:spcBef>
+                <a:spcPct val="20000"/>
+              </a:spcBef>
+              <a:spcAft>
+                <a:spcPts val="600"/>
+              </a:spcAft>
+              <a:buClr>
+                <a:schemeClr val="accent2"/>
+              </a:buClr>
+              <a:buSzPct val="92000"/>
+              <a:buFont typeface="Wingdings 2" panose="05020102010507070707" pitchFamily="18" charset="2"/>
+              <a:buChar char=""/>
+              <a:defRPr sz="1400" kern="1200">
+                <a:solidFill>
+                  <a:schemeClr val="tx2"/>
+                </a:solidFill>
+                <a:latin typeface="+mn-lt"/>
+                <a:ea typeface="+mn-ea"/>
+                <a:cs typeface="+mn-cs"/>
+              </a:defRPr>
+            </a:lvl3pPr>
+            <a:lvl4pPr marL="1242000" indent="-234000" algn="l" defTabSz="457200" rtl="0" eaLnBrk="1" latinLnBrk="0" hangingPunct="1">
+              <a:spcBef>
+                <a:spcPct val="20000"/>
+              </a:spcBef>
+              <a:spcAft>
+                <a:spcPts val="600"/>
+              </a:spcAft>
+              <a:buClr>
+                <a:schemeClr val="accent2"/>
+              </a:buClr>
+              <a:buSzPct val="92000"/>
+              <a:buFont typeface="Wingdings 2" panose="05020102010507070707" pitchFamily="18" charset="2"/>
+              <a:buChar char=""/>
+              <a:defRPr sz="1200" kern="1200">
+                <a:solidFill>
+                  <a:schemeClr val="tx2"/>
+                </a:solidFill>
+                <a:latin typeface="+mn-lt"/>
+                <a:ea typeface="+mn-ea"/>
+                <a:cs typeface="+mn-cs"/>
+              </a:defRPr>
+            </a:lvl4pPr>
+            <a:lvl5pPr marL="1602000" indent="-234000" algn="l" defTabSz="457200" rtl="0" eaLnBrk="1" latinLnBrk="0" hangingPunct="1">
+              <a:spcBef>
+                <a:spcPct val="20000"/>
+              </a:spcBef>
+              <a:spcAft>
+                <a:spcPts val="600"/>
+              </a:spcAft>
+              <a:buClr>
+                <a:schemeClr val="accent2"/>
+              </a:buClr>
+              <a:buSzPct val="92000"/>
+              <a:buFont typeface="Wingdings 2" panose="05020102010507070707" pitchFamily="18" charset="2"/>
+              <a:buChar char=""/>
+              <a:defRPr sz="1200" kern="1200">
+                <a:solidFill>
+                  <a:schemeClr val="tx2"/>
+                </a:solidFill>
+                <a:latin typeface="+mn-lt"/>
+                <a:ea typeface="+mn-ea"/>
+                <a:cs typeface="+mn-cs"/>
+              </a:defRPr>
+            </a:lvl5pPr>
+            <a:lvl6pPr marL="1900000" indent="-228600" algn="l" defTabSz="457200" rtl="0" eaLnBrk="1" latinLnBrk="0" hangingPunct="1">
+              <a:spcBef>
+                <a:spcPct val="20000"/>
+              </a:spcBef>
+              <a:spcAft>
+                <a:spcPts val="600"/>
+              </a:spcAft>
+              <a:buClr>
+                <a:schemeClr val="accent2"/>
+              </a:buClr>
+              <a:buSzPct val="92000"/>
+              <a:buFont typeface="Wingdings 2" panose="05020102010507070707" pitchFamily="18" charset="2"/>
+              <a:buChar char=""/>
+              <a:defRPr sz="1200" kern="1200">
+                <a:solidFill>
+                  <a:schemeClr val="tx2"/>
+                </a:solidFill>
+                <a:latin typeface="+mn-lt"/>
+                <a:ea typeface="+mn-ea"/>
+                <a:cs typeface="+mn-cs"/>
+              </a:defRPr>
+            </a:lvl6pPr>
+            <a:lvl7pPr marL="2200000" indent="-228600" algn="l" defTabSz="457200" rtl="0" eaLnBrk="1" latinLnBrk="0" hangingPunct="1">
+              <a:spcBef>
+                <a:spcPct val="20000"/>
+              </a:spcBef>
+              <a:spcAft>
+                <a:spcPts val="600"/>
+              </a:spcAft>
+              <a:buClr>
+                <a:schemeClr val="accent2"/>
+              </a:buClr>
+              <a:buSzPct val="92000"/>
+              <a:buFont typeface="Wingdings 2" panose="05020102010507070707" pitchFamily="18" charset="2"/>
+              <a:buChar char=""/>
+              <a:defRPr sz="1200" kern="1200">
+                <a:solidFill>
+                  <a:schemeClr val="tx2"/>
+                </a:solidFill>
+                <a:latin typeface="+mn-lt"/>
+                <a:ea typeface="+mn-ea"/>
+                <a:cs typeface="+mn-cs"/>
+              </a:defRPr>
+            </a:lvl7pPr>
+            <a:lvl8pPr marL="2500000" indent="-228600" algn="l" defTabSz="457200" rtl="0" eaLnBrk="1" latinLnBrk="0" hangingPunct="1">
+              <a:spcBef>
+                <a:spcPct val="20000"/>
+              </a:spcBef>
+              <a:spcAft>
+                <a:spcPts val="600"/>
+              </a:spcAft>
+              <a:buClr>
+                <a:schemeClr val="accent2"/>
+              </a:buClr>
+              <a:buSzPct val="92000"/>
+              <a:buFont typeface="Wingdings 2" panose="05020102010507070707" pitchFamily="18" charset="2"/>
+              <a:buChar char=""/>
+              <a:defRPr sz="1200" kern="1200">
+                <a:solidFill>
+                  <a:schemeClr val="tx2"/>
+                </a:solidFill>
+                <a:latin typeface="+mn-lt"/>
+                <a:ea typeface="+mn-ea"/>
+                <a:cs typeface="+mn-cs"/>
+              </a:defRPr>
+            </a:lvl8pPr>
+            <a:lvl9pPr marL="2800000" indent="-228600" algn="l" defTabSz="457200" rtl="0" eaLnBrk="1" latinLnBrk="0" hangingPunct="1">
+              <a:spcBef>
+                <a:spcPct val="20000"/>
+              </a:spcBef>
+              <a:spcAft>
+                <a:spcPts val="600"/>
+              </a:spcAft>
+              <a:buClr>
+                <a:schemeClr val="accent2"/>
+              </a:buClr>
+              <a:buSzPct val="92000"/>
+              <a:buFont typeface="Wingdings 2" panose="05020102010507070707" pitchFamily="18" charset="2"/>
+              <a:buChar char=""/>
+              <a:defRPr sz="1200" kern="1200">
+                <a:solidFill>
+                  <a:schemeClr val="tx2"/>
+                </a:solidFill>
+                <a:latin typeface="+mn-lt"/>
+                <a:ea typeface="+mn-ea"/>
+                <a:cs typeface="+mn-cs"/>
+              </a:defRPr>
+            </a:lvl9pPr>
+          </a:lstStyle>
+          <a:p>
+            <a:pPr>
+              <a:buClr>
+                <a:srgbClr val="1A3160"/>
+              </a:buClr>
+            </a:pPr>
+            <a:r>
+              <a:rPr lang="en-US" sz="1100" dirty="0">
+                <a:solidFill>
+                  <a:srgbClr val="1A3160"/>
+                </a:solidFill>
+                <a:latin typeface="Aptos" panose="020B0004020202020204" pitchFamily="34" charset="0"/>
+              </a:rPr>
+              <a:t>Wide-spread exposure to unsafe levels of ambient PM2.5 (fine particulate matter), 3 – 8x times WHO long-term exposure guideline</a:t>
+            </a:r>
+          </a:p>
+          <a:p>
+            <a:pPr>
+              <a:buClr>
+                <a:srgbClr val="1A3160"/>
+              </a:buClr>
+            </a:pPr>
+            <a:r>
+              <a:rPr lang="en-US" sz="1100" dirty="0">
+                <a:solidFill>
+                  <a:srgbClr val="1A3160"/>
+                </a:solidFill>
+                <a:latin typeface="Aptos" panose="020B0004020202020204" pitchFamily="34" charset="0"/>
+              </a:rPr>
+              <a:t>Cities on average seem to have the worst exposure relative to towns and rural areas</a:t>
+            </a:r>
+          </a:p>
+          <a:p>
+            <a:pPr>
+              <a:buClr>
+                <a:srgbClr val="1A3160"/>
+              </a:buClr>
+            </a:pPr>
+            <a:r>
+              <a:rPr lang="en-US" sz="1100" dirty="0">
+                <a:solidFill>
+                  <a:srgbClr val="1A3160"/>
+                </a:solidFill>
+                <a:latin typeface="Aptos" panose="020B0004020202020204" pitchFamily="34" charset="0"/>
+              </a:rPr>
+              <a:t>Concentration levels remained steady over the scope of data</a:t>
+            </a:r>
+          </a:p>
+          <a:p>
+            <a:pPr>
+              <a:buClr>
+                <a:srgbClr val="1A3160"/>
+              </a:buClr>
+            </a:pPr>
+            <a:endParaRPr lang="en-US" sz="1100" dirty="0">
+              <a:solidFill>
+                <a:srgbClr val="1A3160"/>
+              </a:solidFill>
+              <a:latin typeface="Aptos" panose="020B0004020202020204" pitchFamily="34" charset="0"/>
+            </a:endParaRPr>
+          </a:p>
+          <a:p>
+            <a:pPr marL="0" indent="0">
+              <a:buNone/>
+            </a:pPr>
+            <a:endParaRPr lang="en-US" sz="1100" b="1" dirty="0">
+              <a:solidFill>
+                <a:srgbClr val="4490B8"/>
+              </a:solidFill>
+              <a:latin typeface="Helvetica" pitchFamily="2" charset="0"/>
+            </a:endParaRPr>
+          </a:p>
+          <a:p>
+            <a:endParaRPr lang="en-US" sz="1100" dirty="0">
+              <a:latin typeface="Helvetica" pitchFamily="2" charset="0"/>
+            </a:endParaRPr>
+          </a:p>
+        </p:txBody>
+      </p:sp>
+      <p:sp>
+        <p:nvSpPr>
+          <p:cNvPr id="10" name="Content Placeholder 2">
+            <a:extLst>
+              <a:ext uri="{FF2B5EF4-FFF2-40B4-BE49-F238E27FC236}">
+                <a16:creationId xmlns:a16="http://schemas.microsoft.com/office/drawing/2014/main" id="{CE03EEF9-F7C3-52FB-8769-9C451E63D370}"/>
+              </a:ext>
+            </a:extLst>
+          </p:cNvPr>
+          <p:cNvSpPr txBox="1">
+            <a:spLocks/>
+          </p:cNvSpPr>
+          <p:nvPr/>
+        </p:nvSpPr>
+        <p:spPr>
+          <a:xfrm>
+            <a:off x="7706564" y="5645426"/>
+            <a:ext cx="4373218" cy="1093303"/>
+          </a:xfrm>
+          <a:prstGeom prst="rect">
+            <a:avLst/>
+          </a:prstGeom>
+        </p:spPr>
+        <p:txBody>
+          <a:bodyPr vert="horz" lIns="91440" tIns="45720" rIns="91440" bIns="45720" rtlCol="0" anchor="t">
+            <a:noAutofit/>
+          </a:bodyPr>
+          <a:lstStyle>
+            <a:lvl1pPr marL="306000" indent="-306000" algn="l" defTabSz="457200" rtl="0" eaLnBrk="1" latinLnBrk="0" hangingPunct="1">
+              <a:spcBef>
+                <a:spcPct val="20000"/>
+              </a:spcBef>
+              <a:spcAft>
+                <a:spcPts val="600"/>
+              </a:spcAft>
+              <a:buClr>
+                <a:schemeClr val="accent2"/>
+              </a:buClr>
+              <a:buSzPct val="92000"/>
+              <a:buFont typeface="Wingdings 2" panose="05020102010507070707" pitchFamily="18" charset="2"/>
+              <a:buChar char=""/>
+              <a:defRPr sz="1800" kern="1200">
+                <a:solidFill>
+                  <a:schemeClr val="tx2"/>
+                </a:solidFill>
+                <a:latin typeface="+mn-lt"/>
+                <a:ea typeface="+mn-ea"/>
+                <a:cs typeface="+mn-cs"/>
+              </a:defRPr>
+            </a:lvl1pPr>
+            <a:lvl2pPr marL="630000" indent="-306000" algn="l" defTabSz="457200" rtl="0" eaLnBrk="1" latinLnBrk="0" hangingPunct="1">
+              <a:spcBef>
+                <a:spcPct val="20000"/>
+              </a:spcBef>
+              <a:spcAft>
+                <a:spcPts val="600"/>
+              </a:spcAft>
+              <a:buClr>
+                <a:schemeClr val="accent2"/>
+              </a:buClr>
+              <a:buSzPct val="92000"/>
+              <a:buFont typeface="Wingdings 2" panose="05020102010507070707" pitchFamily="18" charset="2"/>
+              <a:buChar char=""/>
+              <a:defRPr sz="1600" kern="1200">
+                <a:solidFill>
+                  <a:schemeClr val="tx2"/>
+                </a:solidFill>
+                <a:latin typeface="+mn-lt"/>
+                <a:ea typeface="+mn-ea"/>
+                <a:cs typeface="+mn-cs"/>
+              </a:defRPr>
+            </a:lvl2pPr>
+            <a:lvl3pPr marL="900000" indent="-270000" algn="l" defTabSz="457200" rtl="0" eaLnBrk="1" latinLnBrk="0" hangingPunct="1">
+              <a:spcBef>
+                <a:spcPct val="20000"/>
+              </a:spcBef>
+              <a:spcAft>
+                <a:spcPts val="600"/>
+              </a:spcAft>
+              <a:buClr>
+                <a:schemeClr val="accent2"/>
+              </a:buClr>
+              <a:buSzPct val="92000"/>
+              <a:buFont typeface="Wingdings 2" panose="05020102010507070707" pitchFamily="18" charset="2"/>
+              <a:buChar char=""/>
+              <a:defRPr sz="1400" kern="1200">
+                <a:solidFill>
+                  <a:schemeClr val="tx2"/>
+                </a:solidFill>
+                <a:latin typeface="+mn-lt"/>
+                <a:ea typeface="+mn-ea"/>
+                <a:cs typeface="+mn-cs"/>
+              </a:defRPr>
+            </a:lvl3pPr>
+            <a:lvl4pPr marL="1242000" indent="-234000" algn="l" defTabSz="457200" rtl="0" eaLnBrk="1" latinLnBrk="0" hangingPunct="1">
+              <a:spcBef>
+                <a:spcPct val="20000"/>
+              </a:spcBef>
+              <a:spcAft>
+                <a:spcPts val="600"/>
+              </a:spcAft>
+              <a:buClr>
+                <a:schemeClr val="accent2"/>
+              </a:buClr>
+              <a:buSzPct val="92000"/>
+              <a:buFont typeface="Wingdings 2" panose="05020102010507070707" pitchFamily="18" charset="2"/>
+              <a:buChar char=""/>
+              <a:defRPr sz="1200" kern="1200">
+                <a:solidFill>
+                  <a:schemeClr val="tx2"/>
+                </a:solidFill>
+                <a:latin typeface="+mn-lt"/>
+                <a:ea typeface="+mn-ea"/>
+                <a:cs typeface="+mn-cs"/>
+              </a:defRPr>
+            </a:lvl4pPr>
+            <a:lvl5pPr marL="1602000" indent="-234000" algn="l" defTabSz="457200" rtl="0" eaLnBrk="1" latinLnBrk="0" hangingPunct="1">
+              <a:spcBef>
+                <a:spcPct val="20000"/>
+              </a:spcBef>
+              <a:spcAft>
+                <a:spcPts val="600"/>
+              </a:spcAft>
+              <a:buClr>
+                <a:schemeClr val="accent2"/>
+              </a:buClr>
+              <a:buSzPct val="92000"/>
+              <a:buFont typeface="Wingdings 2" panose="05020102010507070707" pitchFamily="18" charset="2"/>
+              <a:buChar char=""/>
+              <a:defRPr sz="1200" kern="1200">
+                <a:solidFill>
+                  <a:schemeClr val="tx2"/>
+                </a:solidFill>
+                <a:latin typeface="+mn-lt"/>
+                <a:ea typeface="+mn-ea"/>
+                <a:cs typeface="+mn-cs"/>
+              </a:defRPr>
+            </a:lvl5pPr>
+            <a:lvl6pPr marL="1900000" indent="-228600" algn="l" defTabSz="457200" rtl="0" eaLnBrk="1" latinLnBrk="0" hangingPunct="1">
+              <a:spcBef>
+                <a:spcPct val="20000"/>
+              </a:spcBef>
+              <a:spcAft>
+                <a:spcPts val="600"/>
+              </a:spcAft>
+              <a:buClr>
+                <a:schemeClr val="accent2"/>
+              </a:buClr>
+              <a:buSzPct val="92000"/>
+              <a:buFont typeface="Wingdings 2" panose="05020102010507070707" pitchFamily="18" charset="2"/>
+              <a:buChar char=""/>
+              <a:defRPr sz="1200" kern="1200">
+                <a:solidFill>
+                  <a:schemeClr val="tx2"/>
+                </a:solidFill>
+                <a:latin typeface="+mn-lt"/>
+                <a:ea typeface="+mn-ea"/>
+                <a:cs typeface="+mn-cs"/>
+              </a:defRPr>
+            </a:lvl6pPr>
+            <a:lvl7pPr marL="2200000" indent="-228600" algn="l" defTabSz="457200" rtl="0" eaLnBrk="1" latinLnBrk="0" hangingPunct="1">
+              <a:spcBef>
+                <a:spcPct val="20000"/>
+              </a:spcBef>
+              <a:spcAft>
+                <a:spcPts val="600"/>
+              </a:spcAft>
+              <a:buClr>
+                <a:schemeClr val="accent2"/>
+              </a:buClr>
+              <a:buSzPct val="92000"/>
+              <a:buFont typeface="Wingdings 2" panose="05020102010507070707" pitchFamily="18" charset="2"/>
+              <a:buChar char=""/>
+              <a:defRPr sz="1200" kern="1200">
+                <a:solidFill>
+                  <a:schemeClr val="tx2"/>
+                </a:solidFill>
+                <a:latin typeface="+mn-lt"/>
+                <a:ea typeface="+mn-ea"/>
+                <a:cs typeface="+mn-cs"/>
+              </a:defRPr>
+            </a:lvl7pPr>
+            <a:lvl8pPr marL="2500000" indent="-228600" algn="l" defTabSz="457200" rtl="0" eaLnBrk="1" latinLnBrk="0" hangingPunct="1">
+              <a:spcBef>
+                <a:spcPct val="20000"/>
+              </a:spcBef>
+              <a:spcAft>
+                <a:spcPts val="600"/>
+              </a:spcAft>
+              <a:buClr>
+                <a:schemeClr val="accent2"/>
+              </a:buClr>
+              <a:buSzPct val="92000"/>
+              <a:buFont typeface="Wingdings 2" panose="05020102010507070707" pitchFamily="18" charset="2"/>
+              <a:buChar char=""/>
+              <a:defRPr sz="1200" kern="1200">
+                <a:solidFill>
+                  <a:schemeClr val="tx2"/>
+                </a:solidFill>
+                <a:latin typeface="+mn-lt"/>
+                <a:ea typeface="+mn-ea"/>
+                <a:cs typeface="+mn-cs"/>
+              </a:defRPr>
+            </a:lvl8pPr>
+            <a:lvl9pPr marL="2800000" indent="-228600" algn="l" defTabSz="457200" rtl="0" eaLnBrk="1" latinLnBrk="0" hangingPunct="1">
+              <a:spcBef>
+                <a:spcPct val="20000"/>
+              </a:spcBef>
+              <a:spcAft>
+                <a:spcPts val="600"/>
+              </a:spcAft>
+              <a:buClr>
+                <a:schemeClr val="accent2"/>
+              </a:buClr>
+              <a:buSzPct val="92000"/>
+              <a:buFont typeface="Wingdings 2" panose="05020102010507070707" pitchFamily="18" charset="2"/>
+              <a:buChar char=""/>
+              <a:defRPr sz="1200" kern="1200">
+                <a:solidFill>
+                  <a:schemeClr val="tx2"/>
+                </a:solidFill>
+                <a:latin typeface="+mn-lt"/>
+                <a:ea typeface="+mn-ea"/>
+                <a:cs typeface="+mn-cs"/>
+              </a:defRPr>
+            </a:lvl9pPr>
+          </a:lstStyle>
+          <a:p>
+            <a:pPr>
+              <a:buClr>
+                <a:srgbClr val="1A3160"/>
+              </a:buClr>
+            </a:pPr>
+            <a:r>
+              <a:rPr lang="en-US" sz="1100" dirty="0">
+                <a:solidFill>
+                  <a:srgbClr val="1A3160"/>
+                </a:solidFill>
+                <a:latin typeface="Aptos" panose="020B0004020202020204" pitchFamily="34" charset="0"/>
+              </a:rPr>
+              <a:t>The worst ambient air quality is in the northeast region of Afar  due to its common volcanic activity and desert storms</a:t>
+            </a:r>
+            <a:r>
+              <a:rPr lang="en-US" sz="1100" baseline="-25000" dirty="0">
+                <a:solidFill>
+                  <a:srgbClr val="1A3160"/>
+                </a:solidFill>
+                <a:latin typeface="Aptos" panose="020B0004020202020204" pitchFamily="34" charset="0"/>
+              </a:rPr>
+              <a:t>1</a:t>
+            </a:r>
+            <a:endParaRPr lang="en-US" sz="1100" dirty="0">
+              <a:solidFill>
+                <a:srgbClr val="1A3160"/>
+              </a:solidFill>
+              <a:latin typeface="Aptos" panose="020B0004020202020204" pitchFamily="34" charset="0"/>
+            </a:endParaRPr>
+          </a:p>
+          <a:p>
+            <a:pPr>
+              <a:buClr>
+                <a:srgbClr val="1A3160"/>
+              </a:buClr>
+            </a:pPr>
+            <a:r>
+              <a:rPr lang="en-US" sz="1100" dirty="0">
+                <a:solidFill>
+                  <a:srgbClr val="1A3160"/>
+                </a:solidFill>
+                <a:latin typeface="Aptos" panose="020B0004020202020204" pitchFamily="34" charset="0"/>
+              </a:rPr>
+              <a:t>Air pollution levels map closely with population settlement</a:t>
+            </a:r>
+          </a:p>
+          <a:p>
+            <a:pPr>
+              <a:buClr>
+                <a:srgbClr val="1A3160"/>
+              </a:buClr>
+            </a:pPr>
+            <a:r>
+              <a:rPr lang="en-US" sz="1100" dirty="0">
+                <a:solidFill>
+                  <a:srgbClr val="1A3160"/>
+                </a:solidFill>
+                <a:latin typeface="Aptos" panose="020B0004020202020204" pitchFamily="34" charset="0"/>
+              </a:rPr>
+              <a:t>Localized spikes in concentration at center of some cities (e.g., Addis Ababa, </a:t>
+            </a:r>
+            <a:r>
+              <a:rPr lang="en-US" sz="1100" dirty="0" err="1">
+                <a:solidFill>
+                  <a:srgbClr val="1A3160"/>
+                </a:solidFill>
+                <a:latin typeface="Aptos" panose="020B0004020202020204" pitchFamily="34" charset="0"/>
+              </a:rPr>
+              <a:t>Nazrēt</a:t>
+            </a:r>
+            <a:r>
+              <a:rPr lang="en-US" sz="1100" dirty="0">
+                <a:solidFill>
+                  <a:srgbClr val="1A3160"/>
+                </a:solidFill>
+                <a:latin typeface="Aptos" panose="020B0004020202020204" pitchFamily="34" charset="0"/>
+              </a:rPr>
+              <a:t>, Bahir Dar, Gonder)</a:t>
+            </a:r>
+          </a:p>
+          <a:p>
+            <a:pPr>
+              <a:buClr>
+                <a:srgbClr val="1A3160"/>
+              </a:buClr>
+            </a:pPr>
+            <a:endParaRPr lang="en-US" sz="1100" dirty="0">
+              <a:solidFill>
+                <a:srgbClr val="1A3160"/>
+              </a:solidFill>
+              <a:latin typeface="Aptos" panose="020B0004020202020204" pitchFamily="34" charset="0"/>
+            </a:endParaRPr>
+          </a:p>
+          <a:p>
+            <a:pPr marL="0" indent="0">
+              <a:buNone/>
+            </a:pPr>
+            <a:endParaRPr lang="en-US" sz="1100" b="1" dirty="0">
+              <a:solidFill>
+                <a:srgbClr val="4490B8"/>
+              </a:solidFill>
+              <a:latin typeface="Helvetica" pitchFamily="2" charset="0"/>
+            </a:endParaRPr>
+          </a:p>
+          <a:p>
+            <a:endParaRPr lang="en-US" sz="1100" dirty="0">
+              <a:latin typeface="Helvetica" pitchFamily="2" charset="0"/>
+            </a:endParaRPr>
+          </a:p>
+        </p:txBody>
+      </p:sp>
+      <p:sp>
+        <p:nvSpPr>
+          <p:cNvPr id="15" name="TextBox 14">
+            <a:extLst>
+              <a:ext uri="{FF2B5EF4-FFF2-40B4-BE49-F238E27FC236}">
+                <a16:creationId xmlns:a16="http://schemas.microsoft.com/office/drawing/2014/main" id="{1433C4B4-15CB-E422-D6B2-C4F7288AB8F1}"/>
+              </a:ext>
+            </a:extLst>
+          </p:cNvPr>
+          <p:cNvSpPr txBox="1"/>
+          <p:nvPr/>
+        </p:nvSpPr>
+        <p:spPr>
+          <a:xfrm>
+            <a:off x="316685" y="6664783"/>
+            <a:ext cx="11500466" cy="215444"/>
+          </a:xfrm>
+          <a:prstGeom prst="rect">
+            <a:avLst/>
+          </a:prstGeom>
+          <a:noFill/>
+        </p:spPr>
+        <p:txBody>
+          <a:bodyPr wrap="square" rtlCol="0">
+            <a:spAutoFit/>
+          </a:bodyPr>
+          <a:lstStyle/>
+          <a:p>
+            <a:pPr>
+              <a:spcAft>
+                <a:spcPts val="600"/>
+              </a:spcAft>
+            </a:pPr>
+            <a:r>
+              <a:rPr lang="en-US" sz="800" dirty="0">
+                <a:latin typeface="Aptos" panose="020B0004020202020204" pitchFamily="34" charset="0"/>
+              </a:rPr>
+              <a:t>Source:  1) Britannica.</a:t>
+            </a:r>
+            <a:endParaRPr lang="en-US" sz="800" dirty="0">
+              <a:latin typeface="Helvetica" pitchFamily="2" charset="0"/>
+            </a:endParaRPr>
+          </a:p>
+        </p:txBody>
+      </p:sp>
+    </p:spTree>
+    <p:extLst>
+      <p:ext uri="{BB962C8B-B14F-4D97-AF65-F5344CB8AC3E}">
+        <p14:creationId xmlns:p14="http://schemas.microsoft.com/office/powerpoint/2010/main" val="18379393"/>
+      </p:ext>
+    </p:extLst>
+  </p:cSld>
+  <p:clrMapOvr>
+    <a:masterClrMapping/>
+  </p:clrMapOvr>
+</p:sld>
+</file>
+
+<file path=ppt/slides/slide6.xml><?xml version="1.0" encoding="utf-8"?>
+<p:sld xmlns:a="http://schemas.openxmlformats.org/drawingml/2006/main" xmlns:r="http://schemas.openxmlformats.org/officeDocument/2006/relationships" xmlns:p="http://schemas.openxmlformats.org/presentationml/2006/main">
+  <p:cSld>
+    <p:spTree>
+      <p:nvGrpSpPr>
+        <p:cNvPr id="1" name=""/>
+        <p:cNvGrpSpPr/>
+        <p:nvPr/>
+      </p:nvGrpSpPr>
+      <p:grpSpPr>
+        <a:xfrm>
+          <a:off x="0" y="0"/>
+          <a:ext cx="0" cy="0"/>
+          <a:chOff x="0" y="0"/>
+          <a:chExt cx="0" cy="0"/>
+        </a:xfrm>
+      </p:grpSpPr>
+      <p:sp>
+        <p:nvSpPr>
+          <p:cNvPr id="2" name="Title 1">
+            <a:extLst>
+              <a:ext uri="{FF2B5EF4-FFF2-40B4-BE49-F238E27FC236}">
+                <a16:creationId xmlns:a16="http://schemas.microsoft.com/office/drawing/2014/main" id="{E3AD2E8F-5C76-E363-3DF2-D7DF7A78092E}"/>
+              </a:ext>
+            </a:extLst>
+          </p:cNvPr>
+          <p:cNvSpPr>
+            <a:spLocks noGrp="1"/>
+          </p:cNvSpPr>
+          <p:nvPr>
+            <p:ph type="title"/>
+          </p:nvPr>
+        </p:nvSpPr>
+        <p:spPr/>
+        <p:txBody>
+          <a:bodyPr/>
+          <a:lstStyle/>
+          <a:p>
+            <a:r>
+              <a:rPr lang="en-US" dirty="0"/>
+              <a:t>ADDIS ABABA OUTDOOR Air Quality</a:t>
+            </a:r>
+          </a:p>
+        </p:txBody>
+      </p:sp>
+      <p:pic>
+        <p:nvPicPr>
+          <p:cNvPr id="6" name="Content Placeholder 5">
+            <a:extLst>
+              <a:ext uri="{FF2B5EF4-FFF2-40B4-BE49-F238E27FC236}">
+                <a16:creationId xmlns:a16="http://schemas.microsoft.com/office/drawing/2014/main" id="{55B42CA7-591F-617B-D345-752BA2D233C1}"/>
+              </a:ext>
+            </a:extLst>
+          </p:cNvPr>
+          <p:cNvPicPr>
+            <a:picLocks noGrp="1" noChangeAspect="1"/>
+          </p:cNvPicPr>
+          <p:nvPr>
+            <p:ph sz="half" idx="1"/>
+          </p:nvPr>
+        </p:nvPicPr>
+        <p:blipFill>
+          <a:blip r:embed="rId2"/>
+          <a:stretch>
+            <a:fillRect/>
+          </a:stretch>
+        </p:blipFill>
+        <p:spPr>
+          <a:xfrm>
+            <a:off x="346133" y="1925817"/>
+            <a:ext cx="7480795" cy="4474983"/>
+          </a:xfrm>
+        </p:spPr>
+      </p:pic>
+      <p:sp>
+        <p:nvSpPr>
+          <p:cNvPr id="4" name="Content Placeholder 3">
+            <a:extLst>
+              <a:ext uri="{FF2B5EF4-FFF2-40B4-BE49-F238E27FC236}">
+                <a16:creationId xmlns:a16="http://schemas.microsoft.com/office/drawing/2014/main" id="{2832B388-1053-F00A-F0E9-4A81C402E78C}"/>
+              </a:ext>
+            </a:extLst>
+          </p:cNvPr>
+          <p:cNvSpPr>
+            <a:spLocks noGrp="1"/>
+          </p:cNvSpPr>
+          <p:nvPr>
+            <p:ph sz="half" idx="2"/>
+          </p:nvPr>
+        </p:nvSpPr>
+        <p:spPr>
+          <a:xfrm>
+            <a:off x="7952763" y="2269948"/>
+            <a:ext cx="3658045" cy="4130852"/>
+          </a:xfrm>
+        </p:spPr>
+        <p:txBody>
+          <a:bodyPr anchor="ctr">
+            <a:normAutofit/>
+          </a:bodyPr>
+          <a:lstStyle/>
+          <a:p>
+            <a:pPr>
+              <a:buClr>
+                <a:srgbClr val="1A3160"/>
+              </a:buClr>
+            </a:pPr>
+            <a:r>
+              <a:rPr lang="en-US" sz="1200" dirty="0">
+                <a:solidFill>
+                  <a:srgbClr val="1A3160"/>
+                </a:solidFill>
+                <a:latin typeface="Aptos" panose="020B0004020202020204" pitchFamily="34" charset="0"/>
+              </a:rPr>
+              <a:t>PM2.5 levels are highest between 8 – 10 AM and 7 – 9 PM with averages exceeding 30 </a:t>
+            </a:r>
+            <a:r>
+              <a:rPr lang="en-US" sz="1200" b="0" i="0" dirty="0">
+                <a:solidFill>
+                  <a:srgbClr val="1A3160"/>
+                </a:solidFill>
+                <a:effectLst/>
+                <a:latin typeface="Aptos" panose="020B0004020202020204" pitchFamily="34" charset="0"/>
+              </a:rPr>
+              <a:t>µg/m³</a:t>
+            </a:r>
+            <a:endParaRPr lang="en-US" sz="1200" dirty="0">
+              <a:solidFill>
+                <a:srgbClr val="1A3160"/>
+              </a:solidFill>
+              <a:latin typeface="Aptos" panose="020B0004020202020204" pitchFamily="34" charset="0"/>
+            </a:endParaRPr>
+          </a:p>
+          <a:p>
+            <a:pPr lvl="1">
+              <a:buClr>
+                <a:srgbClr val="1A3160"/>
+              </a:buClr>
+            </a:pPr>
+            <a:r>
+              <a:rPr lang="en-US" sz="1200" dirty="0">
+                <a:solidFill>
+                  <a:srgbClr val="1A3160"/>
+                </a:solidFill>
+                <a:latin typeface="Aptos" panose="020B0004020202020204" pitchFamily="34" charset="0"/>
+              </a:rPr>
+              <a:t>These are common commute times, highlighting vehicle emissions impact</a:t>
+            </a:r>
+          </a:p>
+          <a:p>
+            <a:pPr>
+              <a:buClr>
+                <a:srgbClr val="1A3160"/>
+              </a:buClr>
+            </a:pPr>
+            <a:r>
+              <a:rPr lang="en-US" sz="1200" dirty="0">
+                <a:solidFill>
+                  <a:srgbClr val="1A3160"/>
+                </a:solidFill>
+                <a:latin typeface="Aptos" panose="020B0004020202020204" pitchFamily="34" charset="0"/>
+              </a:rPr>
+              <a:t>Average concentration over the course of a day consistently exceeds the WHO 24-hour guideline of 15 µg/m³, affecting Addis Ababa’s 5.7 million residents</a:t>
+            </a:r>
+            <a:r>
+              <a:rPr lang="en-US" sz="1200" baseline="-25000" dirty="0">
+                <a:solidFill>
+                  <a:srgbClr val="1A3160"/>
+                </a:solidFill>
+                <a:latin typeface="Aptos" panose="020B0004020202020204" pitchFamily="34" charset="0"/>
+              </a:rPr>
+              <a:t>1</a:t>
+            </a:r>
+            <a:endParaRPr lang="en-US" sz="1200" dirty="0">
+              <a:solidFill>
+                <a:srgbClr val="1A3160"/>
+              </a:solidFill>
+              <a:latin typeface="Aptos" panose="020B0004020202020204" pitchFamily="34" charset="0"/>
+            </a:endParaRPr>
+          </a:p>
+          <a:p>
+            <a:pPr>
+              <a:buClr>
+                <a:srgbClr val="1A3160"/>
+              </a:buClr>
+            </a:pPr>
+            <a:r>
+              <a:rPr lang="en-US" sz="1200" dirty="0">
+                <a:solidFill>
+                  <a:srgbClr val="1A3160"/>
+                </a:solidFill>
+                <a:latin typeface="Aptos" panose="020B0004020202020204" pitchFamily="34" charset="0"/>
+              </a:rPr>
+              <a:t>Like regional trends, concentration levels in the city have remained mostly flat over the 8 years, albeit at unsafe levels</a:t>
+            </a:r>
+          </a:p>
+          <a:p>
+            <a:pPr marL="0" indent="0">
+              <a:buClr>
+                <a:srgbClr val="1A3160"/>
+              </a:buClr>
+              <a:buNone/>
+            </a:pPr>
+            <a:endParaRPr lang="en-US" sz="1200" dirty="0">
+              <a:solidFill>
+                <a:srgbClr val="1A3160"/>
+              </a:solidFill>
+              <a:latin typeface="Aptos" panose="020B0004020202020204" pitchFamily="34" charset="0"/>
+            </a:endParaRPr>
+          </a:p>
+        </p:txBody>
+      </p:sp>
+      <p:sp>
+        <p:nvSpPr>
+          <p:cNvPr id="7" name="TextBox 6">
+            <a:extLst>
+              <a:ext uri="{FF2B5EF4-FFF2-40B4-BE49-F238E27FC236}">
+                <a16:creationId xmlns:a16="http://schemas.microsoft.com/office/drawing/2014/main" id="{B0401424-AA28-18A3-442B-9263D2D64EA7}"/>
+              </a:ext>
+            </a:extLst>
+          </p:cNvPr>
+          <p:cNvSpPr txBox="1"/>
+          <p:nvPr/>
+        </p:nvSpPr>
+        <p:spPr>
+          <a:xfrm>
+            <a:off x="316685" y="6664783"/>
+            <a:ext cx="11500466" cy="215444"/>
+          </a:xfrm>
+          <a:prstGeom prst="rect">
+            <a:avLst/>
+          </a:prstGeom>
+          <a:noFill/>
+        </p:spPr>
+        <p:txBody>
+          <a:bodyPr wrap="square" rtlCol="0">
+            <a:spAutoFit/>
+          </a:bodyPr>
+          <a:lstStyle/>
+          <a:p>
+            <a:pPr>
+              <a:spcAft>
+                <a:spcPts val="600"/>
+              </a:spcAft>
+            </a:pPr>
+            <a:r>
+              <a:rPr lang="en-US" sz="800" dirty="0">
+                <a:latin typeface="Aptos" panose="020B0004020202020204" pitchFamily="34" charset="0"/>
+              </a:rPr>
+              <a:t>Source:  1) World Population Review.</a:t>
+            </a:r>
+            <a:endParaRPr lang="en-US" sz="800" dirty="0">
+              <a:latin typeface="Helvetica" pitchFamily="2" charset="0"/>
+            </a:endParaRPr>
+          </a:p>
+        </p:txBody>
+      </p:sp>
+    </p:spTree>
+    <p:extLst>
+      <p:ext uri="{BB962C8B-B14F-4D97-AF65-F5344CB8AC3E}">
+        <p14:creationId xmlns:p14="http://schemas.microsoft.com/office/powerpoint/2010/main" val="278696421"/>
+      </p:ext>
+    </p:extLst>
+  </p:cSld>
+  <p:clrMapOvr>
+    <a:masterClrMapping/>
+  </p:clrMapOvr>
+</p:sld>
+</file>
+
+<file path=ppt/slides/slide7.xml><?xml version="1.0" encoding="utf-8"?>
+<p:sld xmlns:a="http://schemas.openxmlformats.org/drawingml/2006/main" xmlns:r="http://schemas.openxmlformats.org/officeDocument/2006/relationships" xmlns:p="http://schemas.openxmlformats.org/presentationml/2006/main">
+  <p:cSld>
+    <p:spTree>
+      <p:nvGrpSpPr>
+        <p:cNvPr id="1" name=""/>
+        <p:cNvGrpSpPr/>
+        <p:nvPr/>
+      </p:nvGrpSpPr>
+      <p:grpSpPr>
+        <a:xfrm>
+          <a:off x="0" y="0"/>
+          <a:ext cx="0" cy="0"/>
+          <a:chOff x="0" y="0"/>
+          <a:chExt cx="0" cy="0"/>
+        </a:xfrm>
+      </p:grpSpPr>
+      <p:sp>
+        <p:nvSpPr>
+          <p:cNvPr id="2" name="Title 1">
+            <a:extLst>
+              <a:ext uri="{FF2B5EF4-FFF2-40B4-BE49-F238E27FC236}">
+                <a16:creationId xmlns:a16="http://schemas.microsoft.com/office/drawing/2014/main" id="{0C137315-1795-4A8C-B016-969468114ABA}"/>
+              </a:ext>
+            </a:extLst>
+          </p:cNvPr>
+          <p:cNvSpPr>
+            <a:spLocks noGrp="1"/>
+          </p:cNvSpPr>
+          <p:nvPr>
+            <p:ph type="title"/>
+          </p:nvPr>
+        </p:nvSpPr>
+        <p:spPr/>
+        <p:txBody>
+          <a:bodyPr/>
+          <a:lstStyle/>
+          <a:p>
+            <a:r>
+              <a:rPr lang="en-US" dirty="0"/>
+              <a:t>Household Air Pollution Exposure </a:t>
+            </a:r>
+          </a:p>
+        </p:txBody>
+      </p:sp>
+      <p:pic>
+        <p:nvPicPr>
+          <p:cNvPr id="6" name="Content Placeholder 5" descr="A graph of different colored lines&#10;&#10;Description automatically generated">
+            <a:extLst>
+              <a:ext uri="{FF2B5EF4-FFF2-40B4-BE49-F238E27FC236}">
+                <a16:creationId xmlns:a16="http://schemas.microsoft.com/office/drawing/2014/main" id="{FF436C38-2272-2B78-5DB1-3EE78D769F6D}"/>
+              </a:ext>
+            </a:extLst>
+          </p:cNvPr>
+          <p:cNvPicPr>
+            <a:picLocks noGrp="1" noChangeAspect="1"/>
+          </p:cNvPicPr>
+          <p:nvPr>
+            <p:ph sz="half" idx="1"/>
+          </p:nvPr>
+        </p:nvPicPr>
+        <p:blipFill>
+          <a:blip r:embed="rId2"/>
+          <a:stretch>
+            <a:fillRect/>
+          </a:stretch>
+        </p:blipFill>
+        <p:spPr>
+          <a:xfrm>
+            <a:off x="326821" y="1930867"/>
+            <a:ext cx="7483679" cy="4268598"/>
+          </a:xfrm>
+        </p:spPr>
+      </p:pic>
+      <p:sp>
+        <p:nvSpPr>
+          <p:cNvPr id="7" name="Content Placeholder 3">
+            <a:extLst>
+              <a:ext uri="{FF2B5EF4-FFF2-40B4-BE49-F238E27FC236}">
+                <a16:creationId xmlns:a16="http://schemas.microsoft.com/office/drawing/2014/main" id="{BF5C008D-750B-78EF-E3B7-B3A083C6B6A0}"/>
+              </a:ext>
+            </a:extLst>
+          </p:cNvPr>
+          <p:cNvSpPr>
+            <a:spLocks noGrp="1"/>
+          </p:cNvSpPr>
+          <p:nvPr>
+            <p:ph sz="half" idx="2"/>
+          </p:nvPr>
+        </p:nvSpPr>
+        <p:spPr>
+          <a:xfrm>
+            <a:off x="7952763" y="2269948"/>
+            <a:ext cx="3658045" cy="4130852"/>
+          </a:xfrm>
+        </p:spPr>
+        <p:txBody>
+          <a:bodyPr anchor="t">
+            <a:normAutofit/>
+          </a:bodyPr>
+          <a:lstStyle/>
+          <a:p>
+            <a:pPr>
+              <a:buClr>
+                <a:srgbClr val="1A3160"/>
+              </a:buClr>
+            </a:pPr>
+            <a:r>
+              <a:rPr lang="en-US" sz="1200" dirty="0">
+                <a:solidFill>
+                  <a:srgbClr val="1A3160"/>
+                </a:solidFill>
+                <a:latin typeface="Aptos" panose="020B0004020202020204" pitchFamily="34" charset="0"/>
+              </a:rPr>
+              <a:t>Overwhelming majority of the total population still relies on polluting fuels for cooking</a:t>
+            </a:r>
+          </a:p>
+          <a:p>
+            <a:pPr lvl="1">
+              <a:buClr>
+                <a:srgbClr val="4490B8"/>
+              </a:buClr>
+              <a:buSzPct val="95000"/>
+            </a:pPr>
+            <a:r>
+              <a:rPr lang="en-US" sz="1200" dirty="0">
+                <a:solidFill>
+                  <a:srgbClr val="4490B8"/>
+                </a:solidFill>
+                <a:latin typeface="Aptos" panose="020B0004020202020204" pitchFamily="34" charset="0"/>
+              </a:rPr>
+              <a:t>Only</a:t>
+            </a:r>
+            <a:r>
+              <a:rPr lang="en-US" dirty="0">
+                <a:solidFill>
+                  <a:srgbClr val="4490B8"/>
+                </a:solidFill>
+                <a:latin typeface="Aptos" panose="020B0004020202020204" pitchFamily="34" charset="0"/>
+              </a:rPr>
+              <a:t> </a:t>
+            </a:r>
+            <a:r>
+              <a:rPr lang="en-US" b="1" dirty="0">
+                <a:solidFill>
+                  <a:srgbClr val="4490B8"/>
+                </a:solidFill>
+                <a:latin typeface="Aptos" panose="020B0004020202020204" pitchFamily="34" charset="0"/>
+              </a:rPr>
+              <a:t>8.5 </a:t>
+            </a:r>
+            <a:r>
+              <a:rPr lang="en-US" sz="1200" b="1" dirty="0">
+                <a:solidFill>
+                  <a:srgbClr val="4490B8"/>
+                </a:solidFill>
+                <a:latin typeface="Aptos" panose="020B0004020202020204" pitchFamily="34" charset="0"/>
+              </a:rPr>
+              <a:t>%</a:t>
+            </a:r>
+            <a:r>
+              <a:rPr lang="en-US" b="1" dirty="0">
+                <a:solidFill>
+                  <a:srgbClr val="4490B8"/>
+                </a:solidFill>
+                <a:latin typeface="Aptos" panose="020B0004020202020204" pitchFamily="34" charset="0"/>
+              </a:rPr>
+              <a:t> </a:t>
+            </a:r>
+            <a:r>
+              <a:rPr lang="en-US" sz="1200" dirty="0">
+                <a:solidFill>
+                  <a:srgbClr val="4490B8"/>
+                </a:solidFill>
+                <a:latin typeface="Aptos" panose="020B0004020202020204" pitchFamily="34" charset="0"/>
+              </a:rPr>
+              <a:t>of population has access to clean cooking fuels and tech. as of 2022</a:t>
+            </a:r>
+          </a:p>
+          <a:p>
+            <a:pPr lvl="1">
+              <a:buClr>
+                <a:srgbClr val="4490B8"/>
+              </a:buClr>
+              <a:buSzPct val="70000"/>
+            </a:pPr>
+            <a:r>
+              <a:rPr lang="en-US" sz="1600" b="1" dirty="0">
+                <a:solidFill>
+                  <a:srgbClr val="4490B8"/>
+                </a:solidFill>
+                <a:latin typeface="Aptos" panose="020B0004020202020204" pitchFamily="34" charset="0"/>
+              </a:rPr>
+              <a:t>13.5 </a:t>
+            </a:r>
+            <a:r>
+              <a:rPr lang="en-US" sz="1200" b="1" dirty="0">
+                <a:solidFill>
+                  <a:srgbClr val="4490B8"/>
+                </a:solidFill>
+                <a:latin typeface="Aptos" panose="020B0004020202020204" pitchFamily="34" charset="0"/>
+              </a:rPr>
+              <a:t>pp. </a:t>
+            </a:r>
+            <a:r>
+              <a:rPr lang="en-US" sz="1200" dirty="0">
+                <a:solidFill>
+                  <a:srgbClr val="4490B8"/>
+                </a:solidFill>
+                <a:latin typeface="Aptos" panose="020B0004020202020204" pitchFamily="34" charset="0"/>
+              </a:rPr>
+              <a:t>decline in biomass use in three decades</a:t>
+            </a:r>
+          </a:p>
+          <a:p>
+            <a:pPr>
+              <a:buClr>
+                <a:srgbClr val="1A3160"/>
+              </a:buClr>
+            </a:pPr>
+            <a:r>
+              <a:rPr lang="en-US" sz="1200" dirty="0">
+                <a:solidFill>
+                  <a:srgbClr val="1A3160"/>
+                </a:solidFill>
+                <a:latin typeface="Aptos" panose="020B0004020202020204" pitchFamily="34" charset="0"/>
+              </a:rPr>
+              <a:t>The growing access to safer alternatives is slow and limited to urban areas</a:t>
+            </a:r>
+          </a:p>
+          <a:p>
+            <a:pPr lvl="1">
+              <a:buClr>
+                <a:srgbClr val="4490B8"/>
+              </a:buClr>
+              <a:buSzPct val="70000"/>
+            </a:pPr>
+            <a:r>
+              <a:rPr lang="en-US" b="1" dirty="0">
+                <a:solidFill>
+                  <a:srgbClr val="4490B8"/>
+                </a:solidFill>
+                <a:latin typeface="Aptos" panose="020B0004020202020204" pitchFamily="34" charset="0"/>
+              </a:rPr>
+              <a:t>27.6 </a:t>
+            </a:r>
+            <a:r>
+              <a:rPr lang="en-US" sz="1200" b="1" dirty="0">
+                <a:solidFill>
+                  <a:srgbClr val="4490B8"/>
+                </a:solidFill>
+                <a:latin typeface="Aptos" panose="020B0004020202020204" pitchFamily="34" charset="0"/>
+              </a:rPr>
+              <a:t>pp.</a:t>
+            </a:r>
+            <a:r>
+              <a:rPr lang="en-US" sz="1200" dirty="0">
+                <a:solidFill>
+                  <a:srgbClr val="4490B8"/>
+                </a:solidFill>
+                <a:latin typeface="Aptos" panose="020B0004020202020204" pitchFamily="34" charset="0"/>
+              </a:rPr>
+              <a:t> net gain in urban clean cooking fuel access over 30-year period </a:t>
+            </a:r>
+          </a:p>
+          <a:p>
+            <a:pPr lvl="1">
+              <a:buClr>
+                <a:srgbClr val="4490B8"/>
+              </a:buClr>
+              <a:buSzPct val="70000"/>
+            </a:pPr>
+            <a:r>
+              <a:rPr lang="en-US" b="1" dirty="0">
+                <a:solidFill>
+                  <a:srgbClr val="4490B8"/>
+                </a:solidFill>
+                <a:latin typeface="Aptos" panose="020B0004020202020204" pitchFamily="34" charset="0"/>
+              </a:rPr>
+              <a:t>21.4</a:t>
+            </a:r>
+            <a:r>
+              <a:rPr lang="en-US" sz="1000" b="1" dirty="0">
+                <a:solidFill>
+                  <a:srgbClr val="4490B8"/>
+                </a:solidFill>
+                <a:latin typeface="Aptos" panose="020B0004020202020204" pitchFamily="34" charset="0"/>
+              </a:rPr>
+              <a:t> </a:t>
+            </a:r>
+            <a:r>
+              <a:rPr lang="en-US" sz="1200" b="1" dirty="0">
+                <a:solidFill>
+                  <a:srgbClr val="4490B8"/>
+                </a:solidFill>
+                <a:latin typeface="Aptos" panose="020B0004020202020204" pitchFamily="34" charset="0"/>
+              </a:rPr>
+              <a:t>million</a:t>
+            </a:r>
+            <a:r>
+              <a:rPr lang="en-US" sz="1200" dirty="0">
+                <a:solidFill>
+                  <a:srgbClr val="4490B8"/>
+                </a:solidFill>
+                <a:latin typeface="Aptos" panose="020B0004020202020204" pitchFamily="34" charset="0"/>
+              </a:rPr>
+              <a:t> people in urban areas still relying on unclean fuels</a:t>
+            </a:r>
+          </a:p>
+          <a:p>
+            <a:pPr lvl="1">
+              <a:buClr>
+                <a:srgbClr val="4490B8"/>
+              </a:buClr>
+              <a:buSzPct val="95000"/>
+            </a:pPr>
+            <a:r>
+              <a:rPr lang="en-US" sz="1200" dirty="0">
+                <a:solidFill>
+                  <a:srgbClr val="4490B8"/>
+                </a:solidFill>
+                <a:latin typeface="Aptos" panose="020B0004020202020204" pitchFamily="34" charset="0"/>
+              </a:rPr>
+              <a:t>Over </a:t>
+            </a:r>
+            <a:r>
+              <a:rPr lang="en-US" b="1" dirty="0">
+                <a:solidFill>
+                  <a:srgbClr val="4490B8"/>
+                </a:solidFill>
+                <a:latin typeface="Aptos" panose="020B0004020202020204" pitchFamily="34" charset="0"/>
+              </a:rPr>
+              <a:t>95 </a:t>
+            </a:r>
+            <a:r>
+              <a:rPr lang="en-US" sz="1200" b="1" dirty="0">
+                <a:solidFill>
+                  <a:srgbClr val="4490B8"/>
+                </a:solidFill>
+                <a:latin typeface="Aptos" panose="020B0004020202020204" pitchFamily="34" charset="0"/>
+              </a:rPr>
+              <a:t>% </a:t>
+            </a:r>
+            <a:r>
+              <a:rPr lang="en-US" sz="1200" dirty="0">
+                <a:solidFill>
+                  <a:srgbClr val="4490B8"/>
+                </a:solidFill>
+                <a:latin typeface="Aptos" panose="020B0004020202020204" pitchFamily="34" charset="0"/>
+              </a:rPr>
+              <a:t>of rural population primarily cooks with biomass</a:t>
+            </a:r>
+          </a:p>
+          <a:p>
+            <a:pPr marL="0" indent="0">
+              <a:buClr>
+                <a:srgbClr val="1A3160"/>
+              </a:buClr>
+              <a:buNone/>
+            </a:pPr>
+            <a:endParaRPr lang="en-US" sz="1200" dirty="0">
+              <a:solidFill>
+                <a:srgbClr val="1A3160"/>
+              </a:solidFill>
+              <a:latin typeface="Aptos" panose="020B0004020202020204" pitchFamily="34" charset="0"/>
+            </a:endParaRPr>
+          </a:p>
+        </p:txBody>
+      </p:sp>
+    </p:spTree>
+    <p:extLst>
+      <p:ext uri="{BB962C8B-B14F-4D97-AF65-F5344CB8AC3E}">
+        <p14:creationId xmlns:p14="http://schemas.microsoft.com/office/powerpoint/2010/main" val="3890801270"/>
+      </p:ext>
+    </p:extLst>
+  </p:cSld>
+  <p:clrMapOvr>
+    <a:masterClrMapping/>
+  </p:clrMapOvr>
+</p:sld>
+</file>
+
+<file path=ppt/slides/slide8.xml><?xml version="1.0" encoding="utf-8"?>
+<p:sld xmlns:a="http://schemas.openxmlformats.org/drawingml/2006/main" xmlns:r="http://schemas.openxmlformats.org/officeDocument/2006/relationships" xmlns:p="http://schemas.openxmlformats.org/presentationml/2006/main">
+  <p:cSld>
+    <p:spTree>
+      <p:nvGrpSpPr>
+        <p:cNvPr id="1" name=""/>
+        <p:cNvGrpSpPr/>
+        <p:nvPr/>
+      </p:nvGrpSpPr>
+      <p:grpSpPr>
+        <a:xfrm>
+          <a:off x="0" y="0"/>
+          <a:ext cx="0" cy="0"/>
+          <a:chOff x="0" y="0"/>
+          <a:chExt cx="0" cy="0"/>
+        </a:xfrm>
+      </p:grpSpPr>
+      <p:sp>
+        <p:nvSpPr>
+          <p:cNvPr id="2" name="Title 1">
+            <a:extLst>
+              <a:ext uri="{FF2B5EF4-FFF2-40B4-BE49-F238E27FC236}">
+                <a16:creationId xmlns:a16="http://schemas.microsoft.com/office/drawing/2014/main" id="{7A60B971-F2ED-9A5E-3B81-73C2C19FF97A}"/>
+              </a:ext>
+            </a:extLst>
+          </p:cNvPr>
+          <p:cNvSpPr>
+            <a:spLocks noGrp="1"/>
+          </p:cNvSpPr>
+          <p:nvPr>
+            <p:ph type="title"/>
+          </p:nvPr>
+        </p:nvSpPr>
+        <p:spPr/>
+        <p:txBody>
+          <a:bodyPr/>
+          <a:lstStyle/>
+          <a:p>
+            <a:r>
+              <a:rPr lang="en-US" dirty="0"/>
+              <a:t>Air Pollution Associated Burden of Disease </a:t>
+            </a:r>
+          </a:p>
+        </p:txBody>
+      </p:sp>
+      <p:pic>
+        <p:nvPicPr>
+          <p:cNvPr id="6" name="Content Placeholder 5" descr="A graph of air pollution&#10;&#10;Description automatically generated with medium confidence">
+            <a:extLst>
+              <a:ext uri="{FF2B5EF4-FFF2-40B4-BE49-F238E27FC236}">
+                <a16:creationId xmlns:a16="http://schemas.microsoft.com/office/drawing/2014/main" id="{0E274051-71E8-4663-0F85-D1627807A378}"/>
+              </a:ext>
+            </a:extLst>
+          </p:cNvPr>
+          <p:cNvPicPr>
+            <a:picLocks noGrp="1" noChangeAspect="1"/>
+          </p:cNvPicPr>
+          <p:nvPr>
+            <p:ph sz="half" idx="1"/>
+          </p:nvPr>
+        </p:nvPicPr>
+        <p:blipFill>
+          <a:blip r:embed="rId2"/>
+          <a:stretch>
+            <a:fillRect/>
+          </a:stretch>
+        </p:blipFill>
+        <p:spPr>
+          <a:xfrm>
+            <a:off x="368766" y="1936458"/>
+            <a:ext cx="5650061" cy="2895601"/>
+          </a:xfrm>
+        </p:spPr>
+      </p:pic>
+      <p:pic>
+        <p:nvPicPr>
+          <p:cNvPr id="8" name="Content Placeholder 7" descr="A graph of a number of people with different colored lines&#10;&#10;Description automatically generated with medium confidence">
+            <a:extLst>
+              <a:ext uri="{FF2B5EF4-FFF2-40B4-BE49-F238E27FC236}">
+                <a16:creationId xmlns:a16="http://schemas.microsoft.com/office/drawing/2014/main" id="{AE8D690F-D734-F778-5AFD-F086A1FC41FC}"/>
+              </a:ext>
+            </a:extLst>
+          </p:cNvPr>
+          <p:cNvPicPr>
+            <a:picLocks noGrp="1" noChangeAspect="1"/>
+          </p:cNvPicPr>
+          <p:nvPr>
+            <p:ph sz="half" idx="2"/>
+          </p:nvPr>
+        </p:nvPicPr>
+        <p:blipFill>
+          <a:blip r:embed="rId3"/>
+          <a:stretch>
+            <a:fillRect/>
+          </a:stretch>
+        </p:blipFill>
+        <p:spPr>
+          <a:xfrm>
+            <a:off x="6283059" y="1936458"/>
+            <a:ext cx="5451742" cy="2895601"/>
+          </a:xfrm>
+        </p:spPr>
+      </p:pic>
+      <p:sp>
+        <p:nvSpPr>
+          <p:cNvPr id="9" name="Content Placeholder 2">
+            <a:extLst>
+              <a:ext uri="{FF2B5EF4-FFF2-40B4-BE49-F238E27FC236}">
+                <a16:creationId xmlns:a16="http://schemas.microsoft.com/office/drawing/2014/main" id="{686DBFC4-A36E-C8AF-1D89-A03413250426}"/>
+              </a:ext>
+            </a:extLst>
+          </p:cNvPr>
+          <p:cNvSpPr txBox="1">
+            <a:spLocks/>
+          </p:cNvSpPr>
+          <p:nvPr/>
+        </p:nvSpPr>
+        <p:spPr>
+          <a:xfrm>
+            <a:off x="327716" y="4928072"/>
+            <a:ext cx="5650061" cy="1815628"/>
+          </a:xfrm>
+          <a:prstGeom prst="rect">
+            <a:avLst/>
+          </a:prstGeom>
+        </p:spPr>
+        <p:txBody>
+          <a:bodyPr vert="horz" lIns="91440" tIns="45720" rIns="91440" bIns="45720" rtlCol="0" anchor="t">
+            <a:noAutofit/>
+          </a:bodyPr>
+          <a:lstStyle>
+            <a:lvl1pPr marL="306000" indent="-306000" algn="l" defTabSz="457200" rtl="0" eaLnBrk="1" latinLnBrk="0" hangingPunct="1">
+              <a:spcBef>
+                <a:spcPct val="20000"/>
+              </a:spcBef>
+              <a:spcAft>
+                <a:spcPts val="600"/>
+              </a:spcAft>
+              <a:buClr>
+                <a:schemeClr val="accent2"/>
+              </a:buClr>
+              <a:buSzPct val="92000"/>
+              <a:buFont typeface="Wingdings 2" panose="05020102010507070707" pitchFamily="18" charset="2"/>
+              <a:buChar char=""/>
+              <a:defRPr sz="1800" kern="1200">
+                <a:solidFill>
+                  <a:schemeClr val="tx2"/>
+                </a:solidFill>
+                <a:latin typeface="+mn-lt"/>
+                <a:ea typeface="+mn-ea"/>
+                <a:cs typeface="+mn-cs"/>
+              </a:defRPr>
+            </a:lvl1pPr>
+            <a:lvl2pPr marL="630000" indent="-306000" algn="l" defTabSz="457200" rtl="0" eaLnBrk="1" latinLnBrk="0" hangingPunct="1">
+              <a:spcBef>
+                <a:spcPct val="20000"/>
+              </a:spcBef>
+              <a:spcAft>
+                <a:spcPts val="600"/>
+              </a:spcAft>
+              <a:buClr>
+                <a:schemeClr val="accent2"/>
+              </a:buClr>
+              <a:buSzPct val="92000"/>
+              <a:buFont typeface="Wingdings 2" panose="05020102010507070707" pitchFamily="18" charset="2"/>
+              <a:buChar char=""/>
+              <a:defRPr sz="1600" kern="1200">
+                <a:solidFill>
+                  <a:schemeClr val="tx2"/>
+                </a:solidFill>
+                <a:latin typeface="+mn-lt"/>
+                <a:ea typeface="+mn-ea"/>
+                <a:cs typeface="+mn-cs"/>
+              </a:defRPr>
+            </a:lvl2pPr>
+            <a:lvl3pPr marL="900000" indent="-270000" algn="l" defTabSz="457200" rtl="0" eaLnBrk="1" latinLnBrk="0" hangingPunct="1">
+              <a:spcBef>
+                <a:spcPct val="20000"/>
+              </a:spcBef>
+              <a:spcAft>
+                <a:spcPts val="600"/>
+              </a:spcAft>
+              <a:buClr>
+                <a:schemeClr val="accent2"/>
+              </a:buClr>
+              <a:buSzPct val="92000"/>
+              <a:buFont typeface="Wingdings 2" panose="05020102010507070707" pitchFamily="18" charset="2"/>
+              <a:buChar char=""/>
+              <a:defRPr sz="1400" kern="1200">
+                <a:solidFill>
+                  <a:schemeClr val="tx2"/>
+                </a:solidFill>
+                <a:latin typeface="+mn-lt"/>
+                <a:ea typeface="+mn-ea"/>
+                <a:cs typeface="+mn-cs"/>
+              </a:defRPr>
+            </a:lvl3pPr>
+            <a:lvl4pPr marL="1242000" indent="-234000" algn="l" defTabSz="457200" rtl="0" eaLnBrk="1" latinLnBrk="0" hangingPunct="1">
+              <a:spcBef>
+                <a:spcPct val="20000"/>
+              </a:spcBef>
+              <a:spcAft>
+                <a:spcPts val="600"/>
+              </a:spcAft>
+              <a:buClr>
+                <a:schemeClr val="accent2"/>
+              </a:buClr>
+              <a:buSzPct val="92000"/>
+              <a:buFont typeface="Wingdings 2" panose="05020102010507070707" pitchFamily="18" charset="2"/>
+              <a:buChar char=""/>
+              <a:defRPr sz="1200" kern="1200">
+                <a:solidFill>
+                  <a:schemeClr val="tx2"/>
+                </a:solidFill>
+                <a:latin typeface="+mn-lt"/>
+                <a:ea typeface="+mn-ea"/>
+                <a:cs typeface="+mn-cs"/>
+              </a:defRPr>
+            </a:lvl4pPr>
+            <a:lvl5pPr marL="1602000" indent="-234000" algn="l" defTabSz="457200" rtl="0" eaLnBrk="1" latinLnBrk="0" hangingPunct="1">
+              <a:spcBef>
+                <a:spcPct val="20000"/>
+              </a:spcBef>
+              <a:spcAft>
+                <a:spcPts val="600"/>
+              </a:spcAft>
+              <a:buClr>
+                <a:schemeClr val="accent2"/>
+              </a:buClr>
+              <a:buSzPct val="92000"/>
+              <a:buFont typeface="Wingdings 2" panose="05020102010507070707" pitchFamily="18" charset="2"/>
+              <a:buChar char=""/>
+              <a:defRPr sz="1200" kern="1200">
+                <a:solidFill>
+                  <a:schemeClr val="tx2"/>
+                </a:solidFill>
+                <a:latin typeface="+mn-lt"/>
+                <a:ea typeface="+mn-ea"/>
+                <a:cs typeface="+mn-cs"/>
+              </a:defRPr>
+            </a:lvl5pPr>
+            <a:lvl6pPr marL="1900000" indent="-228600" algn="l" defTabSz="457200" rtl="0" eaLnBrk="1" latinLnBrk="0" hangingPunct="1">
+              <a:spcBef>
+                <a:spcPct val="20000"/>
+              </a:spcBef>
+              <a:spcAft>
+                <a:spcPts val="600"/>
+              </a:spcAft>
+              <a:buClr>
+                <a:schemeClr val="accent2"/>
+              </a:buClr>
+              <a:buSzPct val="92000"/>
+              <a:buFont typeface="Wingdings 2" panose="05020102010507070707" pitchFamily="18" charset="2"/>
+              <a:buChar char=""/>
+              <a:defRPr sz="1200" kern="1200">
+                <a:solidFill>
+                  <a:schemeClr val="tx2"/>
+                </a:solidFill>
+                <a:latin typeface="+mn-lt"/>
+                <a:ea typeface="+mn-ea"/>
+                <a:cs typeface="+mn-cs"/>
+              </a:defRPr>
+            </a:lvl6pPr>
+            <a:lvl7pPr marL="2200000" indent="-228600" algn="l" defTabSz="457200" rtl="0" eaLnBrk="1" latinLnBrk="0" hangingPunct="1">
+              <a:spcBef>
+                <a:spcPct val="20000"/>
+              </a:spcBef>
+              <a:spcAft>
+                <a:spcPts val="600"/>
+              </a:spcAft>
+              <a:buClr>
+                <a:schemeClr val="accent2"/>
+              </a:buClr>
+              <a:buSzPct val="92000"/>
+              <a:buFont typeface="Wingdings 2" panose="05020102010507070707" pitchFamily="18" charset="2"/>
+              <a:buChar char=""/>
+              <a:defRPr sz="1200" kern="1200">
+                <a:solidFill>
+                  <a:schemeClr val="tx2"/>
+                </a:solidFill>
+                <a:latin typeface="+mn-lt"/>
+                <a:ea typeface="+mn-ea"/>
+                <a:cs typeface="+mn-cs"/>
+              </a:defRPr>
+            </a:lvl7pPr>
+            <a:lvl8pPr marL="2500000" indent="-228600" algn="l" defTabSz="457200" rtl="0" eaLnBrk="1" latinLnBrk="0" hangingPunct="1">
+              <a:spcBef>
+                <a:spcPct val="20000"/>
+              </a:spcBef>
+              <a:spcAft>
+                <a:spcPts val="600"/>
+              </a:spcAft>
+              <a:buClr>
+                <a:schemeClr val="accent2"/>
+              </a:buClr>
+              <a:buSzPct val="92000"/>
+              <a:buFont typeface="Wingdings 2" panose="05020102010507070707" pitchFamily="18" charset="2"/>
+              <a:buChar char=""/>
+              <a:defRPr sz="1200" kern="1200">
+                <a:solidFill>
+                  <a:schemeClr val="tx2"/>
+                </a:solidFill>
+                <a:latin typeface="+mn-lt"/>
+                <a:ea typeface="+mn-ea"/>
+                <a:cs typeface="+mn-cs"/>
+              </a:defRPr>
+            </a:lvl8pPr>
+            <a:lvl9pPr marL="2800000" indent="-228600" algn="l" defTabSz="457200" rtl="0" eaLnBrk="1" latinLnBrk="0" hangingPunct="1">
+              <a:spcBef>
+                <a:spcPct val="20000"/>
+              </a:spcBef>
+              <a:spcAft>
+                <a:spcPts val="600"/>
+              </a:spcAft>
+              <a:buClr>
+                <a:schemeClr val="accent2"/>
+              </a:buClr>
+              <a:buSzPct val="92000"/>
+              <a:buFont typeface="Wingdings 2" panose="05020102010507070707" pitchFamily="18" charset="2"/>
+              <a:buChar char=""/>
+              <a:defRPr sz="1200" kern="1200">
+                <a:solidFill>
+                  <a:schemeClr val="tx2"/>
+                </a:solidFill>
+                <a:latin typeface="+mn-lt"/>
+                <a:ea typeface="+mn-ea"/>
+                <a:cs typeface="+mn-cs"/>
+              </a:defRPr>
+            </a:lvl9pPr>
+          </a:lstStyle>
+          <a:p>
+            <a:pPr>
+              <a:buClr>
+                <a:srgbClr val="1A3160"/>
+              </a:buClr>
+            </a:pPr>
+            <a:r>
+              <a:rPr lang="en-US" sz="1200" dirty="0">
+                <a:solidFill>
+                  <a:srgbClr val="1A3160"/>
+                </a:solidFill>
+                <a:latin typeface="Aptos" panose="020B0004020202020204" pitchFamily="34" charset="0"/>
+              </a:rPr>
+              <a:t>Only slight improvement for health outcomes related to ambient air pollution -- potentially explained by the flat trend in outdoor air quality</a:t>
+            </a:r>
+          </a:p>
+          <a:p>
+            <a:pPr>
+              <a:buClr>
+                <a:srgbClr val="1A3160"/>
+              </a:buClr>
+            </a:pPr>
+            <a:r>
+              <a:rPr lang="en-US" sz="1200" dirty="0">
+                <a:solidFill>
+                  <a:srgbClr val="1A3160"/>
+                </a:solidFill>
+                <a:latin typeface="Aptos" panose="020B0004020202020204" pitchFamily="34" charset="0"/>
+              </a:rPr>
+              <a:t>Burden of disease, on average, seems higher for men</a:t>
+            </a:r>
+          </a:p>
+          <a:p>
+            <a:pPr>
+              <a:buClr>
+                <a:srgbClr val="1A3160"/>
+              </a:buClr>
+            </a:pPr>
+            <a:r>
+              <a:rPr lang="en-US" sz="1200" dirty="0">
+                <a:solidFill>
+                  <a:srgbClr val="1A3160"/>
+                </a:solidFill>
+                <a:latin typeface="Aptos" panose="020B0004020202020204" pitchFamily="34" charset="0"/>
+              </a:rPr>
+              <a:t>Ethiopia does slightly better than the world averages with respect to mortality and DALYs rates</a:t>
+            </a:r>
+            <a:r>
+              <a:rPr lang="en-US" sz="1200" baseline="-25000" dirty="0">
+                <a:solidFill>
+                  <a:srgbClr val="1A3160"/>
+                </a:solidFill>
+                <a:latin typeface="Aptos" panose="020B0004020202020204" pitchFamily="34" charset="0"/>
+              </a:rPr>
+              <a:t>1</a:t>
+            </a:r>
+            <a:endParaRPr lang="en-US" sz="1200" dirty="0">
+              <a:solidFill>
+                <a:srgbClr val="1A3160"/>
+              </a:solidFill>
+              <a:latin typeface="Aptos" panose="020B0004020202020204" pitchFamily="34" charset="0"/>
+            </a:endParaRPr>
+          </a:p>
+          <a:p>
+            <a:pPr>
+              <a:buClr>
+                <a:srgbClr val="1A3160"/>
+              </a:buClr>
+            </a:pPr>
+            <a:endParaRPr lang="en-US" sz="1200" dirty="0">
+              <a:solidFill>
+                <a:srgbClr val="1A3160"/>
+              </a:solidFill>
+              <a:latin typeface="Aptos" panose="020B0004020202020204" pitchFamily="34" charset="0"/>
+            </a:endParaRPr>
+          </a:p>
+          <a:p>
+            <a:pPr>
+              <a:buClr>
+                <a:srgbClr val="1A3160"/>
+              </a:buClr>
+            </a:pPr>
+            <a:endParaRPr lang="en-US" sz="1200" dirty="0">
+              <a:solidFill>
+                <a:srgbClr val="1A3160"/>
+              </a:solidFill>
+              <a:latin typeface="Aptos" panose="020B0004020202020204" pitchFamily="34" charset="0"/>
+            </a:endParaRPr>
+          </a:p>
+          <a:p>
+            <a:pPr>
+              <a:buClr>
+                <a:srgbClr val="1A3160"/>
+              </a:buClr>
+            </a:pPr>
+            <a:endParaRPr lang="en-US" sz="1400" dirty="0">
+              <a:solidFill>
+                <a:srgbClr val="1A3160"/>
+              </a:solidFill>
+              <a:latin typeface="Aptos" panose="020B0004020202020204" pitchFamily="34" charset="0"/>
+            </a:endParaRPr>
+          </a:p>
+          <a:p>
+            <a:pPr marL="0" indent="0">
+              <a:buNone/>
+            </a:pPr>
+            <a:endParaRPr lang="en-US" sz="1400" b="1" dirty="0">
+              <a:solidFill>
+                <a:srgbClr val="4490B8"/>
+              </a:solidFill>
+              <a:latin typeface="Helvetica" pitchFamily="2" charset="0"/>
+            </a:endParaRPr>
+          </a:p>
+          <a:p>
+            <a:endParaRPr lang="en-US" sz="1400" dirty="0">
+              <a:latin typeface="Helvetica" pitchFamily="2" charset="0"/>
+            </a:endParaRPr>
+          </a:p>
+        </p:txBody>
+      </p:sp>
+      <p:sp>
+        <p:nvSpPr>
+          <p:cNvPr id="10" name="Content Placeholder 2">
+            <a:extLst>
+              <a:ext uri="{FF2B5EF4-FFF2-40B4-BE49-F238E27FC236}">
+                <a16:creationId xmlns:a16="http://schemas.microsoft.com/office/drawing/2014/main" id="{869DCFD6-2BC3-D693-58A7-47A87940848B}"/>
+              </a:ext>
+            </a:extLst>
+          </p:cNvPr>
+          <p:cNvSpPr txBox="1">
+            <a:spLocks/>
+          </p:cNvSpPr>
+          <p:nvPr/>
+        </p:nvSpPr>
+        <p:spPr>
+          <a:xfrm>
+            <a:off x="6241113" y="4928072"/>
+            <a:ext cx="5493687" cy="1252333"/>
+          </a:xfrm>
+          <a:prstGeom prst="rect">
+            <a:avLst/>
+          </a:prstGeom>
+        </p:spPr>
+        <p:txBody>
+          <a:bodyPr vert="horz" lIns="91440" tIns="45720" rIns="91440" bIns="45720" rtlCol="0" anchor="t">
+            <a:noAutofit/>
+          </a:bodyPr>
+          <a:lstStyle>
+            <a:lvl1pPr marL="306000" indent="-306000" algn="l" defTabSz="457200" rtl="0" eaLnBrk="1" latinLnBrk="0" hangingPunct="1">
+              <a:spcBef>
+                <a:spcPct val="20000"/>
+              </a:spcBef>
+              <a:spcAft>
+                <a:spcPts val="600"/>
+              </a:spcAft>
+              <a:buClr>
+                <a:schemeClr val="accent2"/>
+              </a:buClr>
+              <a:buSzPct val="92000"/>
+              <a:buFont typeface="Wingdings 2" panose="05020102010507070707" pitchFamily="18" charset="2"/>
+              <a:buChar char=""/>
+              <a:defRPr sz="1800" kern="1200">
+                <a:solidFill>
+                  <a:schemeClr val="tx2"/>
+                </a:solidFill>
+                <a:latin typeface="+mn-lt"/>
+                <a:ea typeface="+mn-ea"/>
+                <a:cs typeface="+mn-cs"/>
+              </a:defRPr>
+            </a:lvl1pPr>
+            <a:lvl2pPr marL="630000" indent="-306000" algn="l" defTabSz="457200" rtl="0" eaLnBrk="1" latinLnBrk="0" hangingPunct="1">
+              <a:spcBef>
+                <a:spcPct val="20000"/>
+              </a:spcBef>
+              <a:spcAft>
+                <a:spcPts val="600"/>
+              </a:spcAft>
+              <a:buClr>
+                <a:schemeClr val="accent2"/>
+              </a:buClr>
+              <a:buSzPct val="92000"/>
+              <a:buFont typeface="Wingdings 2" panose="05020102010507070707" pitchFamily="18" charset="2"/>
+              <a:buChar char=""/>
+              <a:defRPr sz="1600" kern="1200">
+                <a:solidFill>
+                  <a:schemeClr val="tx2"/>
+                </a:solidFill>
+                <a:latin typeface="+mn-lt"/>
+                <a:ea typeface="+mn-ea"/>
+                <a:cs typeface="+mn-cs"/>
+              </a:defRPr>
+            </a:lvl2pPr>
+            <a:lvl3pPr marL="900000" indent="-270000" algn="l" defTabSz="457200" rtl="0" eaLnBrk="1" latinLnBrk="0" hangingPunct="1">
+              <a:spcBef>
+                <a:spcPct val="20000"/>
+              </a:spcBef>
+              <a:spcAft>
+                <a:spcPts val="600"/>
+              </a:spcAft>
+              <a:buClr>
+                <a:schemeClr val="accent2"/>
+              </a:buClr>
+              <a:buSzPct val="92000"/>
+              <a:buFont typeface="Wingdings 2" panose="05020102010507070707" pitchFamily="18" charset="2"/>
+              <a:buChar char=""/>
+              <a:defRPr sz="1400" kern="1200">
+                <a:solidFill>
+                  <a:schemeClr val="tx2"/>
+                </a:solidFill>
+                <a:latin typeface="+mn-lt"/>
+                <a:ea typeface="+mn-ea"/>
+                <a:cs typeface="+mn-cs"/>
+              </a:defRPr>
+            </a:lvl3pPr>
+            <a:lvl4pPr marL="1242000" indent="-234000" algn="l" defTabSz="457200" rtl="0" eaLnBrk="1" latinLnBrk="0" hangingPunct="1">
+              <a:spcBef>
+                <a:spcPct val="20000"/>
+              </a:spcBef>
+              <a:spcAft>
+                <a:spcPts val="600"/>
+              </a:spcAft>
+              <a:buClr>
+                <a:schemeClr val="accent2"/>
+              </a:buClr>
+              <a:buSzPct val="92000"/>
+              <a:buFont typeface="Wingdings 2" panose="05020102010507070707" pitchFamily="18" charset="2"/>
+              <a:buChar char=""/>
+              <a:defRPr sz="1200" kern="1200">
+                <a:solidFill>
+                  <a:schemeClr val="tx2"/>
+                </a:solidFill>
+                <a:latin typeface="+mn-lt"/>
+                <a:ea typeface="+mn-ea"/>
+                <a:cs typeface="+mn-cs"/>
+              </a:defRPr>
+            </a:lvl4pPr>
+            <a:lvl5pPr marL="1602000" indent="-234000" algn="l" defTabSz="457200" rtl="0" eaLnBrk="1" latinLnBrk="0" hangingPunct="1">
+              <a:spcBef>
+                <a:spcPct val="20000"/>
+              </a:spcBef>
+              <a:spcAft>
+                <a:spcPts val="600"/>
+              </a:spcAft>
+              <a:buClr>
+                <a:schemeClr val="accent2"/>
+              </a:buClr>
+              <a:buSzPct val="92000"/>
+              <a:buFont typeface="Wingdings 2" panose="05020102010507070707" pitchFamily="18" charset="2"/>
+              <a:buChar char=""/>
+              <a:defRPr sz="1200" kern="1200">
+                <a:solidFill>
+                  <a:schemeClr val="tx2"/>
+                </a:solidFill>
+                <a:latin typeface="+mn-lt"/>
+                <a:ea typeface="+mn-ea"/>
+                <a:cs typeface="+mn-cs"/>
+              </a:defRPr>
+            </a:lvl5pPr>
+            <a:lvl6pPr marL="1900000" indent="-228600" algn="l" defTabSz="457200" rtl="0" eaLnBrk="1" latinLnBrk="0" hangingPunct="1">
+              <a:spcBef>
+                <a:spcPct val="20000"/>
+              </a:spcBef>
+              <a:spcAft>
+                <a:spcPts val="600"/>
+              </a:spcAft>
+              <a:buClr>
+                <a:schemeClr val="accent2"/>
+              </a:buClr>
+              <a:buSzPct val="92000"/>
+              <a:buFont typeface="Wingdings 2" panose="05020102010507070707" pitchFamily="18" charset="2"/>
+              <a:buChar char=""/>
+              <a:defRPr sz="1200" kern="1200">
+                <a:solidFill>
+                  <a:schemeClr val="tx2"/>
+                </a:solidFill>
+                <a:latin typeface="+mn-lt"/>
+                <a:ea typeface="+mn-ea"/>
+                <a:cs typeface="+mn-cs"/>
+              </a:defRPr>
+            </a:lvl6pPr>
+            <a:lvl7pPr marL="2200000" indent="-228600" algn="l" defTabSz="457200" rtl="0" eaLnBrk="1" latinLnBrk="0" hangingPunct="1">
+              <a:spcBef>
+                <a:spcPct val="20000"/>
+              </a:spcBef>
+              <a:spcAft>
+                <a:spcPts val="600"/>
+              </a:spcAft>
+              <a:buClr>
+                <a:schemeClr val="accent2"/>
+              </a:buClr>
+              <a:buSzPct val="92000"/>
+              <a:buFont typeface="Wingdings 2" panose="05020102010507070707" pitchFamily="18" charset="2"/>
+              <a:buChar char=""/>
+              <a:defRPr sz="1200" kern="1200">
+                <a:solidFill>
+                  <a:schemeClr val="tx2"/>
+                </a:solidFill>
+                <a:latin typeface="+mn-lt"/>
+                <a:ea typeface="+mn-ea"/>
+                <a:cs typeface="+mn-cs"/>
+              </a:defRPr>
+            </a:lvl7pPr>
+            <a:lvl8pPr marL="2500000" indent="-228600" algn="l" defTabSz="457200" rtl="0" eaLnBrk="1" latinLnBrk="0" hangingPunct="1">
+              <a:spcBef>
+                <a:spcPct val="20000"/>
+              </a:spcBef>
+              <a:spcAft>
+                <a:spcPts val="600"/>
+              </a:spcAft>
+              <a:buClr>
+                <a:schemeClr val="accent2"/>
+              </a:buClr>
+              <a:buSzPct val="92000"/>
+              <a:buFont typeface="Wingdings 2" panose="05020102010507070707" pitchFamily="18" charset="2"/>
+              <a:buChar char=""/>
+              <a:defRPr sz="1200" kern="1200">
+                <a:solidFill>
+                  <a:schemeClr val="tx2"/>
+                </a:solidFill>
+                <a:latin typeface="+mn-lt"/>
+                <a:ea typeface="+mn-ea"/>
+                <a:cs typeface="+mn-cs"/>
+              </a:defRPr>
+            </a:lvl8pPr>
+            <a:lvl9pPr marL="2800000" indent="-228600" algn="l" defTabSz="457200" rtl="0" eaLnBrk="1" latinLnBrk="0" hangingPunct="1">
+              <a:spcBef>
+                <a:spcPct val="20000"/>
+              </a:spcBef>
+              <a:spcAft>
+                <a:spcPts val="600"/>
+              </a:spcAft>
+              <a:buClr>
+                <a:schemeClr val="accent2"/>
+              </a:buClr>
+              <a:buSzPct val="92000"/>
+              <a:buFont typeface="Wingdings 2" panose="05020102010507070707" pitchFamily="18" charset="2"/>
+              <a:buChar char=""/>
+              <a:defRPr sz="1200" kern="1200">
+                <a:solidFill>
+                  <a:schemeClr val="tx2"/>
+                </a:solidFill>
+                <a:latin typeface="+mn-lt"/>
+                <a:ea typeface="+mn-ea"/>
+                <a:cs typeface="+mn-cs"/>
+              </a:defRPr>
+            </a:lvl9pPr>
+          </a:lstStyle>
+          <a:p>
+            <a:pPr>
+              <a:buClr>
+                <a:srgbClr val="1A3160"/>
+              </a:buClr>
+            </a:pPr>
+            <a:r>
+              <a:rPr lang="en-US" sz="1200" dirty="0">
+                <a:solidFill>
+                  <a:srgbClr val="1A3160"/>
+                </a:solidFill>
+                <a:latin typeface="Aptos" panose="020B0004020202020204" pitchFamily="34" charset="0"/>
+              </a:rPr>
+              <a:t>Household air pollution is much more of a public health issue in the country</a:t>
+            </a:r>
+          </a:p>
+          <a:p>
+            <a:pPr>
+              <a:buClr>
+                <a:srgbClr val="1A3160"/>
+              </a:buClr>
+            </a:pPr>
+            <a:r>
+              <a:rPr lang="en-US" sz="1200" dirty="0">
+                <a:solidFill>
+                  <a:srgbClr val="1A3160"/>
+                </a:solidFill>
+                <a:latin typeface="Aptos" panose="020B0004020202020204" pitchFamily="34" charset="0"/>
+              </a:rPr>
+              <a:t>Large strides in expanding healthcare and clean fuel access in urban areas explain much of the significant improvements in outcomes </a:t>
+            </a:r>
+          </a:p>
+          <a:p>
+            <a:pPr>
+              <a:buClr>
+                <a:srgbClr val="1A3160"/>
+              </a:buClr>
+            </a:pPr>
+            <a:r>
+              <a:rPr lang="en-US" sz="1200" dirty="0">
+                <a:solidFill>
+                  <a:srgbClr val="1A3160"/>
+                </a:solidFill>
+                <a:latin typeface="Aptos" panose="020B0004020202020204" pitchFamily="34" charset="0"/>
+              </a:rPr>
+              <a:t>Despite this progress, mortality and DALYs rates were more than double the world averages in 2019</a:t>
+            </a:r>
+            <a:r>
+              <a:rPr lang="en-US" sz="1200" baseline="-25000" dirty="0">
+                <a:solidFill>
+                  <a:srgbClr val="1A3160"/>
+                </a:solidFill>
+                <a:latin typeface="Aptos" panose="020B0004020202020204" pitchFamily="34" charset="0"/>
+              </a:rPr>
+              <a:t>2</a:t>
+            </a:r>
+            <a:endParaRPr lang="en-US" sz="1200" dirty="0">
+              <a:solidFill>
+                <a:srgbClr val="1A3160"/>
+              </a:solidFill>
+              <a:latin typeface="Aptos" panose="020B0004020202020204" pitchFamily="34" charset="0"/>
+            </a:endParaRPr>
+          </a:p>
+          <a:p>
+            <a:pPr>
+              <a:buClr>
+                <a:srgbClr val="1A3160"/>
+              </a:buClr>
+            </a:pPr>
+            <a:endParaRPr lang="en-US" sz="1400" dirty="0">
+              <a:solidFill>
+                <a:srgbClr val="1A3160"/>
+              </a:solidFill>
+              <a:latin typeface="Aptos" panose="020B0004020202020204" pitchFamily="34" charset="0"/>
+            </a:endParaRPr>
+          </a:p>
+          <a:p>
+            <a:pPr marL="0" indent="0">
+              <a:buNone/>
+            </a:pPr>
+            <a:endParaRPr lang="en-US" sz="1400" b="1" dirty="0">
+              <a:solidFill>
+                <a:srgbClr val="4490B8"/>
+              </a:solidFill>
+              <a:latin typeface="Helvetica" pitchFamily="2" charset="0"/>
+            </a:endParaRPr>
+          </a:p>
+          <a:p>
+            <a:endParaRPr lang="en-US" sz="1400" dirty="0">
+              <a:latin typeface="Helvetica" pitchFamily="2" charset="0"/>
+            </a:endParaRPr>
+          </a:p>
+        </p:txBody>
+      </p:sp>
+      <p:sp>
+        <p:nvSpPr>
+          <p:cNvPr id="11" name="TextBox 10">
+            <a:extLst>
+              <a:ext uri="{FF2B5EF4-FFF2-40B4-BE49-F238E27FC236}">
+                <a16:creationId xmlns:a16="http://schemas.microsoft.com/office/drawing/2014/main" id="{3CA3614B-E8FA-7A2F-3674-272F915E8CFF}"/>
+              </a:ext>
+            </a:extLst>
+          </p:cNvPr>
+          <p:cNvSpPr txBox="1"/>
+          <p:nvPr/>
+        </p:nvSpPr>
+        <p:spPr>
+          <a:xfrm>
+            <a:off x="316685" y="6664783"/>
+            <a:ext cx="11500466" cy="215444"/>
+          </a:xfrm>
+          <a:prstGeom prst="rect">
+            <a:avLst/>
+          </a:prstGeom>
+          <a:noFill/>
+        </p:spPr>
+        <p:txBody>
+          <a:bodyPr wrap="square" rtlCol="0">
+            <a:spAutoFit/>
+          </a:bodyPr>
+          <a:lstStyle/>
+          <a:p>
+            <a:pPr>
+              <a:spcAft>
+                <a:spcPts val="600"/>
+              </a:spcAft>
+            </a:pPr>
+            <a:r>
+              <a:rPr lang="en-US" sz="800" dirty="0">
+                <a:latin typeface="Aptos" panose="020B0004020202020204" pitchFamily="34" charset="0"/>
+              </a:rPr>
+              <a:t>Source:  1 &amp; 2) World Health Organization.</a:t>
+            </a:r>
+            <a:endParaRPr lang="en-US" sz="800" dirty="0">
+              <a:latin typeface="Helvetica" pitchFamily="2" charset="0"/>
+            </a:endParaRPr>
+          </a:p>
+        </p:txBody>
+      </p:sp>
+    </p:spTree>
+    <p:extLst>
+      <p:ext uri="{BB962C8B-B14F-4D97-AF65-F5344CB8AC3E}">
+        <p14:creationId xmlns:p14="http://schemas.microsoft.com/office/powerpoint/2010/main" val="1803737845"/>
+      </p:ext>
+    </p:extLst>
+  </p:cSld>
+  <p:clrMapOvr>
+    <a:masterClrMapping/>
+  </p:clrMapOvr>
+</p:sld>
+</file>
+
+<file path=ppt/slides/slide9.xml><?xml version="1.0" encoding="utf-8"?>
+<p:sld xmlns:a="http://schemas.openxmlformats.org/drawingml/2006/main" xmlns:r="http://schemas.openxmlformats.org/officeDocument/2006/relationships" xmlns:p="http://schemas.openxmlformats.org/presentationml/2006/main">
+  <p:cSld>
+    <p:spTree>
+      <p:nvGrpSpPr>
+        <p:cNvPr id="1" name=""/>
+        <p:cNvGrpSpPr/>
+        <p:nvPr/>
+      </p:nvGrpSpPr>
+      <p:grpSpPr>
+        <a:xfrm>
+          <a:off x="0" y="0"/>
+          <a:ext cx="0" cy="0"/>
+          <a:chOff x="0" y="0"/>
+          <a:chExt cx="0" cy="0"/>
+        </a:xfrm>
+      </p:grpSpPr>
+      <p:sp>
+        <p:nvSpPr>
+          <p:cNvPr id="2" name="Title 1">
+            <a:extLst>
+              <a:ext uri="{FF2B5EF4-FFF2-40B4-BE49-F238E27FC236}">
+                <a16:creationId xmlns:a16="http://schemas.microsoft.com/office/drawing/2014/main" id="{F9AF9D42-82E7-6BBA-9292-0BCD929D5093}"/>
+              </a:ext>
+            </a:extLst>
+          </p:cNvPr>
+          <p:cNvSpPr>
+            <a:spLocks noGrp="1"/>
+          </p:cNvSpPr>
+          <p:nvPr>
+            <p:ph type="title"/>
+          </p:nvPr>
+        </p:nvSpPr>
+        <p:spPr/>
+        <p:txBody>
+          <a:bodyPr/>
+          <a:lstStyle/>
+          <a:p>
+            <a:r>
+              <a:rPr lang="en-US" dirty="0"/>
+              <a:t>Fixed effects model – Predicting under-5 mortality rate</a:t>
+            </a:r>
+          </a:p>
+        </p:txBody>
+      </p:sp>
+      <p:sp>
+        <p:nvSpPr>
+          <p:cNvPr id="7" name="TextBox 6">
+            <a:extLst>
+              <a:ext uri="{FF2B5EF4-FFF2-40B4-BE49-F238E27FC236}">
+                <a16:creationId xmlns:a16="http://schemas.microsoft.com/office/drawing/2014/main" id="{3454DB3C-DE12-F77E-1631-94D7C748CAE3}"/>
+              </a:ext>
+            </a:extLst>
+          </p:cNvPr>
+          <p:cNvSpPr txBox="1"/>
+          <p:nvPr/>
+        </p:nvSpPr>
+        <p:spPr>
+          <a:xfrm>
+            <a:off x="358173" y="5027512"/>
+            <a:ext cx="4401215" cy="1754326"/>
+          </a:xfrm>
+          <a:prstGeom prst="rect">
+            <a:avLst/>
+          </a:prstGeom>
+          <a:noFill/>
+        </p:spPr>
+        <p:txBody>
+          <a:bodyPr wrap="square" rtlCol="0">
+            <a:spAutoFit/>
+          </a:bodyPr>
+          <a:lstStyle/>
+          <a:p>
+            <a:pPr marL="171450" indent="-171450">
+              <a:spcBef>
+                <a:spcPts val="200"/>
+              </a:spcBef>
+              <a:spcAft>
+                <a:spcPts val="200"/>
+              </a:spcAft>
+              <a:buClr>
+                <a:srgbClr val="1A3160"/>
+              </a:buClr>
+              <a:buSzPct val="92000"/>
+              <a:buFont typeface="Wingdings" pitchFamily="2" charset="2"/>
+              <a:buChar char="§"/>
+            </a:pPr>
+            <a:r>
+              <a:rPr lang="en-US" sz="1100" dirty="0">
+                <a:solidFill>
+                  <a:srgbClr val="1A3160"/>
+                </a:solidFill>
+                <a:latin typeface="Aptos" panose="020B0004020202020204" pitchFamily="34" charset="0"/>
+              </a:rPr>
+              <a:t>Estimator: Fixed effects with entity and time effects (</a:t>
+            </a:r>
+            <a:r>
+              <a:rPr lang="en-US" sz="1100" dirty="0" err="1">
+                <a:solidFill>
+                  <a:srgbClr val="1A3160"/>
+                </a:solidFill>
+                <a:latin typeface="Aptos" panose="020B0004020202020204" pitchFamily="34" charset="0"/>
+              </a:rPr>
+              <a:t>PanelOLS</a:t>
+            </a:r>
+            <a:r>
+              <a:rPr lang="en-US" sz="1100" dirty="0">
+                <a:solidFill>
+                  <a:srgbClr val="1A3160"/>
+                </a:solidFill>
+                <a:latin typeface="Aptos" panose="020B0004020202020204" pitchFamily="34" charset="0"/>
+              </a:rPr>
+              <a:t>)</a:t>
+            </a:r>
+          </a:p>
+          <a:p>
+            <a:pPr marL="171450" indent="-171450">
+              <a:spcBef>
+                <a:spcPts val="200"/>
+              </a:spcBef>
+              <a:spcAft>
+                <a:spcPts val="200"/>
+              </a:spcAft>
+              <a:buClr>
+                <a:srgbClr val="1A3160"/>
+              </a:buClr>
+              <a:buSzPct val="92000"/>
+              <a:buFont typeface="Wingdings" pitchFamily="2" charset="2"/>
+              <a:buChar char="§"/>
+            </a:pPr>
+            <a:r>
+              <a:rPr lang="en-US" sz="1100" dirty="0" err="1">
+                <a:solidFill>
+                  <a:srgbClr val="1A3160"/>
+                </a:solidFill>
+                <a:latin typeface="Aptos" panose="020B0004020202020204" pitchFamily="34" charset="0"/>
+              </a:rPr>
+              <a:t>Cov</a:t>
+            </a:r>
+            <a:r>
+              <a:rPr lang="en-US" sz="1100" dirty="0">
+                <a:solidFill>
+                  <a:srgbClr val="1A3160"/>
+                </a:solidFill>
+                <a:latin typeface="Aptos" panose="020B0004020202020204" pitchFamily="34" charset="0"/>
+              </a:rPr>
+              <a:t>. Estimator: Clustered</a:t>
+            </a:r>
+          </a:p>
+          <a:p>
+            <a:pPr marL="171450" indent="-171450">
+              <a:spcBef>
+                <a:spcPts val="200"/>
+              </a:spcBef>
+              <a:spcAft>
+                <a:spcPts val="200"/>
+              </a:spcAft>
+              <a:buClr>
+                <a:srgbClr val="1A3160"/>
+              </a:buClr>
+              <a:buSzPct val="92000"/>
+              <a:buFont typeface="Wingdings" pitchFamily="2" charset="2"/>
+              <a:buChar char="§"/>
+            </a:pPr>
+            <a:r>
+              <a:rPr lang="en-US" sz="1100" dirty="0">
+                <a:solidFill>
+                  <a:srgbClr val="1A3160"/>
+                </a:solidFill>
+                <a:latin typeface="Aptos" panose="020B0004020202020204" pitchFamily="34" charset="0"/>
+              </a:rPr>
+              <a:t>Overall R²: 0.52</a:t>
+            </a:r>
+          </a:p>
+          <a:p>
+            <a:pPr marL="171450" indent="-171450">
+              <a:spcBef>
+                <a:spcPts val="200"/>
+              </a:spcBef>
+              <a:spcAft>
+                <a:spcPts val="200"/>
+              </a:spcAft>
+              <a:buClr>
+                <a:srgbClr val="1A3160"/>
+              </a:buClr>
+              <a:buSzPct val="92000"/>
+              <a:buFont typeface="Wingdings" pitchFamily="2" charset="2"/>
+              <a:buChar char="§"/>
+            </a:pPr>
+            <a:r>
+              <a:rPr lang="en-US" sz="1100" dirty="0">
+                <a:solidFill>
+                  <a:srgbClr val="1A3160"/>
+                </a:solidFill>
+                <a:latin typeface="Aptos" panose="020B0004020202020204" pitchFamily="34" charset="0"/>
+              </a:rPr>
+              <a:t>No. Observations: 1405</a:t>
+            </a:r>
+          </a:p>
+          <a:p>
+            <a:pPr marL="171450" indent="-171450">
+              <a:spcBef>
+                <a:spcPts val="200"/>
+              </a:spcBef>
+              <a:spcAft>
+                <a:spcPts val="200"/>
+              </a:spcAft>
+              <a:buClr>
+                <a:srgbClr val="1A3160"/>
+              </a:buClr>
+              <a:buSzPct val="92000"/>
+              <a:buFont typeface="Wingdings" pitchFamily="2" charset="2"/>
+              <a:buChar char="§"/>
+            </a:pPr>
+            <a:r>
+              <a:rPr lang="en-US" sz="1100" dirty="0">
+                <a:solidFill>
+                  <a:srgbClr val="1A3160"/>
+                </a:solidFill>
+                <a:latin typeface="Aptos" panose="020B0004020202020204" pitchFamily="34" charset="0"/>
+              </a:rPr>
+              <a:t>No. Entities: 164 </a:t>
+            </a:r>
+          </a:p>
+          <a:p>
+            <a:pPr marL="171450" indent="-171450">
+              <a:spcBef>
+                <a:spcPts val="200"/>
+              </a:spcBef>
+              <a:spcAft>
+                <a:spcPts val="200"/>
+              </a:spcAft>
+              <a:buClr>
+                <a:srgbClr val="1A3160"/>
+              </a:buClr>
+              <a:buSzPct val="92000"/>
+              <a:buFont typeface="Wingdings" pitchFamily="2" charset="2"/>
+              <a:buChar char="§"/>
+            </a:pPr>
+            <a:r>
+              <a:rPr lang="en-US" sz="1100" dirty="0">
+                <a:solidFill>
+                  <a:srgbClr val="1A3160"/>
+                </a:solidFill>
+                <a:latin typeface="Aptos" panose="020B0004020202020204" pitchFamily="34" charset="0"/>
+              </a:rPr>
+              <a:t>Time periods: 20</a:t>
+            </a:r>
+          </a:p>
+          <a:p>
+            <a:pPr marL="171450" indent="-171450">
+              <a:spcBef>
+                <a:spcPts val="200"/>
+              </a:spcBef>
+              <a:spcAft>
+                <a:spcPts val="200"/>
+              </a:spcAft>
+              <a:buClr>
+                <a:srgbClr val="1A3160"/>
+              </a:buClr>
+              <a:buSzPct val="92000"/>
+              <a:buFont typeface="Wingdings" pitchFamily="2" charset="2"/>
+              <a:buChar char="§"/>
+            </a:pPr>
+            <a:r>
+              <a:rPr lang="en-US" sz="1100" dirty="0">
+                <a:solidFill>
+                  <a:srgbClr val="1A3160"/>
+                </a:solidFill>
+                <a:latin typeface="Aptos" panose="020B0004020202020204" pitchFamily="34" charset="0"/>
+              </a:rPr>
+              <a:t>The model achieves statistical significance (F-statistic robust p-value &lt; 0.001)</a:t>
+            </a:r>
+          </a:p>
+        </p:txBody>
+      </p:sp>
+      <p:pic>
+        <p:nvPicPr>
+          <p:cNvPr id="9" name="Picture 8" descr="A screenshot of a computer screen&#10;&#10;AI-generated content may be incorrect.">
+            <a:extLst>
+              <a:ext uri="{FF2B5EF4-FFF2-40B4-BE49-F238E27FC236}">
+                <a16:creationId xmlns:a16="http://schemas.microsoft.com/office/drawing/2014/main" id="{DA3174FD-1E38-9EA0-764F-692FA62FBEC8}"/>
+              </a:ext>
+            </a:extLst>
+          </p:cNvPr>
+          <p:cNvPicPr>
+            <a:picLocks noChangeAspect="1"/>
+          </p:cNvPicPr>
+          <p:nvPr/>
+        </p:nvPicPr>
+        <p:blipFill>
+          <a:blip r:embed="rId2"/>
+          <a:stretch>
+            <a:fillRect/>
+          </a:stretch>
+        </p:blipFill>
+        <p:spPr>
+          <a:xfrm>
+            <a:off x="6084846" y="2048927"/>
+            <a:ext cx="5144432" cy="2750706"/>
+          </a:xfrm>
+          <a:prstGeom prst="rect">
+            <a:avLst/>
+          </a:prstGeom>
+        </p:spPr>
+      </p:pic>
+      <p:sp>
+        <p:nvSpPr>
+          <p:cNvPr id="10" name="TextBox 9">
+            <a:extLst>
+              <a:ext uri="{FF2B5EF4-FFF2-40B4-BE49-F238E27FC236}">
+                <a16:creationId xmlns:a16="http://schemas.microsoft.com/office/drawing/2014/main" id="{E0872873-7B50-6890-AC00-3678EF70FD0A}"/>
+              </a:ext>
+            </a:extLst>
+          </p:cNvPr>
+          <p:cNvSpPr txBox="1"/>
+          <p:nvPr/>
+        </p:nvSpPr>
+        <p:spPr>
+          <a:xfrm>
+            <a:off x="5990230" y="5189094"/>
+            <a:ext cx="5878879" cy="1431161"/>
+          </a:xfrm>
+          <a:prstGeom prst="rect">
+            <a:avLst/>
+          </a:prstGeom>
+          <a:noFill/>
+        </p:spPr>
+        <p:txBody>
+          <a:bodyPr wrap="square" rtlCol="0">
+            <a:spAutoFit/>
+          </a:bodyPr>
+          <a:lstStyle/>
+          <a:p>
+            <a:pPr marL="171450" indent="-171450">
+              <a:spcBef>
+                <a:spcPts val="300"/>
+              </a:spcBef>
+              <a:spcAft>
+                <a:spcPts val="300"/>
+              </a:spcAft>
+              <a:buFont typeface="Wingdings" pitchFamily="2" charset="2"/>
+              <a:buChar char="§"/>
+            </a:pPr>
+            <a:r>
+              <a:rPr lang="en-US" sz="1100" dirty="0">
+                <a:solidFill>
+                  <a:srgbClr val="1A3160"/>
+                </a:solidFill>
+                <a:latin typeface="Aptos" panose="020B0004020202020204" pitchFamily="34" charset="0"/>
+              </a:rPr>
+              <a:t>Every 1 percentage point (pp) increase in urbanization is significantly associated with a </a:t>
+            </a:r>
+            <a:r>
+              <a:rPr lang="en-US" sz="1100" b="1" dirty="0">
+                <a:solidFill>
+                  <a:srgbClr val="1A3160"/>
+                </a:solidFill>
+                <a:latin typeface="Aptos" panose="020B0004020202020204" pitchFamily="34" charset="0"/>
+              </a:rPr>
+              <a:t>decrease of</a:t>
+            </a:r>
+            <a:r>
+              <a:rPr lang="en-US" sz="1100" dirty="0">
+                <a:solidFill>
+                  <a:srgbClr val="1A3160"/>
+                </a:solidFill>
+                <a:latin typeface="Aptos" panose="020B0004020202020204" pitchFamily="34" charset="0"/>
+              </a:rPr>
+              <a:t> </a:t>
+            </a:r>
+            <a:r>
+              <a:rPr lang="en-US" sz="1100" b="1" dirty="0">
+                <a:solidFill>
+                  <a:srgbClr val="1A3160"/>
+                </a:solidFill>
+                <a:latin typeface="Aptos" panose="020B0004020202020204" pitchFamily="34" charset="0"/>
+              </a:rPr>
+              <a:t>0.61 deaths per 1000 live births </a:t>
+            </a:r>
+            <a:r>
+              <a:rPr lang="en-US" sz="1100" dirty="0">
+                <a:solidFill>
+                  <a:srgbClr val="1A3160"/>
+                </a:solidFill>
+                <a:latin typeface="Aptos" panose="020B0004020202020204" pitchFamily="34" charset="0"/>
+              </a:rPr>
+              <a:t>in under-5 mortality rate</a:t>
+            </a:r>
+          </a:p>
+          <a:p>
+            <a:pPr marL="171450" indent="-171450">
+              <a:spcBef>
+                <a:spcPts val="300"/>
+              </a:spcBef>
+              <a:spcAft>
+                <a:spcPts val="300"/>
+              </a:spcAft>
+              <a:buFont typeface="Wingdings" pitchFamily="2" charset="2"/>
+              <a:buChar char="§"/>
+            </a:pPr>
+            <a:r>
+              <a:rPr lang="en-US" sz="1100" dirty="0">
+                <a:solidFill>
+                  <a:srgbClr val="1A3160"/>
+                </a:solidFill>
+                <a:latin typeface="Aptos" panose="020B0004020202020204" pitchFamily="34" charset="0"/>
+              </a:rPr>
+              <a:t>Every 1 µg/m³ increase in mean ambient PM2.5 concentration is significantly associated with an increase of </a:t>
+            </a:r>
+            <a:r>
+              <a:rPr lang="en-US" sz="1100" b="1" dirty="0">
+                <a:solidFill>
+                  <a:srgbClr val="1A3160"/>
+                </a:solidFill>
+                <a:latin typeface="Aptos" panose="020B0004020202020204" pitchFamily="34" charset="0"/>
+              </a:rPr>
+              <a:t>0.46 deaths per 1000 live births </a:t>
+            </a:r>
+            <a:r>
+              <a:rPr lang="en-US" sz="1100" dirty="0">
+                <a:solidFill>
+                  <a:srgbClr val="1A3160"/>
+                </a:solidFill>
+                <a:latin typeface="Aptos" panose="020B0004020202020204" pitchFamily="34" charset="0"/>
+              </a:rPr>
+              <a:t>in under-5 mortality rate</a:t>
+            </a:r>
+          </a:p>
+          <a:p>
+            <a:pPr marL="171450" indent="-171450">
+              <a:spcBef>
+                <a:spcPts val="300"/>
+              </a:spcBef>
+              <a:spcAft>
+                <a:spcPts val="300"/>
+              </a:spcAft>
+              <a:buFont typeface="Wingdings" pitchFamily="2" charset="2"/>
+              <a:buChar char="§"/>
+            </a:pPr>
+            <a:r>
+              <a:rPr lang="en-US" sz="1100" dirty="0">
+                <a:solidFill>
+                  <a:srgbClr val="1A3160"/>
+                </a:solidFill>
+                <a:latin typeface="Aptos" panose="020B0004020202020204" pitchFamily="34" charset="0"/>
+              </a:rPr>
+              <a:t> Every pp increase in urbanization above 0% is significantly associated with an additional mitigatory </a:t>
+            </a:r>
+            <a:r>
+              <a:rPr lang="en-US" sz="1100" b="1" dirty="0">
+                <a:solidFill>
+                  <a:srgbClr val="1A3160"/>
+                </a:solidFill>
+                <a:latin typeface="Aptos" panose="020B0004020202020204" pitchFamily="34" charset="0"/>
+              </a:rPr>
+              <a:t>decrease of</a:t>
+            </a:r>
+            <a:r>
+              <a:rPr lang="en-US" sz="1100" dirty="0">
+                <a:solidFill>
+                  <a:srgbClr val="1A3160"/>
+                </a:solidFill>
+                <a:latin typeface="Aptos" panose="020B0004020202020204" pitchFamily="34" charset="0"/>
+              </a:rPr>
+              <a:t> </a:t>
+            </a:r>
+            <a:r>
+              <a:rPr lang="en-US" sz="1100" b="1" dirty="0">
+                <a:solidFill>
+                  <a:srgbClr val="1A3160"/>
+                </a:solidFill>
+                <a:latin typeface="Aptos" panose="020B0004020202020204" pitchFamily="34" charset="0"/>
+              </a:rPr>
+              <a:t>0.01 deaths per 1000 live births </a:t>
+            </a:r>
+            <a:r>
+              <a:rPr lang="en-US" sz="1100" dirty="0">
+                <a:solidFill>
+                  <a:srgbClr val="1A3160"/>
+                </a:solidFill>
+                <a:latin typeface="Aptos" panose="020B0004020202020204" pitchFamily="34" charset="0"/>
+              </a:rPr>
+              <a:t>in under-5 mortality rate related to mean ambient PM2.5 concentration</a:t>
+            </a:r>
+          </a:p>
+        </p:txBody>
+      </p:sp>
+      <p:sp>
+        <p:nvSpPr>
+          <p:cNvPr id="14" name="TextBox 13">
+            <a:extLst>
+              <a:ext uri="{FF2B5EF4-FFF2-40B4-BE49-F238E27FC236}">
+                <a16:creationId xmlns:a16="http://schemas.microsoft.com/office/drawing/2014/main" id="{C115DCDE-A15C-292F-4E55-C4F97405C141}"/>
+              </a:ext>
+            </a:extLst>
+          </p:cNvPr>
+          <p:cNvSpPr txBox="1"/>
+          <p:nvPr/>
+        </p:nvSpPr>
+        <p:spPr>
+          <a:xfrm>
+            <a:off x="5990229" y="4827236"/>
+            <a:ext cx="2852687" cy="230832"/>
+          </a:xfrm>
+          <a:prstGeom prst="rect">
+            <a:avLst/>
+          </a:prstGeom>
+          <a:noFill/>
+        </p:spPr>
+        <p:txBody>
+          <a:bodyPr wrap="square" rtlCol="0">
+            <a:spAutoFit/>
+          </a:bodyPr>
+          <a:lstStyle/>
+          <a:p>
+            <a:r>
+              <a:rPr lang="en-US" sz="900" dirty="0">
+                <a:latin typeface="Aptos" panose="020B0004020202020204" pitchFamily="34" charset="0"/>
+              </a:rPr>
+              <a:t>See Appendix for short description of variables</a:t>
+            </a:r>
+          </a:p>
+        </p:txBody>
+      </p:sp>
+      <p:pic>
+        <p:nvPicPr>
+          <p:cNvPr id="18" name="Content Placeholder 17" descr="A diagram of a graph&#10;&#10;AI-generated content may be incorrect.">
+            <a:extLst>
+              <a:ext uri="{FF2B5EF4-FFF2-40B4-BE49-F238E27FC236}">
+                <a16:creationId xmlns:a16="http://schemas.microsoft.com/office/drawing/2014/main" id="{F8755917-01E9-8F7D-1A3A-58137D2ADF07}"/>
+              </a:ext>
+            </a:extLst>
+          </p:cNvPr>
+          <p:cNvPicPr>
+            <a:picLocks noGrp="1" noChangeAspect="1"/>
+          </p:cNvPicPr>
+          <p:nvPr>
+            <p:ph sz="half" idx="1"/>
+          </p:nvPr>
+        </p:nvPicPr>
+        <p:blipFill>
+          <a:blip r:embed="rId3"/>
+          <a:srcRect l="2391" t="6211" r="7978"/>
+          <a:stretch/>
+        </p:blipFill>
+        <p:spPr>
+          <a:xfrm>
+            <a:off x="434898" y="1981200"/>
+            <a:ext cx="3920626" cy="3076868"/>
+          </a:xfrm>
+        </p:spPr>
+      </p:pic>
+    </p:spTree>
+    <p:extLst>
+      <p:ext uri="{BB962C8B-B14F-4D97-AF65-F5344CB8AC3E}">
+        <p14:creationId xmlns:p14="http://schemas.microsoft.com/office/powerpoint/2010/main" val="510890455"/>
       </p:ext>
     </p:extLst>
   </p:cSld>

--- a/Air Pollution in Ethiopia - Short Form.pptx
+++ b/Air Pollution in Ethiopia - Short Form.pptx
@@ -12174,7 +12174,43 @@
                 </a:solidFill>
                 <a:latin typeface="Aptos" panose="020B0004020202020204" pitchFamily="34" charset="0"/>
               </a:rPr>
-              <a:t>Every 1 µg/m³ increase in mean ambient PM2.5 concentration is significantly associated with an increase of </a:t>
+              <a:t>Every 1 µg/m³ increase in mean ambient PM2.5 concentration is significantly associated with an </a:t>
+            </a:r>
+            <a:r>
+              <a:rPr lang="en-US" sz="1100" b="1" dirty="0">
+                <a:solidFill>
+                  <a:srgbClr val="1A3160"/>
+                </a:solidFill>
+                <a:latin typeface="Aptos" panose="020B0004020202020204" pitchFamily="34" charset="0"/>
+              </a:rPr>
+              <a:t>increase</a:t>
+            </a:r>
+            <a:r>
+              <a:rPr lang="en-US" sz="1100" dirty="0">
+                <a:solidFill>
+                  <a:srgbClr val="1A3160"/>
+                </a:solidFill>
+                <a:latin typeface="Aptos" panose="020B0004020202020204" pitchFamily="34" charset="0"/>
+              </a:rPr>
+              <a:t> </a:t>
+            </a:r>
+            <a:r>
+              <a:rPr lang="en-US" sz="1100" b="1" dirty="0">
+                <a:solidFill>
+                  <a:srgbClr val="1A3160"/>
+                </a:solidFill>
+                <a:latin typeface="Aptos" panose="020B0004020202020204" pitchFamily="34" charset="0"/>
+              </a:rPr>
+              <a:t>of</a:t>
+            </a:r>
+            <a:r>
+              <a:rPr lang="en-US" sz="1100" dirty="0">
+                <a:solidFill>
+                  <a:srgbClr val="1A3160"/>
+                </a:solidFill>
+                <a:latin typeface="Aptos" panose="020B0004020202020204" pitchFamily="34" charset="0"/>
+              </a:rPr>
+              <a:t> </a:t>
             </a:r>
             <a:r>
               <a:rPr lang="en-US" sz="1100" b="1" dirty="0">

--- a/Air Pollution in Ethiopia - Short Form.pptx
+++ b/Air Pollution in Ethiopia - Short Form.pptx
@@ -7301,7 +7301,7 @@
                 </a:solidFill>
                 <a:latin typeface="Aptos" panose="020B0004020202020204" pitchFamily="34" charset="0"/>
               </a:rPr>
-              <a:t>Predictor 1:  pct of population in urban areas</a:t>
+              <a:t>Predictor 1:  percentage of population in urban areas</a:t>
             </a:r>
           </a:p>
           <a:p>
@@ -7358,7 +7358,7 @@
                 </a:solidFill>
                 <a:latin typeface="Aptos" panose="020B0004020202020204" pitchFamily="34" charset="0"/>
               </a:rPr>
-              <a:t>Control 2: pct of primary-school-aged children enrolled in school</a:t>
+              <a:t>Control 2: percentage of primary-school-aged children enrolled in school</a:t>
             </a:r>
           </a:p>
           <a:p>
@@ -7396,7 +7396,7 @@
                 </a:solidFill>
                 <a:latin typeface="Aptos" panose="020B0004020202020204" pitchFamily="34" charset="0"/>
               </a:rPr>
-              <a:t>Control 4: domestic general government health expenditure as pct of GDP</a:t>
+              <a:t>Control 4: domestic general government health expenditure as percentage of GDP</a:t>
             </a:r>
           </a:p>
           <a:p>
@@ -7434,7 +7434,7 @@
                 </a:solidFill>
                 <a:latin typeface="Aptos" panose="020B0004020202020204" pitchFamily="34" charset="0"/>
               </a:rPr>
-              <a:t>Predictor 1 x Predictor 2: interaction term between urbanization pct and PM2.5 concentration variables</a:t>
+              <a:t>Predictor 1 x Predictor 2: interaction term between urbanization percentage and PM2.5 concentration variables</a:t>
             </a:r>
           </a:p>
         </p:txBody>

--- a/Air Pollution in Ethiopia - Short Form.pptx
+++ b/Air Pollution in Ethiopia - Short Form.pptx
@@ -6764,7 +6764,7 @@
                 </a:solidFill>
                 <a:latin typeface="Aptos" panose="020B0004020202020204" pitchFamily="34" charset="0"/>
               </a:rPr>
-              <a:t>High import taxes and zero age / fuel regulation incentivizes purchase of older, cheaper, fuel inefficient vehicles</a:t>
+              <a:t>High import taxes and zero age / fuel regulations incentivize purchase of older, cheaper, fuel inefficient vehicles</a:t>
             </a:r>
             <a:r>
               <a:rPr lang="en-US" sz="1200" baseline="-25000" dirty="0">
